--- a/img/figs.pptx
+++ b/img/figs.pptx
@@ -5,7 +5,7 @@
     <p:sldMasterId id="2147483648" r:id="rId1"/>
   </p:sldMasterIdLst>
   <p:notesMasterIdLst>
-    <p:notesMasterId r:id="rId8"/>
+    <p:notesMasterId r:id="rId12"/>
   </p:notesMasterIdLst>
   <p:sldIdLst>
     <p:sldId id="256" r:id="rId2"/>
@@ -14,6 +14,10 @@
     <p:sldId id="259" r:id="rId5"/>
     <p:sldId id="260" r:id="rId6"/>
     <p:sldId id="261" r:id="rId7"/>
+    <p:sldId id="262" r:id="rId8"/>
+    <p:sldId id="263" r:id="rId9"/>
+    <p:sldId id="264" r:id="rId10"/>
+    <p:sldId id="265" r:id="rId11"/>
   </p:sldIdLst>
   <p:sldSz cx="12192000" cy="6858000"/>
   <p:notesSz cx="6858000" cy="9144000"/>
@@ -112,6 +116,11 @@
       </a:defRPr>
     </a:lvl9pPr>
   </p:defaultTextStyle>
+  <p:extLst>
+    <p:ext uri="{EFAFB233-063F-42B5-8137-9DF3F51BA10A}">
+      <p15:sldGuideLst xmlns:p15="http://schemas.microsoft.com/office/powerpoint/2012/main"/>
+    </p:ext>
+  </p:extLst>
 </p:presentation>
 </file>
 
@@ -197,7 +206,7 @@
           <a:p>
             <a:fld id="{10A41DE2-BC10-F04F-98A8-E054FB26CDFF}" type="datetimeFigureOut">
               <a:rPr lang="en-US" smtClean="0"/>
-              <a:t>7/26/19</a:t>
+              <a:t>7/27/19</a:t>
             </a:fld>
             <a:endParaRPr lang="en-US"/>
           </a:p>
@@ -695,7 +704,7 @@
           <a:p>
             <a:fld id="{7E318D30-1040-7443-8111-D0DBEBCCCF60}" type="datetimeFigureOut">
               <a:rPr lang="en-US" smtClean="0"/>
-              <a:t>7/26/19</a:t>
+              <a:t>7/27/19</a:t>
             </a:fld>
             <a:endParaRPr lang="en-US"/>
           </a:p>
@@ -893,7 +902,7 @@
           <a:p>
             <a:fld id="{7E318D30-1040-7443-8111-D0DBEBCCCF60}" type="datetimeFigureOut">
               <a:rPr lang="en-US" smtClean="0"/>
-              <a:t>7/26/19</a:t>
+              <a:t>7/27/19</a:t>
             </a:fld>
             <a:endParaRPr lang="en-US"/>
           </a:p>
@@ -1101,7 +1110,7 @@
           <a:p>
             <a:fld id="{7E318D30-1040-7443-8111-D0DBEBCCCF60}" type="datetimeFigureOut">
               <a:rPr lang="en-US" smtClean="0"/>
-              <a:t>7/26/19</a:t>
+              <a:t>7/27/19</a:t>
             </a:fld>
             <a:endParaRPr lang="en-US"/>
           </a:p>
@@ -1299,7 +1308,7 @@
           <a:p>
             <a:fld id="{7E318D30-1040-7443-8111-D0DBEBCCCF60}" type="datetimeFigureOut">
               <a:rPr lang="en-US" smtClean="0"/>
-              <a:t>7/26/19</a:t>
+              <a:t>7/27/19</a:t>
             </a:fld>
             <a:endParaRPr lang="en-US"/>
           </a:p>
@@ -1574,7 +1583,7 @@
           <a:p>
             <a:fld id="{7E318D30-1040-7443-8111-D0DBEBCCCF60}" type="datetimeFigureOut">
               <a:rPr lang="en-US" smtClean="0"/>
-              <a:t>7/26/19</a:t>
+              <a:t>7/27/19</a:t>
             </a:fld>
             <a:endParaRPr lang="en-US"/>
           </a:p>
@@ -1839,7 +1848,7 @@
           <a:p>
             <a:fld id="{7E318D30-1040-7443-8111-D0DBEBCCCF60}" type="datetimeFigureOut">
               <a:rPr lang="en-US" smtClean="0"/>
-              <a:t>7/26/19</a:t>
+              <a:t>7/27/19</a:t>
             </a:fld>
             <a:endParaRPr lang="en-US"/>
           </a:p>
@@ -2251,7 +2260,7 @@
           <a:p>
             <a:fld id="{7E318D30-1040-7443-8111-D0DBEBCCCF60}" type="datetimeFigureOut">
               <a:rPr lang="en-US" smtClean="0"/>
-              <a:t>7/26/19</a:t>
+              <a:t>7/27/19</a:t>
             </a:fld>
             <a:endParaRPr lang="en-US"/>
           </a:p>
@@ -2392,7 +2401,7 @@
           <a:p>
             <a:fld id="{7E318D30-1040-7443-8111-D0DBEBCCCF60}" type="datetimeFigureOut">
               <a:rPr lang="en-US" smtClean="0"/>
-              <a:t>7/26/19</a:t>
+              <a:t>7/27/19</a:t>
             </a:fld>
             <a:endParaRPr lang="en-US"/>
           </a:p>
@@ -2505,7 +2514,7 @@
           <a:p>
             <a:fld id="{7E318D30-1040-7443-8111-D0DBEBCCCF60}" type="datetimeFigureOut">
               <a:rPr lang="en-US" smtClean="0"/>
-              <a:t>7/26/19</a:t>
+              <a:t>7/27/19</a:t>
             </a:fld>
             <a:endParaRPr lang="en-US"/>
           </a:p>
@@ -2816,7 +2825,7 @@
           <a:p>
             <a:fld id="{7E318D30-1040-7443-8111-D0DBEBCCCF60}" type="datetimeFigureOut">
               <a:rPr lang="en-US" smtClean="0"/>
-              <a:t>7/26/19</a:t>
+              <a:t>7/27/19</a:t>
             </a:fld>
             <a:endParaRPr lang="en-US"/>
           </a:p>
@@ -3104,7 +3113,7 @@
           <a:p>
             <a:fld id="{7E318D30-1040-7443-8111-D0DBEBCCCF60}" type="datetimeFigureOut">
               <a:rPr lang="en-US" smtClean="0"/>
-              <a:t>7/26/19</a:t>
+              <a:t>7/27/19</a:t>
             </a:fld>
             <a:endParaRPr lang="en-US"/>
           </a:p>
@@ -3345,7 +3354,7 @@
           <a:p>
             <a:fld id="{7E318D30-1040-7443-8111-D0DBEBCCCF60}" type="datetimeFigureOut">
               <a:rPr lang="en-US" smtClean="0"/>
-              <a:t>7/26/19</a:t>
+              <a:t>7/27/19</a:t>
             </a:fld>
             <a:endParaRPr lang="en-US"/>
           </a:p>
@@ -4558,6 +4567,188 @@
 </p:sld>
 </file>
 
+<file path=ppt/slides/slide10.xml><?xml version="1.0" encoding="utf-8"?>
+<p:sld xmlns:a="http://schemas.openxmlformats.org/drawingml/2006/main" xmlns:r="http://schemas.openxmlformats.org/officeDocument/2006/relationships" xmlns:p="http://schemas.openxmlformats.org/presentationml/2006/main">
+  <p:cSld>
+    <p:spTree>
+      <p:nvGrpSpPr>
+        <p:cNvPr id="1" name=""/>
+        <p:cNvGrpSpPr/>
+        <p:nvPr/>
+      </p:nvGrpSpPr>
+      <p:grpSpPr>
+        <a:xfrm>
+          <a:off x="0" y="0"/>
+          <a:ext cx="0" cy="0"/>
+          <a:chOff x="0" y="0"/>
+          <a:chExt cx="0" cy="0"/>
+        </a:xfrm>
+      </p:grpSpPr>
+      <p:pic>
+        <p:nvPicPr>
+          <p:cNvPr id="3" name="Picture 2">
+            <a:extLst>
+              <a:ext uri="{FF2B5EF4-FFF2-40B4-BE49-F238E27FC236}">
+                <a16:creationId xmlns:a16="http://schemas.microsoft.com/office/drawing/2014/main" id="{4110BD80-AF38-6841-A7DD-28315F30584D}"/>
+              </a:ext>
+            </a:extLst>
+          </p:cNvPr>
+          <p:cNvPicPr>
+            <a:picLocks noChangeAspect="1"/>
+          </p:cNvPicPr>
+          <p:nvPr/>
+        </p:nvPicPr>
+        <p:blipFill>
+          <a:blip r:embed="rId2"/>
+          <a:stretch>
+            <a:fillRect/>
+          </a:stretch>
+        </p:blipFill>
+        <p:spPr>
+          <a:xfrm>
+            <a:off x="3416300" y="1536700"/>
+            <a:ext cx="5359400" cy="3784600"/>
+          </a:xfrm>
+          <a:prstGeom prst="rect">
+            <a:avLst/>
+          </a:prstGeom>
+        </p:spPr>
+      </p:pic>
+      <p:sp>
+        <p:nvSpPr>
+          <p:cNvPr id="4" name="TextBox 3">
+            <a:extLst>
+              <a:ext uri="{FF2B5EF4-FFF2-40B4-BE49-F238E27FC236}">
+                <a16:creationId xmlns:a16="http://schemas.microsoft.com/office/drawing/2014/main" id="{43436FDB-806E-A24D-B9B0-0C58FFCC23DC}"/>
+              </a:ext>
+            </a:extLst>
+          </p:cNvPr>
+          <p:cNvSpPr txBox="1"/>
+          <p:nvPr/>
+        </p:nvSpPr>
+        <p:spPr>
+          <a:xfrm>
+            <a:off x="3721427" y="5332192"/>
+            <a:ext cx="5054273" cy="369332"/>
+          </a:xfrm>
+          <a:prstGeom prst="rect">
+            <a:avLst/>
+          </a:prstGeom>
+          <a:noFill/>
+        </p:spPr>
+        <p:txBody>
+          <a:bodyPr wrap="square" rtlCol="0">
+            <a:spAutoFit/>
+          </a:bodyPr>
+          <a:lstStyle/>
+          <a:p>
+            <a:pPr algn="ctr"/>
+            <a:r>
+              <a:rPr lang="en-US" dirty="0"/>
+              <a:t>Ranked Row Index</a:t>
+            </a:r>
+          </a:p>
+        </p:txBody>
+      </p:sp>
+      <p:sp>
+        <p:nvSpPr>
+          <p:cNvPr id="5" name="TextBox 4">
+            <a:extLst>
+              <a:ext uri="{FF2B5EF4-FFF2-40B4-BE49-F238E27FC236}">
+                <a16:creationId xmlns:a16="http://schemas.microsoft.com/office/drawing/2014/main" id="{EAD5426F-D511-7F4A-8761-A17FE73C3DBE}"/>
+              </a:ext>
+            </a:extLst>
+          </p:cNvPr>
+          <p:cNvSpPr txBox="1"/>
+          <p:nvPr/>
+        </p:nvSpPr>
+        <p:spPr>
+          <a:xfrm rot="16200000">
+            <a:off x="1448490" y="3135177"/>
+            <a:ext cx="3566287" cy="369332"/>
+          </a:xfrm>
+          <a:prstGeom prst="rect">
+            <a:avLst/>
+          </a:prstGeom>
+          <a:noFill/>
+        </p:spPr>
+        <p:txBody>
+          <a:bodyPr wrap="square" rtlCol="0">
+            <a:spAutoFit/>
+          </a:bodyPr>
+          <a:lstStyle/>
+          <a:p>
+            <a:pPr algn="ctr"/>
+            <a:r>
+              <a:rPr lang="en-US" dirty="0" err="1"/>
+              <a:t>p_DEFAULT_NEXT_MONTH</a:t>
+            </a:r>
+            <a:endParaRPr lang="en-US" dirty="0"/>
+          </a:p>
+        </p:txBody>
+      </p:sp>
+      <p:sp>
+        <p:nvSpPr>
+          <p:cNvPr id="6" name="TextBox 5">
+            <a:extLst>
+              <a:ext uri="{FF2B5EF4-FFF2-40B4-BE49-F238E27FC236}">
+                <a16:creationId xmlns:a16="http://schemas.microsoft.com/office/drawing/2014/main" id="{B841546A-5D34-384D-BCEF-3D6CF4BB9661}"/>
+              </a:ext>
+            </a:extLst>
+          </p:cNvPr>
+          <p:cNvSpPr txBox="1"/>
+          <p:nvPr/>
+        </p:nvSpPr>
+        <p:spPr>
+          <a:xfrm>
+            <a:off x="6336580" y="1575887"/>
+            <a:ext cx="2439120" cy="646331"/>
+          </a:xfrm>
+          <a:prstGeom prst="rect">
+            <a:avLst/>
+          </a:prstGeom>
+          <a:noFill/>
+        </p:spPr>
+        <p:txBody>
+          <a:bodyPr wrap="square" rtlCol="0">
+            <a:spAutoFit/>
+          </a:bodyPr>
+          <a:lstStyle/>
+          <a:p>
+            <a:r>
+              <a:rPr lang="en-US" sz="1200" dirty="0" err="1"/>
+              <a:t>p_glm_DEFAULT_NEXT_MONTH</a:t>
+            </a:r>
+            <a:endParaRPr lang="en-US" sz="1200" dirty="0"/>
+          </a:p>
+          <a:p>
+            <a:r>
+              <a:rPr lang="en-US" sz="1200" dirty="0" err="1"/>
+              <a:t>p_gbm_DEFAULT_NEXT_MONTH</a:t>
+            </a:r>
+            <a:endParaRPr lang="en-US" sz="1200" dirty="0"/>
+          </a:p>
+          <a:p>
+            <a:r>
+              <a:rPr lang="en-US" sz="1200" dirty="0"/>
+              <a:t>DEFAULT_NEXT_MONTH</a:t>
+            </a:r>
+          </a:p>
+        </p:txBody>
+      </p:sp>
+    </p:spTree>
+    <p:extLst>
+      <p:ext uri="{BB962C8B-B14F-4D97-AF65-F5344CB8AC3E}">
+        <p14:creationId xmlns:p14="http://schemas.microsoft.com/office/powerpoint/2010/main" val="786435049"/>
+      </p:ext>
+    </p:extLst>
+  </p:cSld>
+  <p:clrMapOvr>
+    <a:masterClrMapping/>
+  </p:clrMapOvr>
+</p:sld>
+</file>
+
 <file path=ppt/slides/slide2.xml><?xml version="1.0" encoding="utf-8"?>
 <p:sld xmlns:a="http://schemas.openxmlformats.org/drawingml/2006/main" xmlns:r="http://schemas.openxmlformats.org/officeDocument/2006/relationships" xmlns:p="http://schemas.openxmlformats.org/presentationml/2006/main">
   <p:cSld>
@@ -4664,7 +4855,7 @@
             </a:pPr>
             <a:r>
               <a:rPr lang="en-US" sz="1650" dirty="0"/>
-              <a:t>PAY_AMT_2</a:t>
+              <a:t>PAY_AMT2</a:t>
             </a:r>
           </a:p>
           <a:p>
@@ -6760,10 +6951,10 @@
       </p:sp>
       <p:sp>
         <p:nvSpPr>
-          <p:cNvPr id="6" name="TextBox 5">
-            <a:extLst>
-              <a:ext uri="{FF2B5EF4-FFF2-40B4-BE49-F238E27FC236}">
-                <a16:creationId xmlns:a16="http://schemas.microsoft.com/office/drawing/2014/main" id="{F82810A9-36E7-B742-AD19-BA36768B15E6}"/>
+          <p:cNvPr id="7" name="TextBox 6">
+            <a:extLst>
+              <a:ext uri="{FF2B5EF4-FFF2-40B4-BE49-F238E27FC236}">
+                <a16:creationId xmlns:a16="http://schemas.microsoft.com/office/drawing/2014/main" id="{9E186500-037F-0C46-8A32-977586ADC2B0}"/>
               </a:ext>
             </a:extLst>
           </p:cNvPr>
@@ -6771,9 +6962,9 @@
           <p:nvPr/>
         </p:nvSpPr>
         <p:spPr>
-          <a:xfrm rot="16200000">
-            <a:off x="752481" y="3233494"/>
-            <a:ext cx="4199544" cy="369332"/>
+          <a:xfrm>
+            <a:off x="3746941" y="1352787"/>
+            <a:ext cx="1881352" cy="492443"/>
           </a:xfrm>
           <a:prstGeom prst="rect">
             <a:avLst/>
@@ -6786,20 +6977,25 @@
           </a:bodyPr>
           <a:lstStyle/>
           <a:p>
-            <a:pPr algn="ctr"/>
-            <a:r>
-              <a:rPr lang="en-US" dirty="0"/>
-              <a:t>Predicted Probability</a:t>
-            </a:r>
-          </a:p>
-        </p:txBody>
-      </p:sp>
-      <p:sp>
-        <p:nvSpPr>
-          <p:cNvPr id="7" name="TextBox 6">
-            <a:extLst>
-              <a:ext uri="{FF2B5EF4-FFF2-40B4-BE49-F238E27FC236}">
-                <a16:creationId xmlns:a16="http://schemas.microsoft.com/office/drawing/2014/main" id="{9E186500-037F-0C46-8A32-977586ADC2B0}"/>
+            <a:r>
+              <a:rPr lang="en-US" sz="1300" dirty="0"/>
+              <a:t>33% Missing Data</a:t>
+            </a:r>
+          </a:p>
+          <a:p>
+            <a:r>
+              <a:rPr lang="en-US" sz="1300" dirty="0"/>
+              <a:t>0%   Missing Data</a:t>
+            </a:r>
+          </a:p>
+        </p:txBody>
+      </p:sp>
+      <p:sp>
+        <p:nvSpPr>
+          <p:cNvPr id="9" name="TextBox 8">
+            <a:extLst>
+              <a:ext uri="{FF2B5EF4-FFF2-40B4-BE49-F238E27FC236}">
+                <a16:creationId xmlns:a16="http://schemas.microsoft.com/office/drawing/2014/main" id="{F9C789D7-DBE3-4241-956B-C36857F69747}"/>
               </a:ext>
             </a:extLst>
           </p:cNvPr>
@@ -6807,9 +7003,9 @@
           <p:nvPr/>
         </p:nvSpPr>
         <p:spPr>
-          <a:xfrm>
-            <a:off x="3746941" y="1352787"/>
-            <a:ext cx="1881352" cy="492443"/>
+          <a:xfrm rot="16200000">
+            <a:off x="776807" y="3233493"/>
+            <a:ext cx="4199544" cy="369332"/>
           </a:xfrm>
           <a:prstGeom prst="rect">
             <a:avLst/>
@@ -6822,16 +7018,12 @@
           </a:bodyPr>
           <a:lstStyle/>
           <a:p>
-            <a:r>
-              <a:rPr lang="en-US" sz="1300" dirty="0"/>
-              <a:t>33% Missing Data</a:t>
-            </a:r>
-          </a:p>
-          <a:p>
-            <a:r>
-              <a:rPr lang="en-US" sz="1300" dirty="0"/>
-              <a:t>0%   Missing Data</a:t>
-            </a:r>
+            <a:pPr algn="ctr"/>
+            <a:r>
+              <a:rPr lang="en-US" dirty="0" err="1"/>
+              <a:t>p_DEFAULT_NEXT_MONTH</a:t>
+            </a:r>
+            <a:endParaRPr lang="en-US" dirty="0"/>
           </a:p>
         </p:txBody>
       </p:sp>
@@ -6839,6 +7031,1734 @@
     <p:extLst>
       <p:ext uri="{BB962C8B-B14F-4D97-AF65-F5344CB8AC3E}">
         <p14:creationId xmlns:p14="http://schemas.microsoft.com/office/powerpoint/2010/main" val="3964683750"/>
+      </p:ext>
+    </p:extLst>
+  </p:cSld>
+  <p:clrMapOvr>
+    <a:masterClrMapping/>
+  </p:clrMapOvr>
+</p:sld>
+</file>
+
+<file path=ppt/slides/slide7.xml><?xml version="1.0" encoding="utf-8"?>
+<p:sld xmlns:a="http://schemas.openxmlformats.org/drawingml/2006/main" xmlns:r="http://schemas.openxmlformats.org/officeDocument/2006/relationships" xmlns:p="http://schemas.openxmlformats.org/presentationml/2006/main">
+  <p:cSld>
+    <p:spTree>
+      <p:nvGrpSpPr>
+        <p:cNvPr id="1" name=""/>
+        <p:cNvGrpSpPr/>
+        <p:nvPr/>
+      </p:nvGrpSpPr>
+      <p:grpSpPr>
+        <a:xfrm>
+          <a:off x="0" y="0"/>
+          <a:ext cx="0" cy="0"/>
+          <a:chOff x="0" y="0"/>
+          <a:chExt cx="0" cy="0"/>
+        </a:xfrm>
+      </p:grpSpPr>
+      <p:pic>
+        <p:nvPicPr>
+          <p:cNvPr id="3" name="Picture 2">
+            <a:extLst>
+              <a:ext uri="{FF2B5EF4-FFF2-40B4-BE49-F238E27FC236}">
+                <a16:creationId xmlns:a16="http://schemas.microsoft.com/office/drawing/2014/main" id="{BFD784AF-823E-694D-B066-365DAB1FB992}"/>
+              </a:ext>
+            </a:extLst>
+          </p:cNvPr>
+          <p:cNvPicPr>
+            <a:picLocks noChangeAspect="1"/>
+          </p:cNvPicPr>
+          <p:nvPr/>
+        </p:nvPicPr>
+        <p:blipFill>
+          <a:blip r:embed="rId2"/>
+          <a:stretch>
+            <a:fillRect/>
+          </a:stretch>
+        </p:blipFill>
+        <p:spPr>
+          <a:xfrm>
+            <a:off x="-2990" y="1115559"/>
+            <a:ext cx="12194990" cy="4628015"/>
+          </a:xfrm>
+          <a:prstGeom prst="rect">
+            <a:avLst/>
+          </a:prstGeom>
+        </p:spPr>
+      </p:pic>
+      <p:sp>
+        <p:nvSpPr>
+          <p:cNvPr id="4" name="TextBox 3">
+            <a:extLst>
+              <a:ext uri="{FF2B5EF4-FFF2-40B4-BE49-F238E27FC236}">
+                <a16:creationId xmlns:a16="http://schemas.microsoft.com/office/drawing/2014/main" id="{326DD454-1B97-C14C-81B9-93373E62EA0E}"/>
+              </a:ext>
+            </a:extLst>
+          </p:cNvPr>
+          <p:cNvSpPr txBox="1"/>
+          <p:nvPr/>
+        </p:nvSpPr>
+        <p:spPr>
+          <a:xfrm>
+            <a:off x="-285689" y="1431967"/>
+            <a:ext cx="1397875" cy="3777316"/>
+          </a:xfrm>
+          <a:prstGeom prst="rect">
+            <a:avLst/>
+          </a:prstGeom>
+          <a:solidFill>
+            <a:schemeClr val="bg1"/>
+          </a:solidFill>
+        </p:spPr>
+        <p:txBody>
+          <a:bodyPr wrap="square" rtlCol="0">
+            <a:spAutoFit/>
+          </a:bodyPr>
+          <a:lstStyle/>
+          <a:p>
+            <a:pPr algn="r">
+              <a:lnSpc>
+                <a:spcPct val="80000"/>
+              </a:lnSpc>
+            </a:pPr>
+            <a:r>
+              <a:rPr lang="en-US" sz="1300" dirty="0"/>
+              <a:t>PAY_AMT6</a:t>
+            </a:r>
+          </a:p>
+          <a:p>
+            <a:pPr algn="r">
+              <a:lnSpc>
+                <a:spcPct val="80000"/>
+              </a:lnSpc>
+            </a:pPr>
+            <a:r>
+              <a:rPr lang="en-US" sz="1300" dirty="0"/>
+              <a:t>PAY_AMT5</a:t>
+            </a:r>
+          </a:p>
+          <a:p>
+            <a:pPr algn="r">
+              <a:lnSpc>
+                <a:spcPct val="80000"/>
+              </a:lnSpc>
+            </a:pPr>
+            <a:r>
+              <a:rPr lang="en-US" sz="1300" dirty="0"/>
+              <a:t>PAY_AMT4</a:t>
+            </a:r>
+          </a:p>
+          <a:p>
+            <a:pPr algn="r">
+              <a:lnSpc>
+                <a:spcPct val="80000"/>
+              </a:lnSpc>
+            </a:pPr>
+            <a:r>
+              <a:rPr lang="en-US" sz="1300" dirty="0"/>
+              <a:t>PAY_AMT3</a:t>
+            </a:r>
+          </a:p>
+          <a:p>
+            <a:pPr algn="r">
+              <a:lnSpc>
+                <a:spcPct val="80000"/>
+              </a:lnSpc>
+            </a:pPr>
+            <a:r>
+              <a:rPr lang="en-US" sz="1300" dirty="0"/>
+              <a:t>PAY_AMT2</a:t>
+            </a:r>
+          </a:p>
+          <a:p>
+            <a:pPr algn="r">
+              <a:lnSpc>
+                <a:spcPct val="80000"/>
+              </a:lnSpc>
+            </a:pPr>
+            <a:r>
+              <a:rPr lang="en-US" sz="1300" dirty="0"/>
+              <a:t>PAY_AMT1</a:t>
+            </a:r>
+          </a:p>
+          <a:p>
+            <a:pPr algn="r">
+              <a:lnSpc>
+                <a:spcPct val="80000"/>
+              </a:lnSpc>
+            </a:pPr>
+            <a:r>
+              <a:rPr lang="en-US" sz="1300" dirty="0"/>
+              <a:t>BILL_AMT6</a:t>
+            </a:r>
+          </a:p>
+          <a:p>
+            <a:pPr algn="r">
+              <a:lnSpc>
+                <a:spcPct val="80000"/>
+              </a:lnSpc>
+            </a:pPr>
+            <a:r>
+              <a:rPr lang="en-US" sz="1300" dirty="0"/>
+              <a:t>BILL_AMT5</a:t>
+            </a:r>
+          </a:p>
+          <a:p>
+            <a:pPr algn="r">
+              <a:lnSpc>
+                <a:spcPct val="80000"/>
+              </a:lnSpc>
+            </a:pPr>
+            <a:r>
+              <a:rPr lang="en-US" sz="1300" dirty="0"/>
+              <a:t>BILL_AMT4</a:t>
+            </a:r>
+          </a:p>
+          <a:p>
+            <a:pPr algn="r">
+              <a:lnSpc>
+                <a:spcPct val="80000"/>
+              </a:lnSpc>
+            </a:pPr>
+            <a:r>
+              <a:rPr lang="en-US" sz="1300" dirty="0"/>
+              <a:t>BILL_AMT3</a:t>
+            </a:r>
+          </a:p>
+          <a:p>
+            <a:pPr algn="r">
+              <a:lnSpc>
+                <a:spcPct val="80000"/>
+              </a:lnSpc>
+            </a:pPr>
+            <a:r>
+              <a:rPr lang="en-US" sz="1300" dirty="0"/>
+              <a:t>BILL_AMT2</a:t>
+            </a:r>
+          </a:p>
+          <a:p>
+            <a:pPr algn="r">
+              <a:lnSpc>
+                <a:spcPct val="80000"/>
+              </a:lnSpc>
+            </a:pPr>
+            <a:r>
+              <a:rPr lang="en-US" sz="1300" dirty="0"/>
+              <a:t>BILL_AMT1</a:t>
+            </a:r>
+          </a:p>
+          <a:p>
+            <a:pPr algn="r">
+              <a:lnSpc>
+                <a:spcPct val="80000"/>
+              </a:lnSpc>
+            </a:pPr>
+            <a:r>
+              <a:rPr lang="en-US" sz="1300" dirty="0"/>
+              <a:t>PAY_6</a:t>
+            </a:r>
+          </a:p>
+          <a:p>
+            <a:pPr algn="r">
+              <a:lnSpc>
+                <a:spcPct val="80000"/>
+              </a:lnSpc>
+            </a:pPr>
+            <a:r>
+              <a:rPr lang="en-US" sz="1300" dirty="0"/>
+              <a:t>PAY_5</a:t>
+            </a:r>
+          </a:p>
+          <a:p>
+            <a:pPr algn="r">
+              <a:lnSpc>
+                <a:spcPct val="80000"/>
+              </a:lnSpc>
+            </a:pPr>
+            <a:r>
+              <a:rPr lang="en-US" sz="1300" dirty="0"/>
+              <a:t>PAY_4</a:t>
+            </a:r>
+          </a:p>
+          <a:p>
+            <a:pPr algn="r">
+              <a:lnSpc>
+                <a:spcPct val="80000"/>
+              </a:lnSpc>
+            </a:pPr>
+            <a:r>
+              <a:rPr lang="en-US" sz="1300" dirty="0"/>
+              <a:t>PAY_3</a:t>
+            </a:r>
+          </a:p>
+          <a:p>
+            <a:pPr algn="r">
+              <a:lnSpc>
+                <a:spcPct val="80000"/>
+              </a:lnSpc>
+            </a:pPr>
+            <a:r>
+              <a:rPr lang="en-US" sz="1300" dirty="0"/>
+              <a:t>PAY_2</a:t>
+            </a:r>
+          </a:p>
+          <a:p>
+            <a:pPr algn="r">
+              <a:lnSpc>
+                <a:spcPct val="80000"/>
+              </a:lnSpc>
+            </a:pPr>
+            <a:r>
+              <a:rPr lang="en-US" sz="1300" dirty="0"/>
+              <a:t>PAY_0</a:t>
+            </a:r>
+          </a:p>
+          <a:p>
+            <a:pPr algn="r">
+              <a:lnSpc>
+                <a:spcPct val="80000"/>
+              </a:lnSpc>
+            </a:pPr>
+            <a:r>
+              <a:rPr lang="en-US" sz="1300" dirty="0"/>
+              <a:t>AGE</a:t>
+            </a:r>
+          </a:p>
+          <a:p>
+            <a:pPr algn="r">
+              <a:lnSpc>
+                <a:spcPct val="80000"/>
+              </a:lnSpc>
+            </a:pPr>
+            <a:r>
+              <a:rPr lang="en-US" sz="1300" dirty="0"/>
+              <a:t>MARRIAGE</a:t>
+            </a:r>
+          </a:p>
+          <a:p>
+            <a:pPr algn="r">
+              <a:lnSpc>
+                <a:spcPct val="80000"/>
+              </a:lnSpc>
+            </a:pPr>
+            <a:r>
+              <a:rPr lang="en-US" sz="1300" dirty="0"/>
+              <a:t>EDUCATION</a:t>
+            </a:r>
+          </a:p>
+          <a:p>
+            <a:pPr algn="r">
+              <a:lnSpc>
+                <a:spcPct val="80000"/>
+              </a:lnSpc>
+            </a:pPr>
+            <a:r>
+              <a:rPr lang="en-US" sz="1300" dirty="0"/>
+              <a:t>SEX</a:t>
+            </a:r>
+          </a:p>
+          <a:p>
+            <a:pPr algn="r">
+              <a:lnSpc>
+                <a:spcPct val="80000"/>
+              </a:lnSpc>
+            </a:pPr>
+            <a:r>
+              <a:rPr lang="en-US" sz="1300" dirty="0"/>
+              <a:t>LIMIT_BAL</a:t>
+            </a:r>
+          </a:p>
+        </p:txBody>
+      </p:sp>
+      <p:sp>
+        <p:nvSpPr>
+          <p:cNvPr id="5" name="TextBox 4">
+            <a:extLst>
+              <a:ext uri="{FF2B5EF4-FFF2-40B4-BE49-F238E27FC236}">
+                <a16:creationId xmlns:a16="http://schemas.microsoft.com/office/drawing/2014/main" id="{839A23AA-905D-1042-96D1-449404396BAE}"/>
+              </a:ext>
+            </a:extLst>
+          </p:cNvPr>
+          <p:cNvSpPr txBox="1"/>
+          <p:nvPr/>
+        </p:nvSpPr>
+        <p:spPr>
+          <a:xfrm>
+            <a:off x="1112185" y="5474526"/>
+            <a:ext cx="5264863" cy="369332"/>
+          </a:xfrm>
+          <a:prstGeom prst="rect">
+            <a:avLst/>
+          </a:prstGeom>
+          <a:solidFill>
+            <a:schemeClr val="bg1"/>
+          </a:solidFill>
+        </p:spPr>
+        <p:txBody>
+          <a:bodyPr wrap="square" rtlCol="0">
+            <a:spAutoFit/>
+          </a:bodyPr>
+          <a:lstStyle/>
+          <a:p>
+            <a:pPr algn="ctr"/>
+            <a:r>
+              <a:rPr lang="en-US" dirty="0"/>
+              <a:t>Average Shapley Feature Contributions</a:t>
+            </a:r>
+          </a:p>
+        </p:txBody>
+      </p:sp>
+      <p:sp>
+        <p:nvSpPr>
+          <p:cNvPr id="6" name="TextBox 5">
+            <a:extLst>
+              <a:ext uri="{FF2B5EF4-FFF2-40B4-BE49-F238E27FC236}">
+                <a16:creationId xmlns:a16="http://schemas.microsoft.com/office/drawing/2014/main" id="{32219CF4-9F59-1C41-833C-F7A8614BBD4E}"/>
+              </a:ext>
+            </a:extLst>
+          </p:cNvPr>
+          <p:cNvSpPr txBox="1"/>
+          <p:nvPr/>
+        </p:nvSpPr>
+        <p:spPr>
+          <a:xfrm>
+            <a:off x="6778638" y="5474526"/>
+            <a:ext cx="5264863" cy="369332"/>
+          </a:xfrm>
+          <a:prstGeom prst="rect">
+            <a:avLst/>
+          </a:prstGeom>
+          <a:solidFill>
+            <a:schemeClr val="bg1"/>
+          </a:solidFill>
+        </p:spPr>
+        <p:txBody>
+          <a:bodyPr wrap="square" rtlCol="0">
+            <a:spAutoFit/>
+          </a:bodyPr>
+          <a:lstStyle/>
+          <a:p>
+            <a:pPr algn="ctr"/>
+            <a:r>
+              <a:rPr lang="en-US" dirty="0"/>
+              <a:t>Average Shapley Feature Contributions</a:t>
+            </a:r>
+          </a:p>
+        </p:txBody>
+      </p:sp>
+      <p:sp>
+        <p:nvSpPr>
+          <p:cNvPr id="7" name="TextBox 6">
+            <a:extLst>
+              <a:ext uri="{FF2B5EF4-FFF2-40B4-BE49-F238E27FC236}">
+                <a16:creationId xmlns:a16="http://schemas.microsoft.com/office/drawing/2014/main" id="{7C204E10-A54F-5744-9FBC-6845395DA0D0}"/>
+              </a:ext>
+            </a:extLst>
+          </p:cNvPr>
+          <p:cNvSpPr txBox="1"/>
+          <p:nvPr/>
+        </p:nvSpPr>
+        <p:spPr>
+          <a:xfrm>
+            <a:off x="1112184" y="1072113"/>
+            <a:ext cx="5264863" cy="369332"/>
+          </a:xfrm>
+          <a:prstGeom prst="rect">
+            <a:avLst/>
+          </a:prstGeom>
+          <a:solidFill>
+            <a:schemeClr val="bg1"/>
+          </a:solidFill>
+        </p:spPr>
+        <p:txBody>
+          <a:bodyPr wrap="square" rtlCol="0">
+            <a:spAutoFit/>
+          </a:bodyPr>
+          <a:lstStyle/>
+          <a:p>
+            <a:pPr algn="ctr"/>
+            <a:r>
+              <a:rPr lang="en-US" dirty="0"/>
+              <a:t>Low Residual Rows</a:t>
+            </a:r>
+          </a:p>
+        </p:txBody>
+      </p:sp>
+      <p:sp>
+        <p:nvSpPr>
+          <p:cNvPr id="8" name="TextBox 7">
+            <a:extLst>
+              <a:ext uri="{FF2B5EF4-FFF2-40B4-BE49-F238E27FC236}">
+                <a16:creationId xmlns:a16="http://schemas.microsoft.com/office/drawing/2014/main" id="{D4302884-A862-874B-BFB7-1FF5FB003601}"/>
+              </a:ext>
+            </a:extLst>
+          </p:cNvPr>
+          <p:cNvSpPr txBox="1"/>
+          <p:nvPr/>
+        </p:nvSpPr>
+        <p:spPr>
+          <a:xfrm>
+            <a:off x="6927137" y="1067374"/>
+            <a:ext cx="5264863" cy="369332"/>
+          </a:xfrm>
+          <a:prstGeom prst="rect">
+            <a:avLst/>
+          </a:prstGeom>
+          <a:solidFill>
+            <a:schemeClr val="bg1"/>
+          </a:solidFill>
+        </p:spPr>
+        <p:txBody>
+          <a:bodyPr wrap="square" rtlCol="0">
+            <a:spAutoFit/>
+          </a:bodyPr>
+          <a:lstStyle/>
+          <a:p>
+            <a:pPr algn="ctr"/>
+            <a:r>
+              <a:rPr lang="en-US" dirty="0"/>
+              <a:t>High Residual Rows</a:t>
+            </a:r>
+          </a:p>
+        </p:txBody>
+      </p:sp>
+    </p:spTree>
+    <p:extLst>
+      <p:ext uri="{BB962C8B-B14F-4D97-AF65-F5344CB8AC3E}">
+        <p14:creationId xmlns:p14="http://schemas.microsoft.com/office/powerpoint/2010/main" val="3242364506"/>
+      </p:ext>
+    </p:extLst>
+  </p:cSld>
+  <p:clrMapOvr>
+    <a:masterClrMapping/>
+  </p:clrMapOvr>
+</p:sld>
+</file>
+
+<file path=ppt/slides/slide8.xml><?xml version="1.0" encoding="utf-8"?>
+<p:sld xmlns:a="http://schemas.openxmlformats.org/drawingml/2006/main" xmlns:r="http://schemas.openxmlformats.org/officeDocument/2006/relationships" xmlns:p="http://schemas.openxmlformats.org/presentationml/2006/main">
+  <p:cSld>
+    <p:spTree>
+      <p:nvGrpSpPr>
+        <p:cNvPr id="1" name=""/>
+        <p:cNvGrpSpPr/>
+        <p:nvPr/>
+      </p:nvGrpSpPr>
+      <p:grpSpPr>
+        <a:xfrm>
+          <a:off x="0" y="0"/>
+          <a:ext cx="0" cy="0"/>
+          <a:chOff x="0" y="0"/>
+          <a:chExt cx="0" cy="0"/>
+        </a:xfrm>
+      </p:grpSpPr>
+      <p:pic>
+        <p:nvPicPr>
+          <p:cNvPr id="3" name="Picture 2">
+            <a:extLst>
+              <a:ext uri="{FF2B5EF4-FFF2-40B4-BE49-F238E27FC236}">
+                <a16:creationId xmlns:a16="http://schemas.microsoft.com/office/drawing/2014/main" id="{FCC95A3D-B999-724D-8C17-E50C839B0FAD}"/>
+              </a:ext>
+            </a:extLst>
+          </p:cNvPr>
+          <p:cNvPicPr>
+            <a:picLocks noChangeAspect="1"/>
+          </p:cNvPicPr>
+          <p:nvPr/>
+        </p:nvPicPr>
+        <p:blipFill>
+          <a:blip r:embed="rId2"/>
+          <a:stretch>
+            <a:fillRect/>
+          </a:stretch>
+        </p:blipFill>
+        <p:spPr>
+          <a:xfrm>
+            <a:off x="300842" y="616896"/>
+            <a:ext cx="11590317" cy="5624209"/>
+          </a:xfrm>
+          <a:prstGeom prst="rect">
+            <a:avLst/>
+          </a:prstGeom>
+        </p:spPr>
+      </p:pic>
+      <p:sp>
+        <p:nvSpPr>
+          <p:cNvPr id="4" name="TextBox 3">
+            <a:extLst>
+              <a:ext uri="{FF2B5EF4-FFF2-40B4-BE49-F238E27FC236}">
+                <a16:creationId xmlns:a16="http://schemas.microsoft.com/office/drawing/2014/main" id="{C12457FC-68DE-ED44-8675-8DC155CAB686}"/>
+              </a:ext>
+            </a:extLst>
+          </p:cNvPr>
+          <p:cNvSpPr txBox="1"/>
+          <p:nvPr/>
+        </p:nvSpPr>
+        <p:spPr>
+          <a:xfrm>
+            <a:off x="1397875" y="5908881"/>
+            <a:ext cx="4362400" cy="523220"/>
+          </a:xfrm>
+          <a:prstGeom prst="rect">
+            <a:avLst/>
+          </a:prstGeom>
+          <a:solidFill>
+            <a:schemeClr val="bg1"/>
+          </a:solidFill>
+        </p:spPr>
+        <p:txBody>
+          <a:bodyPr wrap="square" rtlCol="0">
+            <a:spAutoFit/>
+          </a:bodyPr>
+          <a:lstStyle/>
+          <a:p>
+            <a:pPr algn="ctr"/>
+            <a:r>
+              <a:rPr lang="en-US" sz="1400" dirty="0"/>
+              <a:t>Mean(|SHAP| value) </a:t>
+            </a:r>
+          </a:p>
+          <a:p>
+            <a:pPr algn="ctr"/>
+            <a:r>
+              <a:rPr lang="en-US" sz="1400" dirty="0"/>
+              <a:t>(average impact on prediction magnitude)</a:t>
+            </a:r>
+          </a:p>
+        </p:txBody>
+      </p:sp>
+      <p:sp>
+        <p:nvSpPr>
+          <p:cNvPr id="5" name="TextBox 4">
+            <a:extLst>
+              <a:ext uri="{FF2B5EF4-FFF2-40B4-BE49-F238E27FC236}">
+                <a16:creationId xmlns:a16="http://schemas.microsoft.com/office/drawing/2014/main" id="{C63D410D-B7EC-A64E-ACC2-CA7AC3E6872F}"/>
+              </a:ext>
+            </a:extLst>
+          </p:cNvPr>
+          <p:cNvSpPr txBox="1"/>
+          <p:nvPr/>
+        </p:nvSpPr>
+        <p:spPr>
+          <a:xfrm>
+            <a:off x="7513808" y="5908881"/>
+            <a:ext cx="4195263" cy="523220"/>
+          </a:xfrm>
+          <a:prstGeom prst="rect">
+            <a:avLst/>
+          </a:prstGeom>
+          <a:solidFill>
+            <a:schemeClr val="bg1"/>
+          </a:solidFill>
+        </p:spPr>
+        <p:txBody>
+          <a:bodyPr wrap="square" rtlCol="0">
+            <a:spAutoFit/>
+          </a:bodyPr>
+          <a:lstStyle/>
+          <a:p>
+            <a:pPr algn="ctr"/>
+            <a:r>
+              <a:rPr lang="en-US" sz="1400" dirty="0"/>
+              <a:t>Mean(|SHAP| value) </a:t>
+            </a:r>
+          </a:p>
+          <a:p>
+            <a:pPr algn="ctr"/>
+            <a:r>
+              <a:rPr lang="en-US" sz="1400" dirty="0"/>
+              <a:t>(average impact on </a:t>
+            </a:r>
+            <a:r>
+              <a:rPr lang="en-US" sz="1400" dirty="0" err="1"/>
+              <a:t>logloss</a:t>
+            </a:r>
+            <a:r>
+              <a:rPr lang="en-US" sz="1400" dirty="0"/>
+              <a:t> magnitude)</a:t>
+            </a:r>
+          </a:p>
+        </p:txBody>
+      </p:sp>
+      <p:sp>
+        <p:nvSpPr>
+          <p:cNvPr id="7" name="TextBox 6">
+            <a:extLst>
+              <a:ext uri="{FF2B5EF4-FFF2-40B4-BE49-F238E27FC236}">
+                <a16:creationId xmlns:a16="http://schemas.microsoft.com/office/drawing/2014/main" id="{E6053391-2C97-D642-89ED-CA9A3091FDDE}"/>
+              </a:ext>
+            </a:extLst>
+          </p:cNvPr>
+          <p:cNvSpPr txBox="1"/>
+          <p:nvPr/>
+        </p:nvSpPr>
+        <p:spPr>
+          <a:xfrm>
+            <a:off x="0" y="948438"/>
+            <a:ext cx="1397875" cy="4769447"/>
+          </a:xfrm>
+          <a:prstGeom prst="rect">
+            <a:avLst/>
+          </a:prstGeom>
+          <a:solidFill>
+            <a:schemeClr val="bg1"/>
+          </a:solidFill>
+        </p:spPr>
+        <p:txBody>
+          <a:bodyPr wrap="square" rtlCol="0">
+            <a:spAutoFit/>
+          </a:bodyPr>
+          <a:lstStyle/>
+          <a:p>
+            <a:pPr algn="r">
+              <a:lnSpc>
+                <a:spcPct val="80000"/>
+              </a:lnSpc>
+            </a:pPr>
+            <a:r>
+              <a:rPr lang="en-US" sz="1650" dirty="0"/>
+              <a:t>PAY_0</a:t>
+            </a:r>
+          </a:p>
+          <a:p>
+            <a:pPr algn="r">
+              <a:lnSpc>
+                <a:spcPct val="80000"/>
+              </a:lnSpc>
+            </a:pPr>
+            <a:r>
+              <a:rPr lang="en-US" sz="1650" dirty="0"/>
+              <a:t>LIMIT_BAL</a:t>
+            </a:r>
+          </a:p>
+          <a:p>
+            <a:pPr algn="r">
+              <a:lnSpc>
+                <a:spcPct val="80000"/>
+              </a:lnSpc>
+            </a:pPr>
+            <a:r>
+              <a:rPr lang="en-US" sz="1650" dirty="0"/>
+              <a:t>PAY_AMT3</a:t>
+            </a:r>
+          </a:p>
+          <a:p>
+            <a:pPr algn="r">
+              <a:lnSpc>
+                <a:spcPct val="80000"/>
+              </a:lnSpc>
+            </a:pPr>
+            <a:r>
+              <a:rPr lang="en-US" sz="1650" dirty="0"/>
+              <a:t>BILL_AMT1</a:t>
+            </a:r>
+          </a:p>
+          <a:p>
+            <a:pPr algn="r">
+              <a:lnSpc>
+                <a:spcPct val="80000"/>
+              </a:lnSpc>
+            </a:pPr>
+            <a:r>
+              <a:rPr lang="en-US" sz="1650" dirty="0"/>
+              <a:t>PAY_AMT2</a:t>
+            </a:r>
+          </a:p>
+          <a:p>
+            <a:pPr algn="r">
+              <a:lnSpc>
+                <a:spcPct val="80000"/>
+              </a:lnSpc>
+            </a:pPr>
+            <a:r>
+              <a:rPr lang="en-US" sz="1650" dirty="0"/>
+              <a:t>PAY_2</a:t>
+            </a:r>
+          </a:p>
+          <a:p>
+            <a:pPr algn="r">
+              <a:lnSpc>
+                <a:spcPct val="80000"/>
+              </a:lnSpc>
+            </a:pPr>
+            <a:r>
+              <a:rPr lang="en-US" sz="1650" dirty="0"/>
+              <a:t>PAY_3</a:t>
+            </a:r>
+          </a:p>
+          <a:p>
+            <a:pPr algn="r">
+              <a:lnSpc>
+                <a:spcPct val="80000"/>
+              </a:lnSpc>
+            </a:pPr>
+            <a:r>
+              <a:rPr lang="en-US" sz="1650" dirty="0"/>
+              <a:t>PAY_AMT1</a:t>
+            </a:r>
+          </a:p>
+          <a:p>
+            <a:pPr algn="r">
+              <a:lnSpc>
+                <a:spcPct val="80000"/>
+              </a:lnSpc>
+            </a:pPr>
+            <a:r>
+              <a:rPr lang="en-US" sz="1650" dirty="0"/>
+              <a:t>PAY_5</a:t>
+            </a:r>
+          </a:p>
+          <a:p>
+            <a:pPr algn="r">
+              <a:lnSpc>
+                <a:spcPct val="80000"/>
+              </a:lnSpc>
+            </a:pPr>
+            <a:r>
+              <a:rPr lang="en-US" sz="1650" dirty="0"/>
+              <a:t>PAY_6</a:t>
+            </a:r>
+          </a:p>
+          <a:p>
+            <a:pPr algn="r">
+              <a:lnSpc>
+                <a:spcPct val="80000"/>
+              </a:lnSpc>
+            </a:pPr>
+            <a:r>
+              <a:rPr lang="en-US" sz="1650" dirty="0"/>
+              <a:t>AGE</a:t>
+            </a:r>
+          </a:p>
+          <a:p>
+            <a:pPr algn="r">
+              <a:lnSpc>
+                <a:spcPct val="80000"/>
+              </a:lnSpc>
+            </a:pPr>
+            <a:r>
+              <a:rPr lang="en-US" sz="1650" dirty="0"/>
+              <a:t>PAY_4</a:t>
+            </a:r>
+          </a:p>
+          <a:p>
+            <a:pPr algn="r">
+              <a:lnSpc>
+                <a:spcPct val="80000"/>
+              </a:lnSpc>
+            </a:pPr>
+            <a:r>
+              <a:rPr lang="en-US" sz="1650" dirty="0"/>
+              <a:t>MARRIAGE</a:t>
+            </a:r>
+          </a:p>
+          <a:p>
+            <a:pPr algn="r">
+              <a:lnSpc>
+                <a:spcPct val="80000"/>
+              </a:lnSpc>
+            </a:pPr>
+            <a:r>
+              <a:rPr lang="en-US" sz="1650" dirty="0"/>
+              <a:t>SEX</a:t>
+            </a:r>
+          </a:p>
+          <a:p>
+            <a:pPr algn="r">
+              <a:lnSpc>
+                <a:spcPct val="80000"/>
+              </a:lnSpc>
+            </a:pPr>
+            <a:r>
+              <a:rPr lang="en-US" sz="1650" dirty="0"/>
+              <a:t>PAY_AMT4</a:t>
+            </a:r>
+          </a:p>
+          <a:p>
+            <a:pPr algn="r">
+              <a:lnSpc>
+                <a:spcPct val="80000"/>
+              </a:lnSpc>
+            </a:pPr>
+            <a:r>
+              <a:rPr lang="en-US" sz="1650" dirty="0"/>
+              <a:t>PAY_AMT6</a:t>
+            </a:r>
+          </a:p>
+          <a:p>
+            <a:pPr algn="r">
+              <a:lnSpc>
+                <a:spcPct val="80000"/>
+              </a:lnSpc>
+            </a:pPr>
+            <a:r>
+              <a:rPr lang="en-US" sz="1650" dirty="0"/>
+              <a:t>PAY_AMT5</a:t>
+            </a:r>
+          </a:p>
+          <a:p>
+            <a:pPr algn="r">
+              <a:lnSpc>
+                <a:spcPct val="80000"/>
+              </a:lnSpc>
+            </a:pPr>
+            <a:r>
+              <a:rPr lang="en-US" sz="1650" dirty="0"/>
+              <a:t>EDUCATION</a:t>
+            </a:r>
+          </a:p>
+          <a:p>
+            <a:pPr algn="r">
+              <a:lnSpc>
+                <a:spcPct val="80000"/>
+              </a:lnSpc>
+            </a:pPr>
+            <a:r>
+              <a:rPr lang="en-US" sz="1650" dirty="0"/>
+              <a:t>BILL_AMT2</a:t>
+            </a:r>
+          </a:p>
+          <a:p>
+            <a:pPr algn="r">
+              <a:lnSpc>
+                <a:spcPct val="80000"/>
+              </a:lnSpc>
+            </a:pPr>
+            <a:r>
+              <a:rPr lang="en-US" sz="1650" dirty="0"/>
+              <a:t>BILL_AMT5</a:t>
+            </a:r>
+          </a:p>
+          <a:p>
+            <a:pPr algn="r">
+              <a:lnSpc>
+                <a:spcPct val="80000"/>
+              </a:lnSpc>
+            </a:pPr>
+            <a:r>
+              <a:rPr lang="en-US" sz="1650" dirty="0"/>
+              <a:t>BILL_AMT6</a:t>
+            </a:r>
+          </a:p>
+          <a:p>
+            <a:pPr algn="r">
+              <a:lnSpc>
+                <a:spcPct val="80000"/>
+              </a:lnSpc>
+            </a:pPr>
+            <a:r>
+              <a:rPr lang="en-US" sz="1650" dirty="0"/>
+              <a:t>BILL_AMT4</a:t>
+            </a:r>
+          </a:p>
+          <a:p>
+            <a:pPr algn="r">
+              <a:lnSpc>
+                <a:spcPct val="80000"/>
+              </a:lnSpc>
+            </a:pPr>
+            <a:r>
+              <a:rPr lang="en-US" sz="1650" dirty="0"/>
+              <a:t>BILL_AMT3</a:t>
+            </a:r>
+          </a:p>
+        </p:txBody>
+      </p:sp>
+      <p:sp>
+        <p:nvSpPr>
+          <p:cNvPr id="8" name="TextBox 7">
+            <a:extLst>
+              <a:ext uri="{FF2B5EF4-FFF2-40B4-BE49-F238E27FC236}">
+                <a16:creationId xmlns:a16="http://schemas.microsoft.com/office/drawing/2014/main" id="{23AAF93C-BA14-FE40-A6FA-422D82CF4F31}"/>
+              </a:ext>
+            </a:extLst>
+          </p:cNvPr>
+          <p:cNvSpPr txBox="1"/>
+          <p:nvPr/>
+        </p:nvSpPr>
+        <p:spPr>
+          <a:xfrm>
+            <a:off x="5966057" y="948438"/>
+            <a:ext cx="1397875" cy="4769447"/>
+          </a:xfrm>
+          <a:prstGeom prst="rect">
+            <a:avLst/>
+          </a:prstGeom>
+          <a:solidFill>
+            <a:schemeClr val="bg1"/>
+          </a:solidFill>
+        </p:spPr>
+        <p:txBody>
+          <a:bodyPr wrap="square" rtlCol="0">
+            <a:spAutoFit/>
+          </a:bodyPr>
+          <a:lstStyle/>
+          <a:p>
+            <a:pPr algn="r">
+              <a:lnSpc>
+                <a:spcPct val="80000"/>
+              </a:lnSpc>
+            </a:pPr>
+            <a:r>
+              <a:rPr lang="en-US" sz="1650" dirty="0"/>
+              <a:t>PAY_0</a:t>
+            </a:r>
+          </a:p>
+          <a:p>
+            <a:pPr algn="r">
+              <a:lnSpc>
+                <a:spcPct val="80000"/>
+              </a:lnSpc>
+            </a:pPr>
+            <a:r>
+              <a:rPr lang="en-US" sz="1650" dirty="0"/>
+              <a:t>PAY_3</a:t>
+            </a:r>
+          </a:p>
+          <a:p>
+            <a:pPr algn="r">
+              <a:lnSpc>
+                <a:spcPct val="80000"/>
+              </a:lnSpc>
+            </a:pPr>
+            <a:r>
+              <a:rPr lang="en-US" sz="1650" dirty="0"/>
+              <a:t>PAY_2</a:t>
+            </a:r>
+          </a:p>
+          <a:p>
+            <a:pPr algn="r">
+              <a:lnSpc>
+                <a:spcPct val="80000"/>
+              </a:lnSpc>
+            </a:pPr>
+            <a:r>
+              <a:rPr lang="en-US" sz="1650" dirty="0"/>
+              <a:t>LIMIT_BAL</a:t>
+            </a:r>
+          </a:p>
+          <a:p>
+            <a:pPr algn="r">
+              <a:lnSpc>
+                <a:spcPct val="80000"/>
+              </a:lnSpc>
+            </a:pPr>
+            <a:r>
+              <a:rPr lang="en-US" sz="1650" dirty="0"/>
+              <a:t>BILL_AMT1</a:t>
+            </a:r>
+          </a:p>
+          <a:p>
+            <a:pPr algn="r">
+              <a:lnSpc>
+                <a:spcPct val="80000"/>
+              </a:lnSpc>
+            </a:pPr>
+            <a:r>
+              <a:rPr lang="en-US" sz="1650" dirty="0"/>
+              <a:t>PAY_AMT3</a:t>
+            </a:r>
+          </a:p>
+          <a:p>
+            <a:pPr algn="r">
+              <a:lnSpc>
+                <a:spcPct val="80000"/>
+              </a:lnSpc>
+            </a:pPr>
+            <a:r>
+              <a:rPr lang="en-US" sz="1650" dirty="0"/>
+              <a:t>PAY_5</a:t>
+            </a:r>
+          </a:p>
+          <a:p>
+            <a:pPr algn="r">
+              <a:lnSpc>
+                <a:spcPct val="80000"/>
+              </a:lnSpc>
+            </a:pPr>
+            <a:r>
+              <a:rPr lang="en-US" sz="1650" dirty="0"/>
+              <a:t>PAY_AMT2</a:t>
+            </a:r>
+          </a:p>
+          <a:p>
+            <a:pPr algn="r">
+              <a:lnSpc>
+                <a:spcPct val="80000"/>
+              </a:lnSpc>
+            </a:pPr>
+            <a:r>
+              <a:rPr lang="en-US" sz="1650" dirty="0"/>
+              <a:t>PAY_6</a:t>
+            </a:r>
+          </a:p>
+          <a:p>
+            <a:pPr algn="r">
+              <a:lnSpc>
+                <a:spcPct val="80000"/>
+              </a:lnSpc>
+            </a:pPr>
+            <a:r>
+              <a:rPr lang="en-US" sz="1650" dirty="0"/>
+              <a:t>PAY_4</a:t>
+            </a:r>
+          </a:p>
+          <a:p>
+            <a:pPr algn="r">
+              <a:lnSpc>
+                <a:spcPct val="80000"/>
+              </a:lnSpc>
+            </a:pPr>
+            <a:r>
+              <a:rPr lang="en-US" sz="1650" dirty="0"/>
+              <a:t>MARRIAGE</a:t>
+            </a:r>
+          </a:p>
+          <a:p>
+            <a:pPr algn="r">
+              <a:lnSpc>
+                <a:spcPct val="80000"/>
+              </a:lnSpc>
+            </a:pPr>
+            <a:r>
+              <a:rPr lang="en-US" sz="1650" dirty="0"/>
+              <a:t>PAY_AMT1</a:t>
+            </a:r>
+          </a:p>
+          <a:p>
+            <a:pPr algn="r">
+              <a:lnSpc>
+                <a:spcPct val="80000"/>
+              </a:lnSpc>
+            </a:pPr>
+            <a:r>
+              <a:rPr lang="en-US" sz="1650" dirty="0"/>
+              <a:t>AGE</a:t>
+            </a:r>
+          </a:p>
+          <a:p>
+            <a:pPr algn="r">
+              <a:lnSpc>
+                <a:spcPct val="80000"/>
+              </a:lnSpc>
+            </a:pPr>
+            <a:r>
+              <a:rPr lang="en-US" sz="1650" dirty="0"/>
+              <a:t>SEX</a:t>
+            </a:r>
+          </a:p>
+          <a:p>
+            <a:pPr algn="r">
+              <a:lnSpc>
+                <a:spcPct val="80000"/>
+              </a:lnSpc>
+            </a:pPr>
+            <a:r>
+              <a:rPr lang="en-US" sz="1650" dirty="0"/>
+              <a:t>PAY_AMT4</a:t>
+            </a:r>
+          </a:p>
+          <a:p>
+            <a:pPr algn="r">
+              <a:lnSpc>
+                <a:spcPct val="80000"/>
+              </a:lnSpc>
+            </a:pPr>
+            <a:r>
+              <a:rPr lang="en-US" sz="1650" dirty="0"/>
+              <a:t>PAY_AMT6</a:t>
+            </a:r>
+          </a:p>
+          <a:p>
+            <a:pPr algn="r">
+              <a:lnSpc>
+                <a:spcPct val="80000"/>
+              </a:lnSpc>
+            </a:pPr>
+            <a:r>
+              <a:rPr lang="en-US" sz="1650" dirty="0"/>
+              <a:t>BILL_AMT2</a:t>
+            </a:r>
+          </a:p>
+          <a:p>
+            <a:pPr algn="r">
+              <a:lnSpc>
+                <a:spcPct val="80000"/>
+              </a:lnSpc>
+            </a:pPr>
+            <a:r>
+              <a:rPr lang="en-US" sz="1650" dirty="0"/>
+              <a:t>PAY_AMT5</a:t>
+            </a:r>
+          </a:p>
+          <a:p>
+            <a:pPr algn="r">
+              <a:lnSpc>
+                <a:spcPct val="80000"/>
+              </a:lnSpc>
+            </a:pPr>
+            <a:r>
+              <a:rPr lang="en-US" sz="1650" dirty="0"/>
+              <a:t>EDUCATION</a:t>
+            </a:r>
+          </a:p>
+          <a:p>
+            <a:pPr algn="r">
+              <a:lnSpc>
+                <a:spcPct val="80000"/>
+              </a:lnSpc>
+            </a:pPr>
+            <a:r>
+              <a:rPr lang="en-US" sz="1650" dirty="0"/>
+              <a:t>BILL_AMT5</a:t>
+            </a:r>
+          </a:p>
+          <a:p>
+            <a:pPr algn="r">
+              <a:lnSpc>
+                <a:spcPct val="80000"/>
+              </a:lnSpc>
+            </a:pPr>
+            <a:r>
+              <a:rPr lang="en-US" sz="1650" dirty="0"/>
+              <a:t>BILL_AMT6</a:t>
+            </a:r>
+          </a:p>
+          <a:p>
+            <a:pPr algn="r">
+              <a:lnSpc>
+                <a:spcPct val="80000"/>
+              </a:lnSpc>
+            </a:pPr>
+            <a:r>
+              <a:rPr lang="en-US" sz="1650" dirty="0"/>
+              <a:t>BILL_AMT3</a:t>
+            </a:r>
+          </a:p>
+          <a:p>
+            <a:pPr algn="r">
+              <a:lnSpc>
+                <a:spcPct val="80000"/>
+              </a:lnSpc>
+            </a:pPr>
+            <a:r>
+              <a:rPr lang="en-US" sz="1650" dirty="0"/>
+              <a:t>BILL_AMT4</a:t>
+            </a:r>
+          </a:p>
+        </p:txBody>
+      </p:sp>
+      <p:sp>
+        <p:nvSpPr>
+          <p:cNvPr id="9" name="TextBox 8">
+            <a:extLst>
+              <a:ext uri="{FF2B5EF4-FFF2-40B4-BE49-F238E27FC236}">
+                <a16:creationId xmlns:a16="http://schemas.microsoft.com/office/drawing/2014/main" id="{66154E63-CE2C-FA44-ABA0-3D1BC3368533}"/>
+              </a:ext>
+            </a:extLst>
+          </p:cNvPr>
+          <p:cNvSpPr txBox="1"/>
+          <p:nvPr/>
+        </p:nvSpPr>
+        <p:spPr>
+          <a:xfrm>
+            <a:off x="1397875" y="616896"/>
+            <a:ext cx="4362400" cy="338554"/>
+          </a:xfrm>
+          <a:prstGeom prst="rect">
+            <a:avLst/>
+          </a:prstGeom>
+          <a:solidFill>
+            <a:schemeClr val="bg1"/>
+          </a:solidFill>
+        </p:spPr>
+        <p:txBody>
+          <a:bodyPr wrap="square" rtlCol="0">
+            <a:spAutoFit/>
+          </a:bodyPr>
+          <a:lstStyle/>
+          <a:p>
+            <a:pPr algn="ctr"/>
+            <a:r>
+              <a:rPr lang="en-US" sz="1600" dirty="0"/>
+              <a:t>Global Shapley Feature Importance for Predictions</a:t>
+            </a:r>
+          </a:p>
+        </p:txBody>
+      </p:sp>
+      <p:sp>
+        <p:nvSpPr>
+          <p:cNvPr id="10" name="TextBox 9">
+            <a:extLst>
+              <a:ext uri="{FF2B5EF4-FFF2-40B4-BE49-F238E27FC236}">
+                <a16:creationId xmlns:a16="http://schemas.microsoft.com/office/drawing/2014/main" id="{17152130-B0E4-6349-A7CB-D7AC90D00C2B}"/>
+              </a:ext>
+            </a:extLst>
+          </p:cNvPr>
+          <p:cNvSpPr txBox="1"/>
+          <p:nvPr/>
+        </p:nvSpPr>
+        <p:spPr>
+          <a:xfrm>
+            <a:off x="7363932" y="616896"/>
+            <a:ext cx="4362400" cy="338554"/>
+          </a:xfrm>
+          <a:prstGeom prst="rect">
+            <a:avLst/>
+          </a:prstGeom>
+          <a:solidFill>
+            <a:schemeClr val="bg1"/>
+          </a:solidFill>
+        </p:spPr>
+        <p:txBody>
+          <a:bodyPr wrap="square" rtlCol="0">
+            <a:spAutoFit/>
+          </a:bodyPr>
+          <a:lstStyle/>
+          <a:p>
+            <a:pPr algn="ctr"/>
+            <a:r>
+              <a:rPr lang="en-US" sz="1600" dirty="0"/>
+              <a:t>Global Shapley Feature Importance for </a:t>
+            </a:r>
+            <a:r>
+              <a:rPr lang="en-US" sz="1600" dirty="0" err="1"/>
+              <a:t>Logloss</a:t>
+            </a:r>
+            <a:endParaRPr lang="en-US" sz="1600" dirty="0"/>
+          </a:p>
+        </p:txBody>
+      </p:sp>
+    </p:spTree>
+    <p:extLst>
+      <p:ext uri="{BB962C8B-B14F-4D97-AF65-F5344CB8AC3E}">
+        <p14:creationId xmlns:p14="http://schemas.microsoft.com/office/powerpoint/2010/main" val="3524314082"/>
+      </p:ext>
+    </p:extLst>
+  </p:cSld>
+  <p:clrMapOvr>
+    <a:masterClrMapping/>
+  </p:clrMapOvr>
+</p:sld>
+</file>
+
+<file path=ppt/slides/slide9.xml><?xml version="1.0" encoding="utf-8"?>
+<p:sld xmlns:a="http://schemas.openxmlformats.org/drawingml/2006/main" xmlns:r="http://schemas.openxmlformats.org/officeDocument/2006/relationships" xmlns:p="http://schemas.openxmlformats.org/presentationml/2006/main">
+  <p:cSld>
+    <p:spTree>
+      <p:nvGrpSpPr>
+        <p:cNvPr id="1" name=""/>
+        <p:cNvGrpSpPr/>
+        <p:nvPr/>
+      </p:nvGrpSpPr>
+      <p:grpSpPr>
+        <a:xfrm>
+          <a:off x="0" y="0"/>
+          <a:ext cx="0" cy="0"/>
+          <a:chOff x="0" y="0"/>
+          <a:chExt cx="0" cy="0"/>
+        </a:xfrm>
+      </p:grpSpPr>
+      <p:pic>
+        <p:nvPicPr>
+          <p:cNvPr id="3" name="Picture 2">
+            <a:extLst>
+              <a:ext uri="{FF2B5EF4-FFF2-40B4-BE49-F238E27FC236}">
+                <a16:creationId xmlns:a16="http://schemas.microsoft.com/office/drawing/2014/main" id="{3DCE8244-E336-E14C-91C9-25635005D680}"/>
+              </a:ext>
+            </a:extLst>
+          </p:cNvPr>
+          <p:cNvPicPr>
+            <a:picLocks noChangeAspect="1"/>
+          </p:cNvPicPr>
+          <p:nvPr/>
+        </p:nvPicPr>
+        <p:blipFill>
+          <a:blip r:embed="rId2"/>
+          <a:stretch>
+            <a:fillRect/>
+          </a:stretch>
+        </p:blipFill>
+        <p:spPr>
+          <a:xfrm>
+            <a:off x="2651315" y="600075"/>
+            <a:ext cx="6471832" cy="5314950"/>
+          </a:xfrm>
+          <a:prstGeom prst="rect">
+            <a:avLst/>
+          </a:prstGeom>
+        </p:spPr>
+      </p:pic>
+      <p:sp>
+        <p:nvSpPr>
+          <p:cNvPr id="4" name="TextBox 3">
+            <a:extLst>
+              <a:ext uri="{FF2B5EF4-FFF2-40B4-BE49-F238E27FC236}">
+                <a16:creationId xmlns:a16="http://schemas.microsoft.com/office/drawing/2014/main" id="{527C26BB-A62B-6445-B4F0-15DCBA98BA27}"/>
+              </a:ext>
+            </a:extLst>
+          </p:cNvPr>
+          <p:cNvSpPr txBox="1"/>
+          <p:nvPr/>
+        </p:nvSpPr>
+        <p:spPr>
+          <a:xfrm rot="16200000">
+            <a:off x="5609067" y="2636969"/>
+            <a:ext cx="1397875" cy="5844036"/>
+          </a:xfrm>
+          <a:prstGeom prst="rect">
+            <a:avLst/>
+          </a:prstGeom>
+          <a:solidFill>
+            <a:schemeClr val="bg1"/>
+          </a:solidFill>
+        </p:spPr>
+        <p:txBody>
+          <a:bodyPr wrap="square" rtlCol="0">
+            <a:spAutoFit/>
+          </a:bodyPr>
+          <a:lstStyle/>
+          <a:p>
+            <a:pPr algn="r">
+              <a:lnSpc>
+                <a:spcPct val="81000"/>
+              </a:lnSpc>
+            </a:pPr>
+            <a:r>
+              <a:rPr lang="en-US" sz="1980" dirty="0"/>
+              <a:t>PAY_AMT1</a:t>
+            </a:r>
+          </a:p>
+          <a:p>
+            <a:pPr algn="r">
+              <a:lnSpc>
+                <a:spcPct val="81000"/>
+              </a:lnSpc>
+            </a:pPr>
+            <a:r>
+              <a:rPr lang="en-US" sz="1980" dirty="0"/>
+              <a:t>LIMIT_BAL</a:t>
+            </a:r>
+          </a:p>
+          <a:p>
+            <a:pPr algn="r">
+              <a:lnSpc>
+                <a:spcPct val="81000"/>
+              </a:lnSpc>
+            </a:pPr>
+            <a:r>
+              <a:rPr lang="en-US" sz="1980" dirty="0"/>
+              <a:t>PAY_AMT2</a:t>
+            </a:r>
+          </a:p>
+          <a:p>
+            <a:pPr algn="r">
+              <a:lnSpc>
+                <a:spcPct val="81000"/>
+              </a:lnSpc>
+            </a:pPr>
+            <a:r>
+              <a:rPr lang="en-US" sz="1980" dirty="0"/>
+              <a:t>PAY_0</a:t>
+            </a:r>
+          </a:p>
+          <a:p>
+            <a:pPr algn="r">
+              <a:lnSpc>
+                <a:spcPct val="81000"/>
+              </a:lnSpc>
+            </a:pPr>
+            <a:r>
+              <a:rPr lang="en-US" sz="1980" dirty="0"/>
+              <a:t>PAY_3</a:t>
+            </a:r>
+          </a:p>
+          <a:p>
+            <a:pPr algn="r">
+              <a:lnSpc>
+                <a:spcPct val="81000"/>
+              </a:lnSpc>
+            </a:pPr>
+            <a:r>
+              <a:rPr lang="en-US" sz="1980" dirty="0"/>
+              <a:t>PAY_AMT3</a:t>
+            </a:r>
+          </a:p>
+          <a:p>
+            <a:pPr algn="r">
+              <a:lnSpc>
+                <a:spcPct val="81000"/>
+              </a:lnSpc>
+            </a:pPr>
+            <a:r>
+              <a:rPr lang="en-US" sz="1980" dirty="0"/>
+              <a:t>PAY_6</a:t>
+            </a:r>
+          </a:p>
+          <a:p>
+            <a:pPr algn="r">
+              <a:lnSpc>
+                <a:spcPct val="81000"/>
+              </a:lnSpc>
+            </a:pPr>
+            <a:r>
+              <a:rPr lang="en-US" sz="1980" dirty="0"/>
+              <a:t>PAY_2</a:t>
+            </a:r>
+          </a:p>
+          <a:p>
+            <a:pPr algn="r">
+              <a:lnSpc>
+                <a:spcPct val="81000"/>
+              </a:lnSpc>
+            </a:pPr>
+            <a:r>
+              <a:rPr lang="en-US" sz="1980" dirty="0"/>
+              <a:t>BILL_AMT1</a:t>
+            </a:r>
+          </a:p>
+          <a:p>
+            <a:pPr algn="r">
+              <a:lnSpc>
+                <a:spcPct val="81000"/>
+              </a:lnSpc>
+            </a:pPr>
+            <a:r>
+              <a:rPr lang="en-US" sz="1980" dirty="0"/>
+              <a:t>MARRIAGE</a:t>
+            </a:r>
+          </a:p>
+          <a:p>
+            <a:pPr algn="r">
+              <a:lnSpc>
+                <a:spcPct val="81000"/>
+              </a:lnSpc>
+            </a:pPr>
+            <a:r>
+              <a:rPr lang="en-US" sz="1980" dirty="0"/>
+              <a:t>PAY_5</a:t>
+            </a:r>
+          </a:p>
+          <a:p>
+            <a:pPr algn="r">
+              <a:lnSpc>
+                <a:spcPct val="81000"/>
+              </a:lnSpc>
+            </a:pPr>
+            <a:r>
+              <a:rPr lang="en-US" sz="1980" dirty="0"/>
+              <a:t>PAY_AMT5</a:t>
+            </a:r>
+          </a:p>
+          <a:p>
+            <a:pPr algn="r">
+              <a:lnSpc>
+                <a:spcPct val="81000"/>
+              </a:lnSpc>
+            </a:pPr>
+            <a:r>
+              <a:rPr lang="en-US" sz="1980" dirty="0"/>
+              <a:t>PAY_AMT6</a:t>
+            </a:r>
+          </a:p>
+          <a:p>
+            <a:pPr algn="r">
+              <a:lnSpc>
+                <a:spcPct val="81000"/>
+              </a:lnSpc>
+            </a:pPr>
+            <a:r>
+              <a:rPr lang="en-US" sz="1980" dirty="0"/>
+              <a:t>PAY_4</a:t>
+            </a:r>
+          </a:p>
+          <a:p>
+            <a:pPr algn="r">
+              <a:lnSpc>
+                <a:spcPct val="81000"/>
+              </a:lnSpc>
+            </a:pPr>
+            <a:r>
+              <a:rPr lang="en-US" sz="1980" dirty="0"/>
+              <a:t>BILL_AMT2</a:t>
+            </a:r>
+          </a:p>
+          <a:p>
+            <a:pPr algn="r">
+              <a:lnSpc>
+                <a:spcPct val="81000"/>
+              </a:lnSpc>
+            </a:pPr>
+            <a:r>
+              <a:rPr lang="en-US" sz="1980" dirty="0"/>
+              <a:t>EDUCATION</a:t>
+            </a:r>
+          </a:p>
+          <a:p>
+            <a:pPr algn="r">
+              <a:lnSpc>
+                <a:spcPct val="81000"/>
+              </a:lnSpc>
+            </a:pPr>
+            <a:r>
+              <a:rPr lang="en-US" sz="1980" dirty="0"/>
+              <a:t>PAY_AMT4</a:t>
+            </a:r>
+          </a:p>
+          <a:p>
+            <a:pPr algn="r">
+              <a:lnSpc>
+                <a:spcPct val="81000"/>
+              </a:lnSpc>
+            </a:pPr>
+            <a:r>
+              <a:rPr lang="en-US" sz="1980" dirty="0"/>
+              <a:t>BILL_AMT4</a:t>
+            </a:r>
+          </a:p>
+          <a:p>
+            <a:pPr algn="r">
+              <a:lnSpc>
+                <a:spcPct val="81000"/>
+              </a:lnSpc>
+            </a:pPr>
+            <a:r>
+              <a:rPr lang="en-US" sz="1980" dirty="0"/>
+              <a:t>BILL_AMT6</a:t>
+            </a:r>
+          </a:p>
+          <a:p>
+            <a:pPr algn="r">
+              <a:lnSpc>
+                <a:spcPct val="81000"/>
+              </a:lnSpc>
+            </a:pPr>
+            <a:r>
+              <a:rPr lang="en-US" sz="1980" dirty="0"/>
+              <a:t>BILL_AMT5</a:t>
+            </a:r>
+          </a:p>
+          <a:p>
+            <a:pPr algn="r">
+              <a:lnSpc>
+                <a:spcPct val="81000"/>
+              </a:lnSpc>
+            </a:pPr>
+            <a:r>
+              <a:rPr lang="en-US" sz="1980" dirty="0"/>
+              <a:t>BILL_AMT3</a:t>
+            </a:r>
+          </a:p>
+          <a:p>
+            <a:pPr algn="r">
+              <a:lnSpc>
+                <a:spcPct val="81000"/>
+              </a:lnSpc>
+            </a:pPr>
+            <a:r>
+              <a:rPr lang="en-US" sz="1980" dirty="0"/>
+              <a:t>AGE</a:t>
+            </a:r>
+          </a:p>
+          <a:p>
+            <a:pPr algn="r">
+              <a:lnSpc>
+                <a:spcPct val="81000"/>
+              </a:lnSpc>
+            </a:pPr>
+            <a:r>
+              <a:rPr lang="en-US" sz="1980" dirty="0"/>
+              <a:t>SEX</a:t>
+            </a:r>
+          </a:p>
+        </p:txBody>
+      </p:sp>
+      <p:sp>
+        <p:nvSpPr>
+          <p:cNvPr id="5" name="TextBox 4">
+            <a:extLst>
+              <a:ext uri="{FF2B5EF4-FFF2-40B4-BE49-F238E27FC236}">
+                <a16:creationId xmlns:a16="http://schemas.microsoft.com/office/drawing/2014/main" id="{5ED8AD08-53E4-1747-BA6F-A541E6A0263E}"/>
+              </a:ext>
+            </a:extLst>
+          </p:cNvPr>
+          <p:cNvSpPr txBox="1"/>
+          <p:nvPr/>
+        </p:nvSpPr>
+        <p:spPr>
+          <a:xfrm rot="16200000">
+            <a:off x="916597" y="2815374"/>
+            <a:ext cx="3720019" cy="369332"/>
+          </a:xfrm>
+          <a:prstGeom prst="rect">
+            <a:avLst/>
+          </a:prstGeom>
+          <a:solidFill>
+            <a:schemeClr val="bg1"/>
+          </a:solidFill>
+        </p:spPr>
+        <p:txBody>
+          <a:bodyPr wrap="square" rtlCol="0">
+            <a:spAutoFit/>
+          </a:bodyPr>
+          <a:lstStyle/>
+          <a:p>
+            <a:pPr algn="ctr"/>
+            <a:r>
+              <a:rPr lang="en-US" dirty="0"/>
+              <a:t>Shapley Feature Contributions</a:t>
+            </a:r>
+          </a:p>
+        </p:txBody>
+      </p:sp>
+      <p:sp>
+        <p:nvSpPr>
+          <p:cNvPr id="6" name="TextBox 5">
+            <a:extLst>
+              <a:ext uri="{FF2B5EF4-FFF2-40B4-BE49-F238E27FC236}">
+                <a16:creationId xmlns:a16="http://schemas.microsoft.com/office/drawing/2014/main" id="{0708BCAE-785C-A144-800D-71DB035E39BE}"/>
+              </a:ext>
+            </a:extLst>
+          </p:cNvPr>
+          <p:cNvSpPr txBox="1"/>
+          <p:nvPr/>
+        </p:nvSpPr>
+        <p:spPr>
+          <a:xfrm>
+            <a:off x="3385986" y="714323"/>
+            <a:ext cx="5639261" cy="369332"/>
+          </a:xfrm>
+          <a:prstGeom prst="rect">
+            <a:avLst/>
+          </a:prstGeom>
+          <a:solidFill>
+            <a:schemeClr val="bg1"/>
+          </a:solidFill>
+        </p:spPr>
+        <p:txBody>
+          <a:bodyPr wrap="square" rtlCol="0">
+            <a:spAutoFit/>
+          </a:bodyPr>
+          <a:lstStyle/>
+          <a:p>
+            <a:pPr algn="ctr"/>
+            <a:r>
+              <a:rPr lang="en-US" dirty="0"/>
+              <a:t>Local Shapley Feature Contributions to </a:t>
+            </a:r>
+            <a:r>
+              <a:rPr lang="en-US" dirty="0" err="1"/>
+              <a:t>Logloss</a:t>
+            </a:r>
+            <a:endParaRPr lang="en-US" dirty="0"/>
+          </a:p>
+        </p:txBody>
+      </p:sp>
+    </p:spTree>
+    <p:extLst>
+      <p:ext uri="{BB962C8B-B14F-4D97-AF65-F5344CB8AC3E}">
+        <p14:creationId xmlns:p14="http://schemas.microsoft.com/office/powerpoint/2010/main" val="605999594"/>
       </p:ext>
     </p:extLst>
   </p:cSld>

--- a/img/figs.pptx
+++ b/img/figs.pptx
@@ -5,19 +5,21 @@
     <p:sldMasterId id="2147483648" r:id="rId1"/>
   </p:sldMasterIdLst>
   <p:notesMasterIdLst>
-    <p:notesMasterId r:id="rId12"/>
+    <p:notesMasterId r:id="rId14"/>
   </p:notesMasterIdLst>
   <p:sldIdLst>
-    <p:sldId id="256" r:id="rId2"/>
-    <p:sldId id="257" r:id="rId3"/>
-    <p:sldId id="258" r:id="rId4"/>
-    <p:sldId id="259" r:id="rId5"/>
-    <p:sldId id="260" r:id="rId6"/>
-    <p:sldId id="261" r:id="rId7"/>
-    <p:sldId id="262" r:id="rId8"/>
-    <p:sldId id="263" r:id="rId9"/>
-    <p:sldId id="264" r:id="rId10"/>
-    <p:sldId id="265" r:id="rId11"/>
+    <p:sldId id="266" r:id="rId2"/>
+    <p:sldId id="256" r:id="rId3"/>
+    <p:sldId id="257" r:id="rId4"/>
+    <p:sldId id="258" r:id="rId5"/>
+    <p:sldId id="267" r:id="rId6"/>
+    <p:sldId id="259" r:id="rId7"/>
+    <p:sldId id="260" r:id="rId8"/>
+    <p:sldId id="261" r:id="rId9"/>
+    <p:sldId id="262" r:id="rId10"/>
+    <p:sldId id="263" r:id="rId11"/>
+    <p:sldId id="264" r:id="rId12"/>
+    <p:sldId id="265" r:id="rId13"/>
   </p:sldIdLst>
   <p:sldSz cx="12192000" cy="6858000"/>
   <p:notesSz cx="6858000" cy="9144000"/>
@@ -206,7 +208,7 @@
           <a:p>
             <a:fld id="{10A41DE2-BC10-F04F-98A8-E054FB26CDFF}" type="datetimeFigureOut">
               <a:rPr lang="en-US" smtClean="0"/>
-              <a:t>7/27/19</a:t>
+              <a:t>7/28/19</a:t>
             </a:fld>
             <a:endParaRPr lang="en-US"/>
           </a:p>
@@ -538,7 +540,7 @@
           <a:p>
             <a:fld id="{7040E3FE-153F-ED40-BD21-50C330F0B9A1}" type="slidenum">
               <a:rPr lang="en-US" smtClean="0"/>
-              <a:t>4</a:t>
+              <a:t>6</a:t>
             </a:fld>
             <a:endParaRPr lang="en-US"/>
           </a:p>
@@ -704,7 +706,7 @@
           <a:p>
             <a:fld id="{7E318D30-1040-7443-8111-D0DBEBCCCF60}" type="datetimeFigureOut">
               <a:rPr lang="en-US" smtClean="0"/>
-              <a:t>7/27/19</a:t>
+              <a:t>7/28/19</a:t>
             </a:fld>
             <a:endParaRPr lang="en-US"/>
           </a:p>
@@ -902,7 +904,7 @@
           <a:p>
             <a:fld id="{7E318D30-1040-7443-8111-D0DBEBCCCF60}" type="datetimeFigureOut">
               <a:rPr lang="en-US" smtClean="0"/>
-              <a:t>7/27/19</a:t>
+              <a:t>7/28/19</a:t>
             </a:fld>
             <a:endParaRPr lang="en-US"/>
           </a:p>
@@ -1110,7 +1112,7 @@
           <a:p>
             <a:fld id="{7E318D30-1040-7443-8111-D0DBEBCCCF60}" type="datetimeFigureOut">
               <a:rPr lang="en-US" smtClean="0"/>
-              <a:t>7/27/19</a:t>
+              <a:t>7/28/19</a:t>
             </a:fld>
             <a:endParaRPr lang="en-US"/>
           </a:p>
@@ -1308,7 +1310,7 @@
           <a:p>
             <a:fld id="{7E318D30-1040-7443-8111-D0DBEBCCCF60}" type="datetimeFigureOut">
               <a:rPr lang="en-US" smtClean="0"/>
-              <a:t>7/27/19</a:t>
+              <a:t>7/28/19</a:t>
             </a:fld>
             <a:endParaRPr lang="en-US"/>
           </a:p>
@@ -1583,7 +1585,7 @@
           <a:p>
             <a:fld id="{7E318D30-1040-7443-8111-D0DBEBCCCF60}" type="datetimeFigureOut">
               <a:rPr lang="en-US" smtClean="0"/>
-              <a:t>7/27/19</a:t>
+              <a:t>7/28/19</a:t>
             </a:fld>
             <a:endParaRPr lang="en-US"/>
           </a:p>
@@ -1848,7 +1850,7 @@
           <a:p>
             <a:fld id="{7E318D30-1040-7443-8111-D0DBEBCCCF60}" type="datetimeFigureOut">
               <a:rPr lang="en-US" smtClean="0"/>
-              <a:t>7/27/19</a:t>
+              <a:t>7/28/19</a:t>
             </a:fld>
             <a:endParaRPr lang="en-US"/>
           </a:p>
@@ -2260,7 +2262,7 @@
           <a:p>
             <a:fld id="{7E318D30-1040-7443-8111-D0DBEBCCCF60}" type="datetimeFigureOut">
               <a:rPr lang="en-US" smtClean="0"/>
-              <a:t>7/27/19</a:t>
+              <a:t>7/28/19</a:t>
             </a:fld>
             <a:endParaRPr lang="en-US"/>
           </a:p>
@@ -2401,7 +2403,7 @@
           <a:p>
             <a:fld id="{7E318D30-1040-7443-8111-D0DBEBCCCF60}" type="datetimeFigureOut">
               <a:rPr lang="en-US" smtClean="0"/>
-              <a:t>7/27/19</a:t>
+              <a:t>7/28/19</a:t>
             </a:fld>
             <a:endParaRPr lang="en-US"/>
           </a:p>
@@ -2514,7 +2516,7 @@
           <a:p>
             <a:fld id="{7E318D30-1040-7443-8111-D0DBEBCCCF60}" type="datetimeFigureOut">
               <a:rPr lang="en-US" smtClean="0"/>
-              <a:t>7/27/19</a:t>
+              <a:t>7/28/19</a:t>
             </a:fld>
             <a:endParaRPr lang="en-US"/>
           </a:p>
@@ -2825,7 +2827,7 @@
           <a:p>
             <a:fld id="{7E318D30-1040-7443-8111-D0DBEBCCCF60}" type="datetimeFigureOut">
               <a:rPr lang="en-US" smtClean="0"/>
-              <a:t>7/27/19</a:t>
+              <a:t>7/28/19</a:t>
             </a:fld>
             <a:endParaRPr lang="en-US"/>
           </a:p>
@@ -3113,7 +3115,7 @@
           <a:p>
             <a:fld id="{7E318D30-1040-7443-8111-D0DBEBCCCF60}" type="datetimeFigureOut">
               <a:rPr lang="en-US" smtClean="0"/>
-              <a:t>7/27/19</a:t>
+              <a:t>7/28/19</a:t>
             </a:fld>
             <a:endParaRPr lang="en-US"/>
           </a:p>
@@ -3354,7 +3356,7 @@
           <a:p>
             <a:fld id="{7E318D30-1040-7443-8111-D0DBEBCCCF60}" type="datetimeFigureOut">
               <a:rPr lang="en-US" smtClean="0"/>
-              <a:t>7/27/19</a:t>
+              <a:t>7/28/19</a:t>
             </a:fld>
             <a:endParaRPr lang="en-US"/>
           </a:p>
@@ -3776,7 +3778,7 @@
           <p:cNvPr id="5" name="Picture 4">
             <a:extLst>
               <a:ext uri="{FF2B5EF4-FFF2-40B4-BE49-F238E27FC236}">
-                <a16:creationId xmlns:a16="http://schemas.microsoft.com/office/drawing/2014/main" id="{D5557B57-3D38-7844-AF2B-7CB05BAF0ABE}"/>
+                <a16:creationId xmlns:a16="http://schemas.microsoft.com/office/drawing/2014/main" id="{EAF8FC12-46F4-BE47-AD67-624554C2650E}"/>
               </a:ext>
             </a:extLst>
           </p:cNvPr>
@@ -3793,8 +3795,8 @@
         </p:blipFill>
         <p:spPr>
           <a:xfrm>
-            <a:off x="1460600" y="0"/>
-            <a:ext cx="9270799" cy="6858000"/>
+            <a:off x="3594100" y="1663700"/>
+            <a:ext cx="5003800" cy="3530600"/>
           </a:xfrm>
           <a:prstGeom prst="rect">
             <a:avLst/>
@@ -3806,7 +3808,7 @@
           <p:cNvPr id="6" name="TextBox 5">
             <a:extLst>
               <a:ext uri="{FF2B5EF4-FFF2-40B4-BE49-F238E27FC236}">
-                <a16:creationId xmlns:a16="http://schemas.microsoft.com/office/drawing/2014/main" id="{40116EDD-F29B-C044-B303-15C9BB9CC10E}"/>
+                <a16:creationId xmlns:a16="http://schemas.microsoft.com/office/drawing/2014/main" id="{D52EEC10-428C-A745-A67E-0BCA56EB1067}"/>
               </a:ext>
             </a:extLst>
           </p:cNvPr>
@@ -3815,8 +3817,8 @@
         </p:nvSpPr>
         <p:spPr>
           <a:xfrm>
-            <a:off x="2311139" y="0"/>
-            <a:ext cx="1241357" cy="369332"/>
+            <a:off x="4132612" y="1538409"/>
+            <a:ext cx="4263407" cy="369332"/>
           </a:xfrm>
           <a:prstGeom prst="rect">
             <a:avLst/>
@@ -3831,9 +3833,22 @@
           </a:bodyPr>
           <a:lstStyle/>
           <a:p>
+            <a:pPr algn="ctr"/>
             <a:r>
               <a:rPr lang="en-US" dirty="0"/>
-              <a:t>PAY_0 = -2 </a:t>
+              <a:t>Validation Precision-Recall Curve for </a:t>
+            </a:r>
+            <a:r>
+              <a:rPr lang="en-US" i="1" dirty="0" err="1"/>
+              <a:t>g</a:t>
+            </a:r>
+            <a:r>
+              <a:rPr lang="en-US" i="1" baseline="-25000" dirty="0" err="1"/>
+              <a:t>mono</a:t>
+            </a:r>
+            <a:r>
+              <a:rPr lang="en-US" i="1" dirty="0"/>
+              <a:t> </a:t>
             </a:r>
           </a:p>
         </p:txBody>
@@ -3843,7 +3858,7 @@
           <p:cNvPr id="7" name="TextBox 6">
             <a:extLst>
               <a:ext uri="{FF2B5EF4-FFF2-40B4-BE49-F238E27FC236}">
-                <a16:creationId xmlns:a16="http://schemas.microsoft.com/office/drawing/2014/main" id="{F7EDED7F-EA38-D04F-96A9-A2A069CE8D11}"/>
+                <a16:creationId xmlns:a16="http://schemas.microsoft.com/office/drawing/2014/main" id="{1487ADF0-FDED-1A47-8E40-AE68C3BAA258}"/>
               </a:ext>
             </a:extLst>
           </p:cNvPr>
@@ -3852,15 +3867,13 @@
         </p:nvSpPr>
         <p:spPr>
           <a:xfrm>
-            <a:off x="4607649" y="0"/>
-            <a:ext cx="1241357" cy="369332"/>
-          </a:xfrm>
-          <a:prstGeom prst="rect">
-            <a:avLst/>
-          </a:prstGeom>
-          <a:solidFill>
-            <a:schemeClr val="bg1"/>
-          </a:solidFill>
+            <a:off x="5308270" y="2033032"/>
+            <a:ext cx="2375065" cy="369332"/>
+          </a:xfrm>
+          <a:prstGeom prst="rect">
+            <a:avLst/>
+          </a:prstGeom>
+          <a:noFill/>
         </p:spPr>
         <p:txBody>
           <a:bodyPr wrap="square" rtlCol="0">
@@ -3869,8 +3882,12 @@
           <a:lstStyle/>
           <a:p>
             <a:r>
-              <a:rPr lang="en-US" dirty="0"/>
-              <a:t>PAY_0 = -1 </a:t>
+              <a:rPr lang="en-US" dirty="0">
+                <a:solidFill>
+                  <a:srgbClr val="FF40FF"/>
+                </a:solidFill>
+              </a:rPr>
+              <a:t>Best F1 at p = 0.27</a:t>
             </a:r>
           </a:p>
         </p:txBody>
@@ -3880,7 +3897,7 @@
           <p:cNvPr id="8" name="TextBox 7">
             <a:extLst>
               <a:ext uri="{FF2B5EF4-FFF2-40B4-BE49-F238E27FC236}">
-                <a16:creationId xmlns:a16="http://schemas.microsoft.com/office/drawing/2014/main" id="{D3779FF5-6559-BD44-A9A5-755AD63C8FCD}"/>
+                <a16:creationId xmlns:a16="http://schemas.microsoft.com/office/drawing/2014/main" id="{AE007C96-78B9-5E42-9C1B-8988595336D5}"/>
               </a:ext>
             </a:extLst>
           </p:cNvPr>
@@ -3888,9 +3905,9 @@
           <p:nvPr/>
         </p:nvSpPr>
         <p:spPr>
-          <a:xfrm>
-            <a:off x="6904159" y="0"/>
-            <a:ext cx="1241357" cy="369332"/>
+          <a:xfrm rot="16200000">
+            <a:off x="2224532" y="3132394"/>
+            <a:ext cx="2818638" cy="369332"/>
           </a:xfrm>
           <a:prstGeom prst="rect">
             <a:avLst/>
@@ -3905,9 +3922,10 @@
           </a:bodyPr>
           <a:lstStyle/>
           <a:p>
+            <a:pPr algn="ctr"/>
             <a:r>
               <a:rPr lang="en-US" dirty="0"/>
-              <a:t>PAY_0 = 0 </a:t>
+              <a:t>Precision</a:t>
             </a:r>
           </a:p>
         </p:txBody>
@@ -3917,7 +3935,7 @@
           <p:cNvPr id="9" name="TextBox 8">
             <a:extLst>
               <a:ext uri="{FF2B5EF4-FFF2-40B4-BE49-F238E27FC236}">
-                <a16:creationId xmlns:a16="http://schemas.microsoft.com/office/drawing/2014/main" id="{4320860E-D9B6-884E-B81A-FF71D75C4512}"/>
+                <a16:creationId xmlns:a16="http://schemas.microsoft.com/office/drawing/2014/main" id="{C736CAE8-32A6-7149-B519-0D0A7A708414}"/>
               </a:ext>
             </a:extLst>
           </p:cNvPr>
@@ -3926,8 +3944,8 @@
         </p:nvSpPr>
         <p:spPr>
           <a:xfrm>
-            <a:off x="9200669" y="0"/>
-            <a:ext cx="1241357" cy="369332"/>
+            <a:off x="4940804" y="4950259"/>
+            <a:ext cx="2818638" cy="369332"/>
           </a:xfrm>
           <a:prstGeom prst="rect">
             <a:avLst/>
@@ -3942,622 +3960,18 @@
           </a:bodyPr>
           <a:lstStyle/>
           <a:p>
+            <a:pPr algn="ctr"/>
             <a:r>
               <a:rPr lang="en-US" dirty="0"/>
-              <a:t>PAY_0 = 1 </a:t>
-            </a:r>
-          </a:p>
-        </p:txBody>
-      </p:sp>
-      <p:sp>
-        <p:nvSpPr>
-          <p:cNvPr id="10" name="TextBox 9">
-            <a:extLst>
-              <a:ext uri="{FF2B5EF4-FFF2-40B4-BE49-F238E27FC236}">
-                <a16:creationId xmlns:a16="http://schemas.microsoft.com/office/drawing/2014/main" id="{B88BA8BC-6C94-A144-9DBA-6492D7689CF8}"/>
-              </a:ext>
-            </a:extLst>
-          </p:cNvPr>
-          <p:cNvSpPr txBox="1"/>
-          <p:nvPr/>
-        </p:nvSpPr>
-        <p:spPr>
-          <a:xfrm>
-            <a:off x="2311139" y="2180897"/>
-            <a:ext cx="1241357" cy="369332"/>
-          </a:xfrm>
-          <a:prstGeom prst="rect">
-            <a:avLst/>
-          </a:prstGeom>
-          <a:solidFill>
-            <a:schemeClr val="bg1"/>
-          </a:solidFill>
-        </p:spPr>
-        <p:txBody>
-          <a:bodyPr wrap="square" rtlCol="0">
-            <a:spAutoFit/>
-          </a:bodyPr>
-          <a:lstStyle/>
-          <a:p>
-            <a:r>
-              <a:rPr lang="en-US" dirty="0"/>
-              <a:t>PAY_0 = 2 </a:t>
-            </a:r>
-          </a:p>
-        </p:txBody>
-      </p:sp>
-      <p:sp>
-        <p:nvSpPr>
-          <p:cNvPr id="11" name="TextBox 10">
-            <a:extLst>
-              <a:ext uri="{FF2B5EF4-FFF2-40B4-BE49-F238E27FC236}">
-                <a16:creationId xmlns:a16="http://schemas.microsoft.com/office/drawing/2014/main" id="{2517FD6F-DE87-D943-8309-F73D492779F1}"/>
-              </a:ext>
-            </a:extLst>
-          </p:cNvPr>
-          <p:cNvSpPr txBox="1"/>
-          <p:nvPr/>
-        </p:nvSpPr>
-        <p:spPr>
-          <a:xfrm>
-            <a:off x="4607648" y="2180897"/>
-            <a:ext cx="1241357" cy="369332"/>
-          </a:xfrm>
-          <a:prstGeom prst="rect">
-            <a:avLst/>
-          </a:prstGeom>
-          <a:solidFill>
-            <a:schemeClr val="bg1"/>
-          </a:solidFill>
-        </p:spPr>
-        <p:txBody>
-          <a:bodyPr wrap="square" rtlCol="0">
-            <a:spAutoFit/>
-          </a:bodyPr>
-          <a:lstStyle/>
-          <a:p>
-            <a:r>
-              <a:rPr lang="en-US" dirty="0"/>
-              <a:t>PAY_0 = 3 </a:t>
-            </a:r>
-          </a:p>
-        </p:txBody>
-      </p:sp>
-      <p:sp>
-        <p:nvSpPr>
-          <p:cNvPr id="12" name="TextBox 11">
-            <a:extLst>
-              <a:ext uri="{FF2B5EF4-FFF2-40B4-BE49-F238E27FC236}">
-                <a16:creationId xmlns:a16="http://schemas.microsoft.com/office/drawing/2014/main" id="{7D6CFE4B-2D23-A241-B882-FA650131D108}"/>
-              </a:ext>
-            </a:extLst>
-          </p:cNvPr>
-          <p:cNvSpPr txBox="1"/>
-          <p:nvPr/>
-        </p:nvSpPr>
-        <p:spPr>
-          <a:xfrm>
-            <a:off x="6904157" y="2180897"/>
-            <a:ext cx="1241357" cy="369332"/>
-          </a:xfrm>
-          <a:prstGeom prst="rect">
-            <a:avLst/>
-          </a:prstGeom>
-          <a:solidFill>
-            <a:schemeClr val="bg1"/>
-          </a:solidFill>
-        </p:spPr>
-        <p:txBody>
-          <a:bodyPr wrap="square" rtlCol="0">
-            <a:spAutoFit/>
-          </a:bodyPr>
-          <a:lstStyle/>
-          <a:p>
-            <a:r>
-              <a:rPr lang="en-US" dirty="0"/>
-              <a:t>PAY_0 = 4 </a:t>
-            </a:r>
-          </a:p>
-        </p:txBody>
-      </p:sp>
-      <p:sp>
-        <p:nvSpPr>
-          <p:cNvPr id="13" name="TextBox 12">
-            <a:extLst>
-              <a:ext uri="{FF2B5EF4-FFF2-40B4-BE49-F238E27FC236}">
-                <a16:creationId xmlns:a16="http://schemas.microsoft.com/office/drawing/2014/main" id="{7403F13A-F2AA-8C4C-A97D-D9C27E2550B1}"/>
-              </a:ext>
-            </a:extLst>
-          </p:cNvPr>
-          <p:cNvSpPr txBox="1"/>
-          <p:nvPr/>
-        </p:nvSpPr>
-        <p:spPr>
-          <a:xfrm>
-            <a:off x="9200666" y="2180897"/>
-            <a:ext cx="1241357" cy="369332"/>
-          </a:xfrm>
-          <a:prstGeom prst="rect">
-            <a:avLst/>
-          </a:prstGeom>
-          <a:solidFill>
-            <a:schemeClr val="bg1"/>
-          </a:solidFill>
-        </p:spPr>
-        <p:txBody>
-          <a:bodyPr wrap="square" rtlCol="0">
-            <a:spAutoFit/>
-          </a:bodyPr>
-          <a:lstStyle/>
-          <a:p>
-            <a:r>
-              <a:rPr lang="en-US" dirty="0"/>
-              <a:t>PAY_0 = 5 </a:t>
-            </a:r>
-          </a:p>
-        </p:txBody>
-      </p:sp>
-      <p:sp>
-        <p:nvSpPr>
-          <p:cNvPr id="14" name="TextBox 13">
-            <a:extLst>
-              <a:ext uri="{FF2B5EF4-FFF2-40B4-BE49-F238E27FC236}">
-                <a16:creationId xmlns:a16="http://schemas.microsoft.com/office/drawing/2014/main" id="{6985354D-2602-1B4B-8CC3-F5F59D7B191B}"/>
-              </a:ext>
-            </a:extLst>
-          </p:cNvPr>
-          <p:cNvSpPr txBox="1"/>
-          <p:nvPr/>
-        </p:nvSpPr>
-        <p:spPr>
-          <a:xfrm>
-            <a:off x="2311139" y="4361794"/>
-            <a:ext cx="1241357" cy="369332"/>
-          </a:xfrm>
-          <a:prstGeom prst="rect">
-            <a:avLst/>
-          </a:prstGeom>
-          <a:solidFill>
-            <a:schemeClr val="bg1"/>
-          </a:solidFill>
-        </p:spPr>
-        <p:txBody>
-          <a:bodyPr wrap="square" rtlCol="0">
-            <a:spAutoFit/>
-          </a:bodyPr>
-          <a:lstStyle/>
-          <a:p>
-            <a:r>
-              <a:rPr lang="en-US" dirty="0"/>
-              <a:t>PAY_0 = 6 </a:t>
-            </a:r>
-          </a:p>
-        </p:txBody>
-      </p:sp>
-      <p:sp>
-        <p:nvSpPr>
-          <p:cNvPr id="15" name="TextBox 14">
-            <a:extLst>
-              <a:ext uri="{FF2B5EF4-FFF2-40B4-BE49-F238E27FC236}">
-                <a16:creationId xmlns:a16="http://schemas.microsoft.com/office/drawing/2014/main" id="{8B88FAF6-C901-3843-9E2F-4F04B6E37C23}"/>
-              </a:ext>
-            </a:extLst>
-          </p:cNvPr>
-          <p:cNvSpPr txBox="1"/>
-          <p:nvPr/>
-        </p:nvSpPr>
-        <p:spPr>
-          <a:xfrm>
-            <a:off x="4607647" y="4361794"/>
-            <a:ext cx="1241357" cy="369332"/>
-          </a:xfrm>
-          <a:prstGeom prst="rect">
-            <a:avLst/>
-          </a:prstGeom>
-          <a:solidFill>
-            <a:schemeClr val="bg1"/>
-          </a:solidFill>
-        </p:spPr>
-        <p:txBody>
-          <a:bodyPr wrap="square" rtlCol="0">
-            <a:spAutoFit/>
-          </a:bodyPr>
-          <a:lstStyle/>
-          <a:p>
-            <a:r>
-              <a:rPr lang="en-US" dirty="0"/>
-              <a:t>PAY_0 = 7 </a:t>
-            </a:r>
-          </a:p>
-        </p:txBody>
-      </p:sp>
-      <p:sp>
-        <p:nvSpPr>
-          <p:cNvPr id="16" name="TextBox 15">
-            <a:extLst>
-              <a:ext uri="{FF2B5EF4-FFF2-40B4-BE49-F238E27FC236}">
-                <a16:creationId xmlns:a16="http://schemas.microsoft.com/office/drawing/2014/main" id="{62CB74E1-DFDE-6640-BDE2-DAFDCA3371D0}"/>
-              </a:ext>
-            </a:extLst>
-          </p:cNvPr>
-          <p:cNvSpPr txBox="1"/>
-          <p:nvPr/>
-        </p:nvSpPr>
-        <p:spPr>
-          <a:xfrm>
-            <a:off x="6904157" y="4361794"/>
-            <a:ext cx="1241357" cy="369332"/>
-          </a:xfrm>
-          <a:prstGeom prst="rect">
-            <a:avLst/>
-          </a:prstGeom>
-          <a:solidFill>
-            <a:schemeClr val="bg1"/>
-          </a:solidFill>
-        </p:spPr>
-        <p:txBody>
-          <a:bodyPr wrap="square" rtlCol="0">
-            <a:spAutoFit/>
-          </a:bodyPr>
-          <a:lstStyle/>
-          <a:p>
-            <a:r>
-              <a:rPr lang="en-US" dirty="0"/>
-              <a:t>PAY_0 = 8 </a:t>
-            </a:r>
-          </a:p>
-        </p:txBody>
-      </p:sp>
-      <p:sp>
-        <p:nvSpPr>
-          <p:cNvPr id="19" name="TextBox 18">
-            <a:extLst>
-              <a:ext uri="{FF2B5EF4-FFF2-40B4-BE49-F238E27FC236}">
-                <a16:creationId xmlns:a16="http://schemas.microsoft.com/office/drawing/2014/main" id="{6FDFD377-0E44-9A4B-B817-39F4467A2D7B}"/>
-              </a:ext>
-            </a:extLst>
-          </p:cNvPr>
-          <p:cNvSpPr txBox="1"/>
-          <p:nvPr/>
-        </p:nvSpPr>
-        <p:spPr>
-          <a:xfrm>
-            <a:off x="6315585" y="6606129"/>
-            <a:ext cx="2222134" cy="307777"/>
-          </a:xfrm>
-          <a:prstGeom prst="rect">
-            <a:avLst/>
-          </a:prstGeom>
-          <a:solidFill>
-            <a:schemeClr val="bg1"/>
-          </a:solidFill>
-        </p:spPr>
-        <p:txBody>
-          <a:bodyPr wrap="square" rtlCol="0">
-            <a:spAutoFit/>
-          </a:bodyPr>
-          <a:lstStyle/>
-          <a:p>
-            <a:r>
-              <a:rPr lang="en-US" sz="1400" dirty="0" err="1"/>
-              <a:t>p_DEFAULT_NEXT_MONTH</a:t>
-            </a:r>
-            <a:endParaRPr lang="en-US" sz="1400" dirty="0"/>
-          </a:p>
-        </p:txBody>
-      </p:sp>
-      <p:sp>
-        <p:nvSpPr>
-          <p:cNvPr id="20" name="TextBox 19">
-            <a:extLst>
-              <a:ext uri="{FF2B5EF4-FFF2-40B4-BE49-F238E27FC236}">
-                <a16:creationId xmlns:a16="http://schemas.microsoft.com/office/drawing/2014/main" id="{4B8DFE68-8148-C444-81C4-331EBB9023E3}"/>
-              </a:ext>
-            </a:extLst>
-          </p:cNvPr>
-          <p:cNvSpPr txBox="1"/>
-          <p:nvPr/>
-        </p:nvSpPr>
-        <p:spPr>
-          <a:xfrm>
-            <a:off x="4023242" y="6606129"/>
-            <a:ext cx="2222134" cy="307777"/>
-          </a:xfrm>
-          <a:prstGeom prst="rect">
-            <a:avLst/>
-          </a:prstGeom>
-          <a:solidFill>
-            <a:schemeClr val="bg1"/>
-          </a:solidFill>
-        </p:spPr>
-        <p:txBody>
-          <a:bodyPr wrap="square" rtlCol="0">
-            <a:spAutoFit/>
-          </a:bodyPr>
-          <a:lstStyle/>
-          <a:p>
-            <a:r>
-              <a:rPr lang="en-US" sz="1400" dirty="0" err="1"/>
-              <a:t>p_DEFAULT_NEXT_MONTH</a:t>
-            </a:r>
-            <a:endParaRPr lang="en-US" sz="1400" dirty="0"/>
-          </a:p>
-        </p:txBody>
-      </p:sp>
-      <p:sp>
-        <p:nvSpPr>
-          <p:cNvPr id="21" name="TextBox 20">
-            <a:extLst>
-              <a:ext uri="{FF2B5EF4-FFF2-40B4-BE49-F238E27FC236}">
-                <a16:creationId xmlns:a16="http://schemas.microsoft.com/office/drawing/2014/main" id="{113EB5EB-8E3B-7B4C-A7A6-4A0DFE091090}"/>
-              </a:ext>
-            </a:extLst>
-          </p:cNvPr>
-          <p:cNvSpPr txBox="1"/>
-          <p:nvPr/>
-        </p:nvSpPr>
-        <p:spPr>
-          <a:xfrm>
-            <a:off x="1766004" y="6606129"/>
-            <a:ext cx="2222134" cy="307777"/>
-          </a:xfrm>
-          <a:prstGeom prst="rect">
-            <a:avLst/>
-          </a:prstGeom>
-          <a:solidFill>
-            <a:schemeClr val="bg1"/>
-          </a:solidFill>
-        </p:spPr>
-        <p:txBody>
-          <a:bodyPr wrap="square" rtlCol="0">
-            <a:spAutoFit/>
-          </a:bodyPr>
-          <a:lstStyle/>
-          <a:p>
-            <a:r>
-              <a:rPr lang="en-US" sz="1400" dirty="0" err="1"/>
-              <a:t>p_DEFAULT_NEXT_MONTH</a:t>
-            </a:r>
-            <a:endParaRPr lang="en-US" sz="1400" dirty="0"/>
-          </a:p>
-        </p:txBody>
-      </p:sp>
-      <p:sp>
-        <p:nvSpPr>
-          <p:cNvPr id="22" name="TextBox 21">
-            <a:extLst>
-              <a:ext uri="{FF2B5EF4-FFF2-40B4-BE49-F238E27FC236}">
-                <a16:creationId xmlns:a16="http://schemas.microsoft.com/office/drawing/2014/main" id="{E091E9C1-290A-8A44-B8CC-93CB142F5011}"/>
-              </a:ext>
-            </a:extLst>
-          </p:cNvPr>
-          <p:cNvSpPr txBox="1"/>
-          <p:nvPr/>
-        </p:nvSpPr>
-        <p:spPr>
-          <a:xfrm>
-            <a:off x="8544913" y="4374170"/>
-            <a:ext cx="2222134" cy="307777"/>
-          </a:xfrm>
-          <a:prstGeom prst="rect">
-            <a:avLst/>
-          </a:prstGeom>
-          <a:solidFill>
-            <a:schemeClr val="bg1"/>
-          </a:solidFill>
-        </p:spPr>
-        <p:txBody>
-          <a:bodyPr wrap="square" rtlCol="0">
-            <a:spAutoFit/>
-          </a:bodyPr>
-          <a:lstStyle/>
-          <a:p>
-            <a:r>
-              <a:rPr lang="en-US" sz="1400" dirty="0" err="1"/>
-              <a:t>p_DEFAULT_NEXT_MONTH</a:t>
-            </a:r>
-            <a:endParaRPr lang="en-US" sz="1400" dirty="0"/>
-          </a:p>
-        </p:txBody>
-      </p:sp>
-      <p:sp>
-        <p:nvSpPr>
-          <p:cNvPr id="23" name="TextBox 22">
-            <a:extLst>
-              <a:ext uri="{FF2B5EF4-FFF2-40B4-BE49-F238E27FC236}">
-                <a16:creationId xmlns:a16="http://schemas.microsoft.com/office/drawing/2014/main" id="{F8D7FF6F-66FA-1642-BAFC-734058B57799}"/>
-              </a:ext>
-            </a:extLst>
-          </p:cNvPr>
-          <p:cNvSpPr txBox="1"/>
-          <p:nvPr/>
-        </p:nvSpPr>
-        <p:spPr>
-          <a:xfrm>
-            <a:off x="8668196" y="5065870"/>
-            <a:ext cx="2222134" cy="307777"/>
-          </a:xfrm>
-          <a:prstGeom prst="rect">
-            <a:avLst/>
-          </a:prstGeom>
-          <a:solidFill>
-            <a:schemeClr val="bg1"/>
-          </a:solidFill>
-        </p:spPr>
-        <p:txBody>
-          <a:bodyPr wrap="square" rtlCol="0">
-            <a:spAutoFit/>
-          </a:bodyPr>
-          <a:lstStyle/>
-          <a:p>
-            <a:r>
-              <a:rPr lang="en-US" sz="1400" dirty="0"/>
-              <a:t>DEFAULT_NEXT_MONTH</a:t>
-            </a:r>
-          </a:p>
-        </p:txBody>
-      </p:sp>
-      <p:sp>
-        <p:nvSpPr>
-          <p:cNvPr id="24" name="TextBox 23">
-            <a:extLst>
-              <a:ext uri="{FF2B5EF4-FFF2-40B4-BE49-F238E27FC236}">
-                <a16:creationId xmlns:a16="http://schemas.microsoft.com/office/drawing/2014/main" id="{EA44B32D-9D59-8E49-8699-278D5E6C823E}"/>
-              </a:ext>
-            </a:extLst>
-          </p:cNvPr>
-          <p:cNvSpPr txBox="1"/>
-          <p:nvPr/>
-        </p:nvSpPr>
-        <p:spPr>
-          <a:xfrm>
-            <a:off x="9636758" y="5320712"/>
-            <a:ext cx="285010" cy="461665"/>
-          </a:xfrm>
-          <a:prstGeom prst="rect">
-            <a:avLst/>
-          </a:prstGeom>
-          <a:solidFill>
-            <a:schemeClr val="bg1"/>
-          </a:solidFill>
-        </p:spPr>
-        <p:txBody>
-          <a:bodyPr wrap="square" rtlCol="0">
-            <a:spAutoFit/>
-          </a:bodyPr>
-          <a:lstStyle/>
-          <a:p>
-            <a:r>
-              <a:rPr lang="en-US" sz="1100" dirty="0"/>
-              <a:t>0</a:t>
-            </a:r>
-          </a:p>
-          <a:p>
-            <a:r>
-              <a:rPr lang="en-US" sz="1200" dirty="0"/>
-              <a:t>1</a:t>
-            </a:r>
-          </a:p>
-        </p:txBody>
-      </p:sp>
-      <p:sp>
-        <p:nvSpPr>
-          <p:cNvPr id="25" name="TextBox 24">
-            <a:extLst>
-              <a:ext uri="{FF2B5EF4-FFF2-40B4-BE49-F238E27FC236}">
-                <a16:creationId xmlns:a16="http://schemas.microsoft.com/office/drawing/2014/main" id="{02CAD272-1C1C-F34F-9587-9757640D3CC3}"/>
-              </a:ext>
-            </a:extLst>
-          </p:cNvPr>
-          <p:cNvSpPr txBox="1"/>
-          <p:nvPr/>
-        </p:nvSpPr>
-        <p:spPr>
-          <a:xfrm rot="16200000">
-            <a:off x="426200" y="5317072"/>
-            <a:ext cx="2222134" cy="307777"/>
-          </a:xfrm>
-          <a:prstGeom prst="rect">
-            <a:avLst/>
-          </a:prstGeom>
-          <a:solidFill>
-            <a:schemeClr val="bg1"/>
-          </a:solidFill>
-        </p:spPr>
-        <p:txBody>
-          <a:bodyPr wrap="square" rtlCol="0">
-            <a:spAutoFit/>
-          </a:bodyPr>
-          <a:lstStyle/>
-          <a:p>
-            <a:r>
-              <a:rPr lang="en-US" sz="1400" dirty="0" err="1"/>
-              <a:t>r_DEFAULT_NEXT_MONTH</a:t>
-            </a:r>
-            <a:endParaRPr lang="en-US" sz="1400" dirty="0"/>
-          </a:p>
-        </p:txBody>
-      </p:sp>
-      <p:sp>
-        <p:nvSpPr>
-          <p:cNvPr id="26" name="TextBox 25">
-            <a:extLst>
-              <a:ext uri="{FF2B5EF4-FFF2-40B4-BE49-F238E27FC236}">
-                <a16:creationId xmlns:a16="http://schemas.microsoft.com/office/drawing/2014/main" id="{DA61E110-ABBF-1045-B59A-8D19839A19A1}"/>
-              </a:ext>
-            </a:extLst>
-          </p:cNvPr>
-          <p:cNvSpPr txBox="1"/>
-          <p:nvPr/>
-        </p:nvSpPr>
-        <p:spPr>
-          <a:xfrm rot="16200000">
-            <a:off x="425488" y="3112485"/>
-            <a:ext cx="2222134" cy="307777"/>
-          </a:xfrm>
-          <a:prstGeom prst="rect">
-            <a:avLst/>
-          </a:prstGeom>
-          <a:solidFill>
-            <a:schemeClr val="bg1"/>
-          </a:solidFill>
-        </p:spPr>
-        <p:txBody>
-          <a:bodyPr wrap="square" rtlCol="0">
-            <a:spAutoFit/>
-          </a:bodyPr>
-          <a:lstStyle/>
-          <a:p>
-            <a:r>
-              <a:rPr lang="en-US" sz="1400" dirty="0" err="1"/>
-              <a:t>r_DEFAULT_NEXT_MONTH</a:t>
-            </a:r>
-            <a:endParaRPr lang="en-US" sz="1400" dirty="0"/>
-          </a:p>
-        </p:txBody>
-      </p:sp>
-      <p:sp>
-        <p:nvSpPr>
-          <p:cNvPr id="27" name="TextBox 26">
-            <a:extLst>
-              <a:ext uri="{FF2B5EF4-FFF2-40B4-BE49-F238E27FC236}">
-                <a16:creationId xmlns:a16="http://schemas.microsoft.com/office/drawing/2014/main" id="{6A17C944-67A6-104D-B80C-C8645FD0E9F1}"/>
-              </a:ext>
-            </a:extLst>
-          </p:cNvPr>
-          <p:cNvSpPr txBox="1"/>
-          <p:nvPr/>
-        </p:nvSpPr>
-        <p:spPr>
-          <a:xfrm rot="16200000">
-            <a:off x="425489" y="848361"/>
-            <a:ext cx="2222134" cy="307777"/>
-          </a:xfrm>
-          <a:prstGeom prst="rect">
-            <a:avLst/>
-          </a:prstGeom>
-          <a:solidFill>
-            <a:schemeClr val="bg1"/>
-          </a:solidFill>
-        </p:spPr>
-        <p:txBody>
-          <a:bodyPr wrap="square" rtlCol="0">
-            <a:spAutoFit/>
-          </a:bodyPr>
-          <a:lstStyle/>
-          <a:p>
-            <a:r>
-              <a:rPr lang="en-US" sz="1400" dirty="0" err="1"/>
-              <a:t>r_DEFAULT_NEXT_MONTH</a:t>
-            </a:r>
-            <a:endParaRPr lang="en-US" sz="1400" dirty="0"/>
+              <a:t>Recall</a:t>
+            </a:r>
           </a:p>
         </p:txBody>
       </p:sp>
     </p:spTree>
     <p:extLst>
       <p:ext uri="{BB962C8B-B14F-4D97-AF65-F5344CB8AC3E}">
-        <p14:creationId xmlns:p14="http://schemas.microsoft.com/office/powerpoint/2010/main" val="1807802690"/>
+        <p14:creationId xmlns:p14="http://schemas.microsoft.com/office/powerpoint/2010/main" val="2171149042"/>
       </p:ext>
     </p:extLst>
   </p:cSld>
@@ -4568,6 +3982,1238 @@
 </file>
 
 <file path=ppt/slides/slide10.xml><?xml version="1.0" encoding="utf-8"?>
+<p:sld xmlns:a="http://schemas.openxmlformats.org/drawingml/2006/main" xmlns:r="http://schemas.openxmlformats.org/officeDocument/2006/relationships" xmlns:p="http://schemas.openxmlformats.org/presentationml/2006/main">
+  <p:cSld>
+    <p:spTree>
+      <p:nvGrpSpPr>
+        <p:cNvPr id="1" name=""/>
+        <p:cNvGrpSpPr/>
+        <p:nvPr/>
+      </p:nvGrpSpPr>
+      <p:grpSpPr>
+        <a:xfrm>
+          <a:off x="0" y="0"/>
+          <a:ext cx="0" cy="0"/>
+          <a:chOff x="0" y="0"/>
+          <a:chExt cx="0" cy="0"/>
+        </a:xfrm>
+      </p:grpSpPr>
+      <p:pic>
+        <p:nvPicPr>
+          <p:cNvPr id="3" name="Picture 2">
+            <a:extLst>
+              <a:ext uri="{FF2B5EF4-FFF2-40B4-BE49-F238E27FC236}">
+                <a16:creationId xmlns:a16="http://schemas.microsoft.com/office/drawing/2014/main" id="{FCC95A3D-B999-724D-8C17-E50C839B0FAD}"/>
+              </a:ext>
+            </a:extLst>
+          </p:cNvPr>
+          <p:cNvPicPr>
+            <a:picLocks noChangeAspect="1"/>
+          </p:cNvPicPr>
+          <p:nvPr/>
+        </p:nvPicPr>
+        <p:blipFill>
+          <a:blip r:embed="rId2"/>
+          <a:stretch>
+            <a:fillRect/>
+          </a:stretch>
+        </p:blipFill>
+        <p:spPr>
+          <a:xfrm>
+            <a:off x="300842" y="616896"/>
+            <a:ext cx="11590317" cy="5624209"/>
+          </a:xfrm>
+          <a:prstGeom prst="rect">
+            <a:avLst/>
+          </a:prstGeom>
+        </p:spPr>
+      </p:pic>
+      <p:sp>
+        <p:nvSpPr>
+          <p:cNvPr id="4" name="TextBox 3">
+            <a:extLst>
+              <a:ext uri="{FF2B5EF4-FFF2-40B4-BE49-F238E27FC236}">
+                <a16:creationId xmlns:a16="http://schemas.microsoft.com/office/drawing/2014/main" id="{C12457FC-68DE-ED44-8675-8DC155CAB686}"/>
+              </a:ext>
+            </a:extLst>
+          </p:cNvPr>
+          <p:cNvSpPr txBox="1"/>
+          <p:nvPr/>
+        </p:nvSpPr>
+        <p:spPr>
+          <a:xfrm>
+            <a:off x="1397875" y="5908881"/>
+            <a:ext cx="4362400" cy="523220"/>
+          </a:xfrm>
+          <a:prstGeom prst="rect">
+            <a:avLst/>
+          </a:prstGeom>
+          <a:solidFill>
+            <a:schemeClr val="bg1"/>
+          </a:solidFill>
+        </p:spPr>
+        <p:txBody>
+          <a:bodyPr wrap="square" rtlCol="0">
+            <a:spAutoFit/>
+          </a:bodyPr>
+          <a:lstStyle/>
+          <a:p>
+            <a:pPr algn="ctr"/>
+            <a:r>
+              <a:rPr lang="en-US" sz="1400" dirty="0"/>
+              <a:t>Mean(|SHAP| value) </a:t>
+            </a:r>
+          </a:p>
+          <a:p>
+            <a:pPr algn="ctr"/>
+            <a:r>
+              <a:rPr lang="en-US" sz="1400" dirty="0"/>
+              <a:t>(average impact on prediction magnitude)</a:t>
+            </a:r>
+          </a:p>
+        </p:txBody>
+      </p:sp>
+      <p:sp>
+        <p:nvSpPr>
+          <p:cNvPr id="5" name="TextBox 4">
+            <a:extLst>
+              <a:ext uri="{FF2B5EF4-FFF2-40B4-BE49-F238E27FC236}">
+                <a16:creationId xmlns:a16="http://schemas.microsoft.com/office/drawing/2014/main" id="{C63D410D-B7EC-A64E-ACC2-CA7AC3E6872F}"/>
+              </a:ext>
+            </a:extLst>
+          </p:cNvPr>
+          <p:cNvSpPr txBox="1"/>
+          <p:nvPr/>
+        </p:nvSpPr>
+        <p:spPr>
+          <a:xfrm>
+            <a:off x="7513808" y="5908881"/>
+            <a:ext cx="4195263" cy="523220"/>
+          </a:xfrm>
+          <a:prstGeom prst="rect">
+            <a:avLst/>
+          </a:prstGeom>
+          <a:solidFill>
+            <a:schemeClr val="bg1"/>
+          </a:solidFill>
+        </p:spPr>
+        <p:txBody>
+          <a:bodyPr wrap="square" rtlCol="0">
+            <a:spAutoFit/>
+          </a:bodyPr>
+          <a:lstStyle/>
+          <a:p>
+            <a:pPr algn="ctr"/>
+            <a:r>
+              <a:rPr lang="en-US" sz="1400" dirty="0"/>
+              <a:t>Mean(|SHAP| value) </a:t>
+            </a:r>
+          </a:p>
+          <a:p>
+            <a:pPr algn="ctr"/>
+            <a:r>
+              <a:rPr lang="en-US" sz="1400" dirty="0"/>
+              <a:t>(average impact on </a:t>
+            </a:r>
+            <a:r>
+              <a:rPr lang="en-US" sz="1400" dirty="0" err="1"/>
+              <a:t>logloss</a:t>
+            </a:r>
+            <a:r>
+              <a:rPr lang="en-US" sz="1400" dirty="0"/>
+              <a:t> magnitude)</a:t>
+            </a:r>
+          </a:p>
+        </p:txBody>
+      </p:sp>
+      <p:sp>
+        <p:nvSpPr>
+          <p:cNvPr id="7" name="TextBox 6">
+            <a:extLst>
+              <a:ext uri="{FF2B5EF4-FFF2-40B4-BE49-F238E27FC236}">
+                <a16:creationId xmlns:a16="http://schemas.microsoft.com/office/drawing/2014/main" id="{E6053391-2C97-D642-89ED-CA9A3091FDDE}"/>
+              </a:ext>
+            </a:extLst>
+          </p:cNvPr>
+          <p:cNvSpPr txBox="1"/>
+          <p:nvPr/>
+        </p:nvSpPr>
+        <p:spPr>
+          <a:xfrm>
+            <a:off x="0" y="948438"/>
+            <a:ext cx="1397875" cy="4769447"/>
+          </a:xfrm>
+          <a:prstGeom prst="rect">
+            <a:avLst/>
+          </a:prstGeom>
+          <a:solidFill>
+            <a:schemeClr val="bg1"/>
+          </a:solidFill>
+        </p:spPr>
+        <p:txBody>
+          <a:bodyPr wrap="square" rtlCol="0">
+            <a:spAutoFit/>
+          </a:bodyPr>
+          <a:lstStyle/>
+          <a:p>
+            <a:pPr algn="r">
+              <a:lnSpc>
+                <a:spcPct val="80000"/>
+              </a:lnSpc>
+            </a:pPr>
+            <a:r>
+              <a:rPr lang="en-US" sz="1650" dirty="0"/>
+              <a:t>PAY_0</a:t>
+            </a:r>
+          </a:p>
+          <a:p>
+            <a:pPr algn="r">
+              <a:lnSpc>
+                <a:spcPct val="80000"/>
+              </a:lnSpc>
+            </a:pPr>
+            <a:r>
+              <a:rPr lang="en-US" sz="1650" dirty="0"/>
+              <a:t>LIMIT_BAL</a:t>
+            </a:r>
+          </a:p>
+          <a:p>
+            <a:pPr algn="r">
+              <a:lnSpc>
+                <a:spcPct val="80000"/>
+              </a:lnSpc>
+            </a:pPr>
+            <a:r>
+              <a:rPr lang="en-US" sz="1650" dirty="0"/>
+              <a:t>PAY_AMT3</a:t>
+            </a:r>
+          </a:p>
+          <a:p>
+            <a:pPr algn="r">
+              <a:lnSpc>
+                <a:spcPct val="80000"/>
+              </a:lnSpc>
+            </a:pPr>
+            <a:r>
+              <a:rPr lang="en-US" sz="1650" dirty="0"/>
+              <a:t>BILL_AMT1</a:t>
+            </a:r>
+          </a:p>
+          <a:p>
+            <a:pPr algn="r">
+              <a:lnSpc>
+                <a:spcPct val="80000"/>
+              </a:lnSpc>
+            </a:pPr>
+            <a:r>
+              <a:rPr lang="en-US" sz="1650" dirty="0"/>
+              <a:t>PAY_AMT2</a:t>
+            </a:r>
+          </a:p>
+          <a:p>
+            <a:pPr algn="r">
+              <a:lnSpc>
+                <a:spcPct val="80000"/>
+              </a:lnSpc>
+            </a:pPr>
+            <a:r>
+              <a:rPr lang="en-US" sz="1650" dirty="0"/>
+              <a:t>PAY_2</a:t>
+            </a:r>
+          </a:p>
+          <a:p>
+            <a:pPr algn="r">
+              <a:lnSpc>
+                <a:spcPct val="80000"/>
+              </a:lnSpc>
+            </a:pPr>
+            <a:r>
+              <a:rPr lang="en-US" sz="1650" dirty="0"/>
+              <a:t>PAY_3</a:t>
+            </a:r>
+          </a:p>
+          <a:p>
+            <a:pPr algn="r">
+              <a:lnSpc>
+                <a:spcPct val="80000"/>
+              </a:lnSpc>
+            </a:pPr>
+            <a:r>
+              <a:rPr lang="en-US" sz="1650" dirty="0"/>
+              <a:t>PAY_AMT1</a:t>
+            </a:r>
+          </a:p>
+          <a:p>
+            <a:pPr algn="r">
+              <a:lnSpc>
+                <a:spcPct val="80000"/>
+              </a:lnSpc>
+            </a:pPr>
+            <a:r>
+              <a:rPr lang="en-US" sz="1650" dirty="0"/>
+              <a:t>PAY_5</a:t>
+            </a:r>
+          </a:p>
+          <a:p>
+            <a:pPr algn="r">
+              <a:lnSpc>
+                <a:spcPct val="80000"/>
+              </a:lnSpc>
+            </a:pPr>
+            <a:r>
+              <a:rPr lang="en-US" sz="1650" dirty="0"/>
+              <a:t>PAY_6</a:t>
+            </a:r>
+          </a:p>
+          <a:p>
+            <a:pPr algn="r">
+              <a:lnSpc>
+                <a:spcPct val="80000"/>
+              </a:lnSpc>
+            </a:pPr>
+            <a:r>
+              <a:rPr lang="en-US" sz="1650" dirty="0"/>
+              <a:t>AGE</a:t>
+            </a:r>
+          </a:p>
+          <a:p>
+            <a:pPr algn="r">
+              <a:lnSpc>
+                <a:spcPct val="80000"/>
+              </a:lnSpc>
+            </a:pPr>
+            <a:r>
+              <a:rPr lang="en-US" sz="1650" dirty="0"/>
+              <a:t>PAY_4</a:t>
+            </a:r>
+          </a:p>
+          <a:p>
+            <a:pPr algn="r">
+              <a:lnSpc>
+                <a:spcPct val="80000"/>
+              </a:lnSpc>
+            </a:pPr>
+            <a:r>
+              <a:rPr lang="en-US" sz="1650" dirty="0"/>
+              <a:t>MARRIAGE</a:t>
+            </a:r>
+          </a:p>
+          <a:p>
+            <a:pPr algn="r">
+              <a:lnSpc>
+                <a:spcPct val="80000"/>
+              </a:lnSpc>
+            </a:pPr>
+            <a:r>
+              <a:rPr lang="en-US" sz="1650" dirty="0"/>
+              <a:t>SEX</a:t>
+            </a:r>
+          </a:p>
+          <a:p>
+            <a:pPr algn="r">
+              <a:lnSpc>
+                <a:spcPct val="80000"/>
+              </a:lnSpc>
+            </a:pPr>
+            <a:r>
+              <a:rPr lang="en-US" sz="1650" dirty="0"/>
+              <a:t>PAY_AMT4</a:t>
+            </a:r>
+          </a:p>
+          <a:p>
+            <a:pPr algn="r">
+              <a:lnSpc>
+                <a:spcPct val="80000"/>
+              </a:lnSpc>
+            </a:pPr>
+            <a:r>
+              <a:rPr lang="en-US" sz="1650" dirty="0"/>
+              <a:t>PAY_AMT6</a:t>
+            </a:r>
+          </a:p>
+          <a:p>
+            <a:pPr algn="r">
+              <a:lnSpc>
+                <a:spcPct val="80000"/>
+              </a:lnSpc>
+            </a:pPr>
+            <a:r>
+              <a:rPr lang="en-US" sz="1650" dirty="0"/>
+              <a:t>PAY_AMT5</a:t>
+            </a:r>
+          </a:p>
+          <a:p>
+            <a:pPr algn="r">
+              <a:lnSpc>
+                <a:spcPct val="80000"/>
+              </a:lnSpc>
+            </a:pPr>
+            <a:r>
+              <a:rPr lang="en-US" sz="1650" dirty="0"/>
+              <a:t>EDUCATION</a:t>
+            </a:r>
+          </a:p>
+          <a:p>
+            <a:pPr algn="r">
+              <a:lnSpc>
+                <a:spcPct val="80000"/>
+              </a:lnSpc>
+            </a:pPr>
+            <a:r>
+              <a:rPr lang="en-US" sz="1650" dirty="0"/>
+              <a:t>BILL_AMT2</a:t>
+            </a:r>
+          </a:p>
+          <a:p>
+            <a:pPr algn="r">
+              <a:lnSpc>
+                <a:spcPct val="80000"/>
+              </a:lnSpc>
+            </a:pPr>
+            <a:r>
+              <a:rPr lang="en-US" sz="1650" dirty="0"/>
+              <a:t>BILL_AMT5</a:t>
+            </a:r>
+          </a:p>
+          <a:p>
+            <a:pPr algn="r">
+              <a:lnSpc>
+                <a:spcPct val="80000"/>
+              </a:lnSpc>
+            </a:pPr>
+            <a:r>
+              <a:rPr lang="en-US" sz="1650" dirty="0"/>
+              <a:t>BILL_AMT6</a:t>
+            </a:r>
+          </a:p>
+          <a:p>
+            <a:pPr algn="r">
+              <a:lnSpc>
+                <a:spcPct val="80000"/>
+              </a:lnSpc>
+            </a:pPr>
+            <a:r>
+              <a:rPr lang="en-US" sz="1650" dirty="0"/>
+              <a:t>BILL_AMT4</a:t>
+            </a:r>
+          </a:p>
+          <a:p>
+            <a:pPr algn="r">
+              <a:lnSpc>
+                <a:spcPct val="80000"/>
+              </a:lnSpc>
+            </a:pPr>
+            <a:r>
+              <a:rPr lang="en-US" sz="1650" dirty="0"/>
+              <a:t>BILL_AMT3</a:t>
+            </a:r>
+          </a:p>
+        </p:txBody>
+      </p:sp>
+      <p:sp>
+        <p:nvSpPr>
+          <p:cNvPr id="8" name="TextBox 7">
+            <a:extLst>
+              <a:ext uri="{FF2B5EF4-FFF2-40B4-BE49-F238E27FC236}">
+                <a16:creationId xmlns:a16="http://schemas.microsoft.com/office/drawing/2014/main" id="{23AAF93C-BA14-FE40-A6FA-422D82CF4F31}"/>
+              </a:ext>
+            </a:extLst>
+          </p:cNvPr>
+          <p:cNvSpPr txBox="1"/>
+          <p:nvPr/>
+        </p:nvSpPr>
+        <p:spPr>
+          <a:xfrm>
+            <a:off x="5966057" y="948438"/>
+            <a:ext cx="1397875" cy="4769447"/>
+          </a:xfrm>
+          <a:prstGeom prst="rect">
+            <a:avLst/>
+          </a:prstGeom>
+          <a:solidFill>
+            <a:schemeClr val="bg1"/>
+          </a:solidFill>
+        </p:spPr>
+        <p:txBody>
+          <a:bodyPr wrap="square" rtlCol="0">
+            <a:spAutoFit/>
+          </a:bodyPr>
+          <a:lstStyle/>
+          <a:p>
+            <a:pPr algn="r">
+              <a:lnSpc>
+                <a:spcPct val="80000"/>
+              </a:lnSpc>
+            </a:pPr>
+            <a:r>
+              <a:rPr lang="en-US" sz="1650" dirty="0"/>
+              <a:t>PAY_0</a:t>
+            </a:r>
+          </a:p>
+          <a:p>
+            <a:pPr algn="r">
+              <a:lnSpc>
+                <a:spcPct val="80000"/>
+              </a:lnSpc>
+            </a:pPr>
+            <a:r>
+              <a:rPr lang="en-US" sz="1650" dirty="0"/>
+              <a:t>PAY_3</a:t>
+            </a:r>
+          </a:p>
+          <a:p>
+            <a:pPr algn="r">
+              <a:lnSpc>
+                <a:spcPct val="80000"/>
+              </a:lnSpc>
+            </a:pPr>
+            <a:r>
+              <a:rPr lang="en-US" sz="1650" dirty="0"/>
+              <a:t>PAY_2</a:t>
+            </a:r>
+          </a:p>
+          <a:p>
+            <a:pPr algn="r">
+              <a:lnSpc>
+                <a:spcPct val="80000"/>
+              </a:lnSpc>
+            </a:pPr>
+            <a:r>
+              <a:rPr lang="en-US" sz="1650" dirty="0"/>
+              <a:t>LIMIT_BAL</a:t>
+            </a:r>
+          </a:p>
+          <a:p>
+            <a:pPr algn="r">
+              <a:lnSpc>
+                <a:spcPct val="80000"/>
+              </a:lnSpc>
+            </a:pPr>
+            <a:r>
+              <a:rPr lang="en-US" sz="1650" dirty="0"/>
+              <a:t>BILL_AMT1</a:t>
+            </a:r>
+          </a:p>
+          <a:p>
+            <a:pPr algn="r">
+              <a:lnSpc>
+                <a:spcPct val="80000"/>
+              </a:lnSpc>
+            </a:pPr>
+            <a:r>
+              <a:rPr lang="en-US" sz="1650" dirty="0"/>
+              <a:t>PAY_AMT3</a:t>
+            </a:r>
+          </a:p>
+          <a:p>
+            <a:pPr algn="r">
+              <a:lnSpc>
+                <a:spcPct val="80000"/>
+              </a:lnSpc>
+            </a:pPr>
+            <a:r>
+              <a:rPr lang="en-US" sz="1650" dirty="0"/>
+              <a:t>PAY_5</a:t>
+            </a:r>
+          </a:p>
+          <a:p>
+            <a:pPr algn="r">
+              <a:lnSpc>
+                <a:spcPct val="80000"/>
+              </a:lnSpc>
+            </a:pPr>
+            <a:r>
+              <a:rPr lang="en-US" sz="1650" dirty="0"/>
+              <a:t>PAY_AMT2</a:t>
+            </a:r>
+          </a:p>
+          <a:p>
+            <a:pPr algn="r">
+              <a:lnSpc>
+                <a:spcPct val="80000"/>
+              </a:lnSpc>
+            </a:pPr>
+            <a:r>
+              <a:rPr lang="en-US" sz="1650" dirty="0"/>
+              <a:t>PAY_6</a:t>
+            </a:r>
+          </a:p>
+          <a:p>
+            <a:pPr algn="r">
+              <a:lnSpc>
+                <a:spcPct val="80000"/>
+              </a:lnSpc>
+            </a:pPr>
+            <a:r>
+              <a:rPr lang="en-US" sz="1650" dirty="0"/>
+              <a:t>PAY_4</a:t>
+            </a:r>
+          </a:p>
+          <a:p>
+            <a:pPr algn="r">
+              <a:lnSpc>
+                <a:spcPct val="80000"/>
+              </a:lnSpc>
+            </a:pPr>
+            <a:r>
+              <a:rPr lang="en-US" sz="1650" dirty="0"/>
+              <a:t>MARRIAGE</a:t>
+            </a:r>
+          </a:p>
+          <a:p>
+            <a:pPr algn="r">
+              <a:lnSpc>
+                <a:spcPct val="80000"/>
+              </a:lnSpc>
+            </a:pPr>
+            <a:r>
+              <a:rPr lang="en-US" sz="1650" dirty="0"/>
+              <a:t>PAY_AMT1</a:t>
+            </a:r>
+          </a:p>
+          <a:p>
+            <a:pPr algn="r">
+              <a:lnSpc>
+                <a:spcPct val="80000"/>
+              </a:lnSpc>
+            </a:pPr>
+            <a:r>
+              <a:rPr lang="en-US" sz="1650" dirty="0"/>
+              <a:t>AGE</a:t>
+            </a:r>
+          </a:p>
+          <a:p>
+            <a:pPr algn="r">
+              <a:lnSpc>
+                <a:spcPct val="80000"/>
+              </a:lnSpc>
+            </a:pPr>
+            <a:r>
+              <a:rPr lang="en-US" sz="1650" dirty="0"/>
+              <a:t>SEX</a:t>
+            </a:r>
+          </a:p>
+          <a:p>
+            <a:pPr algn="r">
+              <a:lnSpc>
+                <a:spcPct val="80000"/>
+              </a:lnSpc>
+            </a:pPr>
+            <a:r>
+              <a:rPr lang="en-US" sz="1650" dirty="0"/>
+              <a:t>PAY_AMT4</a:t>
+            </a:r>
+          </a:p>
+          <a:p>
+            <a:pPr algn="r">
+              <a:lnSpc>
+                <a:spcPct val="80000"/>
+              </a:lnSpc>
+            </a:pPr>
+            <a:r>
+              <a:rPr lang="en-US" sz="1650" dirty="0"/>
+              <a:t>PAY_AMT6</a:t>
+            </a:r>
+          </a:p>
+          <a:p>
+            <a:pPr algn="r">
+              <a:lnSpc>
+                <a:spcPct val="80000"/>
+              </a:lnSpc>
+            </a:pPr>
+            <a:r>
+              <a:rPr lang="en-US" sz="1650" dirty="0"/>
+              <a:t>BILL_AMT2</a:t>
+            </a:r>
+          </a:p>
+          <a:p>
+            <a:pPr algn="r">
+              <a:lnSpc>
+                <a:spcPct val="80000"/>
+              </a:lnSpc>
+            </a:pPr>
+            <a:r>
+              <a:rPr lang="en-US" sz="1650" dirty="0"/>
+              <a:t>PAY_AMT5</a:t>
+            </a:r>
+          </a:p>
+          <a:p>
+            <a:pPr algn="r">
+              <a:lnSpc>
+                <a:spcPct val="80000"/>
+              </a:lnSpc>
+            </a:pPr>
+            <a:r>
+              <a:rPr lang="en-US" sz="1650" dirty="0"/>
+              <a:t>EDUCATION</a:t>
+            </a:r>
+          </a:p>
+          <a:p>
+            <a:pPr algn="r">
+              <a:lnSpc>
+                <a:spcPct val="80000"/>
+              </a:lnSpc>
+            </a:pPr>
+            <a:r>
+              <a:rPr lang="en-US" sz="1650" dirty="0"/>
+              <a:t>BILL_AMT5</a:t>
+            </a:r>
+          </a:p>
+          <a:p>
+            <a:pPr algn="r">
+              <a:lnSpc>
+                <a:spcPct val="80000"/>
+              </a:lnSpc>
+            </a:pPr>
+            <a:r>
+              <a:rPr lang="en-US" sz="1650" dirty="0"/>
+              <a:t>BILL_AMT6</a:t>
+            </a:r>
+          </a:p>
+          <a:p>
+            <a:pPr algn="r">
+              <a:lnSpc>
+                <a:spcPct val="80000"/>
+              </a:lnSpc>
+            </a:pPr>
+            <a:r>
+              <a:rPr lang="en-US" sz="1650" dirty="0"/>
+              <a:t>BILL_AMT3</a:t>
+            </a:r>
+          </a:p>
+          <a:p>
+            <a:pPr algn="r">
+              <a:lnSpc>
+                <a:spcPct val="80000"/>
+              </a:lnSpc>
+            </a:pPr>
+            <a:r>
+              <a:rPr lang="en-US" sz="1650" dirty="0"/>
+              <a:t>BILL_AMT4</a:t>
+            </a:r>
+          </a:p>
+        </p:txBody>
+      </p:sp>
+      <p:sp>
+        <p:nvSpPr>
+          <p:cNvPr id="9" name="TextBox 8">
+            <a:extLst>
+              <a:ext uri="{FF2B5EF4-FFF2-40B4-BE49-F238E27FC236}">
+                <a16:creationId xmlns:a16="http://schemas.microsoft.com/office/drawing/2014/main" id="{66154E63-CE2C-FA44-ABA0-3D1BC3368533}"/>
+              </a:ext>
+            </a:extLst>
+          </p:cNvPr>
+          <p:cNvSpPr txBox="1"/>
+          <p:nvPr/>
+        </p:nvSpPr>
+        <p:spPr>
+          <a:xfrm>
+            <a:off x="1397875" y="616896"/>
+            <a:ext cx="4362400" cy="338554"/>
+          </a:xfrm>
+          <a:prstGeom prst="rect">
+            <a:avLst/>
+          </a:prstGeom>
+          <a:solidFill>
+            <a:schemeClr val="bg1"/>
+          </a:solidFill>
+        </p:spPr>
+        <p:txBody>
+          <a:bodyPr wrap="square" rtlCol="0">
+            <a:spAutoFit/>
+          </a:bodyPr>
+          <a:lstStyle/>
+          <a:p>
+            <a:pPr algn="ctr"/>
+            <a:r>
+              <a:rPr lang="en-US" sz="1600" dirty="0"/>
+              <a:t>Global Shapley Feature Importance for Predictions</a:t>
+            </a:r>
+          </a:p>
+        </p:txBody>
+      </p:sp>
+      <p:sp>
+        <p:nvSpPr>
+          <p:cNvPr id="10" name="TextBox 9">
+            <a:extLst>
+              <a:ext uri="{FF2B5EF4-FFF2-40B4-BE49-F238E27FC236}">
+                <a16:creationId xmlns:a16="http://schemas.microsoft.com/office/drawing/2014/main" id="{17152130-B0E4-6349-A7CB-D7AC90D00C2B}"/>
+              </a:ext>
+            </a:extLst>
+          </p:cNvPr>
+          <p:cNvSpPr txBox="1"/>
+          <p:nvPr/>
+        </p:nvSpPr>
+        <p:spPr>
+          <a:xfrm>
+            <a:off x="7363932" y="616896"/>
+            <a:ext cx="4362400" cy="338554"/>
+          </a:xfrm>
+          <a:prstGeom prst="rect">
+            <a:avLst/>
+          </a:prstGeom>
+          <a:solidFill>
+            <a:schemeClr val="bg1"/>
+          </a:solidFill>
+        </p:spPr>
+        <p:txBody>
+          <a:bodyPr wrap="square" rtlCol="0">
+            <a:spAutoFit/>
+          </a:bodyPr>
+          <a:lstStyle/>
+          <a:p>
+            <a:pPr algn="ctr"/>
+            <a:r>
+              <a:rPr lang="en-US" sz="1600" dirty="0"/>
+              <a:t>Global Shapley Feature Importance for </a:t>
+            </a:r>
+            <a:r>
+              <a:rPr lang="en-US" sz="1600" dirty="0" err="1"/>
+              <a:t>Logloss</a:t>
+            </a:r>
+            <a:endParaRPr lang="en-US" sz="1600" dirty="0"/>
+          </a:p>
+        </p:txBody>
+      </p:sp>
+    </p:spTree>
+    <p:extLst>
+      <p:ext uri="{BB962C8B-B14F-4D97-AF65-F5344CB8AC3E}">
+        <p14:creationId xmlns:p14="http://schemas.microsoft.com/office/powerpoint/2010/main" val="3524314082"/>
+      </p:ext>
+    </p:extLst>
+  </p:cSld>
+  <p:clrMapOvr>
+    <a:masterClrMapping/>
+  </p:clrMapOvr>
+</p:sld>
+</file>
+
+<file path=ppt/slides/slide11.xml><?xml version="1.0" encoding="utf-8"?>
+<p:sld xmlns:a="http://schemas.openxmlformats.org/drawingml/2006/main" xmlns:r="http://schemas.openxmlformats.org/officeDocument/2006/relationships" xmlns:p="http://schemas.openxmlformats.org/presentationml/2006/main">
+  <p:cSld>
+    <p:spTree>
+      <p:nvGrpSpPr>
+        <p:cNvPr id="1" name=""/>
+        <p:cNvGrpSpPr/>
+        <p:nvPr/>
+      </p:nvGrpSpPr>
+      <p:grpSpPr>
+        <a:xfrm>
+          <a:off x="0" y="0"/>
+          <a:ext cx="0" cy="0"/>
+          <a:chOff x="0" y="0"/>
+          <a:chExt cx="0" cy="0"/>
+        </a:xfrm>
+      </p:grpSpPr>
+      <p:pic>
+        <p:nvPicPr>
+          <p:cNvPr id="3" name="Picture 2">
+            <a:extLst>
+              <a:ext uri="{FF2B5EF4-FFF2-40B4-BE49-F238E27FC236}">
+                <a16:creationId xmlns:a16="http://schemas.microsoft.com/office/drawing/2014/main" id="{3DCE8244-E336-E14C-91C9-25635005D680}"/>
+              </a:ext>
+            </a:extLst>
+          </p:cNvPr>
+          <p:cNvPicPr>
+            <a:picLocks noChangeAspect="1"/>
+          </p:cNvPicPr>
+          <p:nvPr/>
+        </p:nvPicPr>
+        <p:blipFill>
+          <a:blip r:embed="rId2"/>
+          <a:stretch>
+            <a:fillRect/>
+          </a:stretch>
+        </p:blipFill>
+        <p:spPr>
+          <a:xfrm>
+            <a:off x="2651315" y="600075"/>
+            <a:ext cx="6471832" cy="5314950"/>
+          </a:xfrm>
+          <a:prstGeom prst="rect">
+            <a:avLst/>
+          </a:prstGeom>
+        </p:spPr>
+      </p:pic>
+      <p:sp>
+        <p:nvSpPr>
+          <p:cNvPr id="4" name="TextBox 3">
+            <a:extLst>
+              <a:ext uri="{FF2B5EF4-FFF2-40B4-BE49-F238E27FC236}">
+                <a16:creationId xmlns:a16="http://schemas.microsoft.com/office/drawing/2014/main" id="{527C26BB-A62B-6445-B4F0-15DCBA98BA27}"/>
+              </a:ext>
+            </a:extLst>
+          </p:cNvPr>
+          <p:cNvSpPr txBox="1"/>
+          <p:nvPr/>
+        </p:nvSpPr>
+        <p:spPr>
+          <a:xfrm rot="16200000">
+            <a:off x="5609067" y="2636969"/>
+            <a:ext cx="1397875" cy="5844036"/>
+          </a:xfrm>
+          <a:prstGeom prst="rect">
+            <a:avLst/>
+          </a:prstGeom>
+          <a:solidFill>
+            <a:schemeClr val="bg1"/>
+          </a:solidFill>
+        </p:spPr>
+        <p:txBody>
+          <a:bodyPr wrap="square" rtlCol="0">
+            <a:spAutoFit/>
+          </a:bodyPr>
+          <a:lstStyle/>
+          <a:p>
+            <a:pPr algn="r">
+              <a:lnSpc>
+                <a:spcPct val="81000"/>
+              </a:lnSpc>
+            </a:pPr>
+            <a:r>
+              <a:rPr lang="en-US" sz="1980" dirty="0"/>
+              <a:t>PAY_AMT1</a:t>
+            </a:r>
+          </a:p>
+          <a:p>
+            <a:pPr algn="r">
+              <a:lnSpc>
+                <a:spcPct val="81000"/>
+              </a:lnSpc>
+            </a:pPr>
+            <a:r>
+              <a:rPr lang="en-US" sz="1980" dirty="0"/>
+              <a:t>LIMIT_BAL</a:t>
+            </a:r>
+          </a:p>
+          <a:p>
+            <a:pPr algn="r">
+              <a:lnSpc>
+                <a:spcPct val="81000"/>
+              </a:lnSpc>
+            </a:pPr>
+            <a:r>
+              <a:rPr lang="en-US" sz="1980" dirty="0"/>
+              <a:t>PAY_AMT2</a:t>
+            </a:r>
+          </a:p>
+          <a:p>
+            <a:pPr algn="r">
+              <a:lnSpc>
+                <a:spcPct val="81000"/>
+              </a:lnSpc>
+            </a:pPr>
+            <a:r>
+              <a:rPr lang="en-US" sz="1980" dirty="0"/>
+              <a:t>PAY_0</a:t>
+            </a:r>
+          </a:p>
+          <a:p>
+            <a:pPr algn="r">
+              <a:lnSpc>
+                <a:spcPct val="81000"/>
+              </a:lnSpc>
+            </a:pPr>
+            <a:r>
+              <a:rPr lang="en-US" sz="1980" dirty="0"/>
+              <a:t>PAY_3</a:t>
+            </a:r>
+          </a:p>
+          <a:p>
+            <a:pPr algn="r">
+              <a:lnSpc>
+                <a:spcPct val="81000"/>
+              </a:lnSpc>
+            </a:pPr>
+            <a:r>
+              <a:rPr lang="en-US" sz="1980" dirty="0"/>
+              <a:t>PAY_AMT3</a:t>
+            </a:r>
+          </a:p>
+          <a:p>
+            <a:pPr algn="r">
+              <a:lnSpc>
+                <a:spcPct val="81000"/>
+              </a:lnSpc>
+            </a:pPr>
+            <a:r>
+              <a:rPr lang="en-US" sz="1980" dirty="0"/>
+              <a:t>PAY_6</a:t>
+            </a:r>
+          </a:p>
+          <a:p>
+            <a:pPr algn="r">
+              <a:lnSpc>
+                <a:spcPct val="81000"/>
+              </a:lnSpc>
+            </a:pPr>
+            <a:r>
+              <a:rPr lang="en-US" sz="1980" dirty="0"/>
+              <a:t>PAY_2</a:t>
+            </a:r>
+          </a:p>
+          <a:p>
+            <a:pPr algn="r">
+              <a:lnSpc>
+                <a:spcPct val="81000"/>
+              </a:lnSpc>
+            </a:pPr>
+            <a:r>
+              <a:rPr lang="en-US" sz="1980" dirty="0"/>
+              <a:t>BILL_AMT1</a:t>
+            </a:r>
+          </a:p>
+          <a:p>
+            <a:pPr algn="r">
+              <a:lnSpc>
+                <a:spcPct val="81000"/>
+              </a:lnSpc>
+            </a:pPr>
+            <a:r>
+              <a:rPr lang="en-US" sz="1980" dirty="0"/>
+              <a:t>MARRIAGE</a:t>
+            </a:r>
+          </a:p>
+          <a:p>
+            <a:pPr algn="r">
+              <a:lnSpc>
+                <a:spcPct val="81000"/>
+              </a:lnSpc>
+            </a:pPr>
+            <a:r>
+              <a:rPr lang="en-US" sz="1980" dirty="0"/>
+              <a:t>PAY_5</a:t>
+            </a:r>
+          </a:p>
+          <a:p>
+            <a:pPr algn="r">
+              <a:lnSpc>
+                <a:spcPct val="81000"/>
+              </a:lnSpc>
+            </a:pPr>
+            <a:r>
+              <a:rPr lang="en-US" sz="1980" dirty="0"/>
+              <a:t>PAY_AMT5</a:t>
+            </a:r>
+          </a:p>
+          <a:p>
+            <a:pPr algn="r">
+              <a:lnSpc>
+                <a:spcPct val="81000"/>
+              </a:lnSpc>
+            </a:pPr>
+            <a:r>
+              <a:rPr lang="en-US" sz="1980" dirty="0"/>
+              <a:t>PAY_AMT6</a:t>
+            </a:r>
+          </a:p>
+          <a:p>
+            <a:pPr algn="r">
+              <a:lnSpc>
+                <a:spcPct val="81000"/>
+              </a:lnSpc>
+            </a:pPr>
+            <a:r>
+              <a:rPr lang="en-US" sz="1980" dirty="0"/>
+              <a:t>PAY_4</a:t>
+            </a:r>
+          </a:p>
+          <a:p>
+            <a:pPr algn="r">
+              <a:lnSpc>
+                <a:spcPct val="81000"/>
+              </a:lnSpc>
+            </a:pPr>
+            <a:r>
+              <a:rPr lang="en-US" sz="1980" dirty="0"/>
+              <a:t>BILL_AMT2</a:t>
+            </a:r>
+          </a:p>
+          <a:p>
+            <a:pPr algn="r">
+              <a:lnSpc>
+                <a:spcPct val="81000"/>
+              </a:lnSpc>
+            </a:pPr>
+            <a:r>
+              <a:rPr lang="en-US" sz="1980" dirty="0"/>
+              <a:t>EDUCATION</a:t>
+            </a:r>
+          </a:p>
+          <a:p>
+            <a:pPr algn="r">
+              <a:lnSpc>
+                <a:spcPct val="81000"/>
+              </a:lnSpc>
+            </a:pPr>
+            <a:r>
+              <a:rPr lang="en-US" sz="1980" dirty="0"/>
+              <a:t>PAY_AMT4</a:t>
+            </a:r>
+          </a:p>
+          <a:p>
+            <a:pPr algn="r">
+              <a:lnSpc>
+                <a:spcPct val="81000"/>
+              </a:lnSpc>
+            </a:pPr>
+            <a:r>
+              <a:rPr lang="en-US" sz="1980" dirty="0"/>
+              <a:t>BILL_AMT4</a:t>
+            </a:r>
+          </a:p>
+          <a:p>
+            <a:pPr algn="r">
+              <a:lnSpc>
+                <a:spcPct val="81000"/>
+              </a:lnSpc>
+            </a:pPr>
+            <a:r>
+              <a:rPr lang="en-US" sz="1980" dirty="0"/>
+              <a:t>BILL_AMT6</a:t>
+            </a:r>
+          </a:p>
+          <a:p>
+            <a:pPr algn="r">
+              <a:lnSpc>
+                <a:spcPct val="81000"/>
+              </a:lnSpc>
+            </a:pPr>
+            <a:r>
+              <a:rPr lang="en-US" sz="1980" dirty="0"/>
+              <a:t>BILL_AMT5</a:t>
+            </a:r>
+          </a:p>
+          <a:p>
+            <a:pPr algn="r">
+              <a:lnSpc>
+                <a:spcPct val="81000"/>
+              </a:lnSpc>
+            </a:pPr>
+            <a:r>
+              <a:rPr lang="en-US" sz="1980" dirty="0"/>
+              <a:t>BILL_AMT3</a:t>
+            </a:r>
+          </a:p>
+          <a:p>
+            <a:pPr algn="r">
+              <a:lnSpc>
+                <a:spcPct val="81000"/>
+              </a:lnSpc>
+            </a:pPr>
+            <a:r>
+              <a:rPr lang="en-US" sz="1980" dirty="0"/>
+              <a:t>AGE</a:t>
+            </a:r>
+          </a:p>
+          <a:p>
+            <a:pPr algn="r">
+              <a:lnSpc>
+                <a:spcPct val="81000"/>
+              </a:lnSpc>
+            </a:pPr>
+            <a:r>
+              <a:rPr lang="en-US" sz="1980" dirty="0"/>
+              <a:t>SEX</a:t>
+            </a:r>
+          </a:p>
+        </p:txBody>
+      </p:sp>
+      <p:sp>
+        <p:nvSpPr>
+          <p:cNvPr id="5" name="TextBox 4">
+            <a:extLst>
+              <a:ext uri="{FF2B5EF4-FFF2-40B4-BE49-F238E27FC236}">
+                <a16:creationId xmlns:a16="http://schemas.microsoft.com/office/drawing/2014/main" id="{5ED8AD08-53E4-1747-BA6F-A541E6A0263E}"/>
+              </a:ext>
+            </a:extLst>
+          </p:cNvPr>
+          <p:cNvSpPr txBox="1"/>
+          <p:nvPr/>
+        </p:nvSpPr>
+        <p:spPr>
+          <a:xfrm rot="16200000">
+            <a:off x="916597" y="2815374"/>
+            <a:ext cx="3720019" cy="369332"/>
+          </a:xfrm>
+          <a:prstGeom prst="rect">
+            <a:avLst/>
+          </a:prstGeom>
+          <a:solidFill>
+            <a:schemeClr val="bg1"/>
+          </a:solidFill>
+        </p:spPr>
+        <p:txBody>
+          <a:bodyPr wrap="square" rtlCol="0">
+            <a:spAutoFit/>
+          </a:bodyPr>
+          <a:lstStyle/>
+          <a:p>
+            <a:pPr algn="ctr"/>
+            <a:r>
+              <a:rPr lang="en-US" dirty="0"/>
+              <a:t>Shapley Feature Contributions</a:t>
+            </a:r>
+          </a:p>
+        </p:txBody>
+      </p:sp>
+      <p:sp>
+        <p:nvSpPr>
+          <p:cNvPr id="6" name="TextBox 5">
+            <a:extLst>
+              <a:ext uri="{FF2B5EF4-FFF2-40B4-BE49-F238E27FC236}">
+                <a16:creationId xmlns:a16="http://schemas.microsoft.com/office/drawing/2014/main" id="{0708BCAE-785C-A144-800D-71DB035E39BE}"/>
+              </a:ext>
+            </a:extLst>
+          </p:cNvPr>
+          <p:cNvSpPr txBox="1"/>
+          <p:nvPr/>
+        </p:nvSpPr>
+        <p:spPr>
+          <a:xfrm>
+            <a:off x="3385986" y="714323"/>
+            <a:ext cx="5639261" cy="369332"/>
+          </a:xfrm>
+          <a:prstGeom prst="rect">
+            <a:avLst/>
+          </a:prstGeom>
+          <a:solidFill>
+            <a:schemeClr val="bg1"/>
+          </a:solidFill>
+        </p:spPr>
+        <p:txBody>
+          <a:bodyPr wrap="square" rtlCol="0">
+            <a:spAutoFit/>
+          </a:bodyPr>
+          <a:lstStyle/>
+          <a:p>
+            <a:pPr algn="ctr"/>
+            <a:r>
+              <a:rPr lang="en-US" dirty="0"/>
+              <a:t>Local Shapley Feature Contributions to </a:t>
+            </a:r>
+            <a:r>
+              <a:rPr lang="en-US" dirty="0" err="1"/>
+              <a:t>Logloss</a:t>
+            </a:r>
+            <a:endParaRPr lang="en-US" dirty="0"/>
+          </a:p>
+        </p:txBody>
+      </p:sp>
+    </p:spTree>
+    <p:extLst>
+      <p:ext uri="{BB962C8B-B14F-4D97-AF65-F5344CB8AC3E}">
+        <p14:creationId xmlns:p14="http://schemas.microsoft.com/office/powerpoint/2010/main" val="605999594"/>
+      </p:ext>
+    </p:extLst>
+  </p:cSld>
+  <p:clrMapOvr>
+    <a:masterClrMapping/>
+  </p:clrMapOvr>
+</p:sld>
+</file>
+
+<file path=ppt/slides/slide12.xml><?xml version="1.0" encoding="utf-8"?>
 <p:sld xmlns:a="http://schemas.openxmlformats.org/drawingml/2006/main" xmlns:r="http://schemas.openxmlformats.org/officeDocument/2006/relationships" xmlns:p="http://schemas.openxmlformats.org/presentationml/2006/main">
   <p:cSld>
     <p:spTree>
@@ -4768,10 +5414,10 @@
       </p:grpSpPr>
       <p:pic>
         <p:nvPicPr>
-          <p:cNvPr id="3" name="Picture 2">
-            <a:extLst>
-              <a:ext uri="{FF2B5EF4-FFF2-40B4-BE49-F238E27FC236}">
-                <a16:creationId xmlns:a16="http://schemas.microsoft.com/office/drawing/2014/main" id="{D6A45EA3-8EA8-864F-804D-C6A9C893F993}"/>
+          <p:cNvPr id="5" name="Picture 4">
+            <a:extLst>
+              <a:ext uri="{FF2B5EF4-FFF2-40B4-BE49-F238E27FC236}">
+                <a16:creationId xmlns:a16="http://schemas.microsoft.com/office/drawing/2014/main" id="{D5557B57-3D38-7844-AF2B-7CB05BAF0ABE}"/>
               </a:ext>
             </a:extLst>
           </p:cNvPr>
@@ -4788,8 +5434,8 @@
         </p:blipFill>
         <p:spPr>
           <a:xfrm>
-            <a:off x="2660650" y="101600"/>
-            <a:ext cx="6870700" cy="6654800"/>
+            <a:off x="1460600" y="0"/>
+            <a:ext cx="9270799" cy="6858000"/>
           </a:xfrm>
           <a:prstGeom prst="rect">
             <a:avLst/>
@@ -4798,10 +5444,10 @@
       </p:pic>
       <p:sp>
         <p:nvSpPr>
-          <p:cNvPr id="4" name="TextBox 3">
-            <a:extLst>
-              <a:ext uri="{FF2B5EF4-FFF2-40B4-BE49-F238E27FC236}">
-                <a16:creationId xmlns:a16="http://schemas.microsoft.com/office/drawing/2014/main" id="{89FDF55E-02A1-A94A-A3A0-BD67129C4616}"/>
+          <p:cNvPr id="6" name="TextBox 5">
+            <a:extLst>
+              <a:ext uri="{FF2B5EF4-FFF2-40B4-BE49-F238E27FC236}">
+                <a16:creationId xmlns:a16="http://schemas.microsoft.com/office/drawing/2014/main" id="{40116EDD-F29B-C044-B303-15C9BB9CC10E}"/>
               </a:ext>
             </a:extLst>
           </p:cNvPr>
@@ -4810,8 +5456,8 @@
         </p:nvSpPr>
         <p:spPr>
           <a:xfrm>
-            <a:off x="2291257" y="375672"/>
-            <a:ext cx="1397875" cy="5891356"/>
+            <a:off x="2311139" y="0"/>
+            <a:ext cx="1241357" cy="369332"/>
           </a:xfrm>
           <a:prstGeom prst="rect">
             <a:avLst/>
@@ -4826,211 +5472,19 @@
           </a:bodyPr>
           <a:lstStyle/>
           <a:p>
-            <a:pPr algn="r">
-              <a:spcAft>
-                <a:spcPts val="450"/>
-              </a:spcAft>
-            </a:pPr>
-            <a:r>
-              <a:rPr lang="en-US" sz="1650" dirty="0"/>
-              <a:t>PAY_0</a:t>
-            </a:r>
-          </a:p>
-          <a:p>
-            <a:pPr algn="r">
-              <a:spcAft>
-                <a:spcPts val="450"/>
-              </a:spcAft>
-            </a:pPr>
-            <a:r>
-              <a:rPr lang="en-US" sz="1650" dirty="0"/>
-              <a:t>PAY_2</a:t>
-            </a:r>
-          </a:p>
-          <a:p>
-            <a:pPr algn="r">
-              <a:spcAft>
-                <a:spcPts val="450"/>
-              </a:spcAft>
-            </a:pPr>
-            <a:r>
-              <a:rPr lang="en-US" sz="1650" dirty="0"/>
-              <a:t>PAY_AMT2</a:t>
-            </a:r>
-          </a:p>
-          <a:p>
-            <a:pPr algn="r">
-              <a:spcAft>
-                <a:spcPts val="450"/>
-              </a:spcAft>
-            </a:pPr>
-            <a:r>
-              <a:rPr lang="en-US" sz="1650" dirty="0"/>
-              <a:t>PAY_3</a:t>
-            </a:r>
-          </a:p>
-          <a:p>
-            <a:pPr algn="r">
-              <a:spcAft>
-                <a:spcPts val="450"/>
-              </a:spcAft>
-            </a:pPr>
-            <a:r>
-              <a:rPr lang="en-US" sz="1650" dirty="0"/>
-              <a:t>PAY_AMT1</a:t>
-            </a:r>
-          </a:p>
-          <a:p>
-            <a:pPr algn="r">
-              <a:spcAft>
-                <a:spcPts val="450"/>
-              </a:spcAft>
-            </a:pPr>
-            <a:r>
-              <a:rPr lang="en-US" sz="1650" dirty="0"/>
-              <a:t>PAY_AMT5</a:t>
-            </a:r>
-          </a:p>
-          <a:p>
-            <a:pPr algn="r">
-              <a:spcAft>
-                <a:spcPts val="450"/>
-              </a:spcAft>
-            </a:pPr>
-            <a:r>
-              <a:rPr lang="en-US" sz="1650" dirty="0"/>
-              <a:t>BILL_AMT1</a:t>
-            </a:r>
-          </a:p>
-          <a:p>
-            <a:pPr algn="r">
-              <a:spcAft>
-                <a:spcPts val="450"/>
-              </a:spcAft>
-            </a:pPr>
-            <a:r>
-              <a:rPr lang="en-US" sz="1650" dirty="0"/>
-              <a:t>PAY_4</a:t>
-            </a:r>
-          </a:p>
-          <a:p>
-            <a:pPr algn="r">
-              <a:spcAft>
-                <a:spcPts val="450"/>
-              </a:spcAft>
-            </a:pPr>
-            <a:r>
-              <a:rPr lang="en-US" sz="1650" dirty="0"/>
-              <a:t>PAY_6</a:t>
-            </a:r>
-          </a:p>
-          <a:p>
-            <a:pPr algn="r">
-              <a:spcAft>
-                <a:spcPts val="450"/>
-              </a:spcAft>
-            </a:pPr>
-            <a:r>
-              <a:rPr lang="en-US" sz="1650" dirty="0"/>
-              <a:t>PAY_5</a:t>
-            </a:r>
-          </a:p>
-          <a:p>
-            <a:pPr algn="r">
-              <a:spcAft>
-                <a:spcPts val="450"/>
-              </a:spcAft>
-            </a:pPr>
-            <a:r>
-              <a:rPr lang="en-US" sz="1650" dirty="0"/>
-              <a:t>PAY_AMT6</a:t>
-            </a:r>
-          </a:p>
-          <a:p>
-            <a:pPr algn="r">
-              <a:spcAft>
-                <a:spcPts val="450"/>
-              </a:spcAft>
-            </a:pPr>
-            <a:r>
-              <a:rPr lang="en-US" sz="1650" dirty="0"/>
-              <a:t>PAY_AMT4</a:t>
-            </a:r>
-          </a:p>
-          <a:p>
-            <a:pPr algn="r">
-              <a:spcAft>
-                <a:spcPts val="450"/>
-              </a:spcAft>
-            </a:pPr>
-            <a:r>
-              <a:rPr lang="en-US" sz="1650" dirty="0"/>
-              <a:t>PAY_AMT3</a:t>
-            </a:r>
-          </a:p>
-          <a:p>
-            <a:pPr algn="r">
-              <a:spcAft>
-                <a:spcPts val="450"/>
-              </a:spcAft>
-            </a:pPr>
-            <a:r>
-              <a:rPr lang="en-US" sz="1650" dirty="0"/>
-              <a:t>BILL_AMT5</a:t>
-            </a:r>
-          </a:p>
-          <a:p>
-            <a:pPr algn="r">
-              <a:spcAft>
-                <a:spcPts val="450"/>
-              </a:spcAft>
-            </a:pPr>
-            <a:r>
-              <a:rPr lang="en-US" sz="1650" dirty="0"/>
-              <a:t>BILL_AMT3</a:t>
-            </a:r>
-          </a:p>
-          <a:p>
-            <a:pPr algn="r">
-              <a:spcAft>
-                <a:spcPts val="450"/>
-              </a:spcAft>
-            </a:pPr>
-            <a:r>
-              <a:rPr lang="en-US" sz="1650" dirty="0"/>
-              <a:t>BILL_AMT2</a:t>
-            </a:r>
-          </a:p>
-          <a:p>
-            <a:pPr algn="r">
-              <a:spcAft>
-                <a:spcPts val="450"/>
-              </a:spcAft>
-            </a:pPr>
-            <a:r>
-              <a:rPr lang="en-US" sz="1650" dirty="0"/>
-              <a:t>BILL_AMT6</a:t>
-            </a:r>
-          </a:p>
-          <a:p>
-            <a:pPr algn="r">
-              <a:spcAft>
-                <a:spcPts val="450"/>
-              </a:spcAft>
-            </a:pPr>
-            <a:r>
-              <a:rPr lang="en-US" sz="1650" dirty="0"/>
-              <a:t>BILL_AMT4</a:t>
-            </a:r>
-          </a:p>
-        </p:txBody>
-      </p:sp>
-      <p:sp>
-        <p:nvSpPr>
-          <p:cNvPr id="5" name="TextBox 4">
-            <a:extLst>
-              <a:ext uri="{FF2B5EF4-FFF2-40B4-BE49-F238E27FC236}">
-                <a16:creationId xmlns:a16="http://schemas.microsoft.com/office/drawing/2014/main" id="{779C6AE7-4C82-9C47-AEAA-C690C3D6AED1}"/>
+            <a:r>
+              <a:rPr lang="en-US" dirty="0"/>
+              <a:t>PAY_0 = -2 </a:t>
+            </a:r>
+          </a:p>
+        </p:txBody>
+      </p:sp>
+      <p:sp>
+        <p:nvSpPr>
+          <p:cNvPr id="7" name="TextBox 6">
+            <a:extLst>
+              <a:ext uri="{FF2B5EF4-FFF2-40B4-BE49-F238E27FC236}">
+                <a16:creationId xmlns:a16="http://schemas.microsoft.com/office/drawing/2014/main" id="{F7EDED7F-EA38-D04F-96A9-A2A069CE8D11}"/>
               </a:ext>
             </a:extLst>
           </p:cNvPr>
@@ -5039,8 +5493,8 @@
         </p:nvSpPr>
         <p:spPr>
           <a:xfrm>
-            <a:off x="3489433" y="6468108"/>
-            <a:ext cx="6870700" cy="369332"/>
+            <a:off x="4607649" y="0"/>
+            <a:ext cx="1241357" cy="369332"/>
           </a:xfrm>
           <a:prstGeom prst="rect">
             <a:avLst/>
@@ -5057,15 +5511,694 @@
           <a:p>
             <a:r>
               <a:rPr lang="en-US" dirty="0"/>
-              <a:t>Mean(|SHAP| value) (average impact on prediction magnitude)</a:t>
-            </a:r>
+              <a:t>PAY_0 = -1 </a:t>
+            </a:r>
+          </a:p>
+        </p:txBody>
+      </p:sp>
+      <p:sp>
+        <p:nvSpPr>
+          <p:cNvPr id="8" name="TextBox 7">
+            <a:extLst>
+              <a:ext uri="{FF2B5EF4-FFF2-40B4-BE49-F238E27FC236}">
+                <a16:creationId xmlns:a16="http://schemas.microsoft.com/office/drawing/2014/main" id="{D3779FF5-6559-BD44-A9A5-755AD63C8FCD}"/>
+              </a:ext>
+            </a:extLst>
+          </p:cNvPr>
+          <p:cNvSpPr txBox="1"/>
+          <p:nvPr/>
+        </p:nvSpPr>
+        <p:spPr>
+          <a:xfrm>
+            <a:off x="6904159" y="0"/>
+            <a:ext cx="1241357" cy="369332"/>
+          </a:xfrm>
+          <a:prstGeom prst="rect">
+            <a:avLst/>
+          </a:prstGeom>
+          <a:solidFill>
+            <a:schemeClr val="bg1"/>
+          </a:solidFill>
+        </p:spPr>
+        <p:txBody>
+          <a:bodyPr wrap="square" rtlCol="0">
+            <a:spAutoFit/>
+          </a:bodyPr>
+          <a:lstStyle/>
+          <a:p>
+            <a:r>
+              <a:rPr lang="en-US" dirty="0"/>
+              <a:t>PAY_0 = 0 </a:t>
+            </a:r>
+          </a:p>
+        </p:txBody>
+      </p:sp>
+      <p:sp>
+        <p:nvSpPr>
+          <p:cNvPr id="9" name="TextBox 8">
+            <a:extLst>
+              <a:ext uri="{FF2B5EF4-FFF2-40B4-BE49-F238E27FC236}">
+                <a16:creationId xmlns:a16="http://schemas.microsoft.com/office/drawing/2014/main" id="{4320860E-D9B6-884E-B81A-FF71D75C4512}"/>
+              </a:ext>
+            </a:extLst>
+          </p:cNvPr>
+          <p:cNvSpPr txBox="1"/>
+          <p:nvPr/>
+        </p:nvSpPr>
+        <p:spPr>
+          <a:xfrm>
+            <a:off x="9200669" y="0"/>
+            <a:ext cx="1241357" cy="369332"/>
+          </a:xfrm>
+          <a:prstGeom prst="rect">
+            <a:avLst/>
+          </a:prstGeom>
+          <a:solidFill>
+            <a:schemeClr val="bg1"/>
+          </a:solidFill>
+        </p:spPr>
+        <p:txBody>
+          <a:bodyPr wrap="square" rtlCol="0">
+            <a:spAutoFit/>
+          </a:bodyPr>
+          <a:lstStyle/>
+          <a:p>
+            <a:r>
+              <a:rPr lang="en-US" dirty="0"/>
+              <a:t>PAY_0 = 1 </a:t>
+            </a:r>
+          </a:p>
+        </p:txBody>
+      </p:sp>
+      <p:sp>
+        <p:nvSpPr>
+          <p:cNvPr id="10" name="TextBox 9">
+            <a:extLst>
+              <a:ext uri="{FF2B5EF4-FFF2-40B4-BE49-F238E27FC236}">
+                <a16:creationId xmlns:a16="http://schemas.microsoft.com/office/drawing/2014/main" id="{B88BA8BC-6C94-A144-9DBA-6492D7689CF8}"/>
+              </a:ext>
+            </a:extLst>
+          </p:cNvPr>
+          <p:cNvSpPr txBox="1"/>
+          <p:nvPr/>
+        </p:nvSpPr>
+        <p:spPr>
+          <a:xfrm>
+            <a:off x="2311139" y="2180897"/>
+            <a:ext cx="1241357" cy="369332"/>
+          </a:xfrm>
+          <a:prstGeom prst="rect">
+            <a:avLst/>
+          </a:prstGeom>
+          <a:solidFill>
+            <a:schemeClr val="bg1"/>
+          </a:solidFill>
+        </p:spPr>
+        <p:txBody>
+          <a:bodyPr wrap="square" rtlCol="0">
+            <a:spAutoFit/>
+          </a:bodyPr>
+          <a:lstStyle/>
+          <a:p>
+            <a:r>
+              <a:rPr lang="en-US" dirty="0"/>
+              <a:t>PAY_0 = 2 </a:t>
+            </a:r>
+          </a:p>
+        </p:txBody>
+      </p:sp>
+      <p:sp>
+        <p:nvSpPr>
+          <p:cNvPr id="11" name="TextBox 10">
+            <a:extLst>
+              <a:ext uri="{FF2B5EF4-FFF2-40B4-BE49-F238E27FC236}">
+                <a16:creationId xmlns:a16="http://schemas.microsoft.com/office/drawing/2014/main" id="{2517FD6F-DE87-D943-8309-F73D492779F1}"/>
+              </a:ext>
+            </a:extLst>
+          </p:cNvPr>
+          <p:cNvSpPr txBox="1"/>
+          <p:nvPr/>
+        </p:nvSpPr>
+        <p:spPr>
+          <a:xfrm>
+            <a:off x="4607648" y="2180897"/>
+            <a:ext cx="1241357" cy="369332"/>
+          </a:xfrm>
+          <a:prstGeom prst="rect">
+            <a:avLst/>
+          </a:prstGeom>
+          <a:solidFill>
+            <a:schemeClr val="bg1"/>
+          </a:solidFill>
+        </p:spPr>
+        <p:txBody>
+          <a:bodyPr wrap="square" rtlCol="0">
+            <a:spAutoFit/>
+          </a:bodyPr>
+          <a:lstStyle/>
+          <a:p>
+            <a:r>
+              <a:rPr lang="en-US" dirty="0"/>
+              <a:t>PAY_0 = 3 </a:t>
+            </a:r>
+          </a:p>
+        </p:txBody>
+      </p:sp>
+      <p:sp>
+        <p:nvSpPr>
+          <p:cNvPr id="12" name="TextBox 11">
+            <a:extLst>
+              <a:ext uri="{FF2B5EF4-FFF2-40B4-BE49-F238E27FC236}">
+                <a16:creationId xmlns:a16="http://schemas.microsoft.com/office/drawing/2014/main" id="{7D6CFE4B-2D23-A241-B882-FA650131D108}"/>
+              </a:ext>
+            </a:extLst>
+          </p:cNvPr>
+          <p:cNvSpPr txBox="1"/>
+          <p:nvPr/>
+        </p:nvSpPr>
+        <p:spPr>
+          <a:xfrm>
+            <a:off x="6904157" y="2180897"/>
+            <a:ext cx="1241357" cy="369332"/>
+          </a:xfrm>
+          <a:prstGeom prst="rect">
+            <a:avLst/>
+          </a:prstGeom>
+          <a:solidFill>
+            <a:schemeClr val="bg1"/>
+          </a:solidFill>
+        </p:spPr>
+        <p:txBody>
+          <a:bodyPr wrap="square" rtlCol="0">
+            <a:spAutoFit/>
+          </a:bodyPr>
+          <a:lstStyle/>
+          <a:p>
+            <a:r>
+              <a:rPr lang="en-US" dirty="0"/>
+              <a:t>PAY_0 = 4 </a:t>
+            </a:r>
+          </a:p>
+        </p:txBody>
+      </p:sp>
+      <p:sp>
+        <p:nvSpPr>
+          <p:cNvPr id="13" name="TextBox 12">
+            <a:extLst>
+              <a:ext uri="{FF2B5EF4-FFF2-40B4-BE49-F238E27FC236}">
+                <a16:creationId xmlns:a16="http://schemas.microsoft.com/office/drawing/2014/main" id="{7403F13A-F2AA-8C4C-A97D-D9C27E2550B1}"/>
+              </a:ext>
+            </a:extLst>
+          </p:cNvPr>
+          <p:cNvSpPr txBox="1"/>
+          <p:nvPr/>
+        </p:nvSpPr>
+        <p:spPr>
+          <a:xfrm>
+            <a:off x="9200666" y="2180897"/>
+            <a:ext cx="1241357" cy="369332"/>
+          </a:xfrm>
+          <a:prstGeom prst="rect">
+            <a:avLst/>
+          </a:prstGeom>
+          <a:solidFill>
+            <a:schemeClr val="bg1"/>
+          </a:solidFill>
+        </p:spPr>
+        <p:txBody>
+          <a:bodyPr wrap="square" rtlCol="0">
+            <a:spAutoFit/>
+          </a:bodyPr>
+          <a:lstStyle/>
+          <a:p>
+            <a:r>
+              <a:rPr lang="en-US" dirty="0"/>
+              <a:t>PAY_0 = 5 </a:t>
+            </a:r>
+          </a:p>
+        </p:txBody>
+      </p:sp>
+      <p:sp>
+        <p:nvSpPr>
+          <p:cNvPr id="14" name="TextBox 13">
+            <a:extLst>
+              <a:ext uri="{FF2B5EF4-FFF2-40B4-BE49-F238E27FC236}">
+                <a16:creationId xmlns:a16="http://schemas.microsoft.com/office/drawing/2014/main" id="{6985354D-2602-1B4B-8CC3-F5F59D7B191B}"/>
+              </a:ext>
+            </a:extLst>
+          </p:cNvPr>
+          <p:cNvSpPr txBox="1"/>
+          <p:nvPr/>
+        </p:nvSpPr>
+        <p:spPr>
+          <a:xfrm>
+            <a:off x="2311139" y="4361794"/>
+            <a:ext cx="1241357" cy="369332"/>
+          </a:xfrm>
+          <a:prstGeom prst="rect">
+            <a:avLst/>
+          </a:prstGeom>
+          <a:solidFill>
+            <a:schemeClr val="bg1"/>
+          </a:solidFill>
+        </p:spPr>
+        <p:txBody>
+          <a:bodyPr wrap="square" rtlCol="0">
+            <a:spAutoFit/>
+          </a:bodyPr>
+          <a:lstStyle/>
+          <a:p>
+            <a:r>
+              <a:rPr lang="en-US" dirty="0"/>
+              <a:t>PAY_0 = 6 </a:t>
+            </a:r>
+          </a:p>
+        </p:txBody>
+      </p:sp>
+      <p:sp>
+        <p:nvSpPr>
+          <p:cNvPr id="15" name="TextBox 14">
+            <a:extLst>
+              <a:ext uri="{FF2B5EF4-FFF2-40B4-BE49-F238E27FC236}">
+                <a16:creationId xmlns:a16="http://schemas.microsoft.com/office/drawing/2014/main" id="{8B88FAF6-C901-3843-9E2F-4F04B6E37C23}"/>
+              </a:ext>
+            </a:extLst>
+          </p:cNvPr>
+          <p:cNvSpPr txBox="1"/>
+          <p:nvPr/>
+        </p:nvSpPr>
+        <p:spPr>
+          <a:xfrm>
+            <a:off x="4607647" y="4361794"/>
+            <a:ext cx="1241357" cy="369332"/>
+          </a:xfrm>
+          <a:prstGeom prst="rect">
+            <a:avLst/>
+          </a:prstGeom>
+          <a:solidFill>
+            <a:schemeClr val="bg1"/>
+          </a:solidFill>
+        </p:spPr>
+        <p:txBody>
+          <a:bodyPr wrap="square" rtlCol="0">
+            <a:spAutoFit/>
+          </a:bodyPr>
+          <a:lstStyle/>
+          <a:p>
+            <a:r>
+              <a:rPr lang="en-US" dirty="0"/>
+              <a:t>PAY_0 = 7 </a:t>
+            </a:r>
+          </a:p>
+        </p:txBody>
+      </p:sp>
+      <p:sp>
+        <p:nvSpPr>
+          <p:cNvPr id="16" name="TextBox 15">
+            <a:extLst>
+              <a:ext uri="{FF2B5EF4-FFF2-40B4-BE49-F238E27FC236}">
+                <a16:creationId xmlns:a16="http://schemas.microsoft.com/office/drawing/2014/main" id="{62CB74E1-DFDE-6640-BDE2-DAFDCA3371D0}"/>
+              </a:ext>
+            </a:extLst>
+          </p:cNvPr>
+          <p:cNvSpPr txBox="1"/>
+          <p:nvPr/>
+        </p:nvSpPr>
+        <p:spPr>
+          <a:xfrm>
+            <a:off x="6904157" y="4361794"/>
+            <a:ext cx="1241357" cy="369332"/>
+          </a:xfrm>
+          <a:prstGeom prst="rect">
+            <a:avLst/>
+          </a:prstGeom>
+          <a:solidFill>
+            <a:schemeClr val="bg1"/>
+          </a:solidFill>
+        </p:spPr>
+        <p:txBody>
+          <a:bodyPr wrap="square" rtlCol="0">
+            <a:spAutoFit/>
+          </a:bodyPr>
+          <a:lstStyle/>
+          <a:p>
+            <a:r>
+              <a:rPr lang="en-US" dirty="0"/>
+              <a:t>PAY_0 = 8 </a:t>
+            </a:r>
+          </a:p>
+        </p:txBody>
+      </p:sp>
+      <p:sp>
+        <p:nvSpPr>
+          <p:cNvPr id="19" name="TextBox 18">
+            <a:extLst>
+              <a:ext uri="{FF2B5EF4-FFF2-40B4-BE49-F238E27FC236}">
+                <a16:creationId xmlns:a16="http://schemas.microsoft.com/office/drawing/2014/main" id="{6FDFD377-0E44-9A4B-B817-39F4467A2D7B}"/>
+              </a:ext>
+            </a:extLst>
+          </p:cNvPr>
+          <p:cNvSpPr txBox="1"/>
+          <p:nvPr/>
+        </p:nvSpPr>
+        <p:spPr>
+          <a:xfrm>
+            <a:off x="6315585" y="6606129"/>
+            <a:ext cx="2222134" cy="307777"/>
+          </a:xfrm>
+          <a:prstGeom prst="rect">
+            <a:avLst/>
+          </a:prstGeom>
+          <a:solidFill>
+            <a:schemeClr val="bg1"/>
+          </a:solidFill>
+        </p:spPr>
+        <p:txBody>
+          <a:bodyPr wrap="square" rtlCol="0">
+            <a:spAutoFit/>
+          </a:bodyPr>
+          <a:lstStyle/>
+          <a:p>
+            <a:r>
+              <a:rPr lang="en-US" sz="1400" dirty="0" err="1"/>
+              <a:t>p_DEFAULT_NEXT_MONTH</a:t>
+            </a:r>
+            <a:endParaRPr lang="en-US" sz="1400" dirty="0"/>
+          </a:p>
+        </p:txBody>
+      </p:sp>
+      <p:sp>
+        <p:nvSpPr>
+          <p:cNvPr id="20" name="TextBox 19">
+            <a:extLst>
+              <a:ext uri="{FF2B5EF4-FFF2-40B4-BE49-F238E27FC236}">
+                <a16:creationId xmlns:a16="http://schemas.microsoft.com/office/drawing/2014/main" id="{4B8DFE68-8148-C444-81C4-331EBB9023E3}"/>
+              </a:ext>
+            </a:extLst>
+          </p:cNvPr>
+          <p:cNvSpPr txBox="1"/>
+          <p:nvPr/>
+        </p:nvSpPr>
+        <p:spPr>
+          <a:xfrm>
+            <a:off x="4023242" y="6606129"/>
+            <a:ext cx="2222134" cy="307777"/>
+          </a:xfrm>
+          <a:prstGeom prst="rect">
+            <a:avLst/>
+          </a:prstGeom>
+          <a:solidFill>
+            <a:schemeClr val="bg1"/>
+          </a:solidFill>
+        </p:spPr>
+        <p:txBody>
+          <a:bodyPr wrap="square" rtlCol="0">
+            <a:spAutoFit/>
+          </a:bodyPr>
+          <a:lstStyle/>
+          <a:p>
+            <a:r>
+              <a:rPr lang="en-US" sz="1400" dirty="0" err="1"/>
+              <a:t>p_DEFAULT_NEXT_MONTH</a:t>
+            </a:r>
+            <a:endParaRPr lang="en-US" sz="1400" dirty="0"/>
+          </a:p>
+        </p:txBody>
+      </p:sp>
+      <p:sp>
+        <p:nvSpPr>
+          <p:cNvPr id="21" name="TextBox 20">
+            <a:extLst>
+              <a:ext uri="{FF2B5EF4-FFF2-40B4-BE49-F238E27FC236}">
+                <a16:creationId xmlns:a16="http://schemas.microsoft.com/office/drawing/2014/main" id="{113EB5EB-8E3B-7B4C-A7A6-4A0DFE091090}"/>
+              </a:ext>
+            </a:extLst>
+          </p:cNvPr>
+          <p:cNvSpPr txBox="1"/>
+          <p:nvPr/>
+        </p:nvSpPr>
+        <p:spPr>
+          <a:xfrm>
+            <a:off x="1766004" y="6606129"/>
+            <a:ext cx="2222134" cy="307777"/>
+          </a:xfrm>
+          <a:prstGeom prst="rect">
+            <a:avLst/>
+          </a:prstGeom>
+          <a:solidFill>
+            <a:schemeClr val="bg1"/>
+          </a:solidFill>
+        </p:spPr>
+        <p:txBody>
+          <a:bodyPr wrap="square" rtlCol="0">
+            <a:spAutoFit/>
+          </a:bodyPr>
+          <a:lstStyle/>
+          <a:p>
+            <a:r>
+              <a:rPr lang="en-US" sz="1400" dirty="0" err="1"/>
+              <a:t>p_DEFAULT_NEXT_MONTH</a:t>
+            </a:r>
+            <a:endParaRPr lang="en-US" sz="1400" dirty="0"/>
+          </a:p>
+        </p:txBody>
+      </p:sp>
+      <p:sp>
+        <p:nvSpPr>
+          <p:cNvPr id="22" name="TextBox 21">
+            <a:extLst>
+              <a:ext uri="{FF2B5EF4-FFF2-40B4-BE49-F238E27FC236}">
+                <a16:creationId xmlns:a16="http://schemas.microsoft.com/office/drawing/2014/main" id="{E091E9C1-290A-8A44-B8CC-93CB142F5011}"/>
+              </a:ext>
+            </a:extLst>
+          </p:cNvPr>
+          <p:cNvSpPr txBox="1"/>
+          <p:nvPr/>
+        </p:nvSpPr>
+        <p:spPr>
+          <a:xfrm>
+            <a:off x="8544913" y="4374170"/>
+            <a:ext cx="2222134" cy="307777"/>
+          </a:xfrm>
+          <a:prstGeom prst="rect">
+            <a:avLst/>
+          </a:prstGeom>
+          <a:solidFill>
+            <a:schemeClr val="bg1"/>
+          </a:solidFill>
+        </p:spPr>
+        <p:txBody>
+          <a:bodyPr wrap="square" rtlCol="0">
+            <a:spAutoFit/>
+          </a:bodyPr>
+          <a:lstStyle/>
+          <a:p>
+            <a:r>
+              <a:rPr lang="en-US" sz="1400" dirty="0" err="1"/>
+              <a:t>p_DEFAULT_NEXT_MONTH</a:t>
+            </a:r>
+            <a:endParaRPr lang="en-US" sz="1400" dirty="0"/>
+          </a:p>
+        </p:txBody>
+      </p:sp>
+      <p:sp>
+        <p:nvSpPr>
+          <p:cNvPr id="23" name="TextBox 22">
+            <a:extLst>
+              <a:ext uri="{FF2B5EF4-FFF2-40B4-BE49-F238E27FC236}">
+                <a16:creationId xmlns:a16="http://schemas.microsoft.com/office/drawing/2014/main" id="{F8D7FF6F-66FA-1642-BAFC-734058B57799}"/>
+              </a:ext>
+            </a:extLst>
+          </p:cNvPr>
+          <p:cNvSpPr txBox="1"/>
+          <p:nvPr/>
+        </p:nvSpPr>
+        <p:spPr>
+          <a:xfrm>
+            <a:off x="8668196" y="5065870"/>
+            <a:ext cx="2222134" cy="307777"/>
+          </a:xfrm>
+          <a:prstGeom prst="rect">
+            <a:avLst/>
+          </a:prstGeom>
+          <a:solidFill>
+            <a:schemeClr val="bg1"/>
+          </a:solidFill>
+        </p:spPr>
+        <p:txBody>
+          <a:bodyPr wrap="square" rtlCol="0">
+            <a:spAutoFit/>
+          </a:bodyPr>
+          <a:lstStyle/>
+          <a:p>
+            <a:r>
+              <a:rPr lang="en-US" sz="1400" dirty="0"/>
+              <a:t>DEFAULT_NEXT_MONTH</a:t>
+            </a:r>
+          </a:p>
+        </p:txBody>
+      </p:sp>
+      <p:sp>
+        <p:nvSpPr>
+          <p:cNvPr id="24" name="TextBox 23">
+            <a:extLst>
+              <a:ext uri="{FF2B5EF4-FFF2-40B4-BE49-F238E27FC236}">
+                <a16:creationId xmlns:a16="http://schemas.microsoft.com/office/drawing/2014/main" id="{EA44B32D-9D59-8E49-8699-278D5E6C823E}"/>
+              </a:ext>
+            </a:extLst>
+          </p:cNvPr>
+          <p:cNvSpPr txBox="1"/>
+          <p:nvPr/>
+        </p:nvSpPr>
+        <p:spPr>
+          <a:xfrm>
+            <a:off x="9636758" y="5320712"/>
+            <a:ext cx="285010" cy="461665"/>
+          </a:xfrm>
+          <a:prstGeom prst="rect">
+            <a:avLst/>
+          </a:prstGeom>
+          <a:solidFill>
+            <a:schemeClr val="bg1"/>
+          </a:solidFill>
+        </p:spPr>
+        <p:txBody>
+          <a:bodyPr wrap="square" rtlCol="0">
+            <a:spAutoFit/>
+          </a:bodyPr>
+          <a:lstStyle/>
+          <a:p>
+            <a:r>
+              <a:rPr lang="en-US" sz="1100" dirty="0"/>
+              <a:t>0</a:t>
+            </a:r>
+          </a:p>
+          <a:p>
+            <a:r>
+              <a:rPr lang="en-US" sz="1200" dirty="0"/>
+              <a:t>1</a:t>
+            </a:r>
+          </a:p>
+        </p:txBody>
+      </p:sp>
+      <p:sp>
+        <p:nvSpPr>
+          <p:cNvPr id="25" name="TextBox 24">
+            <a:extLst>
+              <a:ext uri="{FF2B5EF4-FFF2-40B4-BE49-F238E27FC236}">
+                <a16:creationId xmlns:a16="http://schemas.microsoft.com/office/drawing/2014/main" id="{02CAD272-1C1C-F34F-9587-9757640D3CC3}"/>
+              </a:ext>
+            </a:extLst>
+          </p:cNvPr>
+          <p:cNvSpPr txBox="1"/>
+          <p:nvPr/>
+        </p:nvSpPr>
+        <p:spPr>
+          <a:xfrm rot="16200000">
+            <a:off x="426200" y="5317072"/>
+            <a:ext cx="2222134" cy="307777"/>
+          </a:xfrm>
+          <a:prstGeom prst="rect">
+            <a:avLst/>
+          </a:prstGeom>
+          <a:solidFill>
+            <a:schemeClr val="bg1"/>
+          </a:solidFill>
+        </p:spPr>
+        <p:txBody>
+          <a:bodyPr wrap="square" rtlCol="0">
+            <a:spAutoFit/>
+          </a:bodyPr>
+          <a:lstStyle/>
+          <a:p>
+            <a:r>
+              <a:rPr lang="en-US" sz="1400" dirty="0" err="1"/>
+              <a:t>r_DEFAULT_NEXT_MONTH</a:t>
+            </a:r>
+            <a:endParaRPr lang="en-US" sz="1400" dirty="0"/>
+          </a:p>
+        </p:txBody>
+      </p:sp>
+      <p:sp>
+        <p:nvSpPr>
+          <p:cNvPr id="26" name="TextBox 25">
+            <a:extLst>
+              <a:ext uri="{FF2B5EF4-FFF2-40B4-BE49-F238E27FC236}">
+                <a16:creationId xmlns:a16="http://schemas.microsoft.com/office/drawing/2014/main" id="{DA61E110-ABBF-1045-B59A-8D19839A19A1}"/>
+              </a:ext>
+            </a:extLst>
+          </p:cNvPr>
+          <p:cNvSpPr txBox="1"/>
+          <p:nvPr/>
+        </p:nvSpPr>
+        <p:spPr>
+          <a:xfrm rot="16200000">
+            <a:off x="425488" y="3112485"/>
+            <a:ext cx="2222134" cy="307777"/>
+          </a:xfrm>
+          <a:prstGeom prst="rect">
+            <a:avLst/>
+          </a:prstGeom>
+          <a:solidFill>
+            <a:schemeClr val="bg1"/>
+          </a:solidFill>
+        </p:spPr>
+        <p:txBody>
+          <a:bodyPr wrap="square" rtlCol="0">
+            <a:spAutoFit/>
+          </a:bodyPr>
+          <a:lstStyle/>
+          <a:p>
+            <a:r>
+              <a:rPr lang="en-US" sz="1400" dirty="0" err="1"/>
+              <a:t>r_DEFAULT_NEXT_MONTH</a:t>
+            </a:r>
+            <a:endParaRPr lang="en-US" sz="1400" dirty="0"/>
+          </a:p>
+        </p:txBody>
+      </p:sp>
+      <p:sp>
+        <p:nvSpPr>
+          <p:cNvPr id="27" name="TextBox 26">
+            <a:extLst>
+              <a:ext uri="{FF2B5EF4-FFF2-40B4-BE49-F238E27FC236}">
+                <a16:creationId xmlns:a16="http://schemas.microsoft.com/office/drawing/2014/main" id="{6A17C944-67A6-104D-B80C-C8645FD0E9F1}"/>
+              </a:ext>
+            </a:extLst>
+          </p:cNvPr>
+          <p:cNvSpPr txBox="1"/>
+          <p:nvPr/>
+        </p:nvSpPr>
+        <p:spPr>
+          <a:xfrm rot="16200000">
+            <a:off x="425489" y="848361"/>
+            <a:ext cx="2222134" cy="307777"/>
+          </a:xfrm>
+          <a:prstGeom prst="rect">
+            <a:avLst/>
+          </a:prstGeom>
+          <a:solidFill>
+            <a:schemeClr val="bg1"/>
+          </a:solidFill>
+        </p:spPr>
+        <p:txBody>
+          <a:bodyPr wrap="square" rtlCol="0">
+            <a:spAutoFit/>
+          </a:bodyPr>
+          <a:lstStyle/>
+          <a:p>
+            <a:r>
+              <a:rPr lang="en-US" sz="1400" dirty="0" err="1"/>
+              <a:t>r_DEFAULT_NEXT_MONTH</a:t>
+            </a:r>
+            <a:endParaRPr lang="en-US" sz="1400" dirty="0"/>
           </a:p>
         </p:txBody>
       </p:sp>
     </p:spTree>
     <p:extLst>
       <p:ext uri="{BB962C8B-B14F-4D97-AF65-F5344CB8AC3E}">
-        <p14:creationId xmlns:p14="http://schemas.microsoft.com/office/powerpoint/2010/main" val="4226904643"/>
+        <p14:creationId xmlns:p14="http://schemas.microsoft.com/office/powerpoint/2010/main" val="1807802690"/>
       </p:ext>
     </p:extLst>
   </p:cSld>
@@ -5094,10 +6227,10 @@
       </p:grpSpPr>
       <p:pic>
         <p:nvPicPr>
-          <p:cNvPr id="5" name="Picture 4">
-            <a:extLst>
-              <a:ext uri="{FF2B5EF4-FFF2-40B4-BE49-F238E27FC236}">
-                <a16:creationId xmlns:a16="http://schemas.microsoft.com/office/drawing/2014/main" id="{25598E50-A445-704C-8779-BDD5708E7F23}"/>
+          <p:cNvPr id="3" name="Picture 2">
+            <a:extLst>
+              <a:ext uri="{FF2B5EF4-FFF2-40B4-BE49-F238E27FC236}">
+                <a16:creationId xmlns:a16="http://schemas.microsoft.com/office/drawing/2014/main" id="{D6A45EA3-8EA8-864F-804D-C6A9C893F993}"/>
               </a:ext>
             </a:extLst>
           </p:cNvPr>
@@ -5114,8 +6247,8 @@
         </p:blipFill>
         <p:spPr>
           <a:xfrm>
-            <a:off x="778272" y="1"/>
-            <a:ext cx="10635455" cy="6858000"/>
+            <a:off x="2660650" y="101600"/>
+            <a:ext cx="6870700" cy="6654800"/>
           </a:xfrm>
           <a:prstGeom prst="rect">
             <a:avLst/>
@@ -5124,10 +6257,10 @@
       </p:pic>
       <p:sp>
         <p:nvSpPr>
-          <p:cNvPr id="6" name="TextBox 5">
-            <a:extLst>
-              <a:ext uri="{FF2B5EF4-FFF2-40B4-BE49-F238E27FC236}">
-                <a16:creationId xmlns:a16="http://schemas.microsoft.com/office/drawing/2014/main" id="{BDFB3E48-45F1-FE4D-A84E-8AA6445FDA6B}"/>
+          <p:cNvPr id="4" name="TextBox 3">
+            <a:extLst>
+              <a:ext uri="{FF2B5EF4-FFF2-40B4-BE49-F238E27FC236}">
+                <a16:creationId xmlns:a16="http://schemas.microsoft.com/office/drawing/2014/main" id="{89FDF55E-02A1-A94A-A3A0-BD67129C4616}"/>
               </a:ext>
             </a:extLst>
           </p:cNvPr>
@@ -5135,9 +6268,9 @@
           <p:nvPr/>
         </p:nvSpPr>
         <p:spPr>
-          <a:xfrm rot="1112717">
-            <a:off x="1362433" y="2996810"/>
-            <a:ext cx="939113" cy="307777"/>
+          <a:xfrm>
+            <a:off x="2291257" y="375672"/>
+            <a:ext cx="1397875" cy="5891356"/>
           </a:xfrm>
           <a:prstGeom prst="rect">
             <a:avLst/>
@@ -5152,20 +6285,211 @@
           </a:bodyPr>
           <a:lstStyle/>
           <a:p>
-            <a:pPr algn="ctr"/>
-            <a:r>
-              <a:rPr lang="en-US" sz="1400" dirty="0"/>
+            <a:pPr algn="r">
+              <a:spcAft>
+                <a:spcPts val="450"/>
+              </a:spcAft>
+            </a:pPr>
+            <a:r>
+              <a:rPr lang="en-US" sz="1650" dirty="0"/>
               <a:t>PAY_0</a:t>
             </a:r>
           </a:p>
-        </p:txBody>
-      </p:sp>
-      <p:sp>
-        <p:nvSpPr>
-          <p:cNvPr id="9" name="TextBox 8">
-            <a:extLst>
-              <a:ext uri="{FF2B5EF4-FFF2-40B4-BE49-F238E27FC236}">
-                <a16:creationId xmlns:a16="http://schemas.microsoft.com/office/drawing/2014/main" id="{01D761F1-5009-9743-BEDC-79E8513637C2}"/>
+          <a:p>
+            <a:pPr algn="r">
+              <a:spcAft>
+                <a:spcPts val="450"/>
+              </a:spcAft>
+            </a:pPr>
+            <a:r>
+              <a:rPr lang="en-US" sz="1650" dirty="0"/>
+              <a:t>PAY_2</a:t>
+            </a:r>
+          </a:p>
+          <a:p>
+            <a:pPr algn="r">
+              <a:spcAft>
+                <a:spcPts val="450"/>
+              </a:spcAft>
+            </a:pPr>
+            <a:r>
+              <a:rPr lang="en-US" sz="1650" dirty="0"/>
+              <a:t>PAY_AMT2</a:t>
+            </a:r>
+          </a:p>
+          <a:p>
+            <a:pPr algn="r">
+              <a:spcAft>
+                <a:spcPts val="450"/>
+              </a:spcAft>
+            </a:pPr>
+            <a:r>
+              <a:rPr lang="en-US" sz="1650" dirty="0"/>
+              <a:t>PAY_3</a:t>
+            </a:r>
+          </a:p>
+          <a:p>
+            <a:pPr algn="r">
+              <a:spcAft>
+                <a:spcPts val="450"/>
+              </a:spcAft>
+            </a:pPr>
+            <a:r>
+              <a:rPr lang="en-US" sz="1650" dirty="0"/>
+              <a:t>PAY_AMT1</a:t>
+            </a:r>
+          </a:p>
+          <a:p>
+            <a:pPr algn="r">
+              <a:spcAft>
+                <a:spcPts val="450"/>
+              </a:spcAft>
+            </a:pPr>
+            <a:r>
+              <a:rPr lang="en-US" sz="1650" dirty="0"/>
+              <a:t>PAY_AMT5</a:t>
+            </a:r>
+          </a:p>
+          <a:p>
+            <a:pPr algn="r">
+              <a:spcAft>
+                <a:spcPts val="450"/>
+              </a:spcAft>
+            </a:pPr>
+            <a:r>
+              <a:rPr lang="en-US" sz="1650" dirty="0"/>
+              <a:t>BILL_AMT1</a:t>
+            </a:r>
+          </a:p>
+          <a:p>
+            <a:pPr algn="r">
+              <a:spcAft>
+                <a:spcPts val="450"/>
+              </a:spcAft>
+            </a:pPr>
+            <a:r>
+              <a:rPr lang="en-US" sz="1650" dirty="0"/>
+              <a:t>PAY_4</a:t>
+            </a:r>
+          </a:p>
+          <a:p>
+            <a:pPr algn="r">
+              <a:spcAft>
+                <a:spcPts val="450"/>
+              </a:spcAft>
+            </a:pPr>
+            <a:r>
+              <a:rPr lang="en-US" sz="1650" dirty="0"/>
+              <a:t>PAY_6</a:t>
+            </a:r>
+          </a:p>
+          <a:p>
+            <a:pPr algn="r">
+              <a:spcAft>
+                <a:spcPts val="450"/>
+              </a:spcAft>
+            </a:pPr>
+            <a:r>
+              <a:rPr lang="en-US" sz="1650" dirty="0"/>
+              <a:t>PAY_5</a:t>
+            </a:r>
+          </a:p>
+          <a:p>
+            <a:pPr algn="r">
+              <a:spcAft>
+                <a:spcPts val="450"/>
+              </a:spcAft>
+            </a:pPr>
+            <a:r>
+              <a:rPr lang="en-US" sz="1650" dirty="0"/>
+              <a:t>PAY_AMT6</a:t>
+            </a:r>
+          </a:p>
+          <a:p>
+            <a:pPr algn="r">
+              <a:spcAft>
+                <a:spcPts val="450"/>
+              </a:spcAft>
+            </a:pPr>
+            <a:r>
+              <a:rPr lang="en-US" sz="1650" dirty="0"/>
+              <a:t>PAY_AMT4</a:t>
+            </a:r>
+          </a:p>
+          <a:p>
+            <a:pPr algn="r">
+              <a:spcAft>
+                <a:spcPts val="450"/>
+              </a:spcAft>
+            </a:pPr>
+            <a:r>
+              <a:rPr lang="en-US" sz="1650" dirty="0"/>
+              <a:t>PAY_AMT3</a:t>
+            </a:r>
+          </a:p>
+          <a:p>
+            <a:pPr algn="r">
+              <a:spcAft>
+                <a:spcPts val="450"/>
+              </a:spcAft>
+            </a:pPr>
+            <a:r>
+              <a:rPr lang="en-US" sz="1650" dirty="0"/>
+              <a:t>BILL_AMT5</a:t>
+            </a:r>
+          </a:p>
+          <a:p>
+            <a:pPr algn="r">
+              <a:spcAft>
+                <a:spcPts val="450"/>
+              </a:spcAft>
+            </a:pPr>
+            <a:r>
+              <a:rPr lang="en-US" sz="1650" dirty="0"/>
+              <a:t>BILL_AMT3</a:t>
+            </a:r>
+          </a:p>
+          <a:p>
+            <a:pPr algn="r">
+              <a:spcAft>
+                <a:spcPts val="450"/>
+              </a:spcAft>
+            </a:pPr>
+            <a:r>
+              <a:rPr lang="en-US" sz="1650" dirty="0"/>
+              <a:t>BILL_AMT2</a:t>
+            </a:r>
+          </a:p>
+          <a:p>
+            <a:pPr algn="r">
+              <a:spcAft>
+                <a:spcPts val="450"/>
+              </a:spcAft>
+            </a:pPr>
+            <a:r>
+              <a:rPr lang="en-US" sz="1650" dirty="0"/>
+              <a:t>BILL_AMT6</a:t>
+            </a:r>
+          </a:p>
+          <a:p>
+            <a:pPr algn="r">
+              <a:spcAft>
+                <a:spcPts val="450"/>
+              </a:spcAft>
+            </a:pPr>
+            <a:r>
+              <a:rPr lang="en-US" sz="1650" dirty="0"/>
+              <a:t>BILL_AMT4</a:t>
+            </a:r>
+          </a:p>
+        </p:txBody>
+      </p:sp>
+      <p:sp>
+        <p:nvSpPr>
+          <p:cNvPr id="5" name="TextBox 4">
+            <a:extLst>
+              <a:ext uri="{FF2B5EF4-FFF2-40B4-BE49-F238E27FC236}">
+                <a16:creationId xmlns:a16="http://schemas.microsoft.com/office/drawing/2014/main" id="{779C6AE7-4C82-9C47-AEAA-C690C3D6AED1}"/>
               </a:ext>
             </a:extLst>
           </p:cNvPr>
@@ -5173,9 +6497,9 @@
           <p:nvPr/>
         </p:nvSpPr>
         <p:spPr>
-          <a:xfrm rot="18452340">
-            <a:off x="3317714" y="2652662"/>
-            <a:ext cx="939113" cy="307777"/>
+          <a:xfrm>
+            <a:off x="3489433" y="6468108"/>
+            <a:ext cx="6870700" cy="369332"/>
           </a:xfrm>
           <a:prstGeom prst="rect">
             <a:avLst/>
@@ -5190,624 +6514,9 @@
           </a:bodyPr>
           <a:lstStyle/>
           <a:p>
-            <a:pPr algn="ctr"/>
-            <a:r>
-              <a:rPr lang="en-US" sz="1400" dirty="0"/>
-              <a:t>PAY_3</a:t>
-            </a:r>
-          </a:p>
-        </p:txBody>
-      </p:sp>
-      <p:sp>
-        <p:nvSpPr>
-          <p:cNvPr id="10" name="TextBox 9">
-            <a:extLst>
-              <a:ext uri="{FF2B5EF4-FFF2-40B4-BE49-F238E27FC236}">
-                <a16:creationId xmlns:a16="http://schemas.microsoft.com/office/drawing/2014/main" id="{4A386688-1ED6-BA41-BD5F-12B57C37B202}"/>
-              </a:ext>
-            </a:extLst>
-          </p:cNvPr>
-          <p:cNvSpPr txBox="1"/>
-          <p:nvPr/>
-        </p:nvSpPr>
-        <p:spPr>
-          <a:xfrm rot="1185637">
-            <a:off x="1154408" y="6540633"/>
-            <a:ext cx="1196636" cy="307777"/>
-          </a:xfrm>
-          <a:prstGeom prst="rect">
-            <a:avLst/>
-          </a:prstGeom>
-          <a:solidFill>
-            <a:schemeClr val="bg1"/>
-          </a:solidFill>
-        </p:spPr>
-        <p:txBody>
-          <a:bodyPr wrap="square" rtlCol="0">
-            <a:spAutoFit/>
-          </a:bodyPr>
-          <a:lstStyle/>
-          <a:p>
-            <a:pPr algn="ctr"/>
-            <a:r>
-              <a:rPr lang="en-US" sz="1400" dirty="0"/>
-              <a:t>PAY_3</a:t>
-            </a:r>
-          </a:p>
-        </p:txBody>
-      </p:sp>
-      <p:sp>
-        <p:nvSpPr>
-          <p:cNvPr id="11" name="TextBox 10">
-            <a:extLst>
-              <a:ext uri="{FF2B5EF4-FFF2-40B4-BE49-F238E27FC236}">
-                <a16:creationId xmlns:a16="http://schemas.microsoft.com/office/drawing/2014/main" id="{1FD2F241-C58D-824E-88D7-EF312A7C14C8}"/>
-              </a:ext>
-            </a:extLst>
-          </p:cNvPr>
-          <p:cNvSpPr txBox="1"/>
-          <p:nvPr/>
-        </p:nvSpPr>
-        <p:spPr>
-          <a:xfrm rot="1112717">
-            <a:off x="4954988" y="2996810"/>
-            <a:ext cx="939113" cy="307777"/>
-          </a:xfrm>
-          <a:prstGeom prst="rect">
-            <a:avLst/>
-          </a:prstGeom>
-          <a:solidFill>
-            <a:schemeClr val="bg1"/>
-          </a:solidFill>
-        </p:spPr>
-        <p:txBody>
-          <a:bodyPr wrap="square" rtlCol="0">
-            <a:spAutoFit/>
-          </a:bodyPr>
-          <a:lstStyle/>
-          <a:p>
-            <a:pPr algn="ctr"/>
-            <a:r>
-              <a:rPr lang="en-US" sz="1400" dirty="0"/>
-              <a:t>PAY_0</a:t>
-            </a:r>
-          </a:p>
-        </p:txBody>
-      </p:sp>
-      <p:sp>
-        <p:nvSpPr>
-          <p:cNvPr id="12" name="TextBox 11">
-            <a:extLst>
-              <a:ext uri="{FF2B5EF4-FFF2-40B4-BE49-F238E27FC236}">
-                <a16:creationId xmlns:a16="http://schemas.microsoft.com/office/drawing/2014/main" id="{D804F2A2-358F-0640-9C65-261B626BEB06}"/>
-              </a:ext>
-            </a:extLst>
-          </p:cNvPr>
-          <p:cNvSpPr txBox="1"/>
-          <p:nvPr/>
-        </p:nvSpPr>
-        <p:spPr>
-          <a:xfrm rot="1112717">
-            <a:off x="8547543" y="2996810"/>
-            <a:ext cx="939113" cy="307777"/>
-          </a:xfrm>
-          <a:prstGeom prst="rect">
-            <a:avLst/>
-          </a:prstGeom>
-          <a:solidFill>
-            <a:schemeClr val="bg1"/>
-          </a:solidFill>
-        </p:spPr>
-        <p:txBody>
-          <a:bodyPr wrap="square" rtlCol="0">
-            <a:spAutoFit/>
-          </a:bodyPr>
-          <a:lstStyle/>
-          <a:p>
-            <a:pPr algn="ctr"/>
-            <a:r>
-              <a:rPr lang="en-US" sz="1400" dirty="0"/>
-              <a:t>PAY_0</a:t>
-            </a:r>
-          </a:p>
-        </p:txBody>
-      </p:sp>
-      <p:sp>
-        <p:nvSpPr>
-          <p:cNvPr id="13" name="TextBox 12">
-            <a:extLst>
-              <a:ext uri="{FF2B5EF4-FFF2-40B4-BE49-F238E27FC236}">
-                <a16:creationId xmlns:a16="http://schemas.microsoft.com/office/drawing/2014/main" id="{3BF8D291-C8EC-A14B-8B4B-226F031D38EE}"/>
-              </a:ext>
-            </a:extLst>
-          </p:cNvPr>
-          <p:cNvSpPr txBox="1"/>
-          <p:nvPr/>
-        </p:nvSpPr>
-        <p:spPr>
-          <a:xfrm rot="1185637">
-            <a:off x="4826226" y="6542843"/>
-            <a:ext cx="1196636" cy="307777"/>
-          </a:xfrm>
-          <a:prstGeom prst="rect">
-            <a:avLst/>
-          </a:prstGeom>
-          <a:solidFill>
-            <a:schemeClr val="bg1"/>
-          </a:solidFill>
-        </p:spPr>
-        <p:txBody>
-          <a:bodyPr wrap="square" rtlCol="0">
-            <a:spAutoFit/>
-          </a:bodyPr>
-          <a:lstStyle/>
-          <a:p>
-            <a:pPr algn="ctr"/>
-            <a:r>
-              <a:rPr lang="en-US" sz="1400" dirty="0"/>
-              <a:t>PAY_3</a:t>
-            </a:r>
-          </a:p>
-        </p:txBody>
-      </p:sp>
-      <p:sp>
-        <p:nvSpPr>
-          <p:cNvPr id="15" name="TextBox 14">
-            <a:extLst>
-              <a:ext uri="{FF2B5EF4-FFF2-40B4-BE49-F238E27FC236}">
-                <a16:creationId xmlns:a16="http://schemas.microsoft.com/office/drawing/2014/main" id="{0B5F81C8-B4B8-5149-B21E-00DA9578411A}"/>
-              </a:ext>
-            </a:extLst>
-          </p:cNvPr>
-          <p:cNvSpPr txBox="1"/>
-          <p:nvPr/>
-        </p:nvSpPr>
-        <p:spPr>
-          <a:xfrm rot="1045835">
-            <a:off x="8160278" y="6532330"/>
-            <a:ext cx="1237897" cy="307777"/>
-          </a:xfrm>
-          <a:prstGeom prst="rect">
-            <a:avLst/>
-          </a:prstGeom>
-          <a:solidFill>
-            <a:schemeClr val="bg1"/>
-          </a:solidFill>
-        </p:spPr>
-        <p:txBody>
-          <a:bodyPr wrap="square" rtlCol="0">
-            <a:spAutoFit/>
-          </a:bodyPr>
-          <a:lstStyle/>
-          <a:p>
-            <a:pPr algn="ctr"/>
-            <a:r>
-              <a:rPr lang="en-US" sz="1400" dirty="0"/>
-              <a:t>PAY_AMT1</a:t>
-            </a:r>
-          </a:p>
-        </p:txBody>
-      </p:sp>
-      <p:sp>
-        <p:nvSpPr>
-          <p:cNvPr id="19" name="TextBox 18">
-            <a:extLst>
-              <a:ext uri="{FF2B5EF4-FFF2-40B4-BE49-F238E27FC236}">
-                <a16:creationId xmlns:a16="http://schemas.microsoft.com/office/drawing/2014/main" id="{ADE912A5-FB97-5B40-8552-CDC8A6A361DB}"/>
-              </a:ext>
-            </a:extLst>
-          </p:cNvPr>
-          <p:cNvSpPr txBox="1"/>
-          <p:nvPr/>
-        </p:nvSpPr>
-        <p:spPr>
-          <a:xfrm rot="18833412">
-            <a:off x="10526517" y="6216858"/>
-            <a:ext cx="1085315" cy="307777"/>
-          </a:xfrm>
-          <a:prstGeom prst="rect">
-            <a:avLst/>
-          </a:prstGeom>
-          <a:solidFill>
-            <a:schemeClr val="bg1"/>
-          </a:solidFill>
-        </p:spPr>
-        <p:txBody>
-          <a:bodyPr wrap="square" rtlCol="0">
-            <a:spAutoFit/>
-          </a:bodyPr>
-          <a:lstStyle/>
-          <a:p>
-            <a:pPr algn="ctr"/>
-            <a:r>
-              <a:rPr lang="en-US" sz="1400" dirty="0"/>
-              <a:t>PAY_AMT2</a:t>
-            </a:r>
-          </a:p>
-        </p:txBody>
-      </p:sp>
-      <p:sp>
-        <p:nvSpPr>
-          <p:cNvPr id="20" name="TextBox 19">
-            <a:extLst>
-              <a:ext uri="{FF2B5EF4-FFF2-40B4-BE49-F238E27FC236}">
-                <a16:creationId xmlns:a16="http://schemas.microsoft.com/office/drawing/2014/main" id="{64D71987-1EFC-F546-9CBD-EBA7928A65AB}"/>
-              </a:ext>
-            </a:extLst>
-          </p:cNvPr>
-          <p:cNvSpPr txBox="1"/>
-          <p:nvPr/>
-        </p:nvSpPr>
-        <p:spPr>
-          <a:xfrm rot="16356915">
-            <a:off x="2854314" y="1263755"/>
-            <a:ext cx="2766650" cy="307777"/>
-          </a:xfrm>
-          <a:prstGeom prst="rect">
-            <a:avLst/>
-          </a:prstGeom>
-          <a:solidFill>
-            <a:schemeClr val="bg1"/>
-          </a:solidFill>
-        </p:spPr>
-        <p:txBody>
-          <a:bodyPr wrap="square" rtlCol="0">
-            <a:spAutoFit/>
-          </a:bodyPr>
-          <a:lstStyle/>
-          <a:p>
-            <a:pPr algn="ctr"/>
-            <a:r>
-              <a:rPr lang="en-US" sz="1400" dirty="0" err="1"/>
-              <a:t>p_DEFAULT_NEXT_MONTH</a:t>
-            </a:r>
-            <a:endParaRPr lang="en-US" sz="1400" dirty="0"/>
-          </a:p>
-        </p:txBody>
-      </p:sp>
-      <p:sp>
-        <p:nvSpPr>
-          <p:cNvPr id="21" name="TextBox 20">
-            <a:extLst>
-              <a:ext uri="{FF2B5EF4-FFF2-40B4-BE49-F238E27FC236}">
-                <a16:creationId xmlns:a16="http://schemas.microsoft.com/office/drawing/2014/main" id="{7DC02E49-097C-6A4B-9261-92B38D2802E9}"/>
-              </a:ext>
-            </a:extLst>
-          </p:cNvPr>
-          <p:cNvSpPr txBox="1"/>
-          <p:nvPr/>
-        </p:nvSpPr>
-        <p:spPr>
-          <a:xfrm rot="16356915">
-            <a:off x="6511988" y="1213997"/>
-            <a:ext cx="2766650" cy="307777"/>
-          </a:xfrm>
-          <a:prstGeom prst="rect">
-            <a:avLst/>
-          </a:prstGeom>
-          <a:solidFill>
-            <a:schemeClr val="bg1"/>
-          </a:solidFill>
-        </p:spPr>
-        <p:txBody>
-          <a:bodyPr wrap="square" rtlCol="0">
-            <a:spAutoFit/>
-          </a:bodyPr>
-          <a:lstStyle/>
-          <a:p>
-            <a:pPr algn="ctr"/>
-            <a:r>
-              <a:rPr lang="en-US" sz="1400" dirty="0" err="1"/>
-              <a:t>p_DEFAULT_NEXT_MONTH</a:t>
-            </a:r>
-            <a:endParaRPr lang="en-US" sz="1400" dirty="0"/>
-          </a:p>
-        </p:txBody>
-      </p:sp>
-      <p:sp>
-        <p:nvSpPr>
-          <p:cNvPr id="14" name="TextBox 13">
-            <a:extLst>
-              <a:ext uri="{FF2B5EF4-FFF2-40B4-BE49-F238E27FC236}">
-                <a16:creationId xmlns:a16="http://schemas.microsoft.com/office/drawing/2014/main" id="{49A01938-14B4-C446-9BD6-97CC6DDD92DD}"/>
-              </a:ext>
-            </a:extLst>
-          </p:cNvPr>
-          <p:cNvSpPr txBox="1"/>
-          <p:nvPr/>
-        </p:nvSpPr>
-        <p:spPr>
-          <a:xfrm rot="18813551">
-            <a:off x="6867191" y="2666183"/>
-            <a:ext cx="1085315" cy="307777"/>
-          </a:xfrm>
-          <a:prstGeom prst="rect">
-            <a:avLst/>
-          </a:prstGeom>
-          <a:solidFill>
-            <a:schemeClr val="bg1"/>
-          </a:solidFill>
-        </p:spPr>
-        <p:txBody>
-          <a:bodyPr wrap="square" rtlCol="0">
-            <a:spAutoFit/>
-          </a:bodyPr>
-          <a:lstStyle/>
-          <a:p>
-            <a:pPr algn="ctr"/>
-            <a:r>
-              <a:rPr lang="en-US" sz="1400" dirty="0"/>
-              <a:t>PAY_AMT1</a:t>
-            </a:r>
-          </a:p>
-        </p:txBody>
-      </p:sp>
-      <p:sp>
-        <p:nvSpPr>
-          <p:cNvPr id="18" name="TextBox 17">
-            <a:extLst>
-              <a:ext uri="{FF2B5EF4-FFF2-40B4-BE49-F238E27FC236}">
-                <a16:creationId xmlns:a16="http://schemas.microsoft.com/office/drawing/2014/main" id="{F25E88CD-F96A-0E4B-93DC-B92DB67A451B}"/>
-              </a:ext>
-            </a:extLst>
-          </p:cNvPr>
-          <p:cNvSpPr txBox="1"/>
-          <p:nvPr/>
-        </p:nvSpPr>
-        <p:spPr>
-          <a:xfrm rot="18833412">
-            <a:off x="10526516" y="2623303"/>
-            <a:ext cx="1085315" cy="307777"/>
-          </a:xfrm>
-          <a:prstGeom prst="rect">
-            <a:avLst/>
-          </a:prstGeom>
-          <a:solidFill>
-            <a:schemeClr val="bg1"/>
-          </a:solidFill>
-        </p:spPr>
-        <p:txBody>
-          <a:bodyPr wrap="square" rtlCol="0">
-            <a:spAutoFit/>
-          </a:bodyPr>
-          <a:lstStyle/>
-          <a:p>
-            <a:pPr algn="ctr"/>
-            <a:r>
-              <a:rPr lang="en-US" sz="1400" dirty="0"/>
-              <a:t>PAY_AMT2</a:t>
-            </a:r>
-          </a:p>
-        </p:txBody>
-      </p:sp>
-      <p:sp>
-        <p:nvSpPr>
-          <p:cNvPr id="22" name="TextBox 21">
-            <a:extLst>
-              <a:ext uri="{FF2B5EF4-FFF2-40B4-BE49-F238E27FC236}">
-                <a16:creationId xmlns:a16="http://schemas.microsoft.com/office/drawing/2014/main" id="{FFE6596E-8A09-CC40-844A-588C279839AA}"/>
-              </a:ext>
-            </a:extLst>
-          </p:cNvPr>
-          <p:cNvSpPr txBox="1"/>
-          <p:nvPr/>
-        </p:nvSpPr>
-        <p:spPr>
-          <a:xfrm rot="16356915">
-            <a:off x="10334357" y="1213998"/>
-            <a:ext cx="2158741" cy="307777"/>
-          </a:xfrm>
-          <a:prstGeom prst="rect">
-            <a:avLst/>
-          </a:prstGeom>
-          <a:solidFill>
-            <a:schemeClr val="bg1"/>
-          </a:solidFill>
-        </p:spPr>
-        <p:txBody>
-          <a:bodyPr wrap="square" rtlCol="0">
-            <a:spAutoFit/>
-          </a:bodyPr>
-          <a:lstStyle/>
-          <a:p>
-            <a:pPr algn="ctr"/>
-            <a:r>
-              <a:rPr lang="en-US" sz="1400" dirty="0" err="1"/>
-              <a:t>p_DEFAULT_NEXT_MONTH</a:t>
-            </a:r>
-            <a:endParaRPr lang="en-US" sz="1400" dirty="0"/>
-          </a:p>
-        </p:txBody>
-      </p:sp>
-      <p:sp>
-        <p:nvSpPr>
-          <p:cNvPr id="23" name="TextBox 22">
-            <a:extLst>
-              <a:ext uri="{FF2B5EF4-FFF2-40B4-BE49-F238E27FC236}">
-                <a16:creationId xmlns:a16="http://schemas.microsoft.com/office/drawing/2014/main" id="{23E4423C-5B49-1F41-A1BC-A82CC4F6AB6F}"/>
-              </a:ext>
-            </a:extLst>
-          </p:cNvPr>
-          <p:cNvSpPr txBox="1"/>
-          <p:nvPr/>
-        </p:nvSpPr>
-        <p:spPr>
-          <a:xfrm rot="16356915">
-            <a:off x="2884755" y="4823416"/>
-            <a:ext cx="2766650" cy="307777"/>
-          </a:xfrm>
-          <a:prstGeom prst="rect">
-            <a:avLst/>
-          </a:prstGeom>
-          <a:solidFill>
-            <a:schemeClr val="bg1"/>
-          </a:solidFill>
-        </p:spPr>
-        <p:txBody>
-          <a:bodyPr wrap="square" rtlCol="0">
-            <a:spAutoFit/>
-          </a:bodyPr>
-          <a:lstStyle/>
-          <a:p>
-            <a:pPr algn="ctr"/>
-            <a:r>
-              <a:rPr lang="en-US" sz="1400" dirty="0" err="1"/>
-              <a:t>p_DEFAULT_NEXT_MONTH</a:t>
-            </a:r>
-            <a:endParaRPr lang="en-US" sz="1400" dirty="0"/>
-          </a:p>
-        </p:txBody>
-      </p:sp>
-      <p:sp>
-        <p:nvSpPr>
-          <p:cNvPr id="24" name="TextBox 23">
-            <a:extLst>
-              <a:ext uri="{FF2B5EF4-FFF2-40B4-BE49-F238E27FC236}">
-                <a16:creationId xmlns:a16="http://schemas.microsoft.com/office/drawing/2014/main" id="{B40CB11E-02AA-8341-8D40-782A00A1C5CB}"/>
-              </a:ext>
-            </a:extLst>
-          </p:cNvPr>
-          <p:cNvSpPr txBox="1"/>
-          <p:nvPr/>
-        </p:nvSpPr>
-        <p:spPr>
-          <a:xfrm rot="16435758">
-            <a:off x="6510899" y="4773658"/>
-            <a:ext cx="2766650" cy="307777"/>
-          </a:xfrm>
-          <a:prstGeom prst="rect">
-            <a:avLst/>
-          </a:prstGeom>
-          <a:solidFill>
-            <a:schemeClr val="bg1"/>
-          </a:solidFill>
-        </p:spPr>
-        <p:txBody>
-          <a:bodyPr wrap="square" rtlCol="0">
-            <a:spAutoFit/>
-          </a:bodyPr>
-          <a:lstStyle/>
-          <a:p>
-            <a:pPr algn="ctr"/>
-            <a:r>
-              <a:rPr lang="en-US" sz="1400" dirty="0" err="1"/>
-              <a:t>p_DEFAULT_NEXT_MONTH</a:t>
-            </a:r>
-            <a:endParaRPr lang="en-US" sz="1400" dirty="0"/>
-          </a:p>
-        </p:txBody>
-      </p:sp>
-      <p:sp>
-        <p:nvSpPr>
-          <p:cNvPr id="25" name="TextBox 24">
-            <a:extLst>
-              <a:ext uri="{FF2B5EF4-FFF2-40B4-BE49-F238E27FC236}">
-                <a16:creationId xmlns:a16="http://schemas.microsoft.com/office/drawing/2014/main" id="{B71A7DA5-1DCE-C347-9AF2-59553101A020}"/>
-              </a:ext>
-            </a:extLst>
-          </p:cNvPr>
-          <p:cNvSpPr txBox="1"/>
-          <p:nvPr/>
-        </p:nvSpPr>
-        <p:spPr>
-          <a:xfrm rot="16356915">
-            <a:off x="10364798" y="4773659"/>
-            <a:ext cx="2158741" cy="307777"/>
-          </a:xfrm>
-          <a:prstGeom prst="rect">
-            <a:avLst/>
-          </a:prstGeom>
-          <a:solidFill>
-            <a:schemeClr val="bg1"/>
-          </a:solidFill>
-        </p:spPr>
-        <p:txBody>
-          <a:bodyPr wrap="square" rtlCol="0">
-            <a:spAutoFit/>
-          </a:bodyPr>
-          <a:lstStyle/>
-          <a:p>
-            <a:pPr algn="ctr"/>
-            <a:r>
-              <a:rPr lang="en-US" sz="1400" dirty="0" err="1"/>
-              <a:t>p_DEFAULT_NEXT_MONTH</a:t>
-            </a:r>
-            <a:endParaRPr lang="en-US" sz="1400" dirty="0"/>
-          </a:p>
-        </p:txBody>
-      </p:sp>
-      <p:sp>
-        <p:nvSpPr>
-          <p:cNvPr id="16" name="TextBox 15">
-            <a:extLst>
-              <a:ext uri="{FF2B5EF4-FFF2-40B4-BE49-F238E27FC236}">
-                <a16:creationId xmlns:a16="http://schemas.microsoft.com/office/drawing/2014/main" id="{298DD06E-B321-DC44-BEC9-0DCEF6694E07}"/>
-              </a:ext>
-            </a:extLst>
-          </p:cNvPr>
-          <p:cNvSpPr txBox="1"/>
-          <p:nvPr/>
-        </p:nvSpPr>
-        <p:spPr>
-          <a:xfrm rot="18813551">
-            <a:off x="3331908" y="6228030"/>
-            <a:ext cx="1021263" cy="307777"/>
-          </a:xfrm>
-          <a:prstGeom prst="rect">
-            <a:avLst/>
-          </a:prstGeom>
-          <a:solidFill>
-            <a:schemeClr val="bg1"/>
-          </a:solidFill>
-        </p:spPr>
-        <p:txBody>
-          <a:bodyPr wrap="square" rtlCol="0">
-            <a:spAutoFit/>
-          </a:bodyPr>
-          <a:lstStyle/>
-          <a:p>
-            <a:pPr algn="ctr"/>
-            <a:r>
-              <a:rPr lang="en-US" sz="1400" dirty="0"/>
-              <a:t>PAY_AMT1</a:t>
-            </a:r>
-          </a:p>
-        </p:txBody>
-      </p:sp>
-      <p:sp>
-        <p:nvSpPr>
-          <p:cNvPr id="17" name="TextBox 16">
-            <a:extLst>
-              <a:ext uri="{FF2B5EF4-FFF2-40B4-BE49-F238E27FC236}">
-                <a16:creationId xmlns:a16="http://schemas.microsoft.com/office/drawing/2014/main" id="{2C4D63D3-E6ED-2346-A5B5-06B67097C007}"/>
-              </a:ext>
-            </a:extLst>
-          </p:cNvPr>
-          <p:cNvSpPr txBox="1"/>
-          <p:nvPr/>
-        </p:nvSpPr>
-        <p:spPr>
-          <a:xfrm rot="18813551">
-            <a:off x="6914772" y="6225843"/>
-            <a:ext cx="1085315" cy="307777"/>
-          </a:xfrm>
-          <a:prstGeom prst="rect">
-            <a:avLst/>
-          </a:prstGeom>
-          <a:solidFill>
-            <a:schemeClr val="bg1"/>
-          </a:solidFill>
-        </p:spPr>
-        <p:txBody>
-          <a:bodyPr wrap="square" rtlCol="0">
-            <a:spAutoFit/>
-          </a:bodyPr>
-          <a:lstStyle/>
-          <a:p>
-            <a:pPr algn="ctr"/>
-            <a:r>
-              <a:rPr lang="en-US" sz="1400" dirty="0"/>
-              <a:t>PAY_AMT2</a:t>
+            <a:r>
+              <a:rPr lang="en-US" dirty="0"/>
+              <a:t>Mean(|SHAP| value) (average impact on prediction magnitude)</a:t>
             </a:r>
           </a:p>
         </p:txBody>
@@ -5815,7 +6524,7 @@
     </p:spTree>
     <p:extLst>
       <p:ext uri="{BB962C8B-B14F-4D97-AF65-F5344CB8AC3E}">
-        <p14:creationId xmlns:p14="http://schemas.microsoft.com/office/powerpoint/2010/main" val="4288801599"/>
+        <p14:creationId xmlns:p14="http://schemas.microsoft.com/office/powerpoint/2010/main" val="4226904643"/>
       </p:ext>
     </p:extLst>
   </p:cSld>
@@ -5844,10 +6553,10 @@
       </p:grpSpPr>
       <p:pic>
         <p:nvPicPr>
-          <p:cNvPr id="4" name="Picture 3">
-            <a:extLst>
-              <a:ext uri="{FF2B5EF4-FFF2-40B4-BE49-F238E27FC236}">
-                <a16:creationId xmlns:a16="http://schemas.microsoft.com/office/drawing/2014/main" id="{7B6D2ECB-8AF2-574B-858D-B55B80D8EE87}"/>
+          <p:cNvPr id="5" name="Picture 4">
+            <a:extLst>
+              <a:ext uri="{FF2B5EF4-FFF2-40B4-BE49-F238E27FC236}">
+                <a16:creationId xmlns:a16="http://schemas.microsoft.com/office/drawing/2014/main" id="{25598E50-A445-704C-8779-BDD5708E7F23}"/>
               </a:ext>
             </a:extLst>
           </p:cNvPr>
@@ -5857,15 +6566,15 @@
           <p:nvPr/>
         </p:nvPicPr>
         <p:blipFill>
-          <a:blip r:embed="rId3"/>
+          <a:blip r:embed="rId2"/>
           <a:stretch>
             <a:fillRect/>
           </a:stretch>
         </p:blipFill>
         <p:spPr>
           <a:xfrm>
-            <a:off x="743537" y="15766"/>
-            <a:ext cx="10704925" cy="6858000"/>
+            <a:off x="778272" y="-37070"/>
+            <a:ext cx="10635455" cy="6858000"/>
           </a:xfrm>
           <a:prstGeom prst="rect">
             <a:avLst/>
@@ -5874,10 +6583,10 @@
       </p:pic>
       <p:sp>
         <p:nvSpPr>
-          <p:cNvPr id="5" name="TextBox 4">
-            <a:extLst>
-              <a:ext uri="{FF2B5EF4-FFF2-40B4-BE49-F238E27FC236}">
-                <a16:creationId xmlns:a16="http://schemas.microsoft.com/office/drawing/2014/main" id="{0E67F910-1EBB-964B-BC9B-077DF2F1818A}"/>
+          <p:cNvPr id="6" name="TextBox 5">
+            <a:extLst>
+              <a:ext uri="{FF2B5EF4-FFF2-40B4-BE49-F238E27FC236}">
+                <a16:creationId xmlns:a16="http://schemas.microsoft.com/office/drawing/2014/main" id="{BDFB3E48-45F1-FE4D-A84E-8AA6445FDA6B}"/>
               </a:ext>
             </a:extLst>
           </p:cNvPr>
@@ -5885,9 +6594,9 @@
           <p:nvPr/>
         </p:nvSpPr>
         <p:spPr>
-          <a:xfrm>
-            <a:off x="1589758" y="3003260"/>
-            <a:ext cx="554349" cy="338554"/>
+          <a:xfrm rot="1112717">
+            <a:off x="1362433" y="2959739"/>
+            <a:ext cx="939113" cy="307777"/>
           </a:xfrm>
           <a:prstGeom prst="rect">
             <a:avLst/>
@@ -5904,18 +6613,18 @@
           <a:p>
             <a:pPr algn="ctr"/>
             <a:r>
-              <a:rPr lang="en-US" sz="1600" dirty="0"/>
-              <a:t>AGE</a:t>
-            </a:r>
-          </a:p>
-        </p:txBody>
-      </p:sp>
-      <p:sp>
-        <p:nvSpPr>
-          <p:cNvPr id="6" name="TextBox 5">
-            <a:extLst>
-              <a:ext uri="{FF2B5EF4-FFF2-40B4-BE49-F238E27FC236}">
-                <a16:creationId xmlns:a16="http://schemas.microsoft.com/office/drawing/2014/main" id="{9856C57D-D761-434E-A172-376B5A186D6B}"/>
+              <a:rPr lang="en-US" sz="1400" dirty="0"/>
+              <a:t>PAY_0</a:t>
+            </a:r>
+          </a:p>
+        </p:txBody>
+      </p:sp>
+      <p:sp>
+        <p:nvSpPr>
+          <p:cNvPr id="9" name="TextBox 8">
+            <a:extLst>
+              <a:ext uri="{FF2B5EF4-FFF2-40B4-BE49-F238E27FC236}">
+                <a16:creationId xmlns:a16="http://schemas.microsoft.com/office/drawing/2014/main" id="{01D761F1-5009-9743-BEDC-79E8513637C2}"/>
               </a:ext>
             </a:extLst>
           </p:cNvPr>
@@ -5923,9 +6632,9 @@
           <p:nvPr/>
         </p:nvSpPr>
         <p:spPr>
-          <a:xfrm>
-            <a:off x="5105469" y="2995306"/>
-            <a:ext cx="554349" cy="338554"/>
+          <a:xfrm rot="18452340">
+            <a:off x="3317714" y="2615591"/>
+            <a:ext cx="939113" cy="307777"/>
           </a:xfrm>
           <a:prstGeom prst="rect">
             <a:avLst/>
@@ -5942,18 +6651,18 @@
           <a:p>
             <a:pPr algn="ctr"/>
             <a:r>
-              <a:rPr lang="en-US" sz="1600" dirty="0"/>
-              <a:t>AGE</a:t>
-            </a:r>
-          </a:p>
-        </p:txBody>
-      </p:sp>
-      <p:sp>
-        <p:nvSpPr>
-          <p:cNvPr id="7" name="TextBox 6">
-            <a:extLst>
-              <a:ext uri="{FF2B5EF4-FFF2-40B4-BE49-F238E27FC236}">
-                <a16:creationId xmlns:a16="http://schemas.microsoft.com/office/drawing/2014/main" id="{BE8C817F-E4C6-914A-A4F0-FFB738400804}"/>
+              <a:rPr lang="en-US" sz="1400" dirty="0"/>
+              <a:t>PAY_3</a:t>
+            </a:r>
+          </a:p>
+        </p:txBody>
+      </p:sp>
+      <p:sp>
+        <p:nvSpPr>
+          <p:cNvPr id="10" name="TextBox 9">
+            <a:extLst>
+              <a:ext uri="{FF2B5EF4-FFF2-40B4-BE49-F238E27FC236}">
+                <a16:creationId xmlns:a16="http://schemas.microsoft.com/office/drawing/2014/main" id="{4A386688-1ED6-BA41-BD5F-12B57C37B202}"/>
               </a:ext>
             </a:extLst>
           </p:cNvPr>
@@ -5961,9 +6670,9 @@
           <p:nvPr/>
         </p:nvSpPr>
         <p:spPr>
-          <a:xfrm>
-            <a:off x="8621180" y="3003260"/>
-            <a:ext cx="554349" cy="338554"/>
+          <a:xfrm rot="1185637">
+            <a:off x="1154408" y="6503562"/>
+            <a:ext cx="1196636" cy="307777"/>
           </a:xfrm>
           <a:prstGeom prst="rect">
             <a:avLst/>
@@ -5980,18 +6689,18 @@
           <a:p>
             <a:pPr algn="ctr"/>
             <a:r>
-              <a:rPr lang="en-US" sz="1600" dirty="0"/>
-              <a:t>AGE</a:t>
-            </a:r>
-          </a:p>
-        </p:txBody>
-      </p:sp>
-      <p:sp>
-        <p:nvSpPr>
-          <p:cNvPr id="8" name="TextBox 7">
-            <a:extLst>
-              <a:ext uri="{FF2B5EF4-FFF2-40B4-BE49-F238E27FC236}">
-                <a16:creationId xmlns:a16="http://schemas.microsoft.com/office/drawing/2014/main" id="{42B60285-51E2-794D-AA90-D284AE3C7F5A}"/>
+              <a:rPr lang="en-US" sz="1400" dirty="0"/>
+              <a:t>PAY_3</a:t>
+            </a:r>
+          </a:p>
+        </p:txBody>
+      </p:sp>
+      <p:sp>
+        <p:nvSpPr>
+          <p:cNvPr id="11" name="TextBox 10">
+            <a:extLst>
+              <a:ext uri="{FF2B5EF4-FFF2-40B4-BE49-F238E27FC236}">
+                <a16:creationId xmlns:a16="http://schemas.microsoft.com/office/drawing/2014/main" id="{1FD2F241-C58D-824E-88D7-EF312A7C14C8}"/>
               </a:ext>
             </a:extLst>
           </p:cNvPr>
@@ -5999,9 +6708,9 @@
           <p:nvPr/>
         </p:nvSpPr>
         <p:spPr>
-          <a:xfrm>
-            <a:off x="7070903" y="2826029"/>
-            <a:ext cx="554349" cy="338554"/>
+          <a:xfrm rot="1112717">
+            <a:off x="4954988" y="2959739"/>
+            <a:ext cx="939113" cy="307777"/>
           </a:xfrm>
           <a:prstGeom prst="rect">
             <a:avLst/>
@@ -6018,18 +6727,18 @@
           <a:p>
             <a:pPr algn="ctr"/>
             <a:r>
-              <a:rPr lang="en-US" sz="1600" dirty="0"/>
-              <a:t>SEX</a:t>
-            </a:r>
-          </a:p>
-        </p:txBody>
-      </p:sp>
-      <p:sp>
-        <p:nvSpPr>
-          <p:cNvPr id="10" name="TextBox 9">
-            <a:extLst>
-              <a:ext uri="{FF2B5EF4-FFF2-40B4-BE49-F238E27FC236}">
-                <a16:creationId xmlns:a16="http://schemas.microsoft.com/office/drawing/2014/main" id="{90E667C0-8FCC-5640-8941-C1BE77B0A40E}"/>
+              <a:rPr lang="en-US" sz="1400" dirty="0"/>
+              <a:t>PAY_0</a:t>
+            </a:r>
+          </a:p>
+        </p:txBody>
+      </p:sp>
+      <p:sp>
+        <p:nvSpPr>
+          <p:cNvPr id="12" name="TextBox 11">
+            <a:extLst>
+              <a:ext uri="{FF2B5EF4-FFF2-40B4-BE49-F238E27FC236}">
+                <a16:creationId xmlns:a16="http://schemas.microsoft.com/office/drawing/2014/main" id="{D804F2A2-358F-0640-9C65-261B626BEB06}"/>
               </a:ext>
             </a:extLst>
           </p:cNvPr>
@@ -6037,9 +6746,9 @@
           <p:nvPr/>
         </p:nvSpPr>
         <p:spPr>
-          <a:xfrm>
-            <a:off x="3502641" y="6352250"/>
-            <a:ext cx="554349" cy="338554"/>
+          <a:xfrm rot="1112717">
+            <a:off x="8547543" y="2959739"/>
+            <a:ext cx="939113" cy="307777"/>
           </a:xfrm>
           <a:prstGeom prst="rect">
             <a:avLst/>
@@ -6056,18 +6765,18 @@
           <a:p>
             <a:pPr algn="ctr"/>
             <a:r>
-              <a:rPr lang="en-US" sz="1600" dirty="0"/>
-              <a:t>SEX</a:t>
-            </a:r>
-          </a:p>
-        </p:txBody>
-      </p:sp>
-      <p:sp>
-        <p:nvSpPr>
-          <p:cNvPr id="11" name="TextBox 10">
-            <a:extLst>
-              <a:ext uri="{FF2B5EF4-FFF2-40B4-BE49-F238E27FC236}">
-                <a16:creationId xmlns:a16="http://schemas.microsoft.com/office/drawing/2014/main" id="{558537DE-BD8E-7D4A-9CC4-654C00E9B0A8}"/>
+              <a:rPr lang="en-US" sz="1400" dirty="0"/>
+              <a:t>PAY_0</a:t>
+            </a:r>
+          </a:p>
+        </p:txBody>
+      </p:sp>
+      <p:sp>
+        <p:nvSpPr>
+          <p:cNvPr id="13" name="TextBox 12">
+            <a:extLst>
+              <a:ext uri="{FF2B5EF4-FFF2-40B4-BE49-F238E27FC236}">
+                <a16:creationId xmlns:a16="http://schemas.microsoft.com/office/drawing/2014/main" id="{3BF8D291-C8EC-A14B-8B4B-226F031D38EE}"/>
               </a:ext>
             </a:extLst>
           </p:cNvPr>
@@ -6075,9 +6784,9 @@
           <p:nvPr/>
         </p:nvSpPr>
         <p:spPr>
-          <a:xfrm>
-            <a:off x="8621180" y="6568681"/>
-            <a:ext cx="554349" cy="338554"/>
+          <a:xfrm rot="1185637">
+            <a:off x="4826226" y="6505772"/>
+            <a:ext cx="1196636" cy="307777"/>
           </a:xfrm>
           <a:prstGeom prst="rect">
             <a:avLst/>
@@ -6094,18 +6803,18 @@
           <a:p>
             <a:pPr algn="ctr"/>
             <a:r>
-              <a:rPr lang="en-US" sz="1600" dirty="0"/>
-              <a:t>SEX</a:t>
-            </a:r>
-          </a:p>
-        </p:txBody>
-      </p:sp>
-      <p:sp>
-        <p:nvSpPr>
-          <p:cNvPr id="12" name="TextBox 11">
-            <a:extLst>
-              <a:ext uri="{FF2B5EF4-FFF2-40B4-BE49-F238E27FC236}">
-                <a16:creationId xmlns:a16="http://schemas.microsoft.com/office/drawing/2014/main" id="{12642612-8552-F846-B127-14C994A30EE6}"/>
+              <a:rPr lang="en-US" sz="1400" dirty="0"/>
+              <a:t>PAY_3</a:t>
+            </a:r>
+          </a:p>
+        </p:txBody>
+      </p:sp>
+      <p:sp>
+        <p:nvSpPr>
+          <p:cNvPr id="15" name="TextBox 14">
+            <a:extLst>
+              <a:ext uri="{FF2B5EF4-FFF2-40B4-BE49-F238E27FC236}">
+                <a16:creationId xmlns:a16="http://schemas.microsoft.com/office/drawing/2014/main" id="{0B5F81C8-B4B8-5149-B21E-00DA9578411A}"/>
               </a:ext>
             </a:extLst>
           </p:cNvPr>
@@ -6113,9 +6822,9 @@
           <p:nvPr/>
         </p:nvSpPr>
         <p:spPr>
-          <a:xfrm rot="18752569">
-            <a:off x="10010699" y="2656752"/>
-            <a:ext cx="1762970" cy="338554"/>
+          <a:xfrm rot="1045835">
+            <a:off x="8160278" y="6495259"/>
+            <a:ext cx="1237897" cy="307777"/>
           </a:xfrm>
           <a:prstGeom prst="rect">
             <a:avLst/>
@@ -6132,18 +6841,18 @@
           <a:p>
             <a:pPr algn="ctr"/>
             <a:r>
-              <a:rPr lang="en-US" sz="1600" dirty="0"/>
-              <a:t>MARRIAGE</a:t>
-            </a:r>
-          </a:p>
-        </p:txBody>
-      </p:sp>
-      <p:sp>
-        <p:nvSpPr>
-          <p:cNvPr id="13" name="TextBox 12">
-            <a:extLst>
-              <a:ext uri="{FF2B5EF4-FFF2-40B4-BE49-F238E27FC236}">
-                <a16:creationId xmlns:a16="http://schemas.microsoft.com/office/drawing/2014/main" id="{929C7A36-65DC-454C-88E0-8320FB907FFF}"/>
+              <a:rPr lang="en-US" sz="1400" dirty="0"/>
+              <a:t>PAY_AMT1</a:t>
+            </a:r>
+          </a:p>
+        </p:txBody>
+      </p:sp>
+      <p:sp>
+        <p:nvSpPr>
+          <p:cNvPr id="19" name="TextBox 18">
+            <a:extLst>
+              <a:ext uri="{FF2B5EF4-FFF2-40B4-BE49-F238E27FC236}">
+                <a16:creationId xmlns:a16="http://schemas.microsoft.com/office/drawing/2014/main" id="{ADE912A5-FB97-5B40-8552-CDC8A6A361DB}"/>
               </a:ext>
             </a:extLst>
           </p:cNvPr>
@@ -6151,9 +6860,9 @@
           <p:nvPr/>
         </p:nvSpPr>
         <p:spPr>
-          <a:xfrm rot="18752569">
-            <a:off x="10110548" y="6182974"/>
-            <a:ext cx="1762970" cy="338554"/>
+          <a:xfrm rot="18833412">
+            <a:off x="10526517" y="6179787"/>
+            <a:ext cx="1085315" cy="307777"/>
           </a:xfrm>
           <a:prstGeom prst="rect">
             <a:avLst/>
@@ -6170,18 +6879,18 @@
           <a:p>
             <a:pPr algn="ctr"/>
             <a:r>
-              <a:rPr lang="en-US" sz="1600" dirty="0"/>
-              <a:t>MARRIAGE</a:t>
-            </a:r>
-          </a:p>
-        </p:txBody>
-      </p:sp>
-      <p:sp>
-        <p:nvSpPr>
-          <p:cNvPr id="15" name="TextBox 14">
-            <a:extLst>
-              <a:ext uri="{FF2B5EF4-FFF2-40B4-BE49-F238E27FC236}">
-                <a16:creationId xmlns:a16="http://schemas.microsoft.com/office/drawing/2014/main" id="{4E89B5DC-0C5F-DC44-8499-7AA852917CE3}"/>
+              <a:rPr lang="en-US" sz="1400" dirty="0"/>
+              <a:t>PAY_AMT2</a:t>
+            </a:r>
+          </a:p>
+        </p:txBody>
+      </p:sp>
+      <p:sp>
+        <p:nvSpPr>
+          <p:cNvPr id="20" name="TextBox 19">
+            <a:extLst>
+              <a:ext uri="{FF2B5EF4-FFF2-40B4-BE49-F238E27FC236}">
+                <a16:creationId xmlns:a16="http://schemas.microsoft.com/office/drawing/2014/main" id="{64D71987-1EFC-F546-9CBD-EBA7928A65AB}"/>
               </a:ext>
             </a:extLst>
           </p:cNvPr>
@@ -6189,9 +6898,9 @@
           <p:nvPr/>
         </p:nvSpPr>
         <p:spPr>
-          <a:xfrm rot="18752569">
-            <a:off x="2797716" y="2672141"/>
-            <a:ext cx="1762970" cy="307777"/>
+          <a:xfrm rot="16356915">
+            <a:off x="2854314" y="1226684"/>
+            <a:ext cx="2766650" cy="307777"/>
           </a:xfrm>
           <a:prstGeom prst="rect">
             <a:avLst/>
@@ -6208,18 +6917,19 @@
           <a:p>
             <a:pPr algn="ctr"/>
             <a:r>
-              <a:rPr lang="en-US" sz="1400" dirty="0"/>
-              <a:t>EDUCATION</a:t>
-            </a:r>
-          </a:p>
-        </p:txBody>
-      </p:sp>
-      <p:sp>
-        <p:nvSpPr>
-          <p:cNvPr id="16" name="TextBox 15">
-            <a:extLst>
-              <a:ext uri="{FF2B5EF4-FFF2-40B4-BE49-F238E27FC236}">
-                <a16:creationId xmlns:a16="http://schemas.microsoft.com/office/drawing/2014/main" id="{E64DBADB-9B96-6940-9721-9B7F7248A22D}"/>
+              <a:rPr lang="en-US" sz="1400" dirty="0" err="1"/>
+              <a:t>p_DEFAULT_NEXT_MONTH</a:t>
+            </a:r>
+            <a:endParaRPr lang="en-US" sz="1400" dirty="0"/>
+          </a:p>
+        </p:txBody>
+      </p:sp>
+      <p:sp>
+        <p:nvSpPr>
+          <p:cNvPr id="21" name="TextBox 20">
+            <a:extLst>
+              <a:ext uri="{FF2B5EF4-FFF2-40B4-BE49-F238E27FC236}">
+                <a16:creationId xmlns:a16="http://schemas.microsoft.com/office/drawing/2014/main" id="{7DC02E49-097C-6A4B-9261-92B38D2802E9}"/>
               </a:ext>
             </a:extLst>
           </p:cNvPr>
@@ -6227,9 +6937,9 @@
           <p:nvPr/>
         </p:nvSpPr>
         <p:spPr>
-          <a:xfrm rot="1186231">
-            <a:off x="1266402" y="6509844"/>
-            <a:ext cx="1055600" cy="307777"/>
+          <a:xfrm rot="16356915">
+            <a:off x="6511988" y="1176926"/>
+            <a:ext cx="2766650" cy="307777"/>
           </a:xfrm>
           <a:prstGeom prst="rect">
             <a:avLst/>
@@ -6246,18 +6956,19 @@
           <a:p>
             <a:pPr algn="ctr"/>
             <a:r>
-              <a:rPr lang="en-US" sz="1400" dirty="0"/>
-              <a:t>EDUCATION</a:t>
-            </a:r>
-          </a:p>
-        </p:txBody>
-      </p:sp>
-      <p:sp>
-        <p:nvSpPr>
-          <p:cNvPr id="17" name="TextBox 16">
-            <a:extLst>
-              <a:ext uri="{FF2B5EF4-FFF2-40B4-BE49-F238E27FC236}">
-                <a16:creationId xmlns:a16="http://schemas.microsoft.com/office/drawing/2014/main" id="{A980F213-E26C-0A45-A4F1-868B7EB2FEF0}"/>
+              <a:rPr lang="en-US" sz="1400" dirty="0" err="1"/>
+              <a:t>p_DEFAULT_NEXT_MONTH</a:t>
+            </a:r>
+            <a:endParaRPr lang="en-US" sz="1400" dirty="0"/>
+          </a:p>
+        </p:txBody>
+      </p:sp>
+      <p:sp>
+        <p:nvSpPr>
+          <p:cNvPr id="14" name="TextBox 13">
+            <a:extLst>
+              <a:ext uri="{FF2B5EF4-FFF2-40B4-BE49-F238E27FC236}">
+                <a16:creationId xmlns:a16="http://schemas.microsoft.com/office/drawing/2014/main" id="{49A01938-14B4-C446-9BD6-97CC6DDD92DD}"/>
               </a:ext>
             </a:extLst>
           </p:cNvPr>
@@ -6265,9 +6976,9 @@
           <p:nvPr/>
         </p:nvSpPr>
         <p:spPr>
-          <a:xfrm rot="1186231">
-            <a:off x="4833823" y="6511200"/>
-            <a:ext cx="1055600" cy="307777"/>
+          <a:xfrm rot="18813551">
+            <a:off x="6867191" y="2629112"/>
+            <a:ext cx="1085315" cy="307777"/>
           </a:xfrm>
           <a:prstGeom prst="rect">
             <a:avLst/>
@@ -6285,7 +6996,7 @@
             <a:pPr algn="ctr"/>
             <a:r>
               <a:rPr lang="en-US" sz="1400" dirty="0"/>
-              <a:t>EDUCATION</a:t>
+              <a:t>PAY_AMT1</a:t>
             </a:r>
           </a:p>
         </p:txBody>
@@ -6295,7 +7006,7 @@
           <p:cNvPr id="18" name="TextBox 17">
             <a:extLst>
               <a:ext uri="{FF2B5EF4-FFF2-40B4-BE49-F238E27FC236}">
-                <a16:creationId xmlns:a16="http://schemas.microsoft.com/office/drawing/2014/main" id="{B545276F-4B1A-D94D-B4EC-E9121B8BE4FA}"/>
+                <a16:creationId xmlns:a16="http://schemas.microsoft.com/office/drawing/2014/main" id="{F25E88CD-F96A-0E4B-93DC-B92DB67A451B}"/>
               </a:ext>
             </a:extLst>
           </p:cNvPr>
@@ -6303,9 +7014,9 @@
           <p:nvPr/>
         </p:nvSpPr>
         <p:spPr>
-          <a:xfrm rot="16356915">
-            <a:off x="2906864" y="1127125"/>
-            <a:ext cx="2766650" cy="307777"/>
+          <a:xfrm rot="18833412">
+            <a:off x="10526516" y="2586232"/>
+            <a:ext cx="1085315" cy="307777"/>
           </a:xfrm>
           <a:prstGeom prst="rect">
             <a:avLst/>
@@ -6322,19 +7033,18 @@
           <a:p>
             <a:pPr algn="ctr"/>
             <a:r>
-              <a:rPr lang="en-US" sz="1400" dirty="0" err="1"/>
-              <a:t>p_DEFAULT_NEXT_MONTH</a:t>
-            </a:r>
-            <a:endParaRPr lang="en-US" sz="1400" dirty="0"/>
-          </a:p>
-        </p:txBody>
-      </p:sp>
-      <p:sp>
-        <p:nvSpPr>
-          <p:cNvPr id="19" name="TextBox 18">
-            <a:extLst>
-              <a:ext uri="{FF2B5EF4-FFF2-40B4-BE49-F238E27FC236}">
-                <a16:creationId xmlns:a16="http://schemas.microsoft.com/office/drawing/2014/main" id="{5A1A5451-6AC0-B642-94E5-670649FDD26F}"/>
+              <a:rPr lang="en-US" sz="1400" dirty="0"/>
+              <a:t>PAY_AMT2</a:t>
+            </a:r>
+          </a:p>
+        </p:txBody>
+      </p:sp>
+      <p:sp>
+        <p:nvSpPr>
+          <p:cNvPr id="22" name="TextBox 21">
+            <a:extLst>
+              <a:ext uri="{FF2B5EF4-FFF2-40B4-BE49-F238E27FC236}">
+                <a16:creationId xmlns:a16="http://schemas.microsoft.com/office/drawing/2014/main" id="{FFE6596E-8A09-CC40-844A-588C279839AA}"/>
               </a:ext>
             </a:extLst>
           </p:cNvPr>
@@ -6343,8 +7053,8 @@
         </p:nvSpPr>
         <p:spPr>
           <a:xfrm rot="16356915">
-            <a:off x="6475978" y="1127125"/>
-            <a:ext cx="2766650" cy="307777"/>
+            <a:off x="10334357" y="1176927"/>
+            <a:ext cx="2158741" cy="307777"/>
           </a:xfrm>
           <a:prstGeom prst="rect">
             <a:avLst/>
@@ -6370,10 +7080,10 @@
       </p:sp>
       <p:sp>
         <p:nvSpPr>
-          <p:cNvPr id="20" name="TextBox 19">
-            <a:extLst>
-              <a:ext uri="{FF2B5EF4-FFF2-40B4-BE49-F238E27FC236}">
-                <a16:creationId xmlns:a16="http://schemas.microsoft.com/office/drawing/2014/main" id="{746B6FC2-BE1B-2E43-A3A9-3DA3B6521DF8}"/>
+          <p:cNvPr id="23" name="TextBox 22">
+            <a:extLst>
+              <a:ext uri="{FF2B5EF4-FFF2-40B4-BE49-F238E27FC236}">
+                <a16:creationId xmlns:a16="http://schemas.microsoft.com/office/drawing/2014/main" id="{23E4423C-5B49-1F41-A1BC-A82CC4F6AB6F}"/>
               </a:ext>
             </a:extLst>
           </p:cNvPr>
@@ -6382,8 +7092,8 @@
         </p:nvSpPr>
         <p:spPr>
           <a:xfrm rot="16356915">
-            <a:off x="10386907" y="1077368"/>
-            <a:ext cx="2158741" cy="307777"/>
+            <a:off x="2884755" y="4786345"/>
+            <a:ext cx="2766650" cy="307777"/>
           </a:xfrm>
           <a:prstGeom prst="rect">
             <a:avLst/>
@@ -6409,10 +7119,10 @@
       </p:sp>
       <p:sp>
         <p:nvSpPr>
-          <p:cNvPr id="21" name="TextBox 20">
-            <a:extLst>
-              <a:ext uri="{FF2B5EF4-FFF2-40B4-BE49-F238E27FC236}">
-                <a16:creationId xmlns:a16="http://schemas.microsoft.com/office/drawing/2014/main" id="{5E6AA5C2-57FB-DC46-B816-85223FCBA95D}"/>
+          <p:cNvPr id="24" name="TextBox 23">
+            <a:extLst>
+              <a:ext uri="{FF2B5EF4-FFF2-40B4-BE49-F238E27FC236}">
+                <a16:creationId xmlns:a16="http://schemas.microsoft.com/office/drawing/2014/main" id="{B40CB11E-02AA-8341-8D40-782A00A1C5CB}"/>
               </a:ext>
             </a:extLst>
           </p:cNvPr>
@@ -6420,8 +7130,8 @@
           <p:nvPr/>
         </p:nvSpPr>
         <p:spPr>
-          <a:xfrm rot="16356915">
-            <a:off x="2937305" y="4686786"/>
+          <a:xfrm rot="16435758">
+            <a:off x="6510899" y="4736587"/>
             <a:ext cx="2766650" cy="307777"/>
           </a:xfrm>
           <a:prstGeom prst="rect">
@@ -6448,10 +7158,10 @@
       </p:sp>
       <p:sp>
         <p:nvSpPr>
-          <p:cNvPr id="22" name="TextBox 21">
-            <a:extLst>
-              <a:ext uri="{FF2B5EF4-FFF2-40B4-BE49-F238E27FC236}">
-                <a16:creationId xmlns:a16="http://schemas.microsoft.com/office/drawing/2014/main" id="{DF2C82B8-93C5-9F49-A24B-C14A1B68D17E}"/>
+          <p:cNvPr id="25" name="TextBox 24">
+            <a:extLst>
+              <a:ext uri="{FF2B5EF4-FFF2-40B4-BE49-F238E27FC236}">
+                <a16:creationId xmlns:a16="http://schemas.microsoft.com/office/drawing/2014/main" id="{B71A7DA5-1DCE-C347-9AF2-59553101A020}"/>
               </a:ext>
             </a:extLst>
           </p:cNvPr>
@@ -6459,9 +7169,9 @@
           <p:nvPr/>
         </p:nvSpPr>
         <p:spPr>
-          <a:xfrm rot="16436252">
-            <a:off x="6490444" y="4637029"/>
-            <a:ext cx="2766650" cy="307777"/>
+          <a:xfrm rot="16356915">
+            <a:off x="10364798" y="4736588"/>
+            <a:ext cx="2158741" cy="307777"/>
           </a:xfrm>
           <a:prstGeom prst="rect">
             <a:avLst/>
@@ -6487,10 +7197,10 @@
       </p:sp>
       <p:sp>
         <p:nvSpPr>
-          <p:cNvPr id="23" name="TextBox 22">
-            <a:extLst>
-              <a:ext uri="{FF2B5EF4-FFF2-40B4-BE49-F238E27FC236}">
-                <a16:creationId xmlns:a16="http://schemas.microsoft.com/office/drawing/2014/main" id="{531F766F-A390-2E47-9A9A-C1773E0AEF5A}"/>
+          <p:cNvPr id="16" name="TextBox 15">
+            <a:extLst>
+              <a:ext uri="{FF2B5EF4-FFF2-40B4-BE49-F238E27FC236}">
+                <a16:creationId xmlns:a16="http://schemas.microsoft.com/office/drawing/2014/main" id="{298DD06E-B321-DC44-BEC9-0DCEF6694E07}"/>
               </a:ext>
             </a:extLst>
           </p:cNvPr>
@@ -6498,9 +7208,9 @@
           <p:nvPr/>
         </p:nvSpPr>
         <p:spPr>
-          <a:xfrm rot="16356915">
-            <a:off x="10385818" y="4637029"/>
-            <a:ext cx="2158741" cy="307777"/>
+          <a:xfrm rot="18813551">
+            <a:off x="3331908" y="6190959"/>
+            <a:ext cx="1021263" cy="307777"/>
           </a:xfrm>
           <a:prstGeom prst="rect">
             <a:avLst/>
@@ -6517,19 +7227,18 @@
           <a:p>
             <a:pPr algn="ctr"/>
             <a:r>
-              <a:rPr lang="en-US" sz="1400" dirty="0" err="1"/>
-              <a:t>p_DEFAULT_NEXT_MONTH</a:t>
-            </a:r>
-            <a:endParaRPr lang="en-US" sz="1400" dirty="0"/>
-          </a:p>
-        </p:txBody>
-      </p:sp>
-      <p:sp>
-        <p:nvSpPr>
-          <p:cNvPr id="14" name="TextBox 13">
-            <a:extLst>
-              <a:ext uri="{FF2B5EF4-FFF2-40B4-BE49-F238E27FC236}">
-                <a16:creationId xmlns:a16="http://schemas.microsoft.com/office/drawing/2014/main" id="{815E8C6A-89E5-9541-A4C2-0322A287359E}"/>
+              <a:rPr lang="en-US" sz="1400" dirty="0"/>
+              <a:t>PAY_AMT1</a:t>
+            </a:r>
+          </a:p>
+        </p:txBody>
+      </p:sp>
+      <p:sp>
+        <p:nvSpPr>
+          <p:cNvPr id="17" name="TextBox 16">
+            <a:extLst>
+              <a:ext uri="{FF2B5EF4-FFF2-40B4-BE49-F238E27FC236}">
+                <a16:creationId xmlns:a16="http://schemas.microsoft.com/office/drawing/2014/main" id="{2C4D63D3-E6ED-2346-A5B5-06B67097C007}"/>
               </a:ext>
             </a:extLst>
           </p:cNvPr>
@@ -6537,9 +7246,9 @@
           <p:nvPr/>
         </p:nvSpPr>
         <p:spPr>
-          <a:xfrm rot="18752569">
-            <a:off x="6759788" y="6223085"/>
-            <a:ext cx="1149900" cy="338554"/>
+          <a:xfrm rot="18813551">
+            <a:off x="6914772" y="6188772"/>
+            <a:ext cx="1085315" cy="307777"/>
           </a:xfrm>
           <a:prstGeom prst="rect">
             <a:avLst/>
@@ -6556,16 +7265,1217 @@
           <a:p>
             <a:pPr algn="ctr"/>
             <a:r>
-              <a:rPr lang="en-US" sz="1600" dirty="0"/>
-              <a:t>MARRIAGE</a:t>
-            </a:r>
-          </a:p>
-        </p:txBody>
-      </p:sp>
+              <a:rPr lang="en-US" sz="1400" dirty="0"/>
+              <a:t>PAY_AMT2</a:t>
+            </a:r>
+          </a:p>
+        </p:txBody>
+      </p:sp>
+      <p:cxnSp>
+        <p:nvCxnSpPr>
+          <p:cNvPr id="4" name="Straight Connector 3">
+            <a:extLst>
+              <a:ext uri="{FF2B5EF4-FFF2-40B4-BE49-F238E27FC236}">
+                <a16:creationId xmlns:a16="http://schemas.microsoft.com/office/drawing/2014/main" id="{54E7435C-2736-B34D-AD3B-D66201D1B73F}"/>
+              </a:ext>
+            </a:extLst>
+          </p:cNvPr>
+          <p:cNvCxnSpPr>
+            <a:cxnSpLocks/>
+          </p:cNvCxnSpPr>
+          <p:nvPr/>
+        </p:nvCxnSpPr>
+        <p:spPr>
+          <a:xfrm flipV="1">
+            <a:off x="1337870" y="1934342"/>
+            <a:ext cx="494119" cy="58724"/>
+          </a:xfrm>
+          <a:prstGeom prst="line">
+            <a:avLst/>
+          </a:prstGeom>
+          <a:ln w="12700">
+            <a:solidFill>
+              <a:srgbClr val="FF40FF"/>
+            </a:solidFill>
+          </a:ln>
+        </p:spPr>
+        <p:style>
+          <a:lnRef idx="1">
+            <a:schemeClr val="accent1"/>
+          </a:lnRef>
+          <a:fillRef idx="0">
+            <a:schemeClr val="accent1"/>
+          </a:fillRef>
+          <a:effectRef idx="0">
+            <a:schemeClr val="accent1"/>
+          </a:effectRef>
+          <a:fontRef idx="minor">
+            <a:schemeClr val="tx1"/>
+          </a:fontRef>
+        </p:style>
+      </p:cxnSp>
+      <p:cxnSp>
+        <p:nvCxnSpPr>
+          <p:cNvPr id="28" name="Straight Connector 27">
+            <a:extLst>
+              <a:ext uri="{FF2B5EF4-FFF2-40B4-BE49-F238E27FC236}">
+                <a16:creationId xmlns:a16="http://schemas.microsoft.com/office/drawing/2014/main" id="{8DBFA3D8-4DB2-4246-A1F0-7702413D1011}"/>
+              </a:ext>
+            </a:extLst>
+          </p:cNvPr>
+          <p:cNvCxnSpPr>
+            <a:cxnSpLocks/>
+          </p:cNvCxnSpPr>
+          <p:nvPr/>
+        </p:nvCxnSpPr>
+        <p:spPr>
+          <a:xfrm flipV="1">
+            <a:off x="2224438" y="495465"/>
+            <a:ext cx="1466718" cy="324540"/>
+          </a:xfrm>
+          <a:prstGeom prst="line">
+            <a:avLst/>
+          </a:prstGeom>
+          <a:ln w="12700">
+            <a:solidFill>
+              <a:srgbClr val="FF40FF"/>
+            </a:solidFill>
+          </a:ln>
+        </p:spPr>
+        <p:style>
+          <a:lnRef idx="1">
+            <a:schemeClr val="accent1"/>
+          </a:lnRef>
+          <a:fillRef idx="0">
+            <a:schemeClr val="accent1"/>
+          </a:fillRef>
+          <a:effectRef idx="0">
+            <a:schemeClr val="accent1"/>
+          </a:effectRef>
+          <a:fontRef idx="minor">
+            <a:schemeClr val="tx1"/>
+          </a:fontRef>
+        </p:style>
+      </p:cxnSp>
+      <p:sp>
+        <p:nvSpPr>
+          <p:cNvPr id="31" name="Rectangle 30">
+            <a:extLst>
+              <a:ext uri="{FF2B5EF4-FFF2-40B4-BE49-F238E27FC236}">
+                <a16:creationId xmlns:a16="http://schemas.microsoft.com/office/drawing/2014/main" id="{C058976C-BBD7-7E4F-8B09-12D732FF7EB8}"/>
+              </a:ext>
+            </a:extLst>
+          </p:cNvPr>
+          <p:cNvSpPr/>
+          <p:nvPr/>
+        </p:nvSpPr>
+        <p:spPr>
+          <a:xfrm>
+            <a:off x="8463605" y="4320275"/>
+            <a:ext cx="168014" cy="167154"/>
+          </a:xfrm>
+          <a:prstGeom prst="rect">
+            <a:avLst/>
+          </a:prstGeom>
+          <a:noFill/>
+          <a:ln w="12700">
+            <a:solidFill>
+              <a:srgbClr val="FF40FF"/>
+            </a:solidFill>
+          </a:ln>
+        </p:spPr>
+        <p:style>
+          <a:lnRef idx="2">
+            <a:schemeClr val="accent1">
+              <a:shade val="50000"/>
+            </a:schemeClr>
+          </a:lnRef>
+          <a:fillRef idx="1">
+            <a:schemeClr val="accent1"/>
+          </a:fillRef>
+          <a:effectRef idx="0">
+            <a:schemeClr val="accent1"/>
+          </a:effectRef>
+          <a:fontRef idx="minor">
+            <a:schemeClr val="lt1"/>
+          </a:fontRef>
+        </p:style>
+        <p:txBody>
+          <a:bodyPr rtlCol="0" anchor="ctr"/>
+          <a:lstStyle/>
+          <a:p>
+            <a:pPr algn="ctr"/>
+            <a:endParaRPr lang="en-US"/>
+          </a:p>
+        </p:txBody>
+      </p:sp>
+      <p:grpSp>
+        <p:nvGrpSpPr>
+          <p:cNvPr id="46" name="Group 45">
+            <a:extLst>
+              <a:ext uri="{FF2B5EF4-FFF2-40B4-BE49-F238E27FC236}">
+                <a16:creationId xmlns:a16="http://schemas.microsoft.com/office/drawing/2014/main" id="{164BAEF9-F363-D94D-A253-FB7306F48CF9}"/>
+              </a:ext>
+            </a:extLst>
+          </p:cNvPr>
+          <p:cNvGrpSpPr/>
+          <p:nvPr/>
+        </p:nvGrpSpPr>
+        <p:grpSpPr>
+          <a:xfrm>
+            <a:off x="6225499" y="764125"/>
+            <a:ext cx="1052614" cy="427456"/>
+            <a:chOff x="6212799" y="801196"/>
+            <a:chExt cx="1052614" cy="427456"/>
+          </a:xfrm>
+        </p:grpSpPr>
+        <p:cxnSp>
+          <p:nvCxnSpPr>
+            <p:cNvPr id="33" name="Straight Connector 32">
+              <a:extLst>
+                <a:ext uri="{FF2B5EF4-FFF2-40B4-BE49-F238E27FC236}">
+                  <a16:creationId xmlns:a16="http://schemas.microsoft.com/office/drawing/2014/main" id="{3E2E6E73-EA21-574A-8FC1-4A6720618F30}"/>
+                </a:ext>
+              </a:extLst>
+            </p:cNvPr>
+            <p:cNvCxnSpPr>
+              <a:cxnSpLocks/>
+            </p:cNvCxnSpPr>
+            <p:nvPr/>
+          </p:nvCxnSpPr>
+          <p:spPr>
+            <a:xfrm>
+              <a:off x="6212799" y="997288"/>
+              <a:ext cx="819957" cy="225422"/>
+            </a:xfrm>
+            <a:prstGeom prst="line">
+              <a:avLst/>
+            </a:prstGeom>
+            <a:ln w="12700">
+              <a:solidFill>
+                <a:srgbClr val="00B0F0"/>
+              </a:solidFill>
+            </a:ln>
+          </p:spPr>
+          <p:style>
+            <a:lnRef idx="1">
+              <a:schemeClr val="accent1"/>
+            </a:lnRef>
+            <a:fillRef idx="0">
+              <a:schemeClr val="accent1"/>
+            </a:fillRef>
+            <a:effectRef idx="0">
+              <a:schemeClr val="accent1"/>
+            </a:effectRef>
+            <a:fontRef idx="minor">
+              <a:schemeClr val="tx1"/>
+            </a:fontRef>
+          </p:style>
+        </p:cxnSp>
+        <p:cxnSp>
+          <p:nvCxnSpPr>
+            <p:cNvPr id="37" name="Straight Connector 36">
+              <a:extLst>
+                <a:ext uri="{FF2B5EF4-FFF2-40B4-BE49-F238E27FC236}">
+                  <a16:creationId xmlns:a16="http://schemas.microsoft.com/office/drawing/2014/main" id="{D168457E-DB14-F545-A3B7-A9BF935C8943}"/>
+                </a:ext>
+              </a:extLst>
+            </p:cNvPr>
+            <p:cNvCxnSpPr>
+              <a:cxnSpLocks/>
+            </p:cNvCxnSpPr>
+            <p:nvPr/>
+          </p:nvCxnSpPr>
+          <p:spPr>
+            <a:xfrm>
+              <a:off x="6448631" y="801261"/>
+              <a:ext cx="816782" cy="225357"/>
+            </a:xfrm>
+            <a:prstGeom prst="line">
+              <a:avLst/>
+            </a:prstGeom>
+            <a:ln w="12700">
+              <a:solidFill>
+                <a:srgbClr val="00B0F0"/>
+              </a:solidFill>
+            </a:ln>
+          </p:spPr>
+          <p:style>
+            <a:lnRef idx="1">
+              <a:schemeClr val="accent1"/>
+            </a:lnRef>
+            <a:fillRef idx="0">
+              <a:schemeClr val="accent1"/>
+            </a:fillRef>
+            <a:effectRef idx="0">
+              <a:schemeClr val="accent1"/>
+            </a:effectRef>
+            <a:fontRef idx="minor">
+              <a:schemeClr val="tx1"/>
+            </a:fontRef>
+          </p:style>
+        </p:cxnSp>
+        <p:cxnSp>
+          <p:nvCxnSpPr>
+            <p:cNvPr id="39" name="Straight Connector 38">
+              <a:extLst>
+                <a:ext uri="{FF2B5EF4-FFF2-40B4-BE49-F238E27FC236}">
+                  <a16:creationId xmlns:a16="http://schemas.microsoft.com/office/drawing/2014/main" id="{DB71F51D-1437-AC49-B91E-E3DB6BC9F693}"/>
+                </a:ext>
+              </a:extLst>
+            </p:cNvPr>
+            <p:cNvCxnSpPr/>
+            <p:nvPr/>
+          </p:nvCxnSpPr>
+          <p:spPr>
+            <a:xfrm flipV="1">
+              <a:off x="6215974" y="801196"/>
+              <a:ext cx="232657" cy="196157"/>
+            </a:xfrm>
+            <a:prstGeom prst="line">
+              <a:avLst/>
+            </a:prstGeom>
+            <a:ln w="12700">
+              <a:solidFill>
+                <a:srgbClr val="00B0F0"/>
+              </a:solidFill>
+            </a:ln>
+          </p:spPr>
+          <p:style>
+            <a:lnRef idx="1">
+              <a:schemeClr val="accent1"/>
+            </a:lnRef>
+            <a:fillRef idx="0">
+              <a:schemeClr val="accent1"/>
+            </a:fillRef>
+            <a:effectRef idx="0">
+              <a:schemeClr val="accent1"/>
+            </a:effectRef>
+            <a:fontRef idx="minor">
+              <a:schemeClr val="tx1"/>
+            </a:fontRef>
+          </p:style>
+        </p:cxnSp>
+        <p:cxnSp>
+          <p:nvCxnSpPr>
+            <p:cNvPr id="40" name="Straight Connector 39">
+              <a:extLst>
+                <a:ext uri="{FF2B5EF4-FFF2-40B4-BE49-F238E27FC236}">
+                  <a16:creationId xmlns:a16="http://schemas.microsoft.com/office/drawing/2014/main" id="{07EC02D1-257C-F940-A41C-FB7F037728AC}"/>
+                </a:ext>
+              </a:extLst>
+            </p:cNvPr>
+            <p:cNvCxnSpPr>
+              <a:cxnSpLocks/>
+            </p:cNvCxnSpPr>
+            <p:nvPr/>
+          </p:nvCxnSpPr>
+          <p:spPr>
+            <a:xfrm flipV="1">
+              <a:off x="7032756" y="1026618"/>
+              <a:ext cx="232657" cy="202034"/>
+            </a:xfrm>
+            <a:prstGeom prst="line">
+              <a:avLst/>
+            </a:prstGeom>
+            <a:ln w="12700">
+              <a:solidFill>
+                <a:srgbClr val="00B0F0"/>
+              </a:solidFill>
+            </a:ln>
+          </p:spPr>
+          <p:style>
+            <a:lnRef idx="1">
+              <a:schemeClr val="accent1"/>
+            </a:lnRef>
+            <a:fillRef idx="0">
+              <a:schemeClr val="accent1"/>
+            </a:fillRef>
+            <a:effectRef idx="0">
+              <a:schemeClr val="accent1"/>
+            </a:effectRef>
+            <a:fontRef idx="minor">
+              <a:schemeClr val="tx1"/>
+            </a:fontRef>
+          </p:style>
+        </p:cxnSp>
+      </p:grpSp>
+      <p:grpSp>
+        <p:nvGrpSpPr>
+          <p:cNvPr id="59" name="Group 58">
+            <a:extLst>
+              <a:ext uri="{FF2B5EF4-FFF2-40B4-BE49-F238E27FC236}">
+                <a16:creationId xmlns:a16="http://schemas.microsoft.com/office/drawing/2014/main" id="{BEBF49D1-90C6-2D4A-9B16-BF5385B215B3}"/>
+              </a:ext>
+            </a:extLst>
+          </p:cNvPr>
+          <p:cNvGrpSpPr/>
+          <p:nvPr/>
+        </p:nvGrpSpPr>
+        <p:grpSpPr>
+          <a:xfrm>
+            <a:off x="9804197" y="698010"/>
+            <a:ext cx="1052614" cy="427456"/>
+            <a:chOff x="6212799" y="801196"/>
+            <a:chExt cx="1052614" cy="427456"/>
+          </a:xfrm>
+        </p:grpSpPr>
+        <p:cxnSp>
+          <p:nvCxnSpPr>
+            <p:cNvPr id="60" name="Straight Connector 59">
+              <a:extLst>
+                <a:ext uri="{FF2B5EF4-FFF2-40B4-BE49-F238E27FC236}">
+                  <a16:creationId xmlns:a16="http://schemas.microsoft.com/office/drawing/2014/main" id="{E993CED7-7524-A146-861B-58BF6D4B5110}"/>
+                </a:ext>
+              </a:extLst>
+            </p:cNvPr>
+            <p:cNvCxnSpPr>
+              <a:cxnSpLocks/>
+            </p:cNvCxnSpPr>
+            <p:nvPr/>
+          </p:nvCxnSpPr>
+          <p:spPr>
+            <a:xfrm>
+              <a:off x="6212799" y="997288"/>
+              <a:ext cx="819957" cy="225422"/>
+            </a:xfrm>
+            <a:prstGeom prst="line">
+              <a:avLst/>
+            </a:prstGeom>
+            <a:ln w="12700">
+              <a:solidFill>
+                <a:srgbClr val="00B0F0"/>
+              </a:solidFill>
+            </a:ln>
+          </p:spPr>
+          <p:style>
+            <a:lnRef idx="1">
+              <a:schemeClr val="accent1"/>
+            </a:lnRef>
+            <a:fillRef idx="0">
+              <a:schemeClr val="accent1"/>
+            </a:fillRef>
+            <a:effectRef idx="0">
+              <a:schemeClr val="accent1"/>
+            </a:effectRef>
+            <a:fontRef idx="minor">
+              <a:schemeClr val="tx1"/>
+            </a:fontRef>
+          </p:style>
+        </p:cxnSp>
+        <p:cxnSp>
+          <p:nvCxnSpPr>
+            <p:cNvPr id="61" name="Straight Connector 60">
+              <a:extLst>
+                <a:ext uri="{FF2B5EF4-FFF2-40B4-BE49-F238E27FC236}">
+                  <a16:creationId xmlns:a16="http://schemas.microsoft.com/office/drawing/2014/main" id="{DB04DD02-D8CA-1E4E-922A-2DFF2A15437C}"/>
+                </a:ext>
+              </a:extLst>
+            </p:cNvPr>
+            <p:cNvCxnSpPr>
+              <a:cxnSpLocks/>
+            </p:cNvCxnSpPr>
+            <p:nvPr/>
+          </p:nvCxnSpPr>
+          <p:spPr>
+            <a:xfrm>
+              <a:off x="6448631" y="801261"/>
+              <a:ext cx="816782" cy="225357"/>
+            </a:xfrm>
+            <a:prstGeom prst="line">
+              <a:avLst/>
+            </a:prstGeom>
+            <a:ln w="12700">
+              <a:solidFill>
+                <a:srgbClr val="00B0F0"/>
+              </a:solidFill>
+            </a:ln>
+          </p:spPr>
+          <p:style>
+            <a:lnRef idx="1">
+              <a:schemeClr val="accent1"/>
+            </a:lnRef>
+            <a:fillRef idx="0">
+              <a:schemeClr val="accent1"/>
+            </a:fillRef>
+            <a:effectRef idx="0">
+              <a:schemeClr val="accent1"/>
+            </a:effectRef>
+            <a:fontRef idx="minor">
+              <a:schemeClr val="tx1"/>
+            </a:fontRef>
+          </p:style>
+        </p:cxnSp>
+        <p:cxnSp>
+          <p:nvCxnSpPr>
+            <p:cNvPr id="62" name="Straight Connector 61">
+              <a:extLst>
+                <a:ext uri="{FF2B5EF4-FFF2-40B4-BE49-F238E27FC236}">
+                  <a16:creationId xmlns:a16="http://schemas.microsoft.com/office/drawing/2014/main" id="{9226DBA0-519E-FC4E-9CA1-10D2922347CE}"/>
+                </a:ext>
+              </a:extLst>
+            </p:cNvPr>
+            <p:cNvCxnSpPr/>
+            <p:nvPr/>
+          </p:nvCxnSpPr>
+          <p:spPr>
+            <a:xfrm flipV="1">
+              <a:off x="6215974" y="801196"/>
+              <a:ext cx="232657" cy="196157"/>
+            </a:xfrm>
+            <a:prstGeom prst="line">
+              <a:avLst/>
+            </a:prstGeom>
+            <a:ln w="12700">
+              <a:solidFill>
+                <a:srgbClr val="00B0F0"/>
+              </a:solidFill>
+            </a:ln>
+          </p:spPr>
+          <p:style>
+            <a:lnRef idx="1">
+              <a:schemeClr val="accent1"/>
+            </a:lnRef>
+            <a:fillRef idx="0">
+              <a:schemeClr val="accent1"/>
+            </a:fillRef>
+            <a:effectRef idx="0">
+              <a:schemeClr val="accent1"/>
+            </a:effectRef>
+            <a:fontRef idx="minor">
+              <a:schemeClr val="tx1"/>
+            </a:fontRef>
+          </p:style>
+        </p:cxnSp>
+        <p:cxnSp>
+          <p:nvCxnSpPr>
+            <p:cNvPr id="63" name="Straight Connector 62">
+              <a:extLst>
+                <a:ext uri="{FF2B5EF4-FFF2-40B4-BE49-F238E27FC236}">
+                  <a16:creationId xmlns:a16="http://schemas.microsoft.com/office/drawing/2014/main" id="{74F833E1-B1D6-7041-A7A1-3234142A1C75}"/>
+                </a:ext>
+              </a:extLst>
+            </p:cNvPr>
+            <p:cNvCxnSpPr>
+              <a:cxnSpLocks/>
+            </p:cNvCxnSpPr>
+            <p:nvPr/>
+          </p:nvCxnSpPr>
+          <p:spPr>
+            <a:xfrm flipV="1">
+              <a:off x="7032756" y="1026618"/>
+              <a:ext cx="232657" cy="202034"/>
+            </a:xfrm>
+            <a:prstGeom prst="line">
+              <a:avLst/>
+            </a:prstGeom>
+            <a:ln w="12700">
+              <a:solidFill>
+                <a:srgbClr val="00B0F0"/>
+              </a:solidFill>
+            </a:ln>
+          </p:spPr>
+          <p:style>
+            <a:lnRef idx="1">
+              <a:schemeClr val="accent1"/>
+            </a:lnRef>
+            <a:fillRef idx="0">
+              <a:schemeClr val="accent1"/>
+            </a:fillRef>
+            <a:effectRef idx="0">
+              <a:schemeClr val="accent1"/>
+            </a:effectRef>
+            <a:fontRef idx="minor">
+              <a:schemeClr val="tx1"/>
+            </a:fontRef>
+          </p:style>
+        </p:cxnSp>
+      </p:grpSp>
+      <p:grpSp>
+        <p:nvGrpSpPr>
+          <p:cNvPr id="69" name="Group 68">
+            <a:extLst>
+              <a:ext uri="{FF2B5EF4-FFF2-40B4-BE49-F238E27FC236}">
+                <a16:creationId xmlns:a16="http://schemas.microsoft.com/office/drawing/2014/main" id="{744C02C9-4722-2C48-A07D-7BF13D4F7C09}"/>
+              </a:ext>
+            </a:extLst>
+          </p:cNvPr>
+          <p:cNvGrpSpPr/>
+          <p:nvPr/>
+        </p:nvGrpSpPr>
+        <p:grpSpPr>
+          <a:xfrm>
+            <a:off x="5909139" y="4203779"/>
+            <a:ext cx="1368974" cy="495050"/>
+            <a:chOff x="6203274" y="785451"/>
+            <a:chExt cx="1368974" cy="495050"/>
+          </a:xfrm>
+        </p:grpSpPr>
+        <p:cxnSp>
+          <p:nvCxnSpPr>
+            <p:cNvPr id="70" name="Straight Connector 69">
+              <a:extLst>
+                <a:ext uri="{FF2B5EF4-FFF2-40B4-BE49-F238E27FC236}">
+                  <a16:creationId xmlns:a16="http://schemas.microsoft.com/office/drawing/2014/main" id="{750AE04E-85A2-0C48-AF0E-022421EBCA8C}"/>
+                </a:ext>
+              </a:extLst>
+            </p:cNvPr>
+            <p:cNvCxnSpPr>
+              <a:cxnSpLocks/>
+            </p:cNvCxnSpPr>
+            <p:nvPr/>
+          </p:nvCxnSpPr>
+          <p:spPr>
+            <a:xfrm>
+              <a:off x="6203274" y="987698"/>
+              <a:ext cx="1136317" cy="292803"/>
+            </a:xfrm>
+            <a:prstGeom prst="line">
+              <a:avLst/>
+            </a:prstGeom>
+            <a:ln w="12700">
+              <a:solidFill>
+                <a:srgbClr val="00B0F0"/>
+              </a:solidFill>
+            </a:ln>
+          </p:spPr>
+          <p:style>
+            <a:lnRef idx="1">
+              <a:schemeClr val="accent1"/>
+            </a:lnRef>
+            <a:fillRef idx="0">
+              <a:schemeClr val="accent1"/>
+            </a:fillRef>
+            <a:effectRef idx="0">
+              <a:schemeClr val="accent1"/>
+            </a:effectRef>
+            <a:fontRef idx="minor">
+              <a:schemeClr val="tx1"/>
+            </a:fontRef>
+          </p:style>
+        </p:cxnSp>
+        <p:cxnSp>
+          <p:nvCxnSpPr>
+            <p:cNvPr id="71" name="Straight Connector 70">
+              <a:extLst>
+                <a:ext uri="{FF2B5EF4-FFF2-40B4-BE49-F238E27FC236}">
+                  <a16:creationId xmlns:a16="http://schemas.microsoft.com/office/drawing/2014/main" id="{C2989D1C-720C-EF46-B4CA-92EE91BD3E8F}"/>
+                </a:ext>
+              </a:extLst>
+            </p:cNvPr>
+            <p:cNvCxnSpPr>
+              <a:cxnSpLocks/>
+            </p:cNvCxnSpPr>
+            <p:nvPr/>
+          </p:nvCxnSpPr>
+          <p:spPr>
+            <a:xfrm>
+              <a:off x="6427340" y="785451"/>
+              <a:ext cx="1144908" cy="290093"/>
+            </a:xfrm>
+            <a:prstGeom prst="line">
+              <a:avLst/>
+            </a:prstGeom>
+            <a:ln w="12700">
+              <a:solidFill>
+                <a:srgbClr val="00B0F0"/>
+              </a:solidFill>
+            </a:ln>
+          </p:spPr>
+          <p:style>
+            <a:lnRef idx="1">
+              <a:schemeClr val="accent1"/>
+            </a:lnRef>
+            <a:fillRef idx="0">
+              <a:schemeClr val="accent1"/>
+            </a:fillRef>
+            <a:effectRef idx="0">
+              <a:schemeClr val="accent1"/>
+            </a:effectRef>
+            <a:fontRef idx="minor">
+              <a:schemeClr val="tx1"/>
+            </a:fontRef>
+          </p:style>
+        </p:cxnSp>
+        <p:cxnSp>
+          <p:nvCxnSpPr>
+            <p:cNvPr id="72" name="Straight Connector 71">
+              <a:extLst>
+                <a:ext uri="{FF2B5EF4-FFF2-40B4-BE49-F238E27FC236}">
+                  <a16:creationId xmlns:a16="http://schemas.microsoft.com/office/drawing/2014/main" id="{123F72B8-DEA3-6C4C-956E-CB2D67D8AA3B}"/>
+                </a:ext>
+              </a:extLst>
+            </p:cNvPr>
+            <p:cNvCxnSpPr/>
+            <p:nvPr/>
+          </p:nvCxnSpPr>
+          <p:spPr>
+            <a:xfrm flipV="1">
+              <a:off x="6203274" y="788496"/>
+              <a:ext cx="232657" cy="196157"/>
+            </a:xfrm>
+            <a:prstGeom prst="line">
+              <a:avLst/>
+            </a:prstGeom>
+            <a:ln w="12700">
+              <a:solidFill>
+                <a:srgbClr val="00B0F0"/>
+              </a:solidFill>
+            </a:ln>
+          </p:spPr>
+          <p:style>
+            <a:lnRef idx="1">
+              <a:schemeClr val="accent1"/>
+            </a:lnRef>
+            <a:fillRef idx="0">
+              <a:schemeClr val="accent1"/>
+            </a:fillRef>
+            <a:effectRef idx="0">
+              <a:schemeClr val="accent1"/>
+            </a:effectRef>
+            <a:fontRef idx="minor">
+              <a:schemeClr val="tx1"/>
+            </a:fontRef>
+          </p:style>
+        </p:cxnSp>
+        <p:cxnSp>
+          <p:nvCxnSpPr>
+            <p:cNvPr id="73" name="Straight Connector 72">
+              <a:extLst>
+                <a:ext uri="{FF2B5EF4-FFF2-40B4-BE49-F238E27FC236}">
+                  <a16:creationId xmlns:a16="http://schemas.microsoft.com/office/drawing/2014/main" id="{39852A98-F36E-FC48-85E7-B57B7AED0019}"/>
+                </a:ext>
+              </a:extLst>
+            </p:cNvPr>
+            <p:cNvCxnSpPr>
+              <a:cxnSpLocks/>
+            </p:cNvCxnSpPr>
+            <p:nvPr/>
+          </p:nvCxnSpPr>
+          <p:spPr>
+            <a:xfrm flipV="1">
+              <a:off x="7339591" y="1078467"/>
+              <a:ext cx="232657" cy="202034"/>
+            </a:xfrm>
+            <a:prstGeom prst="line">
+              <a:avLst/>
+            </a:prstGeom>
+            <a:ln w="12700">
+              <a:solidFill>
+                <a:srgbClr val="00B0F0"/>
+              </a:solidFill>
+            </a:ln>
+          </p:spPr>
+          <p:style>
+            <a:lnRef idx="1">
+              <a:schemeClr val="accent1"/>
+            </a:lnRef>
+            <a:fillRef idx="0">
+              <a:schemeClr val="accent1"/>
+            </a:fillRef>
+            <a:effectRef idx="0">
+              <a:schemeClr val="accent1"/>
+            </a:effectRef>
+            <a:fontRef idx="minor">
+              <a:schemeClr val="tx1"/>
+            </a:fontRef>
+          </p:style>
+        </p:cxnSp>
+      </p:grpSp>
+      <p:grpSp>
+        <p:nvGrpSpPr>
+          <p:cNvPr id="78" name="Group 77">
+            <a:extLst>
+              <a:ext uri="{FF2B5EF4-FFF2-40B4-BE49-F238E27FC236}">
+                <a16:creationId xmlns:a16="http://schemas.microsoft.com/office/drawing/2014/main" id="{A43A0314-B13F-EC40-B644-84DA76AA87BA}"/>
+              </a:ext>
+            </a:extLst>
+          </p:cNvPr>
+          <p:cNvGrpSpPr/>
+          <p:nvPr/>
+        </p:nvGrpSpPr>
+        <p:grpSpPr>
+          <a:xfrm>
+            <a:off x="2329247" y="4277338"/>
+            <a:ext cx="1374950" cy="489074"/>
+            <a:chOff x="6203274" y="791427"/>
+            <a:chExt cx="1374950" cy="489074"/>
+          </a:xfrm>
+        </p:grpSpPr>
+        <p:cxnSp>
+          <p:nvCxnSpPr>
+            <p:cNvPr id="79" name="Straight Connector 78">
+              <a:extLst>
+                <a:ext uri="{FF2B5EF4-FFF2-40B4-BE49-F238E27FC236}">
+                  <a16:creationId xmlns:a16="http://schemas.microsoft.com/office/drawing/2014/main" id="{59495DC0-1092-0746-90D6-00E2E3F931C3}"/>
+                </a:ext>
+              </a:extLst>
+            </p:cNvPr>
+            <p:cNvCxnSpPr>
+              <a:cxnSpLocks/>
+            </p:cNvCxnSpPr>
+            <p:nvPr/>
+          </p:nvCxnSpPr>
+          <p:spPr>
+            <a:xfrm>
+              <a:off x="6203274" y="987698"/>
+              <a:ext cx="1136317" cy="292803"/>
+            </a:xfrm>
+            <a:prstGeom prst="line">
+              <a:avLst/>
+            </a:prstGeom>
+            <a:ln w="12700">
+              <a:solidFill>
+                <a:srgbClr val="00B0F0"/>
+              </a:solidFill>
+            </a:ln>
+          </p:spPr>
+          <p:style>
+            <a:lnRef idx="1">
+              <a:schemeClr val="accent1"/>
+            </a:lnRef>
+            <a:fillRef idx="0">
+              <a:schemeClr val="accent1"/>
+            </a:fillRef>
+            <a:effectRef idx="0">
+              <a:schemeClr val="accent1"/>
+            </a:effectRef>
+            <a:fontRef idx="minor">
+              <a:schemeClr val="tx1"/>
+            </a:fontRef>
+          </p:style>
+        </p:cxnSp>
+        <p:cxnSp>
+          <p:nvCxnSpPr>
+            <p:cNvPr id="80" name="Straight Connector 79">
+              <a:extLst>
+                <a:ext uri="{FF2B5EF4-FFF2-40B4-BE49-F238E27FC236}">
+                  <a16:creationId xmlns:a16="http://schemas.microsoft.com/office/drawing/2014/main" id="{C5155EFA-D7A8-394B-B504-D7CF12C75099}"/>
+                </a:ext>
+              </a:extLst>
+            </p:cNvPr>
+            <p:cNvCxnSpPr>
+              <a:cxnSpLocks/>
+            </p:cNvCxnSpPr>
+            <p:nvPr/>
+          </p:nvCxnSpPr>
+          <p:spPr>
+            <a:xfrm>
+              <a:off x="6433316" y="791427"/>
+              <a:ext cx="1144908" cy="290093"/>
+            </a:xfrm>
+            <a:prstGeom prst="line">
+              <a:avLst/>
+            </a:prstGeom>
+            <a:ln w="12700">
+              <a:solidFill>
+                <a:srgbClr val="00B0F0"/>
+              </a:solidFill>
+            </a:ln>
+          </p:spPr>
+          <p:style>
+            <a:lnRef idx="1">
+              <a:schemeClr val="accent1"/>
+            </a:lnRef>
+            <a:fillRef idx="0">
+              <a:schemeClr val="accent1"/>
+            </a:fillRef>
+            <a:effectRef idx="0">
+              <a:schemeClr val="accent1"/>
+            </a:effectRef>
+            <a:fontRef idx="minor">
+              <a:schemeClr val="tx1"/>
+            </a:fontRef>
+          </p:style>
+        </p:cxnSp>
+        <p:cxnSp>
+          <p:nvCxnSpPr>
+            <p:cNvPr id="81" name="Straight Connector 80">
+              <a:extLst>
+                <a:ext uri="{FF2B5EF4-FFF2-40B4-BE49-F238E27FC236}">
+                  <a16:creationId xmlns:a16="http://schemas.microsoft.com/office/drawing/2014/main" id="{30E676AC-1894-F247-A382-361958934216}"/>
+                </a:ext>
+              </a:extLst>
+            </p:cNvPr>
+            <p:cNvCxnSpPr/>
+            <p:nvPr/>
+          </p:nvCxnSpPr>
+          <p:spPr>
+            <a:xfrm flipV="1">
+              <a:off x="6209250" y="794472"/>
+              <a:ext cx="232657" cy="196157"/>
+            </a:xfrm>
+            <a:prstGeom prst="line">
+              <a:avLst/>
+            </a:prstGeom>
+            <a:ln w="12700">
+              <a:solidFill>
+                <a:srgbClr val="00B0F0"/>
+              </a:solidFill>
+            </a:ln>
+          </p:spPr>
+          <p:style>
+            <a:lnRef idx="1">
+              <a:schemeClr val="accent1"/>
+            </a:lnRef>
+            <a:fillRef idx="0">
+              <a:schemeClr val="accent1"/>
+            </a:fillRef>
+            <a:effectRef idx="0">
+              <a:schemeClr val="accent1"/>
+            </a:effectRef>
+            <a:fontRef idx="minor">
+              <a:schemeClr val="tx1"/>
+            </a:fontRef>
+          </p:style>
+        </p:cxnSp>
+        <p:cxnSp>
+          <p:nvCxnSpPr>
+            <p:cNvPr id="82" name="Straight Connector 81">
+              <a:extLst>
+                <a:ext uri="{FF2B5EF4-FFF2-40B4-BE49-F238E27FC236}">
+                  <a16:creationId xmlns:a16="http://schemas.microsoft.com/office/drawing/2014/main" id="{1AAEB1D6-49A5-9D40-9CC1-729BB2033104}"/>
+                </a:ext>
+              </a:extLst>
+            </p:cNvPr>
+            <p:cNvCxnSpPr>
+              <a:cxnSpLocks/>
+            </p:cNvCxnSpPr>
+            <p:nvPr/>
+          </p:nvCxnSpPr>
+          <p:spPr>
+            <a:xfrm flipV="1">
+              <a:off x="7339591" y="1078467"/>
+              <a:ext cx="232657" cy="202034"/>
+            </a:xfrm>
+            <a:prstGeom prst="line">
+              <a:avLst/>
+            </a:prstGeom>
+            <a:ln w="12700">
+              <a:solidFill>
+                <a:srgbClr val="00B0F0"/>
+              </a:solidFill>
+            </a:ln>
+          </p:spPr>
+          <p:style>
+            <a:lnRef idx="1">
+              <a:schemeClr val="accent1"/>
+            </a:lnRef>
+            <a:fillRef idx="0">
+              <a:schemeClr val="accent1"/>
+            </a:fillRef>
+            <a:effectRef idx="0">
+              <a:schemeClr val="accent1"/>
+            </a:effectRef>
+            <a:fontRef idx="minor">
+              <a:schemeClr val="tx1"/>
+            </a:fontRef>
+          </p:style>
+        </p:cxnSp>
+      </p:grpSp>
+      <p:sp>
+        <p:nvSpPr>
+          <p:cNvPr id="83" name="TextBox 82">
+            <a:extLst>
+              <a:ext uri="{FF2B5EF4-FFF2-40B4-BE49-F238E27FC236}">
+                <a16:creationId xmlns:a16="http://schemas.microsoft.com/office/drawing/2014/main" id="{4981CD8D-310A-C741-BA3B-DFD13D87F62F}"/>
+              </a:ext>
+            </a:extLst>
+          </p:cNvPr>
+          <p:cNvSpPr txBox="1"/>
+          <p:nvPr/>
+        </p:nvSpPr>
+        <p:spPr>
+          <a:xfrm>
+            <a:off x="8378353" y="3823163"/>
+            <a:ext cx="2226718" cy="584775"/>
+          </a:xfrm>
+          <a:prstGeom prst="rect">
+            <a:avLst/>
+          </a:prstGeom>
+          <a:noFill/>
+        </p:spPr>
+        <p:txBody>
+          <a:bodyPr wrap="square" rtlCol="0">
+            <a:spAutoFit/>
+          </a:bodyPr>
+          <a:lstStyle/>
+          <a:p>
+            <a:r>
+              <a:rPr lang="en-US" sz="1600" dirty="0">
+                <a:solidFill>
+                  <a:srgbClr val="FF40FF"/>
+                </a:solidFill>
+              </a:rPr>
+              <a:t>Possible Adversarial </a:t>
+            </a:r>
+          </a:p>
+          <a:p>
+            <a:r>
+              <a:rPr lang="en-US" sz="1600" dirty="0">
+                <a:solidFill>
+                  <a:srgbClr val="FF40FF"/>
+                </a:solidFill>
+              </a:rPr>
+              <a:t>Attack</a:t>
+            </a:r>
+          </a:p>
+        </p:txBody>
+      </p:sp>
+      <p:sp>
+        <p:nvSpPr>
+          <p:cNvPr id="85" name="TextBox 84">
+            <a:extLst>
+              <a:ext uri="{FF2B5EF4-FFF2-40B4-BE49-F238E27FC236}">
+                <a16:creationId xmlns:a16="http://schemas.microsoft.com/office/drawing/2014/main" id="{D88B3B1B-12B3-CD4C-9D03-CA3F609194CE}"/>
+              </a:ext>
+            </a:extLst>
+          </p:cNvPr>
+          <p:cNvSpPr txBox="1"/>
+          <p:nvPr/>
+        </p:nvSpPr>
+        <p:spPr>
+          <a:xfrm>
+            <a:off x="981487" y="2032403"/>
+            <a:ext cx="2688185" cy="338554"/>
+          </a:xfrm>
+          <a:prstGeom prst="rect">
+            <a:avLst/>
+          </a:prstGeom>
+          <a:noFill/>
+        </p:spPr>
+        <p:txBody>
+          <a:bodyPr wrap="square" rtlCol="0">
+            <a:spAutoFit/>
+          </a:bodyPr>
+          <a:lstStyle/>
+          <a:p>
+            <a:pPr algn="ctr"/>
+            <a:r>
+              <a:rPr lang="en-US" sz="1600" dirty="0">
+                <a:solidFill>
+                  <a:srgbClr val="FF40FF"/>
+                </a:solidFill>
+              </a:rPr>
+              <a:t>Possible Adversarial Attack</a:t>
+            </a:r>
+          </a:p>
+        </p:txBody>
+      </p:sp>
+      <p:sp>
+        <p:nvSpPr>
+          <p:cNvPr id="86" name="TextBox 85">
+            <a:extLst>
+              <a:ext uri="{FF2B5EF4-FFF2-40B4-BE49-F238E27FC236}">
+                <a16:creationId xmlns:a16="http://schemas.microsoft.com/office/drawing/2014/main" id="{756DF23D-1575-2C41-B4DB-59FA496D80D3}"/>
+              </a:ext>
+            </a:extLst>
+          </p:cNvPr>
+          <p:cNvSpPr txBox="1"/>
+          <p:nvPr/>
+        </p:nvSpPr>
+        <p:spPr>
+          <a:xfrm>
+            <a:off x="778272" y="3317686"/>
+            <a:ext cx="10778018" cy="338554"/>
+          </a:xfrm>
+          <a:prstGeom prst="rect">
+            <a:avLst/>
+          </a:prstGeom>
+          <a:noFill/>
+        </p:spPr>
+        <p:txBody>
+          <a:bodyPr wrap="square" rtlCol="0">
+            <a:spAutoFit/>
+          </a:bodyPr>
+          <a:lstStyle/>
+          <a:p>
+            <a:pPr algn="ctr"/>
+            <a:r>
+              <a:rPr lang="en-US" sz="1600" dirty="0">
+                <a:solidFill>
+                  <a:srgbClr val="00B0F0"/>
+                </a:solidFill>
+              </a:rPr>
+              <a:t>Over-emphasis on PAY_* features results in prediction of default, even for massive repayments. </a:t>
+            </a:r>
+          </a:p>
+        </p:txBody>
+      </p:sp>
+      <p:cxnSp>
+        <p:nvCxnSpPr>
+          <p:cNvPr id="88" name="Straight Connector 87">
+            <a:extLst>
+              <a:ext uri="{FF2B5EF4-FFF2-40B4-BE49-F238E27FC236}">
+                <a16:creationId xmlns:a16="http://schemas.microsoft.com/office/drawing/2014/main" id="{318976A3-3420-C84D-842D-89CEFE38F1D5}"/>
+              </a:ext>
+            </a:extLst>
+          </p:cNvPr>
+          <p:cNvCxnSpPr/>
+          <p:nvPr/>
+        </p:nvCxnSpPr>
+        <p:spPr>
+          <a:xfrm flipH="1" flipV="1">
+            <a:off x="6039658" y="3805208"/>
+            <a:ext cx="102138" cy="398571"/>
+          </a:xfrm>
+          <a:prstGeom prst="line">
+            <a:avLst/>
+          </a:prstGeom>
+          <a:ln w="12700">
+            <a:solidFill>
+              <a:srgbClr val="00B0F0"/>
+            </a:solidFill>
+          </a:ln>
+        </p:spPr>
+        <p:style>
+          <a:lnRef idx="1">
+            <a:schemeClr val="accent1"/>
+          </a:lnRef>
+          <a:fillRef idx="0">
+            <a:schemeClr val="accent1"/>
+          </a:fillRef>
+          <a:effectRef idx="0">
+            <a:schemeClr val="accent1"/>
+          </a:effectRef>
+          <a:fontRef idx="minor">
+            <a:schemeClr val="tx1"/>
+          </a:fontRef>
+        </p:style>
+      </p:cxnSp>
+      <p:cxnSp>
+        <p:nvCxnSpPr>
+          <p:cNvPr id="89" name="Straight Connector 88">
+            <a:extLst>
+              <a:ext uri="{FF2B5EF4-FFF2-40B4-BE49-F238E27FC236}">
+                <a16:creationId xmlns:a16="http://schemas.microsoft.com/office/drawing/2014/main" id="{3C6EB864-B728-9244-97E0-DF0D45E60315}"/>
+              </a:ext>
+            </a:extLst>
+          </p:cNvPr>
+          <p:cNvCxnSpPr>
+            <a:cxnSpLocks/>
+          </p:cNvCxnSpPr>
+          <p:nvPr/>
+        </p:nvCxnSpPr>
+        <p:spPr>
+          <a:xfrm flipV="1">
+            <a:off x="6473929" y="1192070"/>
+            <a:ext cx="579154" cy="2159764"/>
+          </a:xfrm>
+          <a:prstGeom prst="line">
+            <a:avLst/>
+          </a:prstGeom>
+          <a:ln w="12700">
+            <a:solidFill>
+              <a:srgbClr val="00B0F0"/>
+            </a:solidFill>
+          </a:ln>
+        </p:spPr>
+        <p:style>
+          <a:lnRef idx="1">
+            <a:schemeClr val="accent1"/>
+          </a:lnRef>
+          <a:fillRef idx="0">
+            <a:schemeClr val="accent1"/>
+          </a:fillRef>
+          <a:effectRef idx="0">
+            <a:schemeClr val="accent1"/>
+          </a:effectRef>
+          <a:fontRef idx="minor">
+            <a:schemeClr val="tx1"/>
+          </a:fontRef>
+        </p:style>
+      </p:cxnSp>
+      <p:cxnSp>
+        <p:nvCxnSpPr>
+          <p:cNvPr id="93" name="Straight Connector 92">
+            <a:extLst>
+              <a:ext uri="{FF2B5EF4-FFF2-40B4-BE49-F238E27FC236}">
+                <a16:creationId xmlns:a16="http://schemas.microsoft.com/office/drawing/2014/main" id="{54CA8060-A8DE-D240-BD6F-BF776BB90FAB}"/>
+              </a:ext>
+            </a:extLst>
+          </p:cNvPr>
+          <p:cNvCxnSpPr>
+            <a:cxnSpLocks/>
+          </p:cNvCxnSpPr>
+          <p:nvPr/>
+        </p:nvCxnSpPr>
+        <p:spPr>
+          <a:xfrm flipV="1">
+            <a:off x="6966480" y="1115374"/>
+            <a:ext cx="3654067" cy="2236460"/>
+          </a:xfrm>
+          <a:prstGeom prst="line">
+            <a:avLst/>
+          </a:prstGeom>
+          <a:ln w="12700">
+            <a:solidFill>
+              <a:srgbClr val="00B0F0"/>
+            </a:solidFill>
+          </a:ln>
+        </p:spPr>
+        <p:style>
+          <a:lnRef idx="1">
+            <a:schemeClr val="accent1"/>
+          </a:lnRef>
+          <a:fillRef idx="0">
+            <a:schemeClr val="accent1"/>
+          </a:fillRef>
+          <a:effectRef idx="0">
+            <a:schemeClr val="accent1"/>
+          </a:effectRef>
+          <a:fontRef idx="minor">
+            <a:schemeClr val="tx1"/>
+          </a:fontRef>
+        </p:style>
+      </p:cxnSp>
+      <p:cxnSp>
+        <p:nvCxnSpPr>
+          <p:cNvPr id="98" name="Straight Connector 97">
+            <a:extLst>
+              <a:ext uri="{FF2B5EF4-FFF2-40B4-BE49-F238E27FC236}">
+                <a16:creationId xmlns:a16="http://schemas.microsoft.com/office/drawing/2014/main" id="{2309BC70-4510-B04A-8AFE-730B2B53C0F5}"/>
+              </a:ext>
+            </a:extLst>
+          </p:cNvPr>
+          <p:cNvCxnSpPr>
+            <a:cxnSpLocks/>
+          </p:cNvCxnSpPr>
+          <p:nvPr/>
+        </p:nvCxnSpPr>
+        <p:spPr>
+          <a:xfrm flipV="1">
+            <a:off x="3687324" y="3641515"/>
+            <a:ext cx="450328" cy="925370"/>
+          </a:xfrm>
+          <a:prstGeom prst="line">
+            <a:avLst/>
+          </a:prstGeom>
+          <a:ln w="12700">
+            <a:solidFill>
+              <a:srgbClr val="00B0F0"/>
+            </a:solidFill>
+          </a:ln>
+        </p:spPr>
+        <p:style>
+          <a:lnRef idx="1">
+            <a:schemeClr val="accent1"/>
+          </a:lnRef>
+          <a:fillRef idx="0">
+            <a:schemeClr val="accent1"/>
+          </a:fillRef>
+          <a:effectRef idx="0">
+            <a:schemeClr val="accent1"/>
+          </a:effectRef>
+          <a:fontRef idx="minor">
+            <a:schemeClr val="tx1"/>
+          </a:fontRef>
+        </p:style>
+      </p:cxnSp>
     </p:spTree>
     <p:extLst>
       <p:ext uri="{BB962C8B-B14F-4D97-AF65-F5344CB8AC3E}">
-        <p14:creationId xmlns:p14="http://schemas.microsoft.com/office/powerpoint/2010/main" val="2895944430"/>
+        <p14:creationId xmlns:p14="http://schemas.microsoft.com/office/powerpoint/2010/main" val="4288801599"/>
       </p:ext>
     </p:extLst>
   </p:cSld>
@@ -6594,10 +8504,10 @@
       </p:grpSpPr>
       <p:pic>
         <p:nvPicPr>
-          <p:cNvPr id="14" name="Picture 13">
-            <a:extLst>
-              <a:ext uri="{FF2B5EF4-FFF2-40B4-BE49-F238E27FC236}">
-                <a16:creationId xmlns:a16="http://schemas.microsoft.com/office/drawing/2014/main" id="{0ED76897-0037-664D-B8D1-3D3A1C1C01C8}"/>
+          <p:cNvPr id="5" name="Picture 4">
+            <a:extLst>
+              <a:ext uri="{FF2B5EF4-FFF2-40B4-BE49-F238E27FC236}">
+                <a16:creationId xmlns:a16="http://schemas.microsoft.com/office/drawing/2014/main" id="{25598E50-A445-704C-8779-BDD5708E7F23}"/>
               </a:ext>
             </a:extLst>
           </p:cNvPr>
@@ -6614,8 +8524,8 @@
         </p:blipFill>
         <p:spPr>
           <a:xfrm>
-            <a:off x="108826" y="1657350"/>
-            <a:ext cx="11112500" cy="3543300"/>
+            <a:off x="778272" y="-37070"/>
+            <a:ext cx="10635455" cy="6858000"/>
           </a:xfrm>
           <a:prstGeom prst="rect">
             <a:avLst/>
@@ -6624,10 +8534,10 @@
       </p:pic>
       <p:sp>
         <p:nvSpPr>
-          <p:cNvPr id="15" name="TextBox 14">
-            <a:extLst>
-              <a:ext uri="{FF2B5EF4-FFF2-40B4-BE49-F238E27FC236}">
-                <a16:creationId xmlns:a16="http://schemas.microsoft.com/office/drawing/2014/main" id="{E601E59E-F2F2-4D46-B1ED-E3E563B7E4F2}"/>
+          <p:cNvPr id="6" name="TextBox 5">
+            <a:extLst>
+              <a:ext uri="{FF2B5EF4-FFF2-40B4-BE49-F238E27FC236}">
+                <a16:creationId xmlns:a16="http://schemas.microsoft.com/office/drawing/2014/main" id="{BDFB3E48-45F1-FE4D-A84E-8AA6445FDA6B}"/>
               </a:ext>
             </a:extLst>
           </p:cNvPr>
@@ -6635,14 +8545,16 @@
           <p:nvPr/>
         </p:nvSpPr>
         <p:spPr>
-          <a:xfrm>
-            <a:off x="11126732" y="2343807"/>
-            <a:ext cx="956441" cy="2092881"/>
-          </a:xfrm>
-          <a:prstGeom prst="rect">
-            <a:avLst/>
-          </a:prstGeom>
-          <a:noFill/>
+          <a:xfrm rot="1112717">
+            <a:off x="1362433" y="2959739"/>
+            <a:ext cx="939113" cy="307777"/>
+          </a:xfrm>
+          <a:prstGeom prst="rect">
+            <a:avLst/>
+          </a:prstGeom>
+          <a:solidFill>
+            <a:schemeClr val="bg1"/>
+          </a:solidFill>
         </p:spPr>
         <p:txBody>
           <a:bodyPr wrap="square" rtlCol="0">
@@ -6650,91 +8562,20 @@
           </a:bodyPr>
           <a:lstStyle/>
           <a:p>
-            <a:r>
-              <a:rPr lang="en-US" sz="1000" dirty="0"/>
-              <a:t>Percentile: 0</a:t>
-            </a:r>
-          </a:p>
-          <a:p>
-            <a:r>
-              <a:rPr lang="en-US" sz="1000" dirty="0"/>
-              <a:t>Percentile: 10</a:t>
-            </a:r>
-          </a:p>
-          <a:p>
-            <a:r>
-              <a:rPr lang="en-US" sz="1000" dirty="0"/>
-              <a:t>Percentile: 20</a:t>
-            </a:r>
-          </a:p>
-          <a:p>
-            <a:r>
-              <a:rPr lang="en-US" sz="1000" dirty="0"/>
-              <a:t>Percentile: 30</a:t>
-            </a:r>
-          </a:p>
-          <a:p>
-            <a:r>
-              <a:rPr lang="en-US" sz="1000" dirty="0"/>
-              <a:t>Percentile: 40</a:t>
-            </a:r>
-          </a:p>
-          <a:p>
-            <a:r>
-              <a:rPr lang="en-US" sz="1000" dirty="0"/>
-              <a:t>Percentile: 50</a:t>
-            </a:r>
-          </a:p>
-          <a:p>
-            <a:r>
-              <a:rPr lang="en-US" sz="1000" dirty="0"/>
-              <a:t>Percentile: 60</a:t>
-            </a:r>
-          </a:p>
-          <a:p>
-            <a:r>
-              <a:rPr lang="en-US" sz="1000" dirty="0"/>
-              <a:t>Percentile: 70</a:t>
-            </a:r>
-          </a:p>
-          <a:p>
-            <a:r>
-              <a:rPr lang="en-US" sz="1000" dirty="0"/>
-              <a:t>Percentile: 80</a:t>
-            </a:r>
-          </a:p>
-          <a:p>
-            <a:r>
-              <a:rPr lang="en-US" sz="1000" dirty="0"/>
-              <a:t>Percentile: 90</a:t>
-            </a:r>
-          </a:p>
-          <a:p>
-            <a:r>
-              <a:rPr lang="en-US" sz="1000" dirty="0"/>
-              <a:t>Percentile: 99</a:t>
-            </a:r>
-          </a:p>
-          <a:p>
-            <a:r>
-              <a:rPr lang="en-US" sz="1000" dirty="0"/>
-              <a:t>Partial </a:t>
-            </a:r>
-          </a:p>
-          <a:p>
-            <a:r>
-              <a:rPr lang="en-US" sz="1000" dirty="0"/>
-              <a:t>Dependence</a:t>
-            </a:r>
-          </a:p>
-        </p:txBody>
-      </p:sp>
-      <p:sp>
-        <p:nvSpPr>
-          <p:cNvPr id="16" name="TextBox 15">
-            <a:extLst>
-              <a:ext uri="{FF2B5EF4-FFF2-40B4-BE49-F238E27FC236}">
-                <a16:creationId xmlns:a16="http://schemas.microsoft.com/office/drawing/2014/main" id="{F6927A8C-E906-C845-979E-DEAC956BC057}"/>
+            <a:pPr algn="ctr"/>
+            <a:r>
+              <a:rPr lang="en-US" sz="1400" dirty="0"/>
+              <a:t>PAY_0</a:t>
+            </a:r>
+          </a:p>
+        </p:txBody>
+      </p:sp>
+      <p:sp>
+        <p:nvSpPr>
+          <p:cNvPr id="9" name="TextBox 8">
+            <a:extLst>
+              <a:ext uri="{FF2B5EF4-FFF2-40B4-BE49-F238E27FC236}">
+                <a16:creationId xmlns:a16="http://schemas.microsoft.com/office/drawing/2014/main" id="{01D761F1-5009-9743-BEDC-79E8513637C2}"/>
               </a:ext>
             </a:extLst>
           </p:cNvPr>
@@ -6742,14 +8583,16 @@
           <p:nvPr/>
         </p:nvSpPr>
         <p:spPr>
-          <a:xfrm>
-            <a:off x="1728955" y="2169651"/>
-            <a:ext cx="1881352" cy="400110"/>
-          </a:xfrm>
-          <a:prstGeom prst="rect">
-            <a:avLst/>
-          </a:prstGeom>
-          <a:noFill/>
+          <a:xfrm rot="18452340">
+            <a:off x="3317714" y="2615591"/>
+            <a:ext cx="939113" cy="307777"/>
+          </a:xfrm>
+          <a:prstGeom prst="rect">
+            <a:avLst/>
+          </a:prstGeom>
+          <a:solidFill>
+            <a:schemeClr val="bg1"/>
+          </a:solidFill>
         </p:spPr>
         <p:txBody>
           <a:bodyPr wrap="square" rtlCol="0">
@@ -6757,25 +8600,20 @@
           </a:bodyPr>
           <a:lstStyle/>
           <a:p>
-            <a:r>
-              <a:rPr lang="en-US" sz="1000" dirty="0"/>
-              <a:t>DEFAULT_NEXT_MONTH: 0</a:t>
-            </a:r>
-          </a:p>
-          <a:p>
-            <a:r>
-              <a:rPr lang="en-US" sz="1000" dirty="0"/>
-              <a:t>DEFAULT_NEXT_MONTH: 1</a:t>
-            </a:r>
-          </a:p>
-        </p:txBody>
-      </p:sp>
-      <p:sp>
-        <p:nvSpPr>
-          <p:cNvPr id="17" name="TextBox 16">
-            <a:extLst>
-              <a:ext uri="{FF2B5EF4-FFF2-40B4-BE49-F238E27FC236}">
-                <a16:creationId xmlns:a16="http://schemas.microsoft.com/office/drawing/2014/main" id="{925F20B9-9A6F-F646-B6B1-9459EDC38E9B}"/>
+            <a:pPr algn="ctr"/>
+            <a:r>
+              <a:rPr lang="en-US" sz="1400" dirty="0"/>
+              <a:t>PAY_3</a:t>
+            </a:r>
+          </a:p>
+        </p:txBody>
+      </p:sp>
+      <p:sp>
+        <p:nvSpPr>
+          <p:cNvPr id="10" name="TextBox 9">
+            <a:extLst>
+              <a:ext uri="{FF2B5EF4-FFF2-40B4-BE49-F238E27FC236}">
+                <a16:creationId xmlns:a16="http://schemas.microsoft.com/office/drawing/2014/main" id="{4A386688-1ED6-BA41-BD5F-12B57C37B202}"/>
               </a:ext>
             </a:extLst>
           </p:cNvPr>
@@ -6783,14 +8621,16 @@
           <p:nvPr/>
         </p:nvSpPr>
         <p:spPr>
-          <a:xfrm>
-            <a:off x="5602016" y="2169651"/>
-            <a:ext cx="1881352" cy="553998"/>
-          </a:xfrm>
-          <a:prstGeom prst="rect">
-            <a:avLst/>
-          </a:prstGeom>
-          <a:noFill/>
+          <a:xfrm rot="1185637">
+            <a:off x="1154408" y="6503562"/>
+            <a:ext cx="1196636" cy="307777"/>
+          </a:xfrm>
+          <a:prstGeom prst="rect">
+            <a:avLst/>
+          </a:prstGeom>
+          <a:solidFill>
+            <a:schemeClr val="bg1"/>
+          </a:solidFill>
         </p:spPr>
         <p:txBody>
           <a:bodyPr wrap="square" rtlCol="0">
@@ -6798,21 +8638,586 @@
           </a:bodyPr>
           <a:lstStyle/>
           <a:p>
-            <a:r>
-              <a:rPr lang="en-US" sz="1000" dirty="0"/>
-              <a:t>Partial Dependence</a:t>
-            </a:r>
-          </a:p>
-          <a:p>
-            <a:r>
-              <a:rPr lang="en-US" sz="1000" dirty="0"/>
-              <a:t>Residual: 0</a:t>
-            </a:r>
-          </a:p>
-          <a:p>
-            <a:r>
-              <a:rPr lang="en-US" sz="1000" dirty="0"/>
-              <a:t>Residual: 1</a:t>
+            <a:pPr algn="ctr"/>
+            <a:r>
+              <a:rPr lang="en-US" sz="1400" dirty="0"/>
+              <a:t>PAY_3</a:t>
+            </a:r>
+          </a:p>
+        </p:txBody>
+      </p:sp>
+      <p:sp>
+        <p:nvSpPr>
+          <p:cNvPr id="11" name="TextBox 10">
+            <a:extLst>
+              <a:ext uri="{FF2B5EF4-FFF2-40B4-BE49-F238E27FC236}">
+                <a16:creationId xmlns:a16="http://schemas.microsoft.com/office/drawing/2014/main" id="{1FD2F241-C58D-824E-88D7-EF312A7C14C8}"/>
+              </a:ext>
+            </a:extLst>
+          </p:cNvPr>
+          <p:cNvSpPr txBox="1"/>
+          <p:nvPr/>
+        </p:nvSpPr>
+        <p:spPr>
+          <a:xfrm rot="1112717">
+            <a:off x="4954988" y="2959739"/>
+            <a:ext cx="939113" cy="307777"/>
+          </a:xfrm>
+          <a:prstGeom prst="rect">
+            <a:avLst/>
+          </a:prstGeom>
+          <a:solidFill>
+            <a:schemeClr val="bg1"/>
+          </a:solidFill>
+        </p:spPr>
+        <p:txBody>
+          <a:bodyPr wrap="square" rtlCol="0">
+            <a:spAutoFit/>
+          </a:bodyPr>
+          <a:lstStyle/>
+          <a:p>
+            <a:pPr algn="ctr"/>
+            <a:r>
+              <a:rPr lang="en-US" sz="1400" dirty="0"/>
+              <a:t>PAY_0</a:t>
+            </a:r>
+          </a:p>
+        </p:txBody>
+      </p:sp>
+      <p:sp>
+        <p:nvSpPr>
+          <p:cNvPr id="12" name="TextBox 11">
+            <a:extLst>
+              <a:ext uri="{FF2B5EF4-FFF2-40B4-BE49-F238E27FC236}">
+                <a16:creationId xmlns:a16="http://schemas.microsoft.com/office/drawing/2014/main" id="{D804F2A2-358F-0640-9C65-261B626BEB06}"/>
+              </a:ext>
+            </a:extLst>
+          </p:cNvPr>
+          <p:cNvSpPr txBox="1"/>
+          <p:nvPr/>
+        </p:nvSpPr>
+        <p:spPr>
+          <a:xfrm rot="1112717">
+            <a:off x="8547543" y="2959739"/>
+            <a:ext cx="939113" cy="307777"/>
+          </a:xfrm>
+          <a:prstGeom prst="rect">
+            <a:avLst/>
+          </a:prstGeom>
+          <a:solidFill>
+            <a:schemeClr val="bg1"/>
+          </a:solidFill>
+        </p:spPr>
+        <p:txBody>
+          <a:bodyPr wrap="square" rtlCol="0">
+            <a:spAutoFit/>
+          </a:bodyPr>
+          <a:lstStyle/>
+          <a:p>
+            <a:pPr algn="ctr"/>
+            <a:r>
+              <a:rPr lang="en-US" sz="1400" dirty="0"/>
+              <a:t>PAY_0</a:t>
+            </a:r>
+          </a:p>
+        </p:txBody>
+      </p:sp>
+      <p:sp>
+        <p:nvSpPr>
+          <p:cNvPr id="13" name="TextBox 12">
+            <a:extLst>
+              <a:ext uri="{FF2B5EF4-FFF2-40B4-BE49-F238E27FC236}">
+                <a16:creationId xmlns:a16="http://schemas.microsoft.com/office/drawing/2014/main" id="{3BF8D291-C8EC-A14B-8B4B-226F031D38EE}"/>
+              </a:ext>
+            </a:extLst>
+          </p:cNvPr>
+          <p:cNvSpPr txBox="1"/>
+          <p:nvPr/>
+        </p:nvSpPr>
+        <p:spPr>
+          <a:xfrm rot="1185637">
+            <a:off x="4826226" y="6505772"/>
+            <a:ext cx="1196636" cy="307777"/>
+          </a:xfrm>
+          <a:prstGeom prst="rect">
+            <a:avLst/>
+          </a:prstGeom>
+          <a:solidFill>
+            <a:schemeClr val="bg1"/>
+          </a:solidFill>
+        </p:spPr>
+        <p:txBody>
+          <a:bodyPr wrap="square" rtlCol="0">
+            <a:spAutoFit/>
+          </a:bodyPr>
+          <a:lstStyle/>
+          <a:p>
+            <a:pPr algn="ctr"/>
+            <a:r>
+              <a:rPr lang="en-US" sz="1400" dirty="0"/>
+              <a:t>PAY_3</a:t>
+            </a:r>
+          </a:p>
+        </p:txBody>
+      </p:sp>
+      <p:sp>
+        <p:nvSpPr>
+          <p:cNvPr id="15" name="TextBox 14">
+            <a:extLst>
+              <a:ext uri="{FF2B5EF4-FFF2-40B4-BE49-F238E27FC236}">
+                <a16:creationId xmlns:a16="http://schemas.microsoft.com/office/drawing/2014/main" id="{0B5F81C8-B4B8-5149-B21E-00DA9578411A}"/>
+              </a:ext>
+            </a:extLst>
+          </p:cNvPr>
+          <p:cNvSpPr txBox="1"/>
+          <p:nvPr/>
+        </p:nvSpPr>
+        <p:spPr>
+          <a:xfrm rot="1045835">
+            <a:off x="8160278" y="6495259"/>
+            <a:ext cx="1237897" cy="307777"/>
+          </a:xfrm>
+          <a:prstGeom prst="rect">
+            <a:avLst/>
+          </a:prstGeom>
+          <a:solidFill>
+            <a:schemeClr val="bg1"/>
+          </a:solidFill>
+        </p:spPr>
+        <p:txBody>
+          <a:bodyPr wrap="square" rtlCol="0">
+            <a:spAutoFit/>
+          </a:bodyPr>
+          <a:lstStyle/>
+          <a:p>
+            <a:pPr algn="ctr"/>
+            <a:r>
+              <a:rPr lang="en-US" sz="1400" dirty="0"/>
+              <a:t>PAY_AMT1</a:t>
+            </a:r>
+          </a:p>
+        </p:txBody>
+      </p:sp>
+      <p:sp>
+        <p:nvSpPr>
+          <p:cNvPr id="19" name="TextBox 18">
+            <a:extLst>
+              <a:ext uri="{FF2B5EF4-FFF2-40B4-BE49-F238E27FC236}">
+                <a16:creationId xmlns:a16="http://schemas.microsoft.com/office/drawing/2014/main" id="{ADE912A5-FB97-5B40-8552-CDC8A6A361DB}"/>
+              </a:ext>
+            </a:extLst>
+          </p:cNvPr>
+          <p:cNvSpPr txBox="1"/>
+          <p:nvPr/>
+        </p:nvSpPr>
+        <p:spPr>
+          <a:xfrm rot="18833412">
+            <a:off x="10526517" y="6179787"/>
+            <a:ext cx="1085315" cy="307777"/>
+          </a:xfrm>
+          <a:prstGeom prst="rect">
+            <a:avLst/>
+          </a:prstGeom>
+          <a:solidFill>
+            <a:schemeClr val="bg1"/>
+          </a:solidFill>
+        </p:spPr>
+        <p:txBody>
+          <a:bodyPr wrap="square" rtlCol="0">
+            <a:spAutoFit/>
+          </a:bodyPr>
+          <a:lstStyle/>
+          <a:p>
+            <a:pPr algn="ctr"/>
+            <a:r>
+              <a:rPr lang="en-US" sz="1400" dirty="0"/>
+              <a:t>PAY_AMT2</a:t>
+            </a:r>
+          </a:p>
+        </p:txBody>
+      </p:sp>
+      <p:sp>
+        <p:nvSpPr>
+          <p:cNvPr id="20" name="TextBox 19">
+            <a:extLst>
+              <a:ext uri="{FF2B5EF4-FFF2-40B4-BE49-F238E27FC236}">
+                <a16:creationId xmlns:a16="http://schemas.microsoft.com/office/drawing/2014/main" id="{64D71987-1EFC-F546-9CBD-EBA7928A65AB}"/>
+              </a:ext>
+            </a:extLst>
+          </p:cNvPr>
+          <p:cNvSpPr txBox="1"/>
+          <p:nvPr/>
+        </p:nvSpPr>
+        <p:spPr>
+          <a:xfrm rot="16356915">
+            <a:off x="2854314" y="1226684"/>
+            <a:ext cx="2766650" cy="307777"/>
+          </a:xfrm>
+          <a:prstGeom prst="rect">
+            <a:avLst/>
+          </a:prstGeom>
+          <a:solidFill>
+            <a:schemeClr val="bg1"/>
+          </a:solidFill>
+        </p:spPr>
+        <p:txBody>
+          <a:bodyPr wrap="square" rtlCol="0">
+            <a:spAutoFit/>
+          </a:bodyPr>
+          <a:lstStyle/>
+          <a:p>
+            <a:pPr algn="ctr"/>
+            <a:r>
+              <a:rPr lang="en-US" sz="1400" dirty="0" err="1"/>
+              <a:t>p_DEFAULT_NEXT_MONTH</a:t>
+            </a:r>
+            <a:endParaRPr lang="en-US" sz="1400" dirty="0"/>
+          </a:p>
+        </p:txBody>
+      </p:sp>
+      <p:sp>
+        <p:nvSpPr>
+          <p:cNvPr id="21" name="TextBox 20">
+            <a:extLst>
+              <a:ext uri="{FF2B5EF4-FFF2-40B4-BE49-F238E27FC236}">
+                <a16:creationId xmlns:a16="http://schemas.microsoft.com/office/drawing/2014/main" id="{7DC02E49-097C-6A4B-9261-92B38D2802E9}"/>
+              </a:ext>
+            </a:extLst>
+          </p:cNvPr>
+          <p:cNvSpPr txBox="1"/>
+          <p:nvPr/>
+        </p:nvSpPr>
+        <p:spPr>
+          <a:xfrm rot="16356915">
+            <a:off x="6511988" y="1176926"/>
+            <a:ext cx="2766650" cy="307777"/>
+          </a:xfrm>
+          <a:prstGeom prst="rect">
+            <a:avLst/>
+          </a:prstGeom>
+          <a:solidFill>
+            <a:schemeClr val="bg1"/>
+          </a:solidFill>
+        </p:spPr>
+        <p:txBody>
+          <a:bodyPr wrap="square" rtlCol="0">
+            <a:spAutoFit/>
+          </a:bodyPr>
+          <a:lstStyle/>
+          <a:p>
+            <a:pPr algn="ctr"/>
+            <a:r>
+              <a:rPr lang="en-US" sz="1400" dirty="0" err="1"/>
+              <a:t>p_DEFAULT_NEXT_MONTH</a:t>
+            </a:r>
+            <a:endParaRPr lang="en-US" sz="1400" dirty="0"/>
+          </a:p>
+        </p:txBody>
+      </p:sp>
+      <p:sp>
+        <p:nvSpPr>
+          <p:cNvPr id="14" name="TextBox 13">
+            <a:extLst>
+              <a:ext uri="{FF2B5EF4-FFF2-40B4-BE49-F238E27FC236}">
+                <a16:creationId xmlns:a16="http://schemas.microsoft.com/office/drawing/2014/main" id="{49A01938-14B4-C446-9BD6-97CC6DDD92DD}"/>
+              </a:ext>
+            </a:extLst>
+          </p:cNvPr>
+          <p:cNvSpPr txBox="1"/>
+          <p:nvPr/>
+        </p:nvSpPr>
+        <p:spPr>
+          <a:xfrm rot="18813551">
+            <a:off x="6867191" y="2629112"/>
+            <a:ext cx="1085315" cy="307777"/>
+          </a:xfrm>
+          <a:prstGeom prst="rect">
+            <a:avLst/>
+          </a:prstGeom>
+          <a:solidFill>
+            <a:schemeClr val="bg1"/>
+          </a:solidFill>
+        </p:spPr>
+        <p:txBody>
+          <a:bodyPr wrap="square" rtlCol="0">
+            <a:spAutoFit/>
+          </a:bodyPr>
+          <a:lstStyle/>
+          <a:p>
+            <a:pPr algn="ctr"/>
+            <a:r>
+              <a:rPr lang="en-US" sz="1400" dirty="0"/>
+              <a:t>PAY_AMT1</a:t>
+            </a:r>
+          </a:p>
+        </p:txBody>
+      </p:sp>
+      <p:sp>
+        <p:nvSpPr>
+          <p:cNvPr id="18" name="TextBox 17">
+            <a:extLst>
+              <a:ext uri="{FF2B5EF4-FFF2-40B4-BE49-F238E27FC236}">
+                <a16:creationId xmlns:a16="http://schemas.microsoft.com/office/drawing/2014/main" id="{F25E88CD-F96A-0E4B-93DC-B92DB67A451B}"/>
+              </a:ext>
+            </a:extLst>
+          </p:cNvPr>
+          <p:cNvSpPr txBox="1"/>
+          <p:nvPr/>
+        </p:nvSpPr>
+        <p:spPr>
+          <a:xfrm rot="18833412">
+            <a:off x="10526516" y="2586232"/>
+            <a:ext cx="1085315" cy="307777"/>
+          </a:xfrm>
+          <a:prstGeom prst="rect">
+            <a:avLst/>
+          </a:prstGeom>
+          <a:solidFill>
+            <a:schemeClr val="bg1"/>
+          </a:solidFill>
+        </p:spPr>
+        <p:txBody>
+          <a:bodyPr wrap="square" rtlCol="0">
+            <a:spAutoFit/>
+          </a:bodyPr>
+          <a:lstStyle/>
+          <a:p>
+            <a:pPr algn="ctr"/>
+            <a:r>
+              <a:rPr lang="en-US" sz="1400" dirty="0"/>
+              <a:t>PAY_AMT2</a:t>
+            </a:r>
+          </a:p>
+        </p:txBody>
+      </p:sp>
+      <p:sp>
+        <p:nvSpPr>
+          <p:cNvPr id="22" name="TextBox 21">
+            <a:extLst>
+              <a:ext uri="{FF2B5EF4-FFF2-40B4-BE49-F238E27FC236}">
+                <a16:creationId xmlns:a16="http://schemas.microsoft.com/office/drawing/2014/main" id="{FFE6596E-8A09-CC40-844A-588C279839AA}"/>
+              </a:ext>
+            </a:extLst>
+          </p:cNvPr>
+          <p:cNvSpPr txBox="1"/>
+          <p:nvPr/>
+        </p:nvSpPr>
+        <p:spPr>
+          <a:xfrm rot="16356915">
+            <a:off x="10334357" y="1176927"/>
+            <a:ext cx="2158741" cy="307777"/>
+          </a:xfrm>
+          <a:prstGeom prst="rect">
+            <a:avLst/>
+          </a:prstGeom>
+          <a:solidFill>
+            <a:schemeClr val="bg1"/>
+          </a:solidFill>
+        </p:spPr>
+        <p:txBody>
+          <a:bodyPr wrap="square" rtlCol="0">
+            <a:spAutoFit/>
+          </a:bodyPr>
+          <a:lstStyle/>
+          <a:p>
+            <a:pPr algn="ctr"/>
+            <a:r>
+              <a:rPr lang="en-US" sz="1400" dirty="0" err="1"/>
+              <a:t>p_DEFAULT_NEXT_MONTH</a:t>
+            </a:r>
+            <a:endParaRPr lang="en-US" sz="1400" dirty="0"/>
+          </a:p>
+        </p:txBody>
+      </p:sp>
+      <p:sp>
+        <p:nvSpPr>
+          <p:cNvPr id="23" name="TextBox 22">
+            <a:extLst>
+              <a:ext uri="{FF2B5EF4-FFF2-40B4-BE49-F238E27FC236}">
+                <a16:creationId xmlns:a16="http://schemas.microsoft.com/office/drawing/2014/main" id="{23E4423C-5B49-1F41-A1BC-A82CC4F6AB6F}"/>
+              </a:ext>
+            </a:extLst>
+          </p:cNvPr>
+          <p:cNvSpPr txBox="1"/>
+          <p:nvPr/>
+        </p:nvSpPr>
+        <p:spPr>
+          <a:xfrm rot="16356915">
+            <a:off x="2884755" y="4786345"/>
+            <a:ext cx="2766650" cy="307777"/>
+          </a:xfrm>
+          <a:prstGeom prst="rect">
+            <a:avLst/>
+          </a:prstGeom>
+          <a:solidFill>
+            <a:schemeClr val="bg1"/>
+          </a:solidFill>
+        </p:spPr>
+        <p:txBody>
+          <a:bodyPr wrap="square" rtlCol="0">
+            <a:spAutoFit/>
+          </a:bodyPr>
+          <a:lstStyle/>
+          <a:p>
+            <a:pPr algn="ctr"/>
+            <a:r>
+              <a:rPr lang="en-US" sz="1400" dirty="0" err="1"/>
+              <a:t>p_DEFAULT_NEXT_MONTH</a:t>
+            </a:r>
+            <a:endParaRPr lang="en-US" sz="1400" dirty="0"/>
+          </a:p>
+        </p:txBody>
+      </p:sp>
+      <p:sp>
+        <p:nvSpPr>
+          <p:cNvPr id="24" name="TextBox 23">
+            <a:extLst>
+              <a:ext uri="{FF2B5EF4-FFF2-40B4-BE49-F238E27FC236}">
+                <a16:creationId xmlns:a16="http://schemas.microsoft.com/office/drawing/2014/main" id="{B40CB11E-02AA-8341-8D40-782A00A1C5CB}"/>
+              </a:ext>
+            </a:extLst>
+          </p:cNvPr>
+          <p:cNvSpPr txBox="1"/>
+          <p:nvPr/>
+        </p:nvSpPr>
+        <p:spPr>
+          <a:xfrm rot="16435758">
+            <a:off x="6510899" y="4736587"/>
+            <a:ext cx="2766650" cy="307777"/>
+          </a:xfrm>
+          <a:prstGeom prst="rect">
+            <a:avLst/>
+          </a:prstGeom>
+          <a:solidFill>
+            <a:schemeClr val="bg1"/>
+          </a:solidFill>
+        </p:spPr>
+        <p:txBody>
+          <a:bodyPr wrap="square" rtlCol="0">
+            <a:spAutoFit/>
+          </a:bodyPr>
+          <a:lstStyle/>
+          <a:p>
+            <a:pPr algn="ctr"/>
+            <a:r>
+              <a:rPr lang="en-US" sz="1400" dirty="0" err="1"/>
+              <a:t>p_DEFAULT_NEXT_MONTH</a:t>
+            </a:r>
+            <a:endParaRPr lang="en-US" sz="1400" dirty="0"/>
+          </a:p>
+        </p:txBody>
+      </p:sp>
+      <p:sp>
+        <p:nvSpPr>
+          <p:cNvPr id="25" name="TextBox 24">
+            <a:extLst>
+              <a:ext uri="{FF2B5EF4-FFF2-40B4-BE49-F238E27FC236}">
+                <a16:creationId xmlns:a16="http://schemas.microsoft.com/office/drawing/2014/main" id="{B71A7DA5-1DCE-C347-9AF2-59553101A020}"/>
+              </a:ext>
+            </a:extLst>
+          </p:cNvPr>
+          <p:cNvSpPr txBox="1"/>
+          <p:nvPr/>
+        </p:nvSpPr>
+        <p:spPr>
+          <a:xfrm rot="16356915">
+            <a:off x="10364798" y="4736588"/>
+            <a:ext cx="2158741" cy="307777"/>
+          </a:xfrm>
+          <a:prstGeom prst="rect">
+            <a:avLst/>
+          </a:prstGeom>
+          <a:solidFill>
+            <a:schemeClr val="bg1"/>
+          </a:solidFill>
+        </p:spPr>
+        <p:txBody>
+          <a:bodyPr wrap="square" rtlCol="0">
+            <a:spAutoFit/>
+          </a:bodyPr>
+          <a:lstStyle/>
+          <a:p>
+            <a:pPr algn="ctr"/>
+            <a:r>
+              <a:rPr lang="en-US" sz="1400" dirty="0" err="1"/>
+              <a:t>p_DEFAULT_NEXT_MONTH</a:t>
+            </a:r>
+            <a:endParaRPr lang="en-US" sz="1400" dirty="0"/>
+          </a:p>
+        </p:txBody>
+      </p:sp>
+      <p:sp>
+        <p:nvSpPr>
+          <p:cNvPr id="16" name="TextBox 15">
+            <a:extLst>
+              <a:ext uri="{FF2B5EF4-FFF2-40B4-BE49-F238E27FC236}">
+                <a16:creationId xmlns:a16="http://schemas.microsoft.com/office/drawing/2014/main" id="{298DD06E-B321-DC44-BEC9-0DCEF6694E07}"/>
+              </a:ext>
+            </a:extLst>
+          </p:cNvPr>
+          <p:cNvSpPr txBox="1"/>
+          <p:nvPr/>
+        </p:nvSpPr>
+        <p:spPr>
+          <a:xfrm rot="18813551">
+            <a:off x="3331908" y="6190959"/>
+            <a:ext cx="1021263" cy="307777"/>
+          </a:xfrm>
+          <a:prstGeom prst="rect">
+            <a:avLst/>
+          </a:prstGeom>
+          <a:solidFill>
+            <a:schemeClr val="bg1"/>
+          </a:solidFill>
+        </p:spPr>
+        <p:txBody>
+          <a:bodyPr wrap="square" rtlCol="0">
+            <a:spAutoFit/>
+          </a:bodyPr>
+          <a:lstStyle/>
+          <a:p>
+            <a:pPr algn="ctr"/>
+            <a:r>
+              <a:rPr lang="en-US" sz="1400" dirty="0"/>
+              <a:t>PAY_AMT1</a:t>
+            </a:r>
+          </a:p>
+        </p:txBody>
+      </p:sp>
+      <p:sp>
+        <p:nvSpPr>
+          <p:cNvPr id="17" name="TextBox 16">
+            <a:extLst>
+              <a:ext uri="{FF2B5EF4-FFF2-40B4-BE49-F238E27FC236}">
+                <a16:creationId xmlns:a16="http://schemas.microsoft.com/office/drawing/2014/main" id="{2C4D63D3-E6ED-2346-A5B5-06B67097C007}"/>
+              </a:ext>
+            </a:extLst>
+          </p:cNvPr>
+          <p:cNvSpPr txBox="1"/>
+          <p:nvPr/>
+        </p:nvSpPr>
+        <p:spPr>
+          <a:xfrm rot="18813551">
+            <a:off x="6914772" y="6188772"/>
+            <a:ext cx="1085315" cy="307777"/>
+          </a:xfrm>
+          <a:prstGeom prst="rect">
+            <a:avLst/>
+          </a:prstGeom>
+          <a:solidFill>
+            <a:schemeClr val="bg1"/>
+          </a:solidFill>
+        </p:spPr>
+        <p:txBody>
+          <a:bodyPr wrap="square" rtlCol="0">
+            <a:spAutoFit/>
+          </a:bodyPr>
+          <a:lstStyle/>
+          <a:p>
+            <a:pPr algn="ctr"/>
+            <a:r>
+              <a:rPr lang="en-US" sz="1400" dirty="0"/>
+              <a:t>PAY_AMT2</a:t>
             </a:r>
           </a:p>
         </p:txBody>
@@ -6820,7 +9225,7 @@
     </p:spTree>
     <p:extLst>
       <p:ext uri="{BB962C8B-B14F-4D97-AF65-F5344CB8AC3E}">
-        <p14:creationId xmlns:p14="http://schemas.microsoft.com/office/powerpoint/2010/main" val="1673207028"/>
+        <p14:creationId xmlns:p14="http://schemas.microsoft.com/office/powerpoint/2010/main" val="1026506919"/>
       </p:ext>
     </p:extLst>
   </p:cSld>
@@ -6849,10 +9254,10 @@
       </p:grpSpPr>
       <p:pic>
         <p:nvPicPr>
-          <p:cNvPr id="3" name="Picture 2">
-            <a:extLst>
-              <a:ext uri="{FF2B5EF4-FFF2-40B4-BE49-F238E27FC236}">
-                <a16:creationId xmlns:a16="http://schemas.microsoft.com/office/drawing/2014/main" id="{2D6D025E-F321-1C43-A5B4-1172ADE59D79}"/>
+          <p:cNvPr id="4" name="Picture 3">
+            <a:extLst>
+              <a:ext uri="{FF2B5EF4-FFF2-40B4-BE49-F238E27FC236}">
+                <a16:creationId xmlns:a16="http://schemas.microsoft.com/office/drawing/2014/main" id="{7B6D2ECB-8AF2-574B-858D-B55B80D8EE87}"/>
               </a:ext>
             </a:extLst>
           </p:cNvPr>
@@ -6862,15 +9267,15 @@
           <p:nvPr/>
         </p:nvPicPr>
         <p:blipFill>
-          <a:blip r:embed="rId2"/>
+          <a:blip r:embed="rId3"/>
           <a:stretch>
             <a:fillRect/>
           </a:stretch>
         </p:blipFill>
         <p:spPr>
           <a:xfrm>
-            <a:off x="3079750" y="1225550"/>
-            <a:ext cx="6032500" cy="4406900"/>
+            <a:off x="743537" y="15766"/>
+            <a:ext cx="10704925" cy="6858000"/>
           </a:xfrm>
           <a:prstGeom prst="rect">
             <a:avLst/>
@@ -6879,10 +9284,10 @@
       </p:pic>
       <p:sp>
         <p:nvSpPr>
-          <p:cNvPr id="4" name="TextBox 3">
-            <a:extLst>
-              <a:ext uri="{FF2B5EF4-FFF2-40B4-BE49-F238E27FC236}">
-                <a16:creationId xmlns:a16="http://schemas.microsoft.com/office/drawing/2014/main" id="{1CA85A90-6930-E443-B3AF-5DC0378B28F0}"/>
+          <p:cNvPr id="5" name="TextBox 4">
+            <a:extLst>
+              <a:ext uri="{FF2B5EF4-FFF2-40B4-BE49-F238E27FC236}">
+                <a16:creationId xmlns:a16="http://schemas.microsoft.com/office/drawing/2014/main" id="{0E67F910-1EBB-964B-BC9B-077DF2F1818A}"/>
               </a:ext>
             </a:extLst>
           </p:cNvPr>
@@ -6891,13 +9296,15 @@
         </p:nvSpPr>
         <p:spPr>
           <a:xfrm>
-            <a:off x="3394840" y="949056"/>
-            <a:ext cx="5717410" cy="369332"/>
-          </a:xfrm>
-          <a:prstGeom prst="rect">
-            <a:avLst/>
-          </a:prstGeom>
-          <a:noFill/>
+            <a:off x="1589758" y="3003260"/>
+            <a:ext cx="554349" cy="338554"/>
+          </a:xfrm>
+          <a:prstGeom prst="rect">
+            <a:avLst/>
+          </a:prstGeom>
+          <a:solidFill>
+            <a:schemeClr val="bg1"/>
+          </a:solidFill>
         </p:spPr>
         <p:txBody>
           <a:bodyPr wrap="square" rtlCol="0">
@@ -6907,18 +9314,18 @@
           <a:p>
             <a:pPr algn="ctr"/>
             <a:r>
-              <a:rPr lang="en-US" dirty="0"/>
-              <a:t>Ranked Predictions on Random Data</a:t>
-            </a:r>
-          </a:p>
-        </p:txBody>
-      </p:sp>
-      <p:sp>
-        <p:nvSpPr>
-          <p:cNvPr id="5" name="TextBox 4">
-            <a:extLst>
-              <a:ext uri="{FF2B5EF4-FFF2-40B4-BE49-F238E27FC236}">
-                <a16:creationId xmlns:a16="http://schemas.microsoft.com/office/drawing/2014/main" id="{6D0E3905-9CC5-D544-9D81-CA65E5FBE28F}"/>
+              <a:rPr lang="en-US" sz="1600" dirty="0"/>
+              <a:t>AGE</a:t>
+            </a:r>
+          </a:p>
+        </p:txBody>
+      </p:sp>
+      <p:sp>
+        <p:nvSpPr>
+          <p:cNvPr id="6" name="TextBox 5">
+            <a:extLst>
+              <a:ext uri="{FF2B5EF4-FFF2-40B4-BE49-F238E27FC236}">
+                <a16:creationId xmlns:a16="http://schemas.microsoft.com/office/drawing/2014/main" id="{9856C57D-D761-434E-A172-376B5A186D6B}"/>
               </a:ext>
             </a:extLst>
           </p:cNvPr>
@@ -6927,13 +9334,15 @@
         </p:nvSpPr>
         <p:spPr>
           <a:xfrm>
-            <a:off x="3363419" y="5517932"/>
-            <a:ext cx="5717410" cy="369332"/>
-          </a:xfrm>
-          <a:prstGeom prst="rect">
-            <a:avLst/>
-          </a:prstGeom>
-          <a:noFill/>
+            <a:off x="5105469" y="2995306"/>
+            <a:ext cx="554349" cy="338554"/>
+          </a:xfrm>
+          <a:prstGeom prst="rect">
+            <a:avLst/>
+          </a:prstGeom>
+          <a:solidFill>
+            <a:schemeClr val="bg1"/>
+          </a:solidFill>
         </p:spPr>
         <p:txBody>
           <a:bodyPr wrap="square" rtlCol="0">
@@ -6943,8 +9352,8 @@
           <a:p>
             <a:pPr algn="ctr"/>
             <a:r>
-              <a:rPr lang="en-US" dirty="0"/>
-              <a:t>Ranked Row Index</a:t>
+              <a:rPr lang="en-US" sz="1600" dirty="0"/>
+              <a:t>AGE</a:t>
             </a:r>
           </a:p>
         </p:txBody>
@@ -6954,7 +9363,7 @@
           <p:cNvPr id="7" name="TextBox 6">
             <a:extLst>
               <a:ext uri="{FF2B5EF4-FFF2-40B4-BE49-F238E27FC236}">
-                <a16:creationId xmlns:a16="http://schemas.microsoft.com/office/drawing/2014/main" id="{9E186500-037F-0C46-8A32-977586ADC2B0}"/>
+                <a16:creationId xmlns:a16="http://schemas.microsoft.com/office/drawing/2014/main" id="{BE8C817F-E4C6-914A-A4F0-FFB738400804}"/>
               </a:ext>
             </a:extLst>
           </p:cNvPr>
@@ -6963,13 +9372,15 @@
         </p:nvSpPr>
         <p:spPr>
           <a:xfrm>
-            <a:off x="3746941" y="1352787"/>
-            <a:ext cx="1881352" cy="492443"/>
-          </a:xfrm>
-          <a:prstGeom prst="rect">
-            <a:avLst/>
-          </a:prstGeom>
-          <a:noFill/>
+            <a:off x="8621180" y="3003260"/>
+            <a:ext cx="554349" cy="338554"/>
+          </a:xfrm>
+          <a:prstGeom prst="rect">
+            <a:avLst/>
+          </a:prstGeom>
+          <a:solidFill>
+            <a:schemeClr val="bg1"/>
+          </a:solidFill>
         </p:spPr>
         <p:txBody>
           <a:bodyPr wrap="square" rtlCol="0">
@@ -6977,25 +9388,20 @@
           </a:bodyPr>
           <a:lstStyle/>
           <a:p>
-            <a:r>
-              <a:rPr lang="en-US" sz="1300" dirty="0"/>
-              <a:t>33% Missing Data</a:t>
-            </a:r>
-          </a:p>
-          <a:p>
-            <a:r>
-              <a:rPr lang="en-US" sz="1300" dirty="0"/>
-              <a:t>0%   Missing Data</a:t>
-            </a:r>
-          </a:p>
-        </p:txBody>
-      </p:sp>
-      <p:sp>
-        <p:nvSpPr>
-          <p:cNvPr id="9" name="TextBox 8">
-            <a:extLst>
-              <a:ext uri="{FF2B5EF4-FFF2-40B4-BE49-F238E27FC236}">
-                <a16:creationId xmlns:a16="http://schemas.microsoft.com/office/drawing/2014/main" id="{F9C789D7-DBE3-4241-956B-C36857F69747}"/>
+            <a:pPr algn="ctr"/>
+            <a:r>
+              <a:rPr lang="en-US" sz="1600" dirty="0"/>
+              <a:t>AGE</a:t>
+            </a:r>
+          </a:p>
+        </p:txBody>
+      </p:sp>
+      <p:sp>
+        <p:nvSpPr>
+          <p:cNvPr id="8" name="TextBox 7">
+            <a:extLst>
+              <a:ext uri="{FF2B5EF4-FFF2-40B4-BE49-F238E27FC236}">
+                <a16:creationId xmlns:a16="http://schemas.microsoft.com/office/drawing/2014/main" id="{42B60285-51E2-794D-AA90-D284AE3C7F5A}"/>
               </a:ext>
             </a:extLst>
           </p:cNvPr>
@@ -7003,14 +9409,16 @@
           <p:nvPr/>
         </p:nvSpPr>
         <p:spPr>
-          <a:xfrm rot="16200000">
-            <a:off x="776807" y="3233493"/>
-            <a:ext cx="4199544" cy="369332"/>
-          </a:xfrm>
-          <a:prstGeom prst="rect">
-            <a:avLst/>
-          </a:prstGeom>
-          <a:noFill/>
+          <a:xfrm>
+            <a:off x="7070903" y="2826029"/>
+            <a:ext cx="554349" cy="338554"/>
+          </a:xfrm>
+          <a:prstGeom prst="rect">
+            <a:avLst/>
+          </a:prstGeom>
+          <a:solidFill>
+            <a:schemeClr val="bg1"/>
+          </a:solidFill>
         </p:spPr>
         <p:txBody>
           <a:bodyPr wrap="square" rtlCol="0">
@@ -7020,17 +9428,554 @@
           <a:p>
             <a:pPr algn="ctr"/>
             <a:r>
-              <a:rPr lang="en-US" dirty="0" err="1"/>
+              <a:rPr lang="en-US" sz="1600" dirty="0"/>
+              <a:t>SEX</a:t>
+            </a:r>
+          </a:p>
+        </p:txBody>
+      </p:sp>
+      <p:sp>
+        <p:nvSpPr>
+          <p:cNvPr id="10" name="TextBox 9">
+            <a:extLst>
+              <a:ext uri="{FF2B5EF4-FFF2-40B4-BE49-F238E27FC236}">
+                <a16:creationId xmlns:a16="http://schemas.microsoft.com/office/drawing/2014/main" id="{90E667C0-8FCC-5640-8941-C1BE77B0A40E}"/>
+              </a:ext>
+            </a:extLst>
+          </p:cNvPr>
+          <p:cNvSpPr txBox="1"/>
+          <p:nvPr/>
+        </p:nvSpPr>
+        <p:spPr>
+          <a:xfrm>
+            <a:off x="3502641" y="6352250"/>
+            <a:ext cx="554349" cy="338554"/>
+          </a:xfrm>
+          <a:prstGeom prst="rect">
+            <a:avLst/>
+          </a:prstGeom>
+          <a:solidFill>
+            <a:schemeClr val="bg1"/>
+          </a:solidFill>
+        </p:spPr>
+        <p:txBody>
+          <a:bodyPr wrap="square" rtlCol="0">
+            <a:spAutoFit/>
+          </a:bodyPr>
+          <a:lstStyle/>
+          <a:p>
+            <a:pPr algn="ctr"/>
+            <a:r>
+              <a:rPr lang="en-US" sz="1600" dirty="0"/>
+              <a:t>SEX</a:t>
+            </a:r>
+          </a:p>
+        </p:txBody>
+      </p:sp>
+      <p:sp>
+        <p:nvSpPr>
+          <p:cNvPr id="11" name="TextBox 10">
+            <a:extLst>
+              <a:ext uri="{FF2B5EF4-FFF2-40B4-BE49-F238E27FC236}">
+                <a16:creationId xmlns:a16="http://schemas.microsoft.com/office/drawing/2014/main" id="{558537DE-BD8E-7D4A-9CC4-654C00E9B0A8}"/>
+              </a:ext>
+            </a:extLst>
+          </p:cNvPr>
+          <p:cNvSpPr txBox="1"/>
+          <p:nvPr/>
+        </p:nvSpPr>
+        <p:spPr>
+          <a:xfrm>
+            <a:off x="8621180" y="6568681"/>
+            <a:ext cx="554349" cy="338554"/>
+          </a:xfrm>
+          <a:prstGeom prst="rect">
+            <a:avLst/>
+          </a:prstGeom>
+          <a:solidFill>
+            <a:schemeClr val="bg1"/>
+          </a:solidFill>
+        </p:spPr>
+        <p:txBody>
+          <a:bodyPr wrap="square" rtlCol="0">
+            <a:spAutoFit/>
+          </a:bodyPr>
+          <a:lstStyle/>
+          <a:p>
+            <a:pPr algn="ctr"/>
+            <a:r>
+              <a:rPr lang="en-US" sz="1600" dirty="0"/>
+              <a:t>SEX</a:t>
+            </a:r>
+          </a:p>
+        </p:txBody>
+      </p:sp>
+      <p:sp>
+        <p:nvSpPr>
+          <p:cNvPr id="12" name="TextBox 11">
+            <a:extLst>
+              <a:ext uri="{FF2B5EF4-FFF2-40B4-BE49-F238E27FC236}">
+                <a16:creationId xmlns:a16="http://schemas.microsoft.com/office/drawing/2014/main" id="{12642612-8552-F846-B127-14C994A30EE6}"/>
+              </a:ext>
+            </a:extLst>
+          </p:cNvPr>
+          <p:cNvSpPr txBox="1"/>
+          <p:nvPr/>
+        </p:nvSpPr>
+        <p:spPr>
+          <a:xfrm rot="18752569">
+            <a:off x="10010699" y="2656752"/>
+            <a:ext cx="1762970" cy="338554"/>
+          </a:xfrm>
+          <a:prstGeom prst="rect">
+            <a:avLst/>
+          </a:prstGeom>
+          <a:solidFill>
+            <a:schemeClr val="bg1"/>
+          </a:solidFill>
+        </p:spPr>
+        <p:txBody>
+          <a:bodyPr wrap="square" rtlCol="0">
+            <a:spAutoFit/>
+          </a:bodyPr>
+          <a:lstStyle/>
+          <a:p>
+            <a:pPr algn="ctr"/>
+            <a:r>
+              <a:rPr lang="en-US" sz="1600" dirty="0"/>
+              <a:t>MARRIAGE</a:t>
+            </a:r>
+          </a:p>
+        </p:txBody>
+      </p:sp>
+      <p:sp>
+        <p:nvSpPr>
+          <p:cNvPr id="13" name="TextBox 12">
+            <a:extLst>
+              <a:ext uri="{FF2B5EF4-FFF2-40B4-BE49-F238E27FC236}">
+                <a16:creationId xmlns:a16="http://schemas.microsoft.com/office/drawing/2014/main" id="{929C7A36-65DC-454C-88E0-8320FB907FFF}"/>
+              </a:ext>
+            </a:extLst>
+          </p:cNvPr>
+          <p:cNvSpPr txBox="1"/>
+          <p:nvPr/>
+        </p:nvSpPr>
+        <p:spPr>
+          <a:xfrm rot="18752569">
+            <a:off x="10110548" y="6182974"/>
+            <a:ext cx="1762970" cy="338554"/>
+          </a:xfrm>
+          <a:prstGeom prst="rect">
+            <a:avLst/>
+          </a:prstGeom>
+          <a:solidFill>
+            <a:schemeClr val="bg1"/>
+          </a:solidFill>
+        </p:spPr>
+        <p:txBody>
+          <a:bodyPr wrap="square" rtlCol="0">
+            <a:spAutoFit/>
+          </a:bodyPr>
+          <a:lstStyle/>
+          <a:p>
+            <a:pPr algn="ctr"/>
+            <a:r>
+              <a:rPr lang="en-US" sz="1600" dirty="0"/>
+              <a:t>MARRIAGE</a:t>
+            </a:r>
+          </a:p>
+        </p:txBody>
+      </p:sp>
+      <p:sp>
+        <p:nvSpPr>
+          <p:cNvPr id="15" name="TextBox 14">
+            <a:extLst>
+              <a:ext uri="{FF2B5EF4-FFF2-40B4-BE49-F238E27FC236}">
+                <a16:creationId xmlns:a16="http://schemas.microsoft.com/office/drawing/2014/main" id="{4E89B5DC-0C5F-DC44-8499-7AA852917CE3}"/>
+              </a:ext>
+            </a:extLst>
+          </p:cNvPr>
+          <p:cNvSpPr txBox="1"/>
+          <p:nvPr/>
+        </p:nvSpPr>
+        <p:spPr>
+          <a:xfrm rot="18752569">
+            <a:off x="2797716" y="2672141"/>
+            <a:ext cx="1762970" cy="307777"/>
+          </a:xfrm>
+          <a:prstGeom prst="rect">
+            <a:avLst/>
+          </a:prstGeom>
+          <a:solidFill>
+            <a:schemeClr val="bg1"/>
+          </a:solidFill>
+        </p:spPr>
+        <p:txBody>
+          <a:bodyPr wrap="square" rtlCol="0">
+            <a:spAutoFit/>
+          </a:bodyPr>
+          <a:lstStyle/>
+          <a:p>
+            <a:pPr algn="ctr"/>
+            <a:r>
+              <a:rPr lang="en-US" sz="1400" dirty="0"/>
+              <a:t>EDUCATION</a:t>
+            </a:r>
+          </a:p>
+        </p:txBody>
+      </p:sp>
+      <p:sp>
+        <p:nvSpPr>
+          <p:cNvPr id="16" name="TextBox 15">
+            <a:extLst>
+              <a:ext uri="{FF2B5EF4-FFF2-40B4-BE49-F238E27FC236}">
+                <a16:creationId xmlns:a16="http://schemas.microsoft.com/office/drawing/2014/main" id="{E64DBADB-9B96-6940-9721-9B7F7248A22D}"/>
+              </a:ext>
+            </a:extLst>
+          </p:cNvPr>
+          <p:cNvSpPr txBox="1"/>
+          <p:nvPr/>
+        </p:nvSpPr>
+        <p:spPr>
+          <a:xfrm rot="1186231">
+            <a:off x="1266402" y="6509844"/>
+            <a:ext cx="1055600" cy="307777"/>
+          </a:xfrm>
+          <a:prstGeom prst="rect">
+            <a:avLst/>
+          </a:prstGeom>
+          <a:solidFill>
+            <a:schemeClr val="bg1"/>
+          </a:solidFill>
+        </p:spPr>
+        <p:txBody>
+          <a:bodyPr wrap="square" rtlCol="0">
+            <a:spAutoFit/>
+          </a:bodyPr>
+          <a:lstStyle/>
+          <a:p>
+            <a:pPr algn="ctr"/>
+            <a:r>
+              <a:rPr lang="en-US" sz="1400" dirty="0"/>
+              <a:t>EDUCATION</a:t>
+            </a:r>
+          </a:p>
+        </p:txBody>
+      </p:sp>
+      <p:sp>
+        <p:nvSpPr>
+          <p:cNvPr id="17" name="TextBox 16">
+            <a:extLst>
+              <a:ext uri="{FF2B5EF4-FFF2-40B4-BE49-F238E27FC236}">
+                <a16:creationId xmlns:a16="http://schemas.microsoft.com/office/drawing/2014/main" id="{A980F213-E26C-0A45-A4F1-868B7EB2FEF0}"/>
+              </a:ext>
+            </a:extLst>
+          </p:cNvPr>
+          <p:cNvSpPr txBox="1"/>
+          <p:nvPr/>
+        </p:nvSpPr>
+        <p:spPr>
+          <a:xfrm rot="1186231">
+            <a:off x="4833823" y="6511200"/>
+            <a:ext cx="1055600" cy="307777"/>
+          </a:xfrm>
+          <a:prstGeom prst="rect">
+            <a:avLst/>
+          </a:prstGeom>
+          <a:solidFill>
+            <a:schemeClr val="bg1"/>
+          </a:solidFill>
+        </p:spPr>
+        <p:txBody>
+          <a:bodyPr wrap="square" rtlCol="0">
+            <a:spAutoFit/>
+          </a:bodyPr>
+          <a:lstStyle/>
+          <a:p>
+            <a:pPr algn="ctr"/>
+            <a:r>
+              <a:rPr lang="en-US" sz="1400" dirty="0"/>
+              <a:t>EDUCATION</a:t>
+            </a:r>
+          </a:p>
+        </p:txBody>
+      </p:sp>
+      <p:sp>
+        <p:nvSpPr>
+          <p:cNvPr id="18" name="TextBox 17">
+            <a:extLst>
+              <a:ext uri="{FF2B5EF4-FFF2-40B4-BE49-F238E27FC236}">
+                <a16:creationId xmlns:a16="http://schemas.microsoft.com/office/drawing/2014/main" id="{B545276F-4B1A-D94D-B4EC-E9121B8BE4FA}"/>
+              </a:ext>
+            </a:extLst>
+          </p:cNvPr>
+          <p:cNvSpPr txBox="1"/>
+          <p:nvPr/>
+        </p:nvSpPr>
+        <p:spPr>
+          <a:xfrm rot="16356915">
+            <a:off x="2906864" y="1127125"/>
+            <a:ext cx="2766650" cy="307777"/>
+          </a:xfrm>
+          <a:prstGeom prst="rect">
+            <a:avLst/>
+          </a:prstGeom>
+          <a:solidFill>
+            <a:schemeClr val="bg1"/>
+          </a:solidFill>
+        </p:spPr>
+        <p:txBody>
+          <a:bodyPr wrap="square" rtlCol="0">
+            <a:spAutoFit/>
+          </a:bodyPr>
+          <a:lstStyle/>
+          <a:p>
+            <a:pPr algn="ctr"/>
+            <a:r>
+              <a:rPr lang="en-US" sz="1400" dirty="0" err="1"/>
               <a:t>p_DEFAULT_NEXT_MONTH</a:t>
             </a:r>
-            <a:endParaRPr lang="en-US" dirty="0"/>
+            <a:endParaRPr lang="en-US" sz="1400" dirty="0"/>
+          </a:p>
+        </p:txBody>
+      </p:sp>
+      <p:sp>
+        <p:nvSpPr>
+          <p:cNvPr id="19" name="TextBox 18">
+            <a:extLst>
+              <a:ext uri="{FF2B5EF4-FFF2-40B4-BE49-F238E27FC236}">
+                <a16:creationId xmlns:a16="http://schemas.microsoft.com/office/drawing/2014/main" id="{5A1A5451-6AC0-B642-94E5-670649FDD26F}"/>
+              </a:ext>
+            </a:extLst>
+          </p:cNvPr>
+          <p:cNvSpPr txBox="1"/>
+          <p:nvPr/>
+        </p:nvSpPr>
+        <p:spPr>
+          <a:xfrm rot="16356915">
+            <a:off x="6475978" y="1127125"/>
+            <a:ext cx="2766650" cy="307777"/>
+          </a:xfrm>
+          <a:prstGeom prst="rect">
+            <a:avLst/>
+          </a:prstGeom>
+          <a:solidFill>
+            <a:schemeClr val="bg1"/>
+          </a:solidFill>
+        </p:spPr>
+        <p:txBody>
+          <a:bodyPr wrap="square" rtlCol="0">
+            <a:spAutoFit/>
+          </a:bodyPr>
+          <a:lstStyle/>
+          <a:p>
+            <a:pPr algn="ctr"/>
+            <a:r>
+              <a:rPr lang="en-US" sz="1400" dirty="0" err="1"/>
+              <a:t>p_DEFAULT_NEXT_MONTH</a:t>
+            </a:r>
+            <a:endParaRPr lang="en-US" sz="1400" dirty="0"/>
+          </a:p>
+        </p:txBody>
+      </p:sp>
+      <p:sp>
+        <p:nvSpPr>
+          <p:cNvPr id="20" name="TextBox 19">
+            <a:extLst>
+              <a:ext uri="{FF2B5EF4-FFF2-40B4-BE49-F238E27FC236}">
+                <a16:creationId xmlns:a16="http://schemas.microsoft.com/office/drawing/2014/main" id="{746B6FC2-BE1B-2E43-A3A9-3DA3B6521DF8}"/>
+              </a:ext>
+            </a:extLst>
+          </p:cNvPr>
+          <p:cNvSpPr txBox="1"/>
+          <p:nvPr/>
+        </p:nvSpPr>
+        <p:spPr>
+          <a:xfrm rot="16356915">
+            <a:off x="10386907" y="1077368"/>
+            <a:ext cx="2158741" cy="307777"/>
+          </a:xfrm>
+          <a:prstGeom prst="rect">
+            <a:avLst/>
+          </a:prstGeom>
+          <a:solidFill>
+            <a:schemeClr val="bg1"/>
+          </a:solidFill>
+        </p:spPr>
+        <p:txBody>
+          <a:bodyPr wrap="square" rtlCol="0">
+            <a:spAutoFit/>
+          </a:bodyPr>
+          <a:lstStyle/>
+          <a:p>
+            <a:pPr algn="ctr"/>
+            <a:r>
+              <a:rPr lang="en-US" sz="1400" dirty="0" err="1"/>
+              <a:t>p_DEFAULT_NEXT_MONTH</a:t>
+            </a:r>
+            <a:endParaRPr lang="en-US" sz="1400" dirty="0"/>
+          </a:p>
+        </p:txBody>
+      </p:sp>
+      <p:sp>
+        <p:nvSpPr>
+          <p:cNvPr id="21" name="TextBox 20">
+            <a:extLst>
+              <a:ext uri="{FF2B5EF4-FFF2-40B4-BE49-F238E27FC236}">
+                <a16:creationId xmlns:a16="http://schemas.microsoft.com/office/drawing/2014/main" id="{5E6AA5C2-57FB-DC46-B816-85223FCBA95D}"/>
+              </a:ext>
+            </a:extLst>
+          </p:cNvPr>
+          <p:cNvSpPr txBox="1"/>
+          <p:nvPr/>
+        </p:nvSpPr>
+        <p:spPr>
+          <a:xfrm rot="16356915">
+            <a:off x="2937305" y="4686786"/>
+            <a:ext cx="2766650" cy="307777"/>
+          </a:xfrm>
+          <a:prstGeom prst="rect">
+            <a:avLst/>
+          </a:prstGeom>
+          <a:solidFill>
+            <a:schemeClr val="bg1"/>
+          </a:solidFill>
+        </p:spPr>
+        <p:txBody>
+          <a:bodyPr wrap="square" rtlCol="0">
+            <a:spAutoFit/>
+          </a:bodyPr>
+          <a:lstStyle/>
+          <a:p>
+            <a:pPr algn="ctr"/>
+            <a:r>
+              <a:rPr lang="en-US" sz="1400" dirty="0" err="1"/>
+              <a:t>p_DEFAULT_NEXT_MONTH</a:t>
+            </a:r>
+            <a:endParaRPr lang="en-US" sz="1400" dirty="0"/>
+          </a:p>
+        </p:txBody>
+      </p:sp>
+      <p:sp>
+        <p:nvSpPr>
+          <p:cNvPr id="22" name="TextBox 21">
+            <a:extLst>
+              <a:ext uri="{FF2B5EF4-FFF2-40B4-BE49-F238E27FC236}">
+                <a16:creationId xmlns:a16="http://schemas.microsoft.com/office/drawing/2014/main" id="{DF2C82B8-93C5-9F49-A24B-C14A1B68D17E}"/>
+              </a:ext>
+            </a:extLst>
+          </p:cNvPr>
+          <p:cNvSpPr txBox="1"/>
+          <p:nvPr/>
+        </p:nvSpPr>
+        <p:spPr>
+          <a:xfrm rot="16436252">
+            <a:off x="6490444" y="4637029"/>
+            <a:ext cx="2766650" cy="307777"/>
+          </a:xfrm>
+          <a:prstGeom prst="rect">
+            <a:avLst/>
+          </a:prstGeom>
+          <a:solidFill>
+            <a:schemeClr val="bg1"/>
+          </a:solidFill>
+        </p:spPr>
+        <p:txBody>
+          <a:bodyPr wrap="square" rtlCol="0">
+            <a:spAutoFit/>
+          </a:bodyPr>
+          <a:lstStyle/>
+          <a:p>
+            <a:pPr algn="ctr"/>
+            <a:r>
+              <a:rPr lang="en-US" sz="1400" dirty="0" err="1"/>
+              <a:t>p_DEFAULT_NEXT_MONTH</a:t>
+            </a:r>
+            <a:endParaRPr lang="en-US" sz="1400" dirty="0"/>
+          </a:p>
+        </p:txBody>
+      </p:sp>
+      <p:sp>
+        <p:nvSpPr>
+          <p:cNvPr id="23" name="TextBox 22">
+            <a:extLst>
+              <a:ext uri="{FF2B5EF4-FFF2-40B4-BE49-F238E27FC236}">
+                <a16:creationId xmlns:a16="http://schemas.microsoft.com/office/drawing/2014/main" id="{531F766F-A390-2E47-9A9A-C1773E0AEF5A}"/>
+              </a:ext>
+            </a:extLst>
+          </p:cNvPr>
+          <p:cNvSpPr txBox="1"/>
+          <p:nvPr/>
+        </p:nvSpPr>
+        <p:spPr>
+          <a:xfrm rot="16356915">
+            <a:off x="10385818" y="4637029"/>
+            <a:ext cx="2158741" cy="307777"/>
+          </a:xfrm>
+          <a:prstGeom prst="rect">
+            <a:avLst/>
+          </a:prstGeom>
+          <a:solidFill>
+            <a:schemeClr val="bg1"/>
+          </a:solidFill>
+        </p:spPr>
+        <p:txBody>
+          <a:bodyPr wrap="square" rtlCol="0">
+            <a:spAutoFit/>
+          </a:bodyPr>
+          <a:lstStyle/>
+          <a:p>
+            <a:pPr algn="ctr"/>
+            <a:r>
+              <a:rPr lang="en-US" sz="1400" dirty="0" err="1"/>
+              <a:t>p_DEFAULT_NEXT_MONTH</a:t>
+            </a:r>
+            <a:endParaRPr lang="en-US" sz="1400" dirty="0"/>
+          </a:p>
+        </p:txBody>
+      </p:sp>
+      <p:sp>
+        <p:nvSpPr>
+          <p:cNvPr id="14" name="TextBox 13">
+            <a:extLst>
+              <a:ext uri="{FF2B5EF4-FFF2-40B4-BE49-F238E27FC236}">
+                <a16:creationId xmlns:a16="http://schemas.microsoft.com/office/drawing/2014/main" id="{815E8C6A-89E5-9541-A4C2-0322A287359E}"/>
+              </a:ext>
+            </a:extLst>
+          </p:cNvPr>
+          <p:cNvSpPr txBox="1"/>
+          <p:nvPr/>
+        </p:nvSpPr>
+        <p:spPr>
+          <a:xfrm rot="18752569">
+            <a:off x="6759788" y="6223085"/>
+            <a:ext cx="1149900" cy="338554"/>
+          </a:xfrm>
+          <a:prstGeom prst="rect">
+            <a:avLst/>
+          </a:prstGeom>
+          <a:solidFill>
+            <a:schemeClr val="bg1"/>
+          </a:solidFill>
+        </p:spPr>
+        <p:txBody>
+          <a:bodyPr wrap="square" rtlCol="0">
+            <a:spAutoFit/>
+          </a:bodyPr>
+          <a:lstStyle/>
+          <a:p>
+            <a:pPr algn="ctr"/>
+            <a:r>
+              <a:rPr lang="en-US" sz="1600" dirty="0"/>
+              <a:t>MARRIAGE</a:t>
+            </a:r>
           </a:p>
         </p:txBody>
       </p:sp>
     </p:spTree>
     <p:extLst>
       <p:ext uri="{BB962C8B-B14F-4D97-AF65-F5344CB8AC3E}">
-        <p14:creationId xmlns:p14="http://schemas.microsoft.com/office/powerpoint/2010/main" val="3964683750"/>
+        <p14:creationId xmlns:p14="http://schemas.microsoft.com/office/powerpoint/2010/main" val="2895944430"/>
       </p:ext>
     </p:extLst>
   </p:cSld>
@@ -7059,10 +10004,10 @@
       </p:grpSpPr>
       <p:pic>
         <p:nvPicPr>
-          <p:cNvPr id="3" name="Picture 2">
-            <a:extLst>
-              <a:ext uri="{FF2B5EF4-FFF2-40B4-BE49-F238E27FC236}">
-                <a16:creationId xmlns:a16="http://schemas.microsoft.com/office/drawing/2014/main" id="{BFD784AF-823E-694D-B066-365DAB1FB992}"/>
+          <p:cNvPr id="14" name="Picture 13">
+            <a:extLst>
+              <a:ext uri="{FF2B5EF4-FFF2-40B4-BE49-F238E27FC236}">
+                <a16:creationId xmlns:a16="http://schemas.microsoft.com/office/drawing/2014/main" id="{0ED76897-0037-664D-B8D1-3D3A1C1C01C8}"/>
               </a:ext>
             </a:extLst>
           </p:cNvPr>
@@ -7079,8 +10024,8 @@
         </p:blipFill>
         <p:spPr>
           <a:xfrm>
-            <a:off x="-2990" y="1115559"/>
-            <a:ext cx="12194990" cy="4628015"/>
+            <a:off x="108826" y="1657350"/>
+            <a:ext cx="11112500" cy="3543300"/>
           </a:xfrm>
           <a:prstGeom prst="rect">
             <a:avLst/>
@@ -7089,10 +10034,10 @@
       </p:pic>
       <p:sp>
         <p:nvSpPr>
-          <p:cNvPr id="4" name="TextBox 3">
-            <a:extLst>
-              <a:ext uri="{FF2B5EF4-FFF2-40B4-BE49-F238E27FC236}">
-                <a16:creationId xmlns:a16="http://schemas.microsoft.com/office/drawing/2014/main" id="{326DD454-1B97-C14C-81B9-93373E62EA0E}"/>
+          <p:cNvPr id="15" name="TextBox 14">
+            <a:extLst>
+              <a:ext uri="{FF2B5EF4-FFF2-40B4-BE49-F238E27FC236}">
+                <a16:creationId xmlns:a16="http://schemas.microsoft.com/office/drawing/2014/main" id="{E601E59E-F2F2-4D46-B1ED-E3E563B7E4F2}"/>
               </a:ext>
             </a:extLst>
           </p:cNvPr>
@@ -7101,15 +10046,13 @@
         </p:nvSpPr>
         <p:spPr>
           <a:xfrm>
-            <a:off x="-285689" y="1431967"/>
-            <a:ext cx="1397875" cy="3777316"/>
-          </a:xfrm>
-          <a:prstGeom prst="rect">
-            <a:avLst/>
-          </a:prstGeom>
-          <a:solidFill>
-            <a:schemeClr val="bg1"/>
-          </a:solidFill>
+            <a:off x="11126732" y="2343807"/>
+            <a:ext cx="956441" cy="2092881"/>
+          </a:xfrm>
+          <a:prstGeom prst="rect">
+            <a:avLst/>
+          </a:prstGeom>
+          <a:noFill/>
         </p:spPr>
         <p:txBody>
           <a:bodyPr wrap="square" rtlCol="0">
@@ -7117,266 +10060,91 @@
           </a:bodyPr>
           <a:lstStyle/>
           <a:p>
-            <a:pPr algn="r">
-              <a:lnSpc>
-                <a:spcPct val="80000"/>
-              </a:lnSpc>
-            </a:pPr>
-            <a:r>
-              <a:rPr lang="en-US" sz="1300" dirty="0"/>
-              <a:t>PAY_AMT6</a:t>
-            </a:r>
-          </a:p>
-          <a:p>
-            <a:pPr algn="r">
-              <a:lnSpc>
-                <a:spcPct val="80000"/>
-              </a:lnSpc>
-            </a:pPr>
-            <a:r>
-              <a:rPr lang="en-US" sz="1300" dirty="0"/>
-              <a:t>PAY_AMT5</a:t>
-            </a:r>
-          </a:p>
-          <a:p>
-            <a:pPr algn="r">
-              <a:lnSpc>
-                <a:spcPct val="80000"/>
-              </a:lnSpc>
-            </a:pPr>
-            <a:r>
-              <a:rPr lang="en-US" sz="1300" dirty="0"/>
-              <a:t>PAY_AMT4</a:t>
-            </a:r>
-          </a:p>
-          <a:p>
-            <a:pPr algn="r">
-              <a:lnSpc>
-                <a:spcPct val="80000"/>
-              </a:lnSpc>
-            </a:pPr>
-            <a:r>
-              <a:rPr lang="en-US" sz="1300" dirty="0"/>
-              <a:t>PAY_AMT3</a:t>
-            </a:r>
-          </a:p>
-          <a:p>
-            <a:pPr algn="r">
-              <a:lnSpc>
-                <a:spcPct val="80000"/>
-              </a:lnSpc>
-            </a:pPr>
-            <a:r>
-              <a:rPr lang="en-US" sz="1300" dirty="0"/>
-              <a:t>PAY_AMT2</a:t>
-            </a:r>
-          </a:p>
-          <a:p>
-            <a:pPr algn="r">
-              <a:lnSpc>
-                <a:spcPct val="80000"/>
-              </a:lnSpc>
-            </a:pPr>
-            <a:r>
-              <a:rPr lang="en-US" sz="1300" dirty="0"/>
-              <a:t>PAY_AMT1</a:t>
-            </a:r>
-          </a:p>
-          <a:p>
-            <a:pPr algn="r">
-              <a:lnSpc>
-                <a:spcPct val="80000"/>
-              </a:lnSpc>
-            </a:pPr>
-            <a:r>
-              <a:rPr lang="en-US" sz="1300" dirty="0"/>
-              <a:t>BILL_AMT6</a:t>
-            </a:r>
-          </a:p>
-          <a:p>
-            <a:pPr algn="r">
-              <a:lnSpc>
-                <a:spcPct val="80000"/>
-              </a:lnSpc>
-            </a:pPr>
-            <a:r>
-              <a:rPr lang="en-US" sz="1300" dirty="0"/>
-              <a:t>BILL_AMT5</a:t>
-            </a:r>
-          </a:p>
-          <a:p>
-            <a:pPr algn="r">
-              <a:lnSpc>
-                <a:spcPct val="80000"/>
-              </a:lnSpc>
-            </a:pPr>
-            <a:r>
-              <a:rPr lang="en-US" sz="1300" dirty="0"/>
-              <a:t>BILL_AMT4</a:t>
-            </a:r>
-          </a:p>
-          <a:p>
-            <a:pPr algn="r">
-              <a:lnSpc>
-                <a:spcPct val="80000"/>
-              </a:lnSpc>
-            </a:pPr>
-            <a:r>
-              <a:rPr lang="en-US" sz="1300" dirty="0"/>
-              <a:t>BILL_AMT3</a:t>
-            </a:r>
-          </a:p>
-          <a:p>
-            <a:pPr algn="r">
-              <a:lnSpc>
-                <a:spcPct val="80000"/>
-              </a:lnSpc>
-            </a:pPr>
-            <a:r>
-              <a:rPr lang="en-US" sz="1300" dirty="0"/>
-              <a:t>BILL_AMT2</a:t>
-            </a:r>
-          </a:p>
-          <a:p>
-            <a:pPr algn="r">
-              <a:lnSpc>
-                <a:spcPct val="80000"/>
-              </a:lnSpc>
-            </a:pPr>
-            <a:r>
-              <a:rPr lang="en-US" sz="1300" dirty="0"/>
-              <a:t>BILL_AMT1</a:t>
-            </a:r>
-          </a:p>
-          <a:p>
-            <a:pPr algn="r">
-              <a:lnSpc>
-                <a:spcPct val="80000"/>
-              </a:lnSpc>
-            </a:pPr>
-            <a:r>
-              <a:rPr lang="en-US" sz="1300" dirty="0"/>
-              <a:t>PAY_6</a:t>
-            </a:r>
-          </a:p>
-          <a:p>
-            <a:pPr algn="r">
-              <a:lnSpc>
-                <a:spcPct val="80000"/>
-              </a:lnSpc>
-            </a:pPr>
-            <a:r>
-              <a:rPr lang="en-US" sz="1300" dirty="0"/>
-              <a:t>PAY_5</a:t>
-            </a:r>
-          </a:p>
-          <a:p>
-            <a:pPr algn="r">
-              <a:lnSpc>
-                <a:spcPct val="80000"/>
-              </a:lnSpc>
-            </a:pPr>
-            <a:r>
-              <a:rPr lang="en-US" sz="1300" dirty="0"/>
-              <a:t>PAY_4</a:t>
-            </a:r>
-          </a:p>
-          <a:p>
-            <a:pPr algn="r">
-              <a:lnSpc>
-                <a:spcPct val="80000"/>
-              </a:lnSpc>
-            </a:pPr>
-            <a:r>
-              <a:rPr lang="en-US" sz="1300" dirty="0"/>
-              <a:t>PAY_3</a:t>
-            </a:r>
-          </a:p>
-          <a:p>
-            <a:pPr algn="r">
-              <a:lnSpc>
-                <a:spcPct val="80000"/>
-              </a:lnSpc>
-            </a:pPr>
-            <a:r>
-              <a:rPr lang="en-US" sz="1300" dirty="0"/>
-              <a:t>PAY_2</a:t>
-            </a:r>
-          </a:p>
-          <a:p>
-            <a:pPr algn="r">
-              <a:lnSpc>
-                <a:spcPct val="80000"/>
-              </a:lnSpc>
-            </a:pPr>
-            <a:r>
-              <a:rPr lang="en-US" sz="1300" dirty="0"/>
-              <a:t>PAY_0</a:t>
-            </a:r>
-          </a:p>
-          <a:p>
-            <a:pPr algn="r">
-              <a:lnSpc>
-                <a:spcPct val="80000"/>
-              </a:lnSpc>
-            </a:pPr>
-            <a:r>
-              <a:rPr lang="en-US" sz="1300" dirty="0"/>
-              <a:t>AGE</a:t>
-            </a:r>
-          </a:p>
-          <a:p>
-            <a:pPr algn="r">
-              <a:lnSpc>
-                <a:spcPct val="80000"/>
-              </a:lnSpc>
-            </a:pPr>
-            <a:r>
-              <a:rPr lang="en-US" sz="1300" dirty="0"/>
-              <a:t>MARRIAGE</a:t>
-            </a:r>
-          </a:p>
-          <a:p>
-            <a:pPr algn="r">
-              <a:lnSpc>
-                <a:spcPct val="80000"/>
-              </a:lnSpc>
-            </a:pPr>
-            <a:r>
-              <a:rPr lang="en-US" sz="1300" dirty="0"/>
-              <a:t>EDUCATION</a:t>
-            </a:r>
-          </a:p>
-          <a:p>
-            <a:pPr algn="r">
-              <a:lnSpc>
-                <a:spcPct val="80000"/>
-              </a:lnSpc>
-            </a:pPr>
-            <a:r>
-              <a:rPr lang="en-US" sz="1300" dirty="0"/>
-              <a:t>SEX</a:t>
-            </a:r>
-          </a:p>
-          <a:p>
-            <a:pPr algn="r">
-              <a:lnSpc>
-                <a:spcPct val="80000"/>
-              </a:lnSpc>
-            </a:pPr>
-            <a:r>
-              <a:rPr lang="en-US" sz="1300" dirty="0"/>
-              <a:t>LIMIT_BAL</a:t>
-            </a:r>
-          </a:p>
-        </p:txBody>
-      </p:sp>
-      <p:sp>
-        <p:nvSpPr>
-          <p:cNvPr id="5" name="TextBox 4">
-            <a:extLst>
-              <a:ext uri="{FF2B5EF4-FFF2-40B4-BE49-F238E27FC236}">
-                <a16:creationId xmlns:a16="http://schemas.microsoft.com/office/drawing/2014/main" id="{839A23AA-905D-1042-96D1-449404396BAE}"/>
+            <a:r>
+              <a:rPr lang="en-US" sz="1000" dirty="0"/>
+              <a:t>Percentile: 0</a:t>
+            </a:r>
+          </a:p>
+          <a:p>
+            <a:r>
+              <a:rPr lang="en-US" sz="1000" dirty="0"/>
+              <a:t>Percentile: 10</a:t>
+            </a:r>
+          </a:p>
+          <a:p>
+            <a:r>
+              <a:rPr lang="en-US" sz="1000" dirty="0"/>
+              <a:t>Percentile: 20</a:t>
+            </a:r>
+          </a:p>
+          <a:p>
+            <a:r>
+              <a:rPr lang="en-US" sz="1000" dirty="0"/>
+              <a:t>Percentile: 30</a:t>
+            </a:r>
+          </a:p>
+          <a:p>
+            <a:r>
+              <a:rPr lang="en-US" sz="1000" dirty="0"/>
+              <a:t>Percentile: 40</a:t>
+            </a:r>
+          </a:p>
+          <a:p>
+            <a:r>
+              <a:rPr lang="en-US" sz="1000" dirty="0"/>
+              <a:t>Percentile: 50</a:t>
+            </a:r>
+          </a:p>
+          <a:p>
+            <a:r>
+              <a:rPr lang="en-US" sz="1000" dirty="0"/>
+              <a:t>Percentile: 60</a:t>
+            </a:r>
+          </a:p>
+          <a:p>
+            <a:r>
+              <a:rPr lang="en-US" sz="1000" dirty="0"/>
+              <a:t>Percentile: 70</a:t>
+            </a:r>
+          </a:p>
+          <a:p>
+            <a:r>
+              <a:rPr lang="en-US" sz="1000" dirty="0"/>
+              <a:t>Percentile: 80</a:t>
+            </a:r>
+          </a:p>
+          <a:p>
+            <a:r>
+              <a:rPr lang="en-US" sz="1000" dirty="0"/>
+              <a:t>Percentile: 90</a:t>
+            </a:r>
+          </a:p>
+          <a:p>
+            <a:r>
+              <a:rPr lang="en-US" sz="1000" dirty="0"/>
+              <a:t>Percentile: 99</a:t>
+            </a:r>
+          </a:p>
+          <a:p>
+            <a:r>
+              <a:rPr lang="en-US" sz="1000" dirty="0"/>
+              <a:t>Partial </a:t>
+            </a:r>
+          </a:p>
+          <a:p>
+            <a:r>
+              <a:rPr lang="en-US" sz="1000" dirty="0"/>
+              <a:t>Dependence</a:t>
+            </a:r>
+          </a:p>
+        </p:txBody>
+      </p:sp>
+      <p:sp>
+        <p:nvSpPr>
+          <p:cNvPr id="16" name="TextBox 15">
+            <a:extLst>
+              <a:ext uri="{FF2B5EF4-FFF2-40B4-BE49-F238E27FC236}">
+                <a16:creationId xmlns:a16="http://schemas.microsoft.com/office/drawing/2014/main" id="{F6927A8C-E906-C845-979E-DEAC956BC057}"/>
               </a:ext>
             </a:extLst>
           </p:cNvPr>
@@ -7385,15 +10153,13 @@
         </p:nvSpPr>
         <p:spPr>
           <a:xfrm>
-            <a:off x="1112185" y="5474526"/>
-            <a:ext cx="5264863" cy="369332"/>
-          </a:xfrm>
-          <a:prstGeom prst="rect">
-            <a:avLst/>
-          </a:prstGeom>
-          <a:solidFill>
-            <a:schemeClr val="bg1"/>
-          </a:solidFill>
+            <a:off x="1728955" y="2169651"/>
+            <a:ext cx="1881352" cy="400110"/>
+          </a:xfrm>
+          <a:prstGeom prst="rect">
+            <a:avLst/>
+          </a:prstGeom>
+          <a:noFill/>
         </p:spPr>
         <p:txBody>
           <a:bodyPr wrap="square" rtlCol="0">
@@ -7401,20 +10167,25 @@
           </a:bodyPr>
           <a:lstStyle/>
           <a:p>
-            <a:pPr algn="ctr"/>
-            <a:r>
-              <a:rPr lang="en-US" dirty="0"/>
-              <a:t>Average Shapley Feature Contributions</a:t>
-            </a:r>
-          </a:p>
-        </p:txBody>
-      </p:sp>
-      <p:sp>
-        <p:nvSpPr>
-          <p:cNvPr id="6" name="TextBox 5">
-            <a:extLst>
-              <a:ext uri="{FF2B5EF4-FFF2-40B4-BE49-F238E27FC236}">
-                <a16:creationId xmlns:a16="http://schemas.microsoft.com/office/drawing/2014/main" id="{32219CF4-9F59-1C41-833C-F7A8614BBD4E}"/>
+            <a:r>
+              <a:rPr lang="en-US" sz="1000" dirty="0"/>
+              <a:t>DEFAULT_NEXT_MONTH: 0</a:t>
+            </a:r>
+          </a:p>
+          <a:p>
+            <a:r>
+              <a:rPr lang="en-US" sz="1000" dirty="0"/>
+              <a:t>DEFAULT_NEXT_MONTH: 1</a:t>
+            </a:r>
+          </a:p>
+        </p:txBody>
+      </p:sp>
+      <p:sp>
+        <p:nvSpPr>
+          <p:cNvPr id="17" name="TextBox 16">
+            <a:extLst>
+              <a:ext uri="{FF2B5EF4-FFF2-40B4-BE49-F238E27FC236}">
+                <a16:creationId xmlns:a16="http://schemas.microsoft.com/office/drawing/2014/main" id="{925F20B9-9A6F-F646-B6B1-9459EDC38E9B}"/>
               </a:ext>
             </a:extLst>
           </p:cNvPr>
@@ -7423,15 +10194,13 @@
         </p:nvSpPr>
         <p:spPr>
           <a:xfrm>
-            <a:off x="6778638" y="5474526"/>
-            <a:ext cx="5264863" cy="369332"/>
-          </a:xfrm>
-          <a:prstGeom prst="rect">
-            <a:avLst/>
-          </a:prstGeom>
-          <a:solidFill>
-            <a:schemeClr val="bg1"/>
-          </a:solidFill>
+            <a:off x="5602016" y="2169651"/>
+            <a:ext cx="1881352" cy="553998"/>
+          </a:xfrm>
+          <a:prstGeom prst="rect">
+            <a:avLst/>
+          </a:prstGeom>
+          <a:noFill/>
         </p:spPr>
         <p:txBody>
           <a:bodyPr wrap="square" rtlCol="0">
@@ -7439,86 +10208,21 @@
           </a:bodyPr>
           <a:lstStyle/>
           <a:p>
-            <a:pPr algn="ctr"/>
-            <a:r>
-              <a:rPr lang="en-US" dirty="0"/>
-              <a:t>Average Shapley Feature Contributions</a:t>
-            </a:r>
-          </a:p>
-        </p:txBody>
-      </p:sp>
-      <p:sp>
-        <p:nvSpPr>
-          <p:cNvPr id="7" name="TextBox 6">
-            <a:extLst>
-              <a:ext uri="{FF2B5EF4-FFF2-40B4-BE49-F238E27FC236}">
-                <a16:creationId xmlns:a16="http://schemas.microsoft.com/office/drawing/2014/main" id="{7C204E10-A54F-5744-9FBC-6845395DA0D0}"/>
-              </a:ext>
-            </a:extLst>
-          </p:cNvPr>
-          <p:cNvSpPr txBox="1"/>
-          <p:nvPr/>
-        </p:nvSpPr>
-        <p:spPr>
-          <a:xfrm>
-            <a:off x="1112184" y="1072113"/>
-            <a:ext cx="5264863" cy="369332"/>
-          </a:xfrm>
-          <a:prstGeom prst="rect">
-            <a:avLst/>
-          </a:prstGeom>
-          <a:solidFill>
-            <a:schemeClr val="bg1"/>
-          </a:solidFill>
-        </p:spPr>
-        <p:txBody>
-          <a:bodyPr wrap="square" rtlCol="0">
-            <a:spAutoFit/>
-          </a:bodyPr>
-          <a:lstStyle/>
-          <a:p>
-            <a:pPr algn="ctr"/>
-            <a:r>
-              <a:rPr lang="en-US" dirty="0"/>
-              <a:t>Low Residual Rows</a:t>
-            </a:r>
-          </a:p>
-        </p:txBody>
-      </p:sp>
-      <p:sp>
-        <p:nvSpPr>
-          <p:cNvPr id="8" name="TextBox 7">
-            <a:extLst>
-              <a:ext uri="{FF2B5EF4-FFF2-40B4-BE49-F238E27FC236}">
-                <a16:creationId xmlns:a16="http://schemas.microsoft.com/office/drawing/2014/main" id="{D4302884-A862-874B-BFB7-1FF5FB003601}"/>
-              </a:ext>
-            </a:extLst>
-          </p:cNvPr>
-          <p:cNvSpPr txBox="1"/>
-          <p:nvPr/>
-        </p:nvSpPr>
-        <p:spPr>
-          <a:xfrm>
-            <a:off x="6927137" y="1067374"/>
-            <a:ext cx="5264863" cy="369332"/>
-          </a:xfrm>
-          <a:prstGeom prst="rect">
-            <a:avLst/>
-          </a:prstGeom>
-          <a:solidFill>
-            <a:schemeClr val="bg1"/>
-          </a:solidFill>
-        </p:spPr>
-        <p:txBody>
-          <a:bodyPr wrap="square" rtlCol="0">
-            <a:spAutoFit/>
-          </a:bodyPr>
-          <a:lstStyle/>
-          <a:p>
-            <a:pPr algn="ctr"/>
-            <a:r>
-              <a:rPr lang="en-US" dirty="0"/>
-              <a:t>High Residual Rows</a:t>
+            <a:r>
+              <a:rPr lang="en-US" sz="1000" dirty="0"/>
+              <a:t>Partial Dependence</a:t>
+            </a:r>
+          </a:p>
+          <a:p>
+            <a:r>
+              <a:rPr lang="en-US" sz="1000" dirty="0"/>
+              <a:t>Residual: 0</a:t>
+            </a:r>
+          </a:p>
+          <a:p>
+            <a:r>
+              <a:rPr lang="en-US" sz="1000" dirty="0"/>
+              <a:t>Residual: 1</a:t>
             </a:r>
           </a:p>
         </p:txBody>
@@ -7526,7 +10230,7 @@
     </p:spTree>
     <p:extLst>
       <p:ext uri="{BB962C8B-B14F-4D97-AF65-F5344CB8AC3E}">
-        <p14:creationId xmlns:p14="http://schemas.microsoft.com/office/powerpoint/2010/main" val="3242364506"/>
+        <p14:creationId xmlns:p14="http://schemas.microsoft.com/office/powerpoint/2010/main" val="1673207028"/>
       </p:ext>
     </p:extLst>
   </p:cSld>
@@ -7558,7 +10262,7 @@
           <p:cNvPr id="3" name="Picture 2">
             <a:extLst>
               <a:ext uri="{FF2B5EF4-FFF2-40B4-BE49-F238E27FC236}">
-                <a16:creationId xmlns:a16="http://schemas.microsoft.com/office/drawing/2014/main" id="{FCC95A3D-B999-724D-8C17-E50C839B0FAD}"/>
+                <a16:creationId xmlns:a16="http://schemas.microsoft.com/office/drawing/2014/main" id="{2D6D025E-F321-1C43-A5B4-1172ADE59D79}"/>
               </a:ext>
             </a:extLst>
           </p:cNvPr>
@@ -7575,8 +10279,8 @@
         </p:blipFill>
         <p:spPr>
           <a:xfrm>
-            <a:off x="300842" y="616896"/>
-            <a:ext cx="11590317" cy="5624209"/>
+            <a:off x="3079750" y="1225550"/>
+            <a:ext cx="6032500" cy="4406900"/>
           </a:xfrm>
           <a:prstGeom prst="rect">
             <a:avLst/>
@@ -7588,7 +10292,7 @@
           <p:cNvPr id="4" name="TextBox 3">
             <a:extLst>
               <a:ext uri="{FF2B5EF4-FFF2-40B4-BE49-F238E27FC236}">
-                <a16:creationId xmlns:a16="http://schemas.microsoft.com/office/drawing/2014/main" id="{C12457FC-68DE-ED44-8675-8DC155CAB686}"/>
+                <a16:creationId xmlns:a16="http://schemas.microsoft.com/office/drawing/2014/main" id="{1CA85A90-6930-E443-B3AF-5DC0378B28F0}"/>
               </a:ext>
             </a:extLst>
           </p:cNvPr>
@@ -7597,15 +10301,13 @@
         </p:nvSpPr>
         <p:spPr>
           <a:xfrm>
-            <a:off x="1397875" y="5908881"/>
-            <a:ext cx="4362400" cy="523220"/>
-          </a:xfrm>
-          <a:prstGeom prst="rect">
-            <a:avLst/>
-          </a:prstGeom>
-          <a:solidFill>
-            <a:schemeClr val="bg1"/>
-          </a:solidFill>
+            <a:off x="3394840" y="949056"/>
+            <a:ext cx="5717410" cy="369332"/>
+          </a:xfrm>
+          <a:prstGeom prst="rect">
+            <a:avLst/>
+          </a:prstGeom>
+          <a:noFill/>
         </p:spPr>
         <p:txBody>
           <a:bodyPr wrap="square" rtlCol="0">
@@ -7615,15 +10317,8 @@
           <a:p>
             <a:pPr algn="ctr"/>
             <a:r>
-              <a:rPr lang="en-US" sz="1400" dirty="0"/>
-              <a:t>Mean(|SHAP| value) </a:t>
-            </a:r>
-          </a:p>
-          <a:p>
-            <a:pPr algn="ctr"/>
-            <a:r>
-              <a:rPr lang="en-US" sz="1400" dirty="0"/>
-              <a:t>(average impact on prediction magnitude)</a:t>
+              <a:rPr lang="en-US" dirty="0"/>
+              <a:t>Ranked Predictions on Random Data</a:t>
             </a:r>
           </a:p>
         </p:txBody>
@@ -7633,7 +10328,7 @@
           <p:cNvPr id="5" name="TextBox 4">
             <a:extLst>
               <a:ext uri="{FF2B5EF4-FFF2-40B4-BE49-F238E27FC236}">
-                <a16:creationId xmlns:a16="http://schemas.microsoft.com/office/drawing/2014/main" id="{C63D410D-B7EC-A64E-ACC2-CA7AC3E6872F}"/>
+                <a16:creationId xmlns:a16="http://schemas.microsoft.com/office/drawing/2014/main" id="{6D0E3905-9CC5-D544-9D81-CA65E5FBE28F}"/>
               </a:ext>
             </a:extLst>
           </p:cNvPr>
@@ -7642,15 +10337,13 @@
         </p:nvSpPr>
         <p:spPr>
           <a:xfrm>
-            <a:off x="7513808" y="5908881"/>
-            <a:ext cx="4195263" cy="523220"/>
-          </a:xfrm>
-          <a:prstGeom prst="rect">
-            <a:avLst/>
-          </a:prstGeom>
-          <a:solidFill>
-            <a:schemeClr val="bg1"/>
-          </a:solidFill>
+            <a:off x="3363419" y="5517932"/>
+            <a:ext cx="5717410" cy="369332"/>
+          </a:xfrm>
+          <a:prstGeom prst="rect">
+            <a:avLst/>
+          </a:prstGeom>
+          <a:noFill/>
         </p:spPr>
         <p:txBody>
           <a:bodyPr wrap="square" rtlCol="0">
@@ -7660,23 +10353,8 @@
           <a:p>
             <a:pPr algn="ctr"/>
             <a:r>
-              <a:rPr lang="en-US" sz="1400" dirty="0"/>
-              <a:t>Mean(|SHAP| value) </a:t>
-            </a:r>
-          </a:p>
-          <a:p>
-            <a:pPr algn="ctr"/>
-            <a:r>
-              <a:rPr lang="en-US" sz="1400" dirty="0"/>
-              <a:t>(average impact on </a:t>
-            </a:r>
-            <a:r>
-              <a:rPr lang="en-US" sz="1400" dirty="0" err="1"/>
-              <a:t>logloss</a:t>
-            </a:r>
-            <a:r>
-              <a:rPr lang="en-US" sz="1400" dirty="0"/>
-              <a:t> magnitude)</a:t>
+              <a:rPr lang="en-US" dirty="0"/>
+              <a:t>Ranked Row Index</a:t>
             </a:r>
           </a:p>
         </p:txBody>
@@ -7686,7 +10364,7 @@
           <p:cNvPr id="7" name="TextBox 6">
             <a:extLst>
               <a:ext uri="{FF2B5EF4-FFF2-40B4-BE49-F238E27FC236}">
-                <a16:creationId xmlns:a16="http://schemas.microsoft.com/office/drawing/2014/main" id="{E6053391-2C97-D642-89ED-CA9A3091FDDE}"/>
+                <a16:creationId xmlns:a16="http://schemas.microsoft.com/office/drawing/2014/main" id="{9E186500-037F-0C46-8A32-977586ADC2B0}"/>
               </a:ext>
             </a:extLst>
           </p:cNvPr>
@@ -7695,15 +10373,13 @@
         </p:nvSpPr>
         <p:spPr>
           <a:xfrm>
-            <a:off x="0" y="948438"/>
-            <a:ext cx="1397875" cy="4769447"/>
-          </a:xfrm>
-          <a:prstGeom prst="rect">
-            <a:avLst/>
-          </a:prstGeom>
-          <a:solidFill>
-            <a:schemeClr val="bg1"/>
-          </a:solidFill>
+            <a:off x="3746941" y="1352787"/>
+            <a:ext cx="1881352" cy="492443"/>
+          </a:xfrm>
+          <a:prstGeom prst="rect">
+            <a:avLst/>
+          </a:prstGeom>
+          <a:noFill/>
         </p:spPr>
         <p:txBody>
           <a:bodyPr wrap="square" rtlCol="0">
@@ -7711,266 +10387,25 @@
           </a:bodyPr>
           <a:lstStyle/>
           <a:p>
-            <a:pPr algn="r">
-              <a:lnSpc>
-                <a:spcPct val="80000"/>
-              </a:lnSpc>
-            </a:pPr>
-            <a:r>
-              <a:rPr lang="en-US" sz="1650" dirty="0"/>
-              <a:t>PAY_0</a:t>
-            </a:r>
-          </a:p>
-          <a:p>
-            <a:pPr algn="r">
-              <a:lnSpc>
-                <a:spcPct val="80000"/>
-              </a:lnSpc>
-            </a:pPr>
-            <a:r>
-              <a:rPr lang="en-US" sz="1650" dirty="0"/>
-              <a:t>LIMIT_BAL</a:t>
-            </a:r>
-          </a:p>
-          <a:p>
-            <a:pPr algn="r">
-              <a:lnSpc>
-                <a:spcPct val="80000"/>
-              </a:lnSpc>
-            </a:pPr>
-            <a:r>
-              <a:rPr lang="en-US" sz="1650" dirty="0"/>
-              <a:t>PAY_AMT3</a:t>
-            </a:r>
-          </a:p>
-          <a:p>
-            <a:pPr algn="r">
-              <a:lnSpc>
-                <a:spcPct val="80000"/>
-              </a:lnSpc>
-            </a:pPr>
-            <a:r>
-              <a:rPr lang="en-US" sz="1650" dirty="0"/>
-              <a:t>BILL_AMT1</a:t>
-            </a:r>
-          </a:p>
-          <a:p>
-            <a:pPr algn="r">
-              <a:lnSpc>
-                <a:spcPct val="80000"/>
-              </a:lnSpc>
-            </a:pPr>
-            <a:r>
-              <a:rPr lang="en-US" sz="1650" dirty="0"/>
-              <a:t>PAY_AMT2</a:t>
-            </a:r>
-          </a:p>
-          <a:p>
-            <a:pPr algn="r">
-              <a:lnSpc>
-                <a:spcPct val="80000"/>
-              </a:lnSpc>
-            </a:pPr>
-            <a:r>
-              <a:rPr lang="en-US" sz="1650" dirty="0"/>
-              <a:t>PAY_2</a:t>
-            </a:r>
-          </a:p>
-          <a:p>
-            <a:pPr algn="r">
-              <a:lnSpc>
-                <a:spcPct val="80000"/>
-              </a:lnSpc>
-            </a:pPr>
-            <a:r>
-              <a:rPr lang="en-US" sz="1650" dirty="0"/>
-              <a:t>PAY_3</a:t>
-            </a:r>
-          </a:p>
-          <a:p>
-            <a:pPr algn="r">
-              <a:lnSpc>
-                <a:spcPct val="80000"/>
-              </a:lnSpc>
-            </a:pPr>
-            <a:r>
-              <a:rPr lang="en-US" sz="1650" dirty="0"/>
-              <a:t>PAY_AMT1</a:t>
-            </a:r>
-          </a:p>
-          <a:p>
-            <a:pPr algn="r">
-              <a:lnSpc>
-                <a:spcPct val="80000"/>
-              </a:lnSpc>
-            </a:pPr>
-            <a:r>
-              <a:rPr lang="en-US" sz="1650" dirty="0"/>
-              <a:t>PAY_5</a:t>
-            </a:r>
-          </a:p>
-          <a:p>
-            <a:pPr algn="r">
-              <a:lnSpc>
-                <a:spcPct val="80000"/>
-              </a:lnSpc>
-            </a:pPr>
-            <a:r>
-              <a:rPr lang="en-US" sz="1650" dirty="0"/>
-              <a:t>PAY_6</a:t>
-            </a:r>
-          </a:p>
-          <a:p>
-            <a:pPr algn="r">
-              <a:lnSpc>
-                <a:spcPct val="80000"/>
-              </a:lnSpc>
-            </a:pPr>
-            <a:r>
-              <a:rPr lang="en-US" sz="1650" dirty="0"/>
-              <a:t>AGE</a:t>
-            </a:r>
-          </a:p>
-          <a:p>
-            <a:pPr algn="r">
-              <a:lnSpc>
-                <a:spcPct val="80000"/>
-              </a:lnSpc>
-            </a:pPr>
-            <a:r>
-              <a:rPr lang="en-US" sz="1650" dirty="0"/>
-              <a:t>PAY_4</a:t>
-            </a:r>
-          </a:p>
-          <a:p>
-            <a:pPr algn="r">
-              <a:lnSpc>
-                <a:spcPct val="80000"/>
-              </a:lnSpc>
-            </a:pPr>
-            <a:r>
-              <a:rPr lang="en-US" sz="1650" dirty="0"/>
-              <a:t>MARRIAGE</a:t>
-            </a:r>
-          </a:p>
-          <a:p>
-            <a:pPr algn="r">
-              <a:lnSpc>
-                <a:spcPct val="80000"/>
-              </a:lnSpc>
-            </a:pPr>
-            <a:r>
-              <a:rPr lang="en-US" sz="1650" dirty="0"/>
-              <a:t>SEX</a:t>
-            </a:r>
-          </a:p>
-          <a:p>
-            <a:pPr algn="r">
-              <a:lnSpc>
-                <a:spcPct val="80000"/>
-              </a:lnSpc>
-            </a:pPr>
-            <a:r>
-              <a:rPr lang="en-US" sz="1650" dirty="0"/>
-              <a:t>PAY_AMT4</a:t>
-            </a:r>
-          </a:p>
-          <a:p>
-            <a:pPr algn="r">
-              <a:lnSpc>
-                <a:spcPct val="80000"/>
-              </a:lnSpc>
-            </a:pPr>
-            <a:r>
-              <a:rPr lang="en-US" sz="1650" dirty="0"/>
-              <a:t>PAY_AMT6</a:t>
-            </a:r>
-          </a:p>
-          <a:p>
-            <a:pPr algn="r">
-              <a:lnSpc>
-                <a:spcPct val="80000"/>
-              </a:lnSpc>
-            </a:pPr>
-            <a:r>
-              <a:rPr lang="en-US" sz="1650" dirty="0"/>
-              <a:t>PAY_AMT5</a:t>
-            </a:r>
-          </a:p>
-          <a:p>
-            <a:pPr algn="r">
-              <a:lnSpc>
-                <a:spcPct val="80000"/>
-              </a:lnSpc>
-            </a:pPr>
-            <a:r>
-              <a:rPr lang="en-US" sz="1650" dirty="0"/>
-              <a:t>EDUCATION</a:t>
-            </a:r>
-          </a:p>
-          <a:p>
-            <a:pPr algn="r">
-              <a:lnSpc>
-                <a:spcPct val="80000"/>
-              </a:lnSpc>
-            </a:pPr>
-            <a:r>
-              <a:rPr lang="en-US" sz="1650" dirty="0"/>
-              <a:t>BILL_AMT2</a:t>
-            </a:r>
-          </a:p>
-          <a:p>
-            <a:pPr algn="r">
-              <a:lnSpc>
-                <a:spcPct val="80000"/>
-              </a:lnSpc>
-            </a:pPr>
-            <a:r>
-              <a:rPr lang="en-US" sz="1650" dirty="0"/>
-              <a:t>BILL_AMT5</a:t>
-            </a:r>
-          </a:p>
-          <a:p>
-            <a:pPr algn="r">
-              <a:lnSpc>
-                <a:spcPct val="80000"/>
-              </a:lnSpc>
-            </a:pPr>
-            <a:r>
-              <a:rPr lang="en-US" sz="1650" dirty="0"/>
-              <a:t>BILL_AMT6</a:t>
-            </a:r>
-          </a:p>
-          <a:p>
-            <a:pPr algn="r">
-              <a:lnSpc>
-                <a:spcPct val="80000"/>
-              </a:lnSpc>
-            </a:pPr>
-            <a:r>
-              <a:rPr lang="en-US" sz="1650" dirty="0"/>
-              <a:t>BILL_AMT4</a:t>
-            </a:r>
-          </a:p>
-          <a:p>
-            <a:pPr algn="r">
-              <a:lnSpc>
-                <a:spcPct val="80000"/>
-              </a:lnSpc>
-            </a:pPr>
-            <a:r>
-              <a:rPr lang="en-US" sz="1650" dirty="0"/>
-              <a:t>BILL_AMT3</a:t>
-            </a:r>
-          </a:p>
-        </p:txBody>
-      </p:sp>
-      <p:sp>
-        <p:nvSpPr>
-          <p:cNvPr id="8" name="TextBox 7">
-            <a:extLst>
-              <a:ext uri="{FF2B5EF4-FFF2-40B4-BE49-F238E27FC236}">
-                <a16:creationId xmlns:a16="http://schemas.microsoft.com/office/drawing/2014/main" id="{23AAF93C-BA14-FE40-A6FA-422D82CF4F31}"/>
+            <a:r>
+              <a:rPr lang="en-US" sz="1300" dirty="0"/>
+              <a:t>33% Missing Data</a:t>
+            </a:r>
+          </a:p>
+          <a:p>
+            <a:r>
+              <a:rPr lang="en-US" sz="1300" dirty="0"/>
+              <a:t>0%   Missing Data</a:t>
+            </a:r>
+          </a:p>
+        </p:txBody>
+      </p:sp>
+      <p:sp>
+        <p:nvSpPr>
+          <p:cNvPr id="9" name="TextBox 8">
+            <a:extLst>
+              <a:ext uri="{FF2B5EF4-FFF2-40B4-BE49-F238E27FC236}">
+                <a16:creationId xmlns:a16="http://schemas.microsoft.com/office/drawing/2014/main" id="{F9C789D7-DBE3-4241-956B-C36857F69747}"/>
               </a:ext>
             </a:extLst>
           </p:cNvPr>
@@ -7978,16 +10413,14 @@
           <p:nvPr/>
         </p:nvSpPr>
         <p:spPr>
-          <a:xfrm>
-            <a:off x="5966057" y="948438"/>
-            <a:ext cx="1397875" cy="4769447"/>
-          </a:xfrm>
-          <a:prstGeom prst="rect">
-            <a:avLst/>
-          </a:prstGeom>
-          <a:solidFill>
-            <a:schemeClr val="bg1"/>
-          </a:solidFill>
+          <a:xfrm rot="16200000">
+            <a:off x="776807" y="3233493"/>
+            <a:ext cx="4199544" cy="369332"/>
+          </a:xfrm>
+          <a:prstGeom prst="rect">
+            <a:avLst/>
+          </a:prstGeom>
+          <a:noFill/>
         </p:spPr>
         <p:txBody>
           <a:bodyPr wrap="square" rtlCol="0">
@@ -7995,345 +10428,19 @@
           </a:bodyPr>
           <a:lstStyle/>
           <a:p>
-            <a:pPr algn="r">
-              <a:lnSpc>
-                <a:spcPct val="80000"/>
-              </a:lnSpc>
-            </a:pPr>
-            <a:r>
-              <a:rPr lang="en-US" sz="1650" dirty="0"/>
-              <a:t>PAY_0</a:t>
-            </a:r>
-          </a:p>
-          <a:p>
-            <a:pPr algn="r">
-              <a:lnSpc>
-                <a:spcPct val="80000"/>
-              </a:lnSpc>
-            </a:pPr>
-            <a:r>
-              <a:rPr lang="en-US" sz="1650" dirty="0"/>
-              <a:t>PAY_3</a:t>
-            </a:r>
-          </a:p>
-          <a:p>
-            <a:pPr algn="r">
-              <a:lnSpc>
-                <a:spcPct val="80000"/>
-              </a:lnSpc>
-            </a:pPr>
-            <a:r>
-              <a:rPr lang="en-US" sz="1650" dirty="0"/>
-              <a:t>PAY_2</a:t>
-            </a:r>
-          </a:p>
-          <a:p>
-            <a:pPr algn="r">
-              <a:lnSpc>
-                <a:spcPct val="80000"/>
-              </a:lnSpc>
-            </a:pPr>
-            <a:r>
-              <a:rPr lang="en-US" sz="1650" dirty="0"/>
-              <a:t>LIMIT_BAL</a:t>
-            </a:r>
-          </a:p>
-          <a:p>
-            <a:pPr algn="r">
-              <a:lnSpc>
-                <a:spcPct val="80000"/>
-              </a:lnSpc>
-            </a:pPr>
-            <a:r>
-              <a:rPr lang="en-US" sz="1650" dirty="0"/>
-              <a:t>BILL_AMT1</a:t>
-            </a:r>
-          </a:p>
-          <a:p>
-            <a:pPr algn="r">
-              <a:lnSpc>
-                <a:spcPct val="80000"/>
-              </a:lnSpc>
-            </a:pPr>
-            <a:r>
-              <a:rPr lang="en-US" sz="1650" dirty="0"/>
-              <a:t>PAY_AMT3</a:t>
-            </a:r>
-          </a:p>
-          <a:p>
-            <a:pPr algn="r">
-              <a:lnSpc>
-                <a:spcPct val="80000"/>
-              </a:lnSpc>
-            </a:pPr>
-            <a:r>
-              <a:rPr lang="en-US" sz="1650" dirty="0"/>
-              <a:t>PAY_5</a:t>
-            </a:r>
-          </a:p>
-          <a:p>
-            <a:pPr algn="r">
-              <a:lnSpc>
-                <a:spcPct val="80000"/>
-              </a:lnSpc>
-            </a:pPr>
-            <a:r>
-              <a:rPr lang="en-US" sz="1650" dirty="0"/>
-              <a:t>PAY_AMT2</a:t>
-            </a:r>
-          </a:p>
-          <a:p>
-            <a:pPr algn="r">
-              <a:lnSpc>
-                <a:spcPct val="80000"/>
-              </a:lnSpc>
-            </a:pPr>
-            <a:r>
-              <a:rPr lang="en-US" sz="1650" dirty="0"/>
-              <a:t>PAY_6</a:t>
-            </a:r>
-          </a:p>
-          <a:p>
-            <a:pPr algn="r">
-              <a:lnSpc>
-                <a:spcPct val="80000"/>
-              </a:lnSpc>
-            </a:pPr>
-            <a:r>
-              <a:rPr lang="en-US" sz="1650" dirty="0"/>
-              <a:t>PAY_4</a:t>
-            </a:r>
-          </a:p>
-          <a:p>
-            <a:pPr algn="r">
-              <a:lnSpc>
-                <a:spcPct val="80000"/>
-              </a:lnSpc>
-            </a:pPr>
-            <a:r>
-              <a:rPr lang="en-US" sz="1650" dirty="0"/>
-              <a:t>MARRIAGE</a:t>
-            </a:r>
-          </a:p>
-          <a:p>
-            <a:pPr algn="r">
-              <a:lnSpc>
-                <a:spcPct val="80000"/>
-              </a:lnSpc>
-            </a:pPr>
-            <a:r>
-              <a:rPr lang="en-US" sz="1650" dirty="0"/>
-              <a:t>PAY_AMT1</a:t>
-            </a:r>
-          </a:p>
-          <a:p>
-            <a:pPr algn="r">
-              <a:lnSpc>
-                <a:spcPct val="80000"/>
-              </a:lnSpc>
-            </a:pPr>
-            <a:r>
-              <a:rPr lang="en-US" sz="1650" dirty="0"/>
-              <a:t>AGE</a:t>
-            </a:r>
-          </a:p>
-          <a:p>
-            <a:pPr algn="r">
-              <a:lnSpc>
-                <a:spcPct val="80000"/>
-              </a:lnSpc>
-            </a:pPr>
-            <a:r>
-              <a:rPr lang="en-US" sz="1650" dirty="0"/>
-              <a:t>SEX</a:t>
-            </a:r>
-          </a:p>
-          <a:p>
-            <a:pPr algn="r">
-              <a:lnSpc>
-                <a:spcPct val="80000"/>
-              </a:lnSpc>
-            </a:pPr>
-            <a:r>
-              <a:rPr lang="en-US" sz="1650" dirty="0"/>
-              <a:t>PAY_AMT4</a:t>
-            </a:r>
-          </a:p>
-          <a:p>
-            <a:pPr algn="r">
-              <a:lnSpc>
-                <a:spcPct val="80000"/>
-              </a:lnSpc>
-            </a:pPr>
-            <a:r>
-              <a:rPr lang="en-US" sz="1650" dirty="0"/>
-              <a:t>PAY_AMT6</a:t>
-            </a:r>
-          </a:p>
-          <a:p>
-            <a:pPr algn="r">
-              <a:lnSpc>
-                <a:spcPct val="80000"/>
-              </a:lnSpc>
-            </a:pPr>
-            <a:r>
-              <a:rPr lang="en-US" sz="1650" dirty="0"/>
-              <a:t>BILL_AMT2</a:t>
-            </a:r>
-          </a:p>
-          <a:p>
-            <a:pPr algn="r">
-              <a:lnSpc>
-                <a:spcPct val="80000"/>
-              </a:lnSpc>
-            </a:pPr>
-            <a:r>
-              <a:rPr lang="en-US" sz="1650" dirty="0"/>
-              <a:t>PAY_AMT5</a:t>
-            </a:r>
-          </a:p>
-          <a:p>
-            <a:pPr algn="r">
-              <a:lnSpc>
-                <a:spcPct val="80000"/>
-              </a:lnSpc>
-            </a:pPr>
-            <a:r>
-              <a:rPr lang="en-US" sz="1650" dirty="0"/>
-              <a:t>EDUCATION</a:t>
-            </a:r>
-          </a:p>
-          <a:p>
-            <a:pPr algn="r">
-              <a:lnSpc>
-                <a:spcPct val="80000"/>
-              </a:lnSpc>
-            </a:pPr>
-            <a:r>
-              <a:rPr lang="en-US" sz="1650" dirty="0"/>
-              <a:t>BILL_AMT5</a:t>
-            </a:r>
-          </a:p>
-          <a:p>
-            <a:pPr algn="r">
-              <a:lnSpc>
-                <a:spcPct val="80000"/>
-              </a:lnSpc>
-            </a:pPr>
-            <a:r>
-              <a:rPr lang="en-US" sz="1650" dirty="0"/>
-              <a:t>BILL_AMT6</a:t>
-            </a:r>
-          </a:p>
-          <a:p>
-            <a:pPr algn="r">
-              <a:lnSpc>
-                <a:spcPct val="80000"/>
-              </a:lnSpc>
-            </a:pPr>
-            <a:r>
-              <a:rPr lang="en-US" sz="1650" dirty="0"/>
-              <a:t>BILL_AMT3</a:t>
-            </a:r>
-          </a:p>
-          <a:p>
-            <a:pPr algn="r">
-              <a:lnSpc>
-                <a:spcPct val="80000"/>
-              </a:lnSpc>
-            </a:pPr>
-            <a:r>
-              <a:rPr lang="en-US" sz="1650" dirty="0"/>
-              <a:t>BILL_AMT4</a:t>
-            </a:r>
-          </a:p>
-        </p:txBody>
-      </p:sp>
-      <p:sp>
-        <p:nvSpPr>
-          <p:cNvPr id="9" name="TextBox 8">
-            <a:extLst>
-              <a:ext uri="{FF2B5EF4-FFF2-40B4-BE49-F238E27FC236}">
-                <a16:creationId xmlns:a16="http://schemas.microsoft.com/office/drawing/2014/main" id="{66154E63-CE2C-FA44-ABA0-3D1BC3368533}"/>
-              </a:ext>
-            </a:extLst>
-          </p:cNvPr>
-          <p:cNvSpPr txBox="1"/>
-          <p:nvPr/>
-        </p:nvSpPr>
-        <p:spPr>
-          <a:xfrm>
-            <a:off x="1397875" y="616896"/>
-            <a:ext cx="4362400" cy="338554"/>
-          </a:xfrm>
-          <a:prstGeom prst="rect">
-            <a:avLst/>
-          </a:prstGeom>
-          <a:solidFill>
-            <a:schemeClr val="bg1"/>
-          </a:solidFill>
-        </p:spPr>
-        <p:txBody>
-          <a:bodyPr wrap="square" rtlCol="0">
-            <a:spAutoFit/>
-          </a:bodyPr>
-          <a:lstStyle/>
-          <a:p>
             <a:pPr algn="ctr"/>
             <a:r>
-              <a:rPr lang="en-US" sz="1600" dirty="0"/>
-              <a:t>Global Shapley Feature Importance for Predictions</a:t>
-            </a:r>
-          </a:p>
-        </p:txBody>
-      </p:sp>
-      <p:sp>
-        <p:nvSpPr>
-          <p:cNvPr id="10" name="TextBox 9">
-            <a:extLst>
-              <a:ext uri="{FF2B5EF4-FFF2-40B4-BE49-F238E27FC236}">
-                <a16:creationId xmlns:a16="http://schemas.microsoft.com/office/drawing/2014/main" id="{17152130-B0E4-6349-A7CB-D7AC90D00C2B}"/>
-              </a:ext>
-            </a:extLst>
-          </p:cNvPr>
-          <p:cNvSpPr txBox="1"/>
-          <p:nvPr/>
-        </p:nvSpPr>
-        <p:spPr>
-          <a:xfrm>
-            <a:off x="7363932" y="616896"/>
-            <a:ext cx="4362400" cy="338554"/>
-          </a:xfrm>
-          <a:prstGeom prst="rect">
-            <a:avLst/>
-          </a:prstGeom>
-          <a:solidFill>
-            <a:schemeClr val="bg1"/>
-          </a:solidFill>
-        </p:spPr>
-        <p:txBody>
-          <a:bodyPr wrap="square" rtlCol="0">
-            <a:spAutoFit/>
-          </a:bodyPr>
-          <a:lstStyle/>
-          <a:p>
-            <a:pPr algn="ctr"/>
-            <a:r>
-              <a:rPr lang="en-US" sz="1600" dirty="0"/>
-              <a:t>Global Shapley Feature Importance for </a:t>
-            </a:r>
-            <a:r>
-              <a:rPr lang="en-US" sz="1600" dirty="0" err="1"/>
-              <a:t>Logloss</a:t>
-            </a:r>
-            <a:endParaRPr lang="en-US" sz="1600" dirty="0"/>
+              <a:rPr lang="en-US" dirty="0" err="1"/>
+              <a:t>p_DEFAULT_NEXT_MONTH</a:t>
+            </a:r>
+            <a:endParaRPr lang="en-US" dirty="0"/>
           </a:p>
         </p:txBody>
       </p:sp>
     </p:spTree>
     <p:extLst>
       <p:ext uri="{BB962C8B-B14F-4D97-AF65-F5344CB8AC3E}">
-        <p14:creationId xmlns:p14="http://schemas.microsoft.com/office/powerpoint/2010/main" val="3524314082"/>
+        <p14:creationId xmlns:p14="http://schemas.microsoft.com/office/powerpoint/2010/main" val="3964683750"/>
       </p:ext>
     </p:extLst>
   </p:cSld>
@@ -8365,7 +10472,7 @@
           <p:cNvPr id="3" name="Picture 2">
             <a:extLst>
               <a:ext uri="{FF2B5EF4-FFF2-40B4-BE49-F238E27FC236}">
-                <a16:creationId xmlns:a16="http://schemas.microsoft.com/office/drawing/2014/main" id="{3DCE8244-E336-E14C-91C9-25635005D680}"/>
+                <a16:creationId xmlns:a16="http://schemas.microsoft.com/office/drawing/2014/main" id="{BFD784AF-823E-694D-B066-365DAB1FB992}"/>
               </a:ext>
             </a:extLst>
           </p:cNvPr>
@@ -8382,8 +10489,8 @@
         </p:blipFill>
         <p:spPr>
           <a:xfrm>
-            <a:off x="2651315" y="600075"/>
-            <a:ext cx="6471832" cy="5314950"/>
+            <a:off x="-2990" y="1115559"/>
+            <a:ext cx="12194990" cy="4628015"/>
           </a:xfrm>
           <a:prstGeom prst="rect">
             <a:avLst/>
@@ -8395,7 +10502,7 @@
           <p:cNvPr id="4" name="TextBox 3">
             <a:extLst>
               <a:ext uri="{FF2B5EF4-FFF2-40B4-BE49-F238E27FC236}">
-                <a16:creationId xmlns:a16="http://schemas.microsoft.com/office/drawing/2014/main" id="{527C26BB-A62B-6445-B4F0-15DCBA98BA27}"/>
+                <a16:creationId xmlns:a16="http://schemas.microsoft.com/office/drawing/2014/main" id="{326DD454-1B97-C14C-81B9-93373E62EA0E}"/>
               </a:ext>
             </a:extLst>
           </p:cNvPr>
@@ -8403,9 +10510,9 @@
           <p:nvPr/>
         </p:nvSpPr>
         <p:spPr>
-          <a:xfrm rot="16200000">
-            <a:off x="5609067" y="2636969"/>
-            <a:ext cx="1397875" cy="5844036"/>
+          <a:xfrm>
+            <a:off x="-285689" y="1431967"/>
+            <a:ext cx="1397875" cy="3777316"/>
           </a:xfrm>
           <a:prstGeom prst="rect">
             <a:avLst/>
@@ -8422,254 +10529,254 @@
           <a:p>
             <a:pPr algn="r">
               <a:lnSpc>
-                <a:spcPct val="81000"/>
+                <a:spcPct val="80000"/>
               </a:lnSpc>
             </a:pPr>
             <a:r>
-              <a:rPr lang="en-US" sz="1980" dirty="0"/>
-              <a:t>PAY_AMT1</a:t>
+              <a:rPr lang="en-US" sz="1300" dirty="0"/>
+              <a:t>PAY_AMT6</a:t>
             </a:r>
           </a:p>
           <a:p>
             <a:pPr algn="r">
               <a:lnSpc>
-                <a:spcPct val="81000"/>
+                <a:spcPct val="80000"/>
               </a:lnSpc>
             </a:pPr>
             <a:r>
-              <a:rPr lang="en-US" sz="1980" dirty="0"/>
-              <a:t>LIMIT_BAL</a:t>
+              <a:rPr lang="en-US" sz="1300" dirty="0"/>
+              <a:t>PAY_AMT5</a:t>
             </a:r>
           </a:p>
           <a:p>
             <a:pPr algn="r">
               <a:lnSpc>
-                <a:spcPct val="81000"/>
+                <a:spcPct val="80000"/>
               </a:lnSpc>
             </a:pPr>
             <a:r>
-              <a:rPr lang="en-US" sz="1980" dirty="0"/>
-              <a:t>PAY_AMT2</a:t>
+              <a:rPr lang="en-US" sz="1300" dirty="0"/>
+              <a:t>PAY_AMT4</a:t>
             </a:r>
           </a:p>
           <a:p>
             <a:pPr algn="r">
               <a:lnSpc>
-                <a:spcPct val="81000"/>
+                <a:spcPct val="80000"/>
               </a:lnSpc>
             </a:pPr>
             <a:r>
-              <a:rPr lang="en-US" sz="1980" dirty="0"/>
-              <a:t>PAY_0</a:t>
+              <a:rPr lang="en-US" sz="1300" dirty="0"/>
+              <a:t>PAY_AMT3</a:t>
             </a:r>
           </a:p>
           <a:p>
             <a:pPr algn="r">
               <a:lnSpc>
-                <a:spcPct val="81000"/>
+                <a:spcPct val="80000"/>
               </a:lnSpc>
             </a:pPr>
             <a:r>
-              <a:rPr lang="en-US" sz="1980" dirty="0"/>
-              <a:t>PAY_3</a:t>
+              <a:rPr lang="en-US" sz="1300" dirty="0"/>
+              <a:t>PAY_AMT2</a:t>
             </a:r>
           </a:p>
           <a:p>
             <a:pPr algn="r">
               <a:lnSpc>
-                <a:spcPct val="81000"/>
+                <a:spcPct val="80000"/>
               </a:lnSpc>
             </a:pPr>
             <a:r>
-              <a:rPr lang="en-US" sz="1980" dirty="0"/>
-              <a:t>PAY_AMT3</a:t>
+              <a:rPr lang="en-US" sz="1300" dirty="0"/>
+              <a:t>PAY_AMT1</a:t>
             </a:r>
           </a:p>
           <a:p>
             <a:pPr algn="r">
               <a:lnSpc>
-                <a:spcPct val="81000"/>
+                <a:spcPct val="80000"/>
               </a:lnSpc>
             </a:pPr>
             <a:r>
-              <a:rPr lang="en-US" sz="1980" dirty="0"/>
-              <a:t>PAY_6</a:t>
+              <a:rPr lang="en-US" sz="1300" dirty="0"/>
+              <a:t>BILL_AMT6</a:t>
             </a:r>
           </a:p>
           <a:p>
             <a:pPr algn="r">
               <a:lnSpc>
-                <a:spcPct val="81000"/>
+                <a:spcPct val="80000"/>
               </a:lnSpc>
             </a:pPr>
             <a:r>
-              <a:rPr lang="en-US" sz="1980" dirty="0"/>
-              <a:t>PAY_2</a:t>
+              <a:rPr lang="en-US" sz="1300" dirty="0"/>
+              <a:t>BILL_AMT5</a:t>
             </a:r>
           </a:p>
           <a:p>
             <a:pPr algn="r">
               <a:lnSpc>
-                <a:spcPct val="81000"/>
+                <a:spcPct val="80000"/>
               </a:lnSpc>
             </a:pPr>
             <a:r>
-              <a:rPr lang="en-US" sz="1980" dirty="0"/>
-              <a:t>BILL_AMT1</a:t>
+              <a:rPr lang="en-US" sz="1300" dirty="0"/>
+              <a:t>BILL_AMT4</a:t>
             </a:r>
           </a:p>
           <a:p>
             <a:pPr algn="r">
               <a:lnSpc>
-                <a:spcPct val="81000"/>
+                <a:spcPct val="80000"/>
               </a:lnSpc>
             </a:pPr>
             <a:r>
-              <a:rPr lang="en-US" sz="1980" dirty="0"/>
-              <a:t>MARRIAGE</a:t>
+              <a:rPr lang="en-US" sz="1300" dirty="0"/>
+              <a:t>BILL_AMT3</a:t>
             </a:r>
           </a:p>
           <a:p>
             <a:pPr algn="r">
               <a:lnSpc>
-                <a:spcPct val="81000"/>
+                <a:spcPct val="80000"/>
               </a:lnSpc>
             </a:pPr>
             <a:r>
-              <a:rPr lang="en-US" sz="1980" dirty="0"/>
-              <a:t>PAY_5</a:t>
+              <a:rPr lang="en-US" sz="1300" dirty="0"/>
+              <a:t>BILL_AMT2</a:t>
             </a:r>
           </a:p>
           <a:p>
             <a:pPr algn="r">
               <a:lnSpc>
-                <a:spcPct val="81000"/>
+                <a:spcPct val="80000"/>
               </a:lnSpc>
             </a:pPr>
             <a:r>
-              <a:rPr lang="en-US" sz="1980" dirty="0"/>
-              <a:t>PAY_AMT5</a:t>
+              <a:rPr lang="en-US" sz="1300" dirty="0"/>
+              <a:t>BILL_AMT1</a:t>
             </a:r>
           </a:p>
           <a:p>
             <a:pPr algn="r">
               <a:lnSpc>
-                <a:spcPct val="81000"/>
+                <a:spcPct val="80000"/>
               </a:lnSpc>
             </a:pPr>
             <a:r>
-              <a:rPr lang="en-US" sz="1980" dirty="0"/>
-              <a:t>PAY_AMT6</a:t>
+              <a:rPr lang="en-US" sz="1300" dirty="0"/>
+              <a:t>PAY_6</a:t>
             </a:r>
           </a:p>
           <a:p>
             <a:pPr algn="r">
               <a:lnSpc>
-                <a:spcPct val="81000"/>
+                <a:spcPct val="80000"/>
               </a:lnSpc>
             </a:pPr>
             <a:r>
-              <a:rPr lang="en-US" sz="1980" dirty="0"/>
-              <a:t>PAY_4</a:t>
+              <a:rPr lang="en-US" sz="1300" dirty="0"/>
+              <a:t>PAY_5</a:t>
             </a:r>
           </a:p>
           <a:p>
             <a:pPr algn="r">
               <a:lnSpc>
-                <a:spcPct val="81000"/>
+                <a:spcPct val="80000"/>
               </a:lnSpc>
             </a:pPr>
             <a:r>
-              <a:rPr lang="en-US" sz="1980" dirty="0"/>
-              <a:t>BILL_AMT2</a:t>
+              <a:rPr lang="en-US" sz="1300" dirty="0"/>
+              <a:t>PAY_4</a:t>
             </a:r>
           </a:p>
           <a:p>
             <a:pPr algn="r">
               <a:lnSpc>
-                <a:spcPct val="81000"/>
+                <a:spcPct val="80000"/>
               </a:lnSpc>
             </a:pPr>
             <a:r>
-              <a:rPr lang="en-US" sz="1980" dirty="0"/>
-              <a:t>EDUCATION</a:t>
+              <a:rPr lang="en-US" sz="1300" dirty="0"/>
+              <a:t>PAY_3</a:t>
             </a:r>
           </a:p>
           <a:p>
             <a:pPr algn="r">
               <a:lnSpc>
-                <a:spcPct val="81000"/>
+                <a:spcPct val="80000"/>
               </a:lnSpc>
             </a:pPr>
             <a:r>
-              <a:rPr lang="en-US" sz="1980" dirty="0"/>
-              <a:t>PAY_AMT4</a:t>
+              <a:rPr lang="en-US" sz="1300" dirty="0"/>
+              <a:t>PAY_2</a:t>
             </a:r>
           </a:p>
           <a:p>
             <a:pPr algn="r">
               <a:lnSpc>
-                <a:spcPct val="81000"/>
+                <a:spcPct val="80000"/>
               </a:lnSpc>
             </a:pPr>
             <a:r>
-              <a:rPr lang="en-US" sz="1980" dirty="0"/>
-              <a:t>BILL_AMT4</a:t>
+              <a:rPr lang="en-US" sz="1300" dirty="0"/>
+              <a:t>PAY_0</a:t>
             </a:r>
           </a:p>
           <a:p>
             <a:pPr algn="r">
               <a:lnSpc>
-                <a:spcPct val="81000"/>
+                <a:spcPct val="80000"/>
               </a:lnSpc>
             </a:pPr>
             <a:r>
-              <a:rPr lang="en-US" sz="1980" dirty="0"/>
-              <a:t>BILL_AMT6</a:t>
+              <a:rPr lang="en-US" sz="1300" dirty="0"/>
+              <a:t>AGE</a:t>
             </a:r>
           </a:p>
           <a:p>
             <a:pPr algn="r">
               <a:lnSpc>
-                <a:spcPct val="81000"/>
+                <a:spcPct val="80000"/>
               </a:lnSpc>
             </a:pPr>
             <a:r>
-              <a:rPr lang="en-US" sz="1980" dirty="0"/>
-              <a:t>BILL_AMT5</a:t>
+              <a:rPr lang="en-US" sz="1300" dirty="0"/>
+              <a:t>MARRIAGE</a:t>
             </a:r>
           </a:p>
           <a:p>
             <a:pPr algn="r">
               <a:lnSpc>
-                <a:spcPct val="81000"/>
+                <a:spcPct val="80000"/>
               </a:lnSpc>
             </a:pPr>
             <a:r>
-              <a:rPr lang="en-US" sz="1980" dirty="0"/>
-              <a:t>BILL_AMT3</a:t>
+              <a:rPr lang="en-US" sz="1300" dirty="0"/>
+              <a:t>EDUCATION</a:t>
             </a:r>
           </a:p>
           <a:p>
             <a:pPr algn="r">
               <a:lnSpc>
-                <a:spcPct val="81000"/>
+                <a:spcPct val="80000"/>
               </a:lnSpc>
             </a:pPr>
             <a:r>
-              <a:rPr lang="en-US" sz="1980" dirty="0"/>
-              <a:t>AGE</a:t>
+              <a:rPr lang="en-US" sz="1300" dirty="0"/>
+              <a:t>SEX</a:t>
             </a:r>
           </a:p>
           <a:p>
             <a:pPr algn="r">
               <a:lnSpc>
-                <a:spcPct val="81000"/>
+                <a:spcPct val="80000"/>
               </a:lnSpc>
             </a:pPr>
             <a:r>
-              <a:rPr lang="en-US" sz="1980" dirty="0"/>
-              <a:t>SEX</a:t>
+              <a:rPr lang="en-US" sz="1300" dirty="0"/>
+              <a:t>LIMIT_BAL</a:t>
             </a:r>
           </a:p>
         </p:txBody>
@@ -8679,7 +10786,7 @@
           <p:cNvPr id="5" name="TextBox 4">
             <a:extLst>
               <a:ext uri="{FF2B5EF4-FFF2-40B4-BE49-F238E27FC236}">
-                <a16:creationId xmlns:a16="http://schemas.microsoft.com/office/drawing/2014/main" id="{5ED8AD08-53E4-1747-BA6F-A541E6A0263E}"/>
+                <a16:creationId xmlns:a16="http://schemas.microsoft.com/office/drawing/2014/main" id="{839A23AA-905D-1042-96D1-449404396BAE}"/>
               </a:ext>
             </a:extLst>
           </p:cNvPr>
@@ -8687,9 +10794,9 @@
           <p:nvPr/>
         </p:nvSpPr>
         <p:spPr>
-          <a:xfrm rot="16200000">
-            <a:off x="916597" y="2815374"/>
-            <a:ext cx="3720019" cy="369332"/>
+          <a:xfrm>
+            <a:off x="1112185" y="5474526"/>
+            <a:ext cx="5264863" cy="369332"/>
           </a:xfrm>
           <a:prstGeom prst="rect">
             <a:avLst/>
@@ -8707,7 +10814,7 @@
             <a:pPr algn="ctr"/>
             <a:r>
               <a:rPr lang="en-US" dirty="0"/>
-              <a:t>Shapley Feature Contributions</a:t>
+              <a:t>Average Shapley Feature Contributions</a:t>
             </a:r>
           </a:p>
         </p:txBody>
@@ -8717,7 +10824,7 @@
           <p:cNvPr id="6" name="TextBox 5">
             <a:extLst>
               <a:ext uri="{FF2B5EF4-FFF2-40B4-BE49-F238E27FC236}">
-                <a16:creationId xmlns:a16="http://schemas.microsoft.com/office/drawing/2014/main" id="{0708BCAE-785C-A144-800D-71DB035E39BE}"/>
+                <a16:creationId xmlns:a16="http://schemas.microsoft.com/office/drawing/2014/main" id="{32219CF4-9F59-1C41-833C-F7A8614BBD4E}"/>
               </a:ext>
             </a:extLst>
           </p:cNvPr>
@@ -8726,8 +10833,8 @@
         </p:nvSpPr>
         <p:spPr>
           <a:xfrm>
-            <a:off x="3385986" y="714323"/>
-            <a:ext cx="5639261" cy="369332"/>
+            <a:off x="6778638" y="5474526"/>
+            <a:ext cx="5264863" cy="369332"/>
           </a:xfrm>
           <a:prstGeom prst="rect">
             <a:avLst/>
@@ -8745,20 +10852,91 @@
             <a:pPr algn="ctr"/>
             <a:r>
               <a:rPr lang="en-US" dirty="0"/>
-              <a:t>Local Shapley Feature Contributions to </a:t>
-            </a:r>
-            <a:r>
-              <a:rPr lang="en-US" dirty="0" err="1"/>
-              <a:t>Logloss</a:t>
-            </a:r>
-            <a:endParaRPr lang="en-US" dirty="0"/>
+              <a:t>Average Shapley Feature Contributions</a:t>
+            </a:r>
+          </a:p>
+        </p:txBody>
+      </p:sp>
+      <p:sp>
+        <p:nvSpPr>
+          <p:cNvPr id="7" name="TextBox 6">
+            <a:extLst>
+              <a:ext uri="{FF2B5EF4-FFF2-40B4-BE49-F238E27FC236}">
+                <a16:creationId xmlns:a16="http://schemas.microsoft.com/office/drawing/2014/main" id="{7C204E10-A54F-5744-9FBC-6845395DA0D0}"/>
+              </a:ext>
+            </a:extLst>
+          </p:cNvPr>
+          <p:cNvSpPr txBox="1"/>
+          <p:nvPr/>
+        </p:nvSpPr>
+        <p:spPr>
+          <a:xfrm>
+            <a:off x="1112184" y="1072113"/>
+            <a:ext cx="5264863" cy="369332"/>
+          </a:xfrm>
+          <a:prstGeom prst="rect">
+            <a:avLst/>
+          </a:prstGeom>
+          <a:solidFill>
+            <a:schemeClr val="bg1"/>
+          </a:solidFill>
+        </p:spPr>
+        <p:txBody>
+          <a:bodyPr wrap="square" rtlCol="0">
+            <a:spAutoFit/>
+          </a:bodyPr>
+          <a:lstStyle/>
+          <a:p>
+            <a:pPr algn="ctr"/>
+            <a:r>
+              <a:rPr lang="en-US" dirty="0"/>
+              <a:t>Low Residual Rows</a:t>
+            </a:r>
+          </a:p>
+        </p:txBody>
+      </p:sp>
+      <p:sp>
+        <p:nvSpPr>
+          <p:cNvPr id="8" name="TextBox 7">
+            <a:extLst>
+              <a:ext uri="{FF2B5EF4-FFF2-40B4-BE49-F238E27FC236}">
+                <a16:creationId xmlns:a16="http://schemas.microsoft.com/office/drawing/2014/main" id="{D4302884-A862-874B-BFB7-1FF5FB003601}"/>
+              </a:ext>
+            </a:extLst>
+          </p:cNvPr>
+          <p:cNvSpPr txBox="1"/>
+          <p:nvPr/>
+        </p:nvSpPr>
+        <p:spPr>
+          <a:xfrm>
+            <a:off x="6927137" y="1067374"/>
+            <a:ext cx="5264863" cy="369332"/>
+          </a:xfrm>
+          <a:prstGeom prst="rect">
+            <a:avLst/>
+          </a:prstGeom>
+          <a:solidFill>
+            <a:schemeClr val="bg1"/>
+          </a:solidFill>
+        </p:spPr>
+        <p:txBody>
+          <a:bodyPr wrap="square" rtlCol="0">
+            <a:spAutoFit/>
+          </a:bodyPr>
+          <a:lstStyle/>
+          <a:p>
+            <a:pPr algn="ctr"/>
+            <a:r>
+              <a:rPr lang="en-US" dirty="0"/>
+              <a:t>High Residual Rows</a:t>
+            </a:r>
           </a:p>
         </p:txBody>
       </p:sp>
     </p:spTree>
     <p:extLst>
       <p:ext uri="{BB962C8B-B14F-4D97-AF65-F5344CB8AC3E}">
-        <p14:creationId xmlns:p14="http://schemas.microsoft.com/office/powerpoint/2010/main" val="605999594"/>
+        <p14:creationId xmlns:p14="http://schemas.microsoft.com/office/powerpoint/2010/main" val="3242364506"/>
       </p:ext>
     </p:extLst>
   </p:cSld>
